--- a/units/2/lessons/5/resources/petascale-lesson-2.5-slides.pptx
+++ b/units/2/lessons/5/resources/petascale-lesson-2.5-slides.pptx
@@ -3,25 +3,27 @@
 <p:presentation xmlns:a="http://schemas.openxmlformats.org/drawingml/2006/main" xmlns:r="http://schemas.openxmlformats.org/officeDocument/2006/relationships" xmlns:p="http://schemas.openxmlformats.org/presentationml/2006/main" saveSubsetFonts="1" autoCompressPictures="0">
   <p:sldMasterIdLst>
     <p:sldMasterId id="2147483648" r:id="rId1"/>
+    <p:sldMasterId id="2147483660" r:id="rId2"/>
   </p:sldMasterIdLst>
   <p:notesMasterIdLst>
-    <p:notesMasterId r:id="rId16"/>
+    <p:notesMasterId r:id="rId18"/>
   </p:notesMasterIdLst>
   <p:sldIdLst>
-    <p:sldId id="256" r:id="rId2"/>
-    <p:sldId id="257" r:id="rId3"/>
-    <p:sldId id="258" r:id="rId4"/>
-    <p:sldId id="259" r:id="rId5"/>
-    <p:sldId id="260" r:id="rId6"/>
-    <p:sldId id="261" r:id="rId7"/>
-    <p:sldId id="262" r:id="rId8"/>
-    <p:sldId id="263" r:id="rId9"/>
-    <p:sldId id="264" r:id="rId10"/>
-    <p:sldId id="265" r:id="rId11"/>
-    <p:sldId id="266" r:id="rId12"/>
-    <p:sldId id="267" r:id="rId13"/>
-    <p:sldId id="269" r:id="rId14"/>
-    <p:sldId id="268" r:id="rId15"/>
+    <p:sldId id="270" r:id="rId3"/>
+    <p:sldId id="271" r:id="rId4"/>
+    <p:sldId id="257" r:id="rId5"/>
+    <p:sldId id="258" r:id="rId6"/>
+    <p:sldId id="259" r:id="rId7"/>
+    <p:sldId id="260" r:id="rId8"/>
+    <p:sldId id="261" r:id="rId9"/>
+    <p:sldId id="262" r:id="rId10"/>
+    <p:sldId id="263" r:id="rId11"/>
+    <p:sldId id="264" r:id="rId12"/>
+    <p:sldId id="265" r:id="rId13"/>
+    <p:sldId id="266" r:id="rId14"/>
+    <p:sldId id="267" r:id="rId15"/>
+    <p:sldId id="269" r:id="rId16"/>
+    <p:sldId id="268" r:id="rId17"/>
   </p:sldIdLst>
   <p:sldSz cx="12192000" cy="6858000"/>
   <p:notesSz cx="6858000" cy="9144000"/>
@@ -210,7 +212,7 @@
           <a:p>
             <a:fld id="{1F9E61A1-21F8-1C4E-8714-275020CD1E84}" type="datetimeFigureOut">
               <a:rPr lang="en-US" smtClean="0"/>
-              <a:t>7/15/20</a:t>
+              <a:t>9/12/20</a:t>
             </a:fld>
             <a:endParaRPr lang="en-US"/>
           </a:p>
@@ -631,7 +633,7 @@
           <a:p>
             <a:fld id="{F11DB744-8DF2-934D-8CB2-16BEF8B8A35B}" type="slidenum">
               <a:rPr lang="en-US" smtClean="0"/>
-              <a:t>8</a:t>
+              <a:t>9</a:t>
             </a:fld>
             <a:endParaRPr lang="en-US"/>
           </a:p>
@@ -718,7 +720,7 @@
           <a:p>
             <a:fld id="{F11DB744-8DF2-934D-8CB2-16BEF8B8A35B}" type="slidenum">
               <a:rPr lang="en-US" smtClean="0"/>
-              <a:t>9</a:t>
+              <a:t>10</a:t>
             </a:fld>
             <a:endParaRPr lang="en-US"/>
           </a:p>
@@ -805,7 +807,7 @@
           <a:p>
             <a:fld id="{F11DB744-8DF2-934D-8CB2-16BEF8B8A35B}" type="slidenum">
               <a:rPr lang="en-US" smtClean="0"/>
-              <a:t>12</a:t>
+              <a:t>13</a:t>
             </a:fld>
             <a:endParaRPr lang="en-US"/>
           </a:p>
@@ -846,7 +848,7 @@
           <p:cNvPr id="2" name="Title 1">
             <a:extLst>
               <a:ext uri="{FF2B5EF4-FFF2-40B4-BE49-F238E27FC236}">
-                <a16:creationId xmlns:a16="http://schemas.microsoft.com/office/drawing/2014/main" id="{ECCD4231-516E-4F44-A17B-3F054DEC3749}"/>
+                <a16:creationId xmlns:a16="http://schemas.microsoft.com/office/drawing/2014/main" xmlns="" id="{ECCD4231-516E-4F44-A17B-3F054DEC3749}"/>
               </a:ext>
             </a:extLst>
           </p:cNvPr>
@@ -883,7 +885,7 @@
           <p:cNvPr id="3" name="Subtitle 2">
             <a:extLst>
               <a:ext uri="{FF2B5EF4-FFF2-40B4-BE49-F238E27FC236}">
-                <a16:creationId xmlns:a16="http://schemas.microsoft.com/office/drawing/2014/main" id="{9AAAE986-0001-8843-AA0C-EF11C02C99D5}"/>
+                <a16:creationId xmlns:a16="http://schemas.microsoft.com/office/drawing/2014/main" xmlns="" id="{9AAAE986-0001-8843-AA0C-EF11C02C99D5}"/>
               </a:ext>
             </a:extLst>
           </p:cNvPr>
@@ -953,7 +955,7 @@
           <p:cNvPr id="4" name="Date Placeholder 3">
             <a:extLst>
               <a:ext uri="{FF2B5EF4-FFF2-40B4-BE49-F238E27FC236}">
-                <a16:creationId xmlns:a16="http://schemas.microsoft.com/office/drawing/2014/main" id="{D9D63896-6ED9-6C46-B3B3-685E831C8A20}"/>
+                <a16:creationId xmlns:a16="http://schemas.microsoft.com/office/drawing/2014/main" xmlns="" id="{D9D63896-6ED9-6C46-B3B3-685E831C8A20}"/>
               </a:ext>
             </a:extLst>
           </p:cNvPr>
@@ -971,7 +973,7 @@
           <a:p>
             <a:fld id="{2AD54A35-3D00-9346-A90C-D5D0667B371F}" type="datetimeFigureOut">
               <a:rPr lang="en-US" smtClean="0"/>
-              <a:t>7/15/20</a:t>
+              <a:t>9/12/20</a:t>
             </a:fld>
             <a:endParaRPr lang="en-US"/>
           </a:p>
@@ -982,7 +984,7 @@
           <p:cNvPr id="5" name="Footer Placeholder 4">
             <a:extLst>
               <a:ext uri="{FF2B5EF4-FFF2-40B4-BE49-F238E27FC236}">
-                <a16:creationId xmlns:a16="http://schemas.microsoft.com/office/drawing/2014/main" id="{C10BB2E9-6A81-2145-B040-ED2C4437BADE}"/>
+                <a16:creationId xmlns:a16="http://schemas.microsoft.com/office/drawing/2014/main" xmlns="" id="{C10BB2E9-6A81-2145-B040-ED2C4437BADE}"/>
               </a:ext>
             </a:extLst>
           </p:cNvPr>
@@ -1007,7 +1009,7 @@
           <p:cNvPr id="6" name="Slide Number Placeholder 5">
             <a:extLst>
               <a:ext uri="{FF2B5EF4-FFF2-40B4-BE49-F238E27FC236}">
-                <a16:creationId xmlns:a16="http://schemas.microsoft.com/office/drawing/2014/main" id="{D98D17D2-DA72-A743-9E80-2DE7E411C371}"/>
+                <a16:creationId xmlns:a16="http://schemas.microsoft.com/office/drawing/2014/main" xmlns="" id="{D98D17D2-DA72-A743-9E80-2DE7E411C371}"/>
               </a:ext>
             </a:extLst>
           </p:cNvPr>
@@ -1066,7 +1068,7 @@
           <p:cNvPr id="2" name="Title 1">
             <a:extLst>
               <a:ext uri="{FF2B5EF4-FFF2-40B4-BE49-F238E27FC236}">
-                <a16:creationId xmlns:a16="http://schemas.microsoft.com/office/drawing/2014/main" id="{4A1F9254-60BE-DC42-9596-6D91A6259519}"/>
+                <a16:creationId xmlns:a16="http://schemas.microsoft.com/office/drawing/2014/main" xmlns="" id="{4A1F9254-60BE-DC42-9596-6D91A6259519}"/>
               </a:ext>
             </a:extLst>
           </p:cNvPr>
@@ -1094,7 +1096,7 @@
           <p:cNvPr id="3" name="Vertical Text Placeholder 2">
             <a:extLst>
               <a:ext uri="{FF2B5EF4-FFF2-40B4-BE49-F238E27FC236}">
-                <a16:creationId xmlns:a16="http://schemas.microsoft.com/office/drawing/2014/main" id="{4F14CE1F-628E-9042-9206-67E9845A0A66}"/>
+                <a16:creationId xmlns:a16="http://schemas.microsoft.com/office/drawing/2014/main" xmlns="" id="{4F14CE1F-628E-9042-9206-67E9845A0A66}"/>
               </a:ext>
             </a:extLst>
           </p:cNvPr>
@@ -1151,7 +1153,7 @@
           <p:cNvPr id="4" name="Date Placeholder 3">
             <a:extLst>
               <a:ext uri="{FF2B5EF4-FFF2-40B4-BE49-F238E27FC236}">
-                <a16:creationId xmlns:a16="http://schemas.microsoft.com/office/drawing/2014/main" id="{60E30384-8CEC-ED46-9688-34F619E3B67D}"/>
+                <a16:creationId xmlns:a16="http://schemas.microsoft.com/office/drawing/2014/main" xmlns="" id="{60E30384-8CEC-ED46-9688-34F619E3B67D}"/>
               </a:ext>
             </a:extLst>
           </p:cNvPr>
@@ -1169,7 +1171,7 @@
           <a:p>
             <a:fld id="{2AD54A35-3D00-9346-A90C-D5D0667B371F}" type="datetimeFigureOut">
               <a:rPr lang="en-US" smtClean="0"/>
-              <a:t>7/15/20</a:t>
+              <a:t>9/12/20</a:t>
             </a:fld>
             <a:endParaRPr lang="en-US"/>
           </a:p>
@@ -1180,7 +1182,7 @@
           <p:cNvPr id="5" name="Footer Placeholder 4">
             <a:extLst>
               <a:ext uri="{FF2B5EF4-FFF2-40B4-BE49-F238E27FC236}">
-                <a16:creationId xmlns:a16="http://schemas.microsoft.com/office/drawing/2014/main" id="{BE7DF76B-2F0B-2C42-9486-459AF6251F6C}"/>
+                <a16:creationId xmlns:a16="http://schemas.microsoft.com/office/drawing/2014/main" xmlns="" id="{BE7DF76B-2F0B-2C42-9486-459AF6251F6C}"/>
               </a:ext>
             </a:extLst>
           </p:cNvPr>
@@ -1205,7 +1207,7 @@
           <p:cNvPr id="6" name="Slide Number Placeholder 5">
             <a:extLst>
               <a:ext uri="{FF2B5EF4-FFF2-40B4-BE49-F238E27FC236}">
-                <a16:creationId xmlns:a16="http://schemas.microsoft.com/office/drawing/2014/main" id="{F21C5003-F49F-D740-A093-6378E87D40B1}"/>
+                <a16:creationId xmlns:a16="http://schemas.microsoft.com/office/drawing/2014/main" xmlns="" id="{F21C5003-F49F-D740-A093-6378E87D40B1}"/>
               </a:ext>
             </a:extLst>
           </p:cNvPr>
@@ -1264,7 +1266,7 @@
           <p:cNvPr id="2" name="Vertical Title 1">
             <a:extLst>
               <a:ext uri="{FF2B5EF4-FFF2-40B4-BE49-F238E27FC236}">
-                <a16:creationId xmlns:a16="http://schemas.microsoft.com/office/drawing/2014/main" id="{D868CAA1-F34C-BC48-B614-2DDE3BDD9513}"/>
+                <a16:creationId xmlns:a16="http://schemas.microsoft.com/office/drawing/2014/main" xmlns="" id="{D868CAA1-F34C-BC48-B614-2DDE3BDD9513}"/>
               </a:ext>
             </a:extLst>
           </p:cNvPr>
@@ -1297,7 +1299,7 @@
           <p:cNvPr id="3" name="Vertical Text Placeholder 2">
             <a:extLst>
               <a:ext uri="{FF2B5EF4-FFF2-40B4-BE49-F238E27FC236}">
-                <a16:creationId xmlns:a16="http://schemas.microsoft.com/office/drawing/2014/main" id="{055AFBE0-A990-E541-973F-DF66990A6AA2}"/>
+                <a16:creationId xmlns:a16="http://schemas.microsoft.com/office/drawing/2014/main" xmlns="" id="{055AFBE0-A990-E541-973F-DF66990A6AA2}"/>
               </a:ext>
             </a:extLst>
           </p:cNvPr>
@@ -1359,7 +1361,7 @@
           <p:cNvPr id="4" name="Date Placeholder 3">
             <a:extLst>
               <a:ext uri="{FF2B5EF4-FFF2-40B4-BE49-F238E27FC236}">
-                <a16:creationId xmlns:a16="http://schemas.microsoft.com/office/drawing/2014/main" id="{8FF6782F-122B-4747-91A7-9021A291FAF2}"/>
+                <a16:creationId xmlns:a16="http://schemas.microsoft.com/office/drawing/2014/main" xmlns="" id="{8FF6782F-122B-4747-91A7-9021A291FAF2}"/>
               </a:ext>
             </a:extLst>
           </p:cNvPr>
@@ -1377,7 +1379,7 @@
           <a:p>
             <a:fld id="{2AD54A35-3D00-9346-A90C-D5D0667B371F}" type="datetimeFigureOut">
               <a:rPr lang="en-US" smtClean="0"/>
-              <a:t>7/15/20</a:t>
+              <a:t>9/12/20</a:t>
             </a:fld>
             <a:endParaRPr lang="en-US"/>
           </a:p>
@@ -1388,7 +1390,7 @@
           <p:cNvPr id="5" name="Footer Placeholder 4">
             <a:extLst>
               <a:ext uri="{FF2B5EF4-FFF2-40B4-BE49-F238E27FC236}">
-                <a16:creationId xmlns:a16="http://schemas.microsoft.com/office/drawing/2014/main" id="{A0B635ED-E1EE-954D-80AC-28B91C53CC4B}"/>
+                <a16:creationId xmlns:a16="http://schemas.microsoft.com/office/drawing/2014/main" xmlns="" id="{A0B635ED-E1EE-954D-80AC-28B91C53CC4B}"/>
               </a:ext>
             </a:extLst>
           </p:cNvPr>
@@ -1413,7 +1415,7 @@
           <p:cNvPr id="6" name="Slide Number Placeholder 5">
             <a:extLst>
               <a:ext uri="{FF2B5EF4-FFF2-40B4-BE49-F238E27FC236}">
-                <a16:creationId xmlns:a16="http://schemas.microsoft.com/office/drawing/2014/main" id="{EA0DC4C0-BAF7-0547-9DBB-FCC6A512447F}"/>
+                <a16:creationId xmlns:a16="http://schemas.microsoft.com/office/drawing/2014/main" xmlns="" id="{EA0DC4C0-BAF7-0547-9DBB-FCC6A512447F}"/>
               </a:ext>
             </a:extLst>
           </p:cNvPr>
@@ -1443,6 +1445,1927 @@
         <p14:creationId xmlns:p14="http://schemas.microsoft.com/office/powerpoint/2010/main" val="2297272426"/>
       </p:ext>
     </p:extLst>
+  </p:cSld>
+  <p:clrMapOvr>
+    <a:masterClrMapping/>
+  </p:clrMapOvr>
+</p:sldLayout>
+</file>
+
+<file path=ppt/slideLayouts/slideLayout12.xml><?xml version="1.0" encoding="utf-8"?>
+<p:sldLayout xmlns:a="http://schemas.openxmlformats.org/drawingml/2006/main" xmlns:r="http://schemas.openxmlformats.org/officeDocument/2006/relationships" xmlns:p="http://schemas.openxmlformats.org/presentationml/2006/main" type="title" preserve="1">
+  <p:cSld name="Title Slide">
+    <p:spTree>
+      <p:nvGrpSpPr>
+        <p:cNvPr id="1" name=""/>
+        <p:cNvGrpSpPr/>
+        <p:nvPr/>
+      </p:nvGrpSpPr>
+      <p:grpSpPr>
+        <a:xfrm>
+          <a:off x="0" y="0"/>
+          <a:ext cx="0" cy="0"/>
+          <a:chOff x="0" y="0"/>
+          <a:chExt cx="0" cy="0"/>
+        </a:xfrm>
+      </p:grpSpPr>
+      <p:sp>
+        <p:nvSpPr>
+          <p:cNvPr id="2" name="Title 1"/>
+          <p:cNvSpPr>
+            <a:spLocks noGrp="1"/>
+          </p:cNvSpPr>
+          <p:nvPr>
+            <p:ph type="ctrTitle"/>
+          </p:nvPr>
+        </p:nvSpPr>
+        <p:spPr>
+          <a:xfrm>
+            <a:off x="1524000" y="1122363"/>
+            <a:ext cx="9144000" cy="2387600"/>
+          </a:xfrm>
+        </p:spPr>
+        <p:txBody>
+          <a:bodyPr anchor="b"/>
+          <a:lstStyle>
+            <a:lvl1pPr algn="ctr">
+              <a:defRPr sz="4500"/>
+            </a:lvl1pPr>
+          </a:lstStyle>
+          <a:p>
+            <a:r>
+              <a:rPr lang="en-US" smtClean="0"/>
+              <a:t>Click to edit Master title style</a:t>
+            </a:r>
+            <a:endParaRPr lang="en-US"/>
+          </a:p>
+        </p:txBody>
+      </p:sp>
+      <p:sp>
+        <p:nvSpPr>
+          <p:cNvPr id="3" name="Subtitle 2"/>
+          <p:cNvSpPr>
+            <a:spLocks noGrp="1"/>
+          </p:cNvSpPr>
+          <p:nvPr>
+            <p:ph type="subTitle" idx="1"/>
+          </p:nvPr>
+        </p:nvSpPr>
+        <p:spPr>
+          <a:xfrm>
+            <a:off x="1524000" y="3602039"/>
+            <a:ext cx="9144000" cy="1655763"/>
+          </a:xfrm>
+        </p:spPr>
+        <p:txBody>
+          <a:bodyPr/>
+          <a:lstStyle>
+            <a:lvl1pPr marL="0" indent="0" algn="ctr">
+              <a:buNone/>
+              <a:defRPr sz="1800"/>
+            </a:lvl1pPr>
+            <a:lvl2pPr marL="342891" indent="0" algn="ctr">
+              <a:buNone/>
+              <a:defRPr sz="1500"/>
+            </a:lvl2pPr>
+            <a:lvl3pPr marL="685783" indent="0" algn="ctr">
+              <a:buNone/>
+              <a:defRPr sz="1351"/>
+            </a:lvl3pPr>
+            <a:lvl4pPr marL="1028674" indent="0" algn="ctr">
+              <a:buNone/>
+              <a:defRPr sz="1200"/>
+            </a:lvl4pPr>
+            <a:lvl5pPr marL="1371566" indent="0" algn="ctr">
+              <a:buNone/>
+              <a:defRPr sz="1200"/>
+            </a:lvl5pPr>
+            <a:lvl6pPr marL="1714457" indent="0" algn="ctr">
+              <a:buNone/>
+              <a:defRPr sz="1200"/>
+            </a:lvl6pPr>
+            <a:lvl7pPr marL="2057349" indent="0" algn="ctr">
+              <a:buNone/>
+              <a:defRPr sz="1200"/>
+            </a:lvl7pPr>
+            <a:lvl8pPr marL="2400240" indent="0" algn="ctr">
+              <a:buNone/>
+              <a:defRPr sz="1200"/>
+            </a:lvl8pPr>
+            <a:lvl9pPr marL="2743131" indent="0" algn="ctr">
+              <a:buNone/>
+              <a:defRPr sz="1200"/>
+            </a:lvl9pPr>
+          </a:lstStyle>
+          <a:p>
+            <a:r>
+              <a:rPr lang="en-US" smtClean="0"/>
+              <a:t>Click to edit Master subtitle style</a:t>
+            </a:r>
+            <a:endParaRPr lang="en-US"/>
+          </a:p>
+        </p:txBody>
+      </p:sp>
+      <p:sp>
+        <p:nvSpPr>
+          <p:cNvPr id="4" name="Date Placeholder 3"/>
+          <p:cNvSpPr>
+            <a:spLocks noGrp="1"/>
+          </p:cNvSpPr>
+          <p:nvPr>
+            <p:ph type="dt" sz="half" idx="10"/>
+          </p:nvPr>
+        </p:nvSpPr>
+        <p:spPr/>
+        <p:txBody>
+          <a:bodyPr/>
+          <a:lstStyle/>
+          <a:p>
+            <a:fld id="{92CAA8A4-0ED2-3C42-8F86-06294E9F5717}" type="datetimeFigureOut">
+              <a:rPr lang="en-US" smtClean="0">
+                <a:solidFill>
+                  <a:prstClr val="black">
+                    <a:tint val="75000"/>
+                  </a:prstClr>
+                </a:solidFill>
+              </a:rPr>
+              <a:pPr/>
+              <a:t>9/12/20</a:t>
+            </a:fld>
+            <a:endParaRPr lang="en-US">
+              <a:solidFill>
+                <a:prstClr val="black">
+                  <a:tint val="75000"/>
+                </a:prstClr>
+              </a:solidFill>
+            </a:endParaRPr>
+          </a:p>
+        </p:txBody>
+      </p:sp>
+      <p:sp>
+        <p:nvSpPr>
+          <p:cNvPr id="5" name="Footer Placeholder 4"/>
+          <p:cNvSpPr>
+            <a:spLocks noGrp="1"/>
+          </p:cNvSpPr>
+          <p:nvPr>
+            <p:ph type="ftr" sz="quarter" idx="11"/>
+          </p:nvPr>
+        </p:nvSpPr>
+        <p:spPr/>
+        <p:txBody>
+          <a:bodyPr/>
+          <a:lstStyle/>
+          <a:p>
+            <a:endParaRPr lang="en-US">
+              <a:solidFill>
+                <a:prstClr val="black">
+                  <a:tint val="75000"/>
+                </a:prstClr>
+              </a:solidFill>
+            </a:endParaRPr>
+          </a:p>
+        </p:txBody>
+      </p:sp>
+      <p:sp>
+        <p:nvSpPr>
+          <p:cNvPr id="6" name="Slide Number Placeholder 5"/>
+          <p:cNvSpPr>
+            <a:spLocks noGrp="1"/>
+          </p:cNvSpPr>
+          <p:nvPr>
+            <p:ph type="sldNum" sz="quarter" idx="12"/>
+          </p:nvPr>
+        </p:nvSpPr>
+        <p:spPr/>
+        <p:txBody>
+          <a:bodyPr/>
+          <a:lstStyle/>
+          <a:p>
+            <a:fld id="{ADCF0D4B-B936-754B-BA5E-F482D12E455A}" type="slidenum">
+              <a:rPr lang="en-US" smtClean="0">
+                <a:solidFill>
+                  <a:prstClr val="black">
+                    <a:tint val="75000"/>
+                  </a:prstClr>
+                </a:solidFill>
+              </a:rPr>
+              <a:pPr/>
+              <a:t>‹#›</a:t>
+            </a:fld>
+            <a:endParaRPr lang="en-US">
+              <a:solidFill>
+                <a:prstClr val="black">
+                  <a:tint val="75000"/>
+                </a:prstClr>
+              </a:solidFill>
+            </a:endParaRPr>
+          </a:p>
+        </p:txBody>
+      </p:sp>
+    </p:spTree>
+    <p:extLst/>
+  </p:cSld>
+  <p:clrMapOvr>
+    <a:masterClrMapping/>
+  </p:clrMapOvr>
+</p:sldLayout>
+</file>
+
+<file path=ppt/slideLayouts/slideLayout13.xml><?xml version="1.0" encoding="utf-8"?>
+<p:sldLayout xmlns:a="http://schemas.openxmlformats.org/drawingml/2006/main" xmlns:r="http://schemas.openxmlformats.org/officeDocument/2006/relationships" xmlns:p="http://schemas.openxmlformats.org/presentationml/2006/main" type="obj" preserve="1">
+  <p:cSld name="Title and Content">
+    <p:spTree>
+      <p:nvGrpSpPr>
+        <p:cNvPr id="1" name=""/>
+        <p:cNvGrpSpPr/>
+        <p:nvPr/>
+      </p:nvGrpSpPr>
+      <p:grpSpPr>
+        <a:xfrm>
+          <a:off x="0" y="0"/>
+          <a:ext cx="0" cy="0"/>
+          <a:chOff x="0" y="0"/>
+          <a:chExt cx="0" cy="0"/>
+        </a:xfrm>
+      </p:grpSpPr>
+      <p:sp>
+        <p:nvSpPr>
+          <p:cNvPr id="2" name="Title 1"/>
+          <p:cNvSpPr>
+            <a:spLocks noGrp="1"/>
+          </p:cNvSpPr>
+          <p:nvPr>
+            <p:ph type="title"/>
+          </p:nvPr>
+        </p:nvSpPr>
+        <p:spPr/>
+        <p:txBody>
+          <a:bodyPr/>
+          <a:lstStyle/>
+          <a:p>
+            <a:r>
+              <a:rPr lang="en-US" smtClean="0"/>
+              <a:t>Click to edit Master title style</a:t>
+            </a:r>
+            <a:endParaRPr lang="en-US"/>
+          </a:p>
+        </p:txBody>
+      </p:sp>
+      <p:sp>
+        <p:nvSpPr>
+          <p:cNvPr id="3" name="Content Placeholder 2"/>
+          <p:cNvSpPr>
+            <a:spLocks noGrp="1"/>
+          </p:cNvSpPr>
+          <p:nvPr>
+            <p:ph idx="1"/>
+          </p:nvPr>
+        </p:nvSpPr>
+        <p:spPr/>
+        <p:txBody>
+          <a:bodyPr/>
+          <a:lstStyle/>
+          <a:p>
+            <a:pPr lvl="0"/>
+            <a:r>
+              <a:rPr lang="en-US" smtClean="0"/>
+              <a:t>Click to edit Master text styles</a:t>
+            </a:r>
+          </a:p>
+          <a:p>
+            <a:pPr lvl="1"/>
+            <a:r>
+              <a:rPr lang="en-US" smtClean="0"/>
+              <a:t>Second level</a:t>
+            </a:r>
+          </a:p>
+          <a:p>
+            <a:pPr lvl="2"/>
+            <a:r>
+              <a:rPr lang="en-US" smtClean="0"/>
+              <a:t>Third level</a:t>
+            </a:r>
+          </a:p>
+          <a:p>
+            <a:pPr lvl="3"/>
+            <a:r>
+              <a:rPr lang="en-US" smtClean="0"/>
+              <a:t>Fourth level</a:t>
+            </a:r>
+          </a:p>
+          <a:p>
+            <a:pPr lvl="4"/>
+            <a:r>
+              <a:rPr lang="en-US" smtClean="0"/>
+              <a:t>Fifth level</a:t>
+            </a:r>
+            <a:endParaRPr lang="en-US"/>
+          </a:p>
+        </p:txBody>
+      </p:sp>
+      <p:sp>
+        <p:nvSpPr>
+          <p:cNvPr id="4" name="Date Placeholder 3"/>
+          <p:cNvSpPr>
+            <a:spLocks noGrp="1"/>
+          </p:cNvSpPr>
+          <p:nvPr>
+            <p:ph type="dt" sz="half" idx="10"/>
+          </p:nvPr>
+        </p:nvSpPr>
+        <p:spPr/>
+        <p:txBody>
+          <a:bodyPr/>
+          <a:lstStyle/>
+          <a:p>
+            <a:fld id="{92CAA8A4-0ED2-3C42-8F86-06294E9F5717}" type="datetimeFigureOut">
+              <a:rPr lang="en-US" smtClean="0">
+                <a:solidFill>
+                  <a:prstClr val="black">
+                    <a:tint val="75000"/>
+                  </a:prstClr>
+                </a:solidFill>
+              </a:rPr>
+              <a:pPr/>
+              <a:t>9/12/20</a:t>
+            </a:fld>
+            <a:endParaRPr lang="en-US">
+              <a:solidFill>
+                <a:prstClr val="black">
+                  <a:tint val="75000"/>
+                </a:prstClr>
+              </a:solidFill>
+            </a:endParaRPr>
+          </a:p>
+        </p:txBody>
+      </p:sp>
+      <p:sp>
+        <p:nvSpPr>
+          <p:cNvPr id="5" name="Footer Placeholder 4"/>
+          <p:cNvSpPr>
+            <a:spLocks noGrp="1"/>
+          </p:cNvSpPr>
+          <p:nvPr>
+            <p:ph type="ftr" sz="quarter" idx="11"/>
+          </p:nvPr>
+        </p:nvSpPr>
+        <p:spPr/>
+        <p:txBody>
+          <a:bodyPr/>
+          <a:lstStyle/>
+          <a:p>
+            <a:endParaRPr lang="en-US">
+              <a:solidFill>
+                <a:prstClr val="black">
+                  <a:tint val="75000"/>
+                </a:prstClr>
+              </a:solidFill>
+            </a:endParaRPr>
+          </a:p>
+        </p:txBody>
+      </p:sp>
+      <p:sp>
+        <p:nvSpPr>
+          <p:cNvPr id="6" name="Slide Number Placeholder 5"/>
+          <p:cNvSpPr>
+            <a:spLocks noGrp="1"/>
+          </p:cNvSpPr>
+          <p:nvPr>
+            <p:ph type="sldNum" sz="quarter" idx="12"/>
+          </p:nvPr>
+        </p:nvSpPr>
+        <p:spPr/>
+        <p:txBody>
+          <a:bodyPr/>
+          <a:lstStyle/>
+          <a:p>
+            <a:fld id="{ADCF0D4B-B936-754B-BA5E-F482D12E455A}" type="slidenum">
+              <a:rPr lang="en-US" smtClean="0">
+                <a:solidFill>
+                  <a:prstClr val="black">
+                    <a:tint val="75000"/>
+                  </a:prstClr>
+                </a:solidFill>
+              </a:rPr>
+              <a:pPr/>
+              <a:t>‹#›</a:t>
+            </a:fld>
+            <a:endParaRPr lang="en-US">
+              <a:solidFill>
+                <a:prstClr val="black">
+                  <a:tint val="75000"/>
+                </a:prstClr>
+              </a:solidFill>
+            </a:endParaRPr>
+          </a:p>
+        </p:txBody>
+      </p:sp>
+    </p:spTree>
+    <p:extLst/>
+  </p:cSld>
+  <p:clrMapOvr>
+    <a:masterClrMapping/>
+  </p:clrMapOvr>
+</p:sldLayout>
+</file>
+
+<file path=ppt/slideLayouts/slideLayout14.xml><?xml version="1.0" encoding="utf-8"?>
+<p:sldLayout xmlns:a="http://schemas.openxmlformats.org/drawingml/2006/main" xmlns:r="http://schemas.openxmlformats.org/officeDocument/2006/relationships" xmlns:p="http://schemas.openxmlformats.org/presentationml/2006/main" type="secHead" preserve="1">
+  <p:cSld name="Section Header">
+    <p:spTree>
+      <p:nvGrpSpPr>
+        <p:cNvPr id="1" name=""/>
+        <p:cNvGrpSpPr/>
+        <p:nvPr/>
+      </p:nvGrpSpPr>
+      <p:grpSpPr>
+        <a:xfrm>
+          <a:off x="0" y="0"/>
+          <a:ext cx="0" cy="0"/>
+          <a:chOff x="0" y="0"/>
+          <a:chExt cx="0" cy="0"/>
+        </a:xfrm>
+      </p:grpSpPr>
+      <p:sp>
+        <p:nvSpPr>
+          <p:cNvPr id="2" name="Title 1"/>
+          <p:cNvSpPr>
+            <a:spLocks noGrp="1"/>
+          </p:cNvSpPr>
+          <p:nvPr>
+            <p:ph type="title"/>
+          </p:nvPr>
+        </p:nvSpPr>
+        <p:spPr>
+          <a:xfrm>
+            <a:off x="831851" y="1709742"/>
+            <a:ext cx="10515600" cy="2852737"/>
+          </a:xfrm>
+        </p:spPr>
+        <p:txBody>
+          <a:bodyPr anchor="b"/>
+          <a:lstStyle>
+            <a:lvl1pPr>
+              <a:defRPr sz="4500"/>
+            </a:lvl1pPr>
+          </a:lstStyle>
+          <a:p>
+            <a:r>
+              <a:rPr lang="en-US" smtClean="0"/>
+              <a:t>Click to edit Master title style</a:t>
+            </a:r>
+            <a:endParaRPr lang="en-US"/>
+          </a:p>
+        </p:txBody>
+      </p:sp>
+      <p:sp>
+        <p:nvSpPr>
+          <p:cNvPr id="3" name="Text Placeholder 2"/>
+          <p:cNvSpPr>
+            <a:spLocks noGrp="1"/>
+          </p:cNvSpPr>
+          <p:nvPr>
+            <p:ph type="body" idx="1"/>
+          </p:nvPr>
+        </p:nvSpPr>
+        <p:spPr>
+          <a:xfrm>
+            <a:off x="831851" y="4589465"/>
+            <a:ext cx="10515600" cy="1500187"/>
+          </a:xfrm>
+        </p:spPr>
+        <p:txBody>
+          <a:bodyPr/>
+          <a:lstStyle>
+            <a:lvl1pPr marL="0" indent="0">
+              <a:buNone/>
+              <a:defRPr sz="1800">
+                <a:solidFill>
+                  <a:schemeClr val="tx1">
+                    <a:tint val="75000"/>
+                  </a:schemeClr>
+                </a:solidFill>
+              </a:defRPr>
+            </a:lvl1pPr>
+            <a:lvl2pPr marL="342891" indent="0">
+              <a:buNone/>
+              <a:defRPr sz="1500">
+                <a:solidFill>
+                  <a:schemeClr val="tx1">
+                    <a:tint val="75000"/>
+                  </a:schemeClr>
+                </a:solidFill>
+              </a:defRPr>
+            </a:lvl2pPr>
+            <a:lvl3pPr marL="685783" indent="0">
+              <a:buNone/>
+              <a:defRPr sz="1351">
+                <a:solidFill>
+                  <a:schemeClr val="tx1">
+                    <a:tint val="75000"/>
+                  </a:schemeClr>
+                </a:solidFill>
+              </a:defRPr>
+            </a:lvl3pPr>
+            <a:lvl4pPr marL="1028674" indent="0">
+              <a:buNone/>
+              <a:defRPr sz="1200">
+                <a:solidFill>
+                  <a:schemeClr val="tx1">
+                    <a:tint val="75000"/>
+                  </a:schemeClr>
+                </a:solidFill>
+              </a:defRPr>
+            </a:lvl4pPr>
+            <a:lvl5pPr marL="1371566" indent="0">
+              <a:buNone/>
+              <a:defRPr sz="1200">
+                <a:solidFill>
+                  <a:schemeClr val="tx1">
+                    <a:tint val="75000"/>
+                  </a:schemeClr>
+                </a:solidFill>
+              </a:defRPr>
+            </a:lvl5pPr>
+            <a:lvl6pPr marL="1714457" indent="0">
+              <a:buNone/>
+              <a:defRPr sz="1200">
+                <a:solidFill>
+                  <a:schemeClr val="tx1">
+                    <a:tint val="75000"/>
+                  </a:schemeClr>
+                </a:solidFill>
+              </a:defRPr>
+            </a:lvl6pPr>
+            <a:lvl7pPr marL="2057349" indent="0">
+              <a:buNone/>
+              <a:defRPr sz="1200">
+                <a:solidFill>
+                  <a:schemeClr val="tx1">
+                    <a:tint val="75000"/>
+                  </a:schemeClr>
+                </a:solidFill>
+              </a:defRPr>
+            </a:lvl7pPr>
+            <a:lvl8pPr marL="2400240" indent="0">
+              <a:buNone/>
+              <a:defRPr sz="1200">
+                <a:solidFill>
+                  <a:schemeClr val="tx1">
+                    <a:tint val="75000"/>
+                  </a:schemeClr>
+                </a:solidFill>
+              </a:defRPr>
+            </a:lvl8pPr>
+            <a:lvl9pPr marL="2743131" indent="0">
+              <a:buNone/>
+              <a:defRPr sz="1200">
+                <a:solidFill>
+                  <a:schemeClr val="tx1">
+                    <a:tint val="75000"/>
+                  </a:schemeClr>
+                </a:solidFill>
+              </a:defRPr>
+            </a:lvl9pPr>
+          </a:lstStyle>
+          <a:p>
+            <a:pPr lvl="0"/>
+            <a:r>
+              <a:rPr lang="en-US" smtClean="0"/>
+              <a:t>Click to edit Master text styles</a:t>
+            </a:r>
+          </a:p>
+        </p:txBody>
+      </p:sp>
+      <p:sp>
+        <p:nvSpPr>
+          <p:cNvPr id="4" name="Date Placeholder 3"/>
+          <p:cNvSpPr>
+            <a:spLocks noGrp="1"/>
+          </p:cNvSpPr>
+          <p:nvPr>
+            <p:ph type="dt" sz="half" idx="10"/>
+          </p:nvPr>
+        </p:nvSpPr>
+        <p:spPr/>
+        <p:txBody>
+          <a:bodyPr/>
+          <a:lstStyle/>
+          <a:p>
+            <a:fld id="{92CAA8A4-0ED2-3C42-8F86-06294E9F5717}" type="datetimeFigureOut">
+              <a:rPr lang="en-US" smtClean="0">
+                <a:solidFill>
+                  <a:prstClr val="black">
+                    <a:tint val="75000"/>
+                  </a:prstClr>
+                </a:solidFill>
+              </a:rPr>
+              <a:pPr/>
+              <a:t>9/12/20</a:t>
+            </a:fld>
+            <a:endParaRPr lang="en-US">
+              <a:solidFill>
+                <a:prstClr val="black">
+                  <a:tint val="75000"/>
+                </a:prstClr>
+              </a:solidFill>
+            </a:endParaRPr>
+          </a:p>
+        </p:txBody>
+      </p:sp>
+      <p:sp>
+        <p:nvSpPr>
+          <p:cNvPr id="5" name="Footer Placeholder 4"/>
+          <p:cNvSpPr>
+            <a:spLocks noGrp="1"/>
+          </p:cNvSpPr>
+          <p:nvPr>
+            <p:ph type="ftr" sz="quarter" idx="11"/>
+          </p:nvPr>
+        </p:nvSpPr>
+        <p:spPr/>
+        <p:txBody>
+          <a:bodyPr/>
+          <a:lstStyle/>
+          <a:p>
+            <a:endParaRPr lang="en-US">
+              <a:solidFill>
+                <a:prstClr val="black">
+                  <a:tint val="75000"/>
+                </a:prstClr>
+              </a:solidFill>
+            </a:endParaRPr>
+          </a:p>
+        </p:txBody>
+      </p:sp>
+      <p:sp>
+        <p:nvSpPr>
+          <p:cNvPr id="6" name="Slide Number Placeholder 5"/>
+          <p:cNvSpPr>
+            <a:spLocks noGrp="1"/>
+          </p:cNvSpPr>
+          <p:nvPr>
+            <p:ph type="sldNum" sz="quarter" idx="12"/>
+          </p:nvPr>
+        </p:nvSpPr>
+        <p:spPr/>
+        <p:txBody>
+          <a:bodyPr/>
+          <a:lstStyle/>
+          <a:p>
+            <a:fld id="{ADCF0D4B-B936-754B-BA5E-F482D12E455A}" type="slidenum">
+              <a:rPr lang="en-US" smtClean="0">
+                <a:solidFill>
+                  <a:prstClr val="black">
+                    <a:tint val="75000"/>
+                  </a:prstClr>
+                </a:solidFill>
+              </a:rPr>
+              <a:pPr/>
+              <a:t>‹#›</a:t>
+            </a:fld>
+            <a:endParaRPr lang="en-US">
+              <a:solidFill>
+                <a:prstClr val="black">
+                  <a:tint val="75000"/>
+                </a:prstClr>
+              </a:solidFill>
+            </a:endParaRPr>
+          </a:p>
+        </p:txBody>
+      </p:sp>
+    </p:spTree>
+    <p:extLst/>
+  </p:cSld>
+  <p:clrMapOvr>
+    <a:masterClrMapping/>
+  </p:clrMapOvr>
+</p:sldLayout>
+</file>
+
+<file path=ppt/slideLayouts/slideLayout15.xml><?xml version="1.0" encoding="utf-8"?>
+<p:sldLayout xmlns:a="http://schemas.openxmlformats.org/drawingml/2006/main" xmlns:r="http://schemas.openxmlformats.org/officeDocument/2006/relationships" xmlns:p="http://schemas.openxmlformats.org/presentationml/2006/main" type="twoObj" preserve="1">
+  <p:cSld name="Two Content">
+    <p:spTree>
+      <p:nvGrpSpPr>
+        <p:cNvPr id="1" name=""/>
+        <p:cNvGrpSpPr/>
+        <p:nvPr/>
+      </p:nvGrpSpPr>
+      <p:grpSpPr>
+        <a:xfrm>
+          <a:off x="0" y="0"/>
+          <a:ext cx="0" cy="0"/>
+          <a:chOff x="0" y="0"/>
+          <a:chExt cx="0" cy="0"/>
+        </a:xfrm>
+      </p:grpSpPr>
+      <p:sp>
+        <p:nvSpPr>
+          <p:cNvPr id="2" name="Title 1"/>
+          <p:cNvSpPr>
+            <a:spLocks noGrp="1"/>
+          </p:cNvSpPr>
+          <p:nvPr>
+            <p:ph type="title"/>
+          </p:nvPr>
+        </p:nvSpPr>
+        <p:spPr/>
+        <p:txBody>
+          <a:bodyPr/>
+          <a:lstStyle/>
+          <a:p>
+            <a:r>
+              <a:rPr lang="en-US" smtClean="0"/>
+              <a:t>Click to edit Master title style</a:t>
+            </a:r>
+            <a:endParaRPr lang="en-US"/>
+          </a:p>
+        </p:txBody>
+      </p:sp>
+      <p:sp>
+        <p:nvSpPr>
+          <p:cNvPr id="3" name="Content Placeholder 2"/>
+          <p:cNvSpPr>
+            <a:spLocks noGrp="1"/>
+          </p:cNvSpPr>
+          <p:nvPr>
+            <p:ph sz="half" idx="1"/>
+          </p:nvPr>
+        </p:nvSpPr>
+        <p:spPr>
+          <a:xfrm>
+            <a:off x="838200" y="1825625"/>
+            <a:ext cx="5181600" cy="4351339"/>
+          </a:xfrm>
+        </p:spPr>
+        <p:txBody>
+          <a:bodyPr/>
+          <a:lstStyle/>
+          <a:p>
+            <a:pPr lvl="0"/>
+            <a:r>
+              <a:rPr lang="en-US" smtClean="0"/>
+              <a:t>Click to edit Master text styles</a:t>
+            </a:r>
+          </a:p>
+          <a:p>
+            <a:pPr lvl="1"/>
+            <a:r>
+              <a:rPr lang="en-US" smtClean="0"/>
+              <a:t>Second level</a:t>
+            </a:r>
+          </a:p>
+          <a:p>
+            <a:pPr lvl="2"/>
+            <a:r>
+              <a:rPr lang="en-US" smtClean="0"/>
+              <a:t>Third level</a:t>
+            </a:r>
+          </a:p>
+          <a:p>
+            <a:pPr lvl="3"/>
+            <a:r>
+              <a:rPr lang="en-US" smtClean="0"/>
+              <a:t>Fourth level</a:t>
+            </a:r>
+          </a:p>
+          <a:p>
+            <a:pPr lvl="4"/>
+            <a:r>
+              <a:rPr lang="en-US" smtClean="0"/>
+              <a:t>Fifth level</a:t>
+            </a:r>
+            <a:endParaRPr lang="en-US"/>
+          </a:p>
+        </p:txBody>
+      </p:sp>
+      <p:sp>
+        <p:nvSpPr>
+          <p:cNvPr id="4" name="Content Placeholder 3"/>
+          <p:cNvSpPr>
+            <a:spLocks noGrp="1"/>
+          </p:cNvSpPr>
+          <p:nvPr>
+            <p:ph sz="half" idx="2"/>
+          </p:nvPr>
+        </p:nvSpPr>
+        <p:spPr>
+          <a:xfrm>
+            <a:off x="6172200" y="1825625"/>
+            <a:ext cx="5181600" cy="4351339"/>
+          </a:xfrm>
+        </p:spPr>
+        <p:txBody>
+          <a:bodyPr/>
+          <a:lstStyle/>
+          <a:p>
+            <a:pPr lvl="0"/>
+            <a:r>
+              <a:rPr lang="en-US" smtClean="0"/>
+              <a:t>Click to edit Master text styles</a:t>
+            </a:r>
+          </a:p>
+          <a:p>
+            <a:pPr lvl="1"/>
+            <a:r>
+              <a:rPr lang="en-US" smtClean="0"/>
+              <a:t>Second level</a:t>
+            </a:r>
+          </a:p>
+          <a:p>
+            <a:pPr lvl="2"/>
+            <a:r>
+              <a:rPr lang="en-US" smtClean="0"/>
+              <a:t>Third level</a:t>
+            </a:r>
+          </a:p>
+          <a:p>
+            <a:pPr lvl="3"/>
+            <a:r>
+              <a:rPr lang="en-US" smtClean="0"/>
+              <a:t>Fourth level</a:t>
+            </a:r>
+          </a:p>
+          <a:p>
+            <a:pPr lvl="4"/>
+            <a:r>
+              <a:rPr lang="en-US" smtClean="0"/>
+              <a:t>Fifth level</a:t>
+            </a:r>
+            <a:endParaRPr lang="en-US"/>
+          </a:p>
+        </p:txBody>
+      </p:sp>
+      <p:sp>
+        <p:nvSpPr>
+          <p:cNvPr id="5" name="Date Placeholder 4"/>
+          <p:cNvSpPr>
+            <a:spLocks noGrp="1"/>
+          </p:cNvSpPr>
+          <p:nvPr>
+            <p:ph type="dt" sz="half" idx="10"/>
+          </p:nvPr>
+        </p:nvSpPr>
+        <p:spPr/>
+        <p:txBody>
+          <a:bodyPr/>
+          <a:lstStyle/>
+          <a:p>
+            <a:fld id="{92CAA8A4-0ED2-3C42-8F86-06294E9F5717}" type="datetimeFigureOut">
+              <a:rPr lang="en-US" smtClean="0">
+                <a:solidFill>
+                  <a:prstClr val="black">
+                    <a:tint val="75000"/>
+                  </a:prstClr>
+                </a:solidFill>
+              </a:rPr>
+              <a:pPr/>
+              <a:t>9/12/20</a:t>
+            </a:fld>
+            <a:endParaRPr lang="en-US">
+              <a:solidFill>
+                <a:prstClr val="black">
+                  <a:tint val="75000"/>
+                </a:prstClr>
+              </a:solidFill>
+            </a:endParaRPr>
+          </a:p>
+        </p:txBody>
+      </p:sp>
+      <p:sp>
+        <p:nvSpPr>
+          <p:cNvPr id="6" name="Footer Placeholder 5"/>
+          <p:cNvSpPr>
+            <a:spLocks noGrp="1"/>
+          </p:cNvSpPr>
+          <p:nvPr>
+            <p:ph type="ftr" sz="quarter" idx="11"/>
+          </p:nvPr>
+        </p:nvSpPr>
+        <p:spPr/>
+        <p:txBody>
+          <a:bodyPr/>
+          <a:lstStyle/>
+          <a:p>
+            <a:endParaRPr lang="en-US">
+              <a:solidFill>
+                <a:prstClr val="black">
+                  <a:tint val="75000"/>
+                </a:prstClr>
+              </a:solidFill>
+            </a:endParaRPr>
+          </a:p>
+        </p:txBody>
+      </p:sp>
+      <p:sp>
+        <p:nvSpPr>
+          <p:cNvPr id="7" name="Slide Number Placeholder 6"/>
+          <p:cNvSpPr>
+            <a:spLocks noGrp="1"/>
+          </p:cNvSpPr>
+          <p:nvPr>
+            <p:ph type="sldNum" sz="quarter" idx="12"/>
+          </p:nvPr>
+        </p:nvSpPr>
+        <p:spPr/>
+        <p:txBody>
+          <a:bodyPr/>
+          <a:lstStyle/>
+          <a:p>
+            <a:fld id="{ADCF0D4B-B936-754B-BA5E-F482D12E455A}" type="slidenum">
+              <a:rPr lang="en-US" smtClean="0">
+                <a:solidFill>
+                  <a:prstClr val="black">
+                    <a:tint val="75000"/>
+                  </a:prstClr>
+                </a:solidFill>
+              </a:rPr>
+              <a:pPr/>
+              <a:t>‹#›</a:t>
+            </a:fld>
+            <a:endParaRPr lang="en-US">
+              <a:solidFill>
+                <a:prstClr val="black">
+                  <a:tint val="75000"/>
+                </a:prstClr>
+              </a:solidFill>
+            </a:endParaRPr>
+          </a:p>
+        </p:txBody>
+      </p:sp>
+    </p:spTree>
+    <p:extLst/>
+  </p:cSld>
+  <p:clrMapOvr>
+    <a:masterClrMapping/>
+  </p:clrMapOvr>
+</p:sldLayout>
+</file>
+
+<file path=ppt/slideLayouts/slideLayout16.xml><?xml version="1.0" encoding="utf-8"?>
+<p:sldLayout xmlns:a="http://schemas.openxmlformats.org/drawingml/2006/main" xmlns:r="http://schemas.openxmlformats.org/officeDocument/2006/relationships" xmlns:p="http://schemas.openxmlformats.org/presentationml/2006/main" type="twoTxTwoObj" preserve="1">
+  <p:cSld name="Comparison">
+    <p:spTree>
+      <p:nvGrpSpPr>
+        <p:cNvPr id="1" name=""/>
+        <p:cNvGrpSpPr/>
+        <p:nvPr/>
+      </p:nvGrpSpPr>
+      <p:grpSpPr>
+        <a:xfrm>
+          <a:off x="0" y="0"/>
+          <a:ext cx="0" cy="0"/>
+          <a:chOff x="0" y="0"/>
+          <a:chExt cx="0" cy="0"/>
+        </a:xfrm>
+      </p:grpSpPr>
+      <p:sp>
+        <p:nvSpPr>
+          <p:cNvPr id="2" name="Title 1"/>
+          <p:cNvSpPr>
+            <a:spLocks noGrp="1"/>
+          </p:cNvSpPr>
+          <p:nvPr>
+            <p:ph type="title"/>
+          </p:nvPr>
+        </p:nvSpPr>
+        <p:spPr>
+          <a:xfrm>
+            <a:off x="839788" y="365127"/>
+            <a:ext cx="10515600" cy="1325563"/>
+          </a:xfrm>
+        </p:spPr>
+        <p:txBody>
+          <a:bodyPr/>
+          <a:lstStyle/>
+          <a:p>
+            <a:r>
+              <a:rPr lang="en-US" smtClean="0"/>
+              <a:t>Click to edit Master title style</a:t>
+            </a:r>
+            <a:endParaRPr lang="en-US"/>
+          </a:p>
+        </p:txBody>
+      </p:sp>
+      <p:sp>
+        <p:nvSpPr>
+          <p:cNvPr id="3" name="Text Placeholder 2"/>
+          <p:cNvSpPr>
+            <a:spLocks noGrp="1"/>
+          </p:cNvSpPr>
+          <p:nvPr>
+            <p:ph type="body" idx="1"/>
+          </p:nvPr>
+        </p:nvSpPr>
+        <p:spPr>
+          <a:xfrm>
+            <a:off x="839789" y="1681163"/>
+            <a:ext cx="5157787" cy="823912"/>
+          </a:xfrm>
+        </p:spPr>
+        <p:txBody>
+          <a:bodyPr anchor="b"/>
+          <a:lstStyle>
+            <a:lvl1pPr marL="0" indent="0">
+              <a:buNone/>
+              <a:defRPr sz="1800" b="1"/>
+            </a:lvl1pPr>
+            <a:lvl2pPr marL="342891" indent="0">
+              <a:buNone/>
+              <a:defRPr sz="1500" b="1"/>
+            </a:lvl2pPr>
+            <a:lvl3pPr marL="685783" indent="0">
+              <a:buNone/>
+              <a:defRPr sz="1351" b="1"/>
+            </a:lvl3pPr>
+            <a:lvl4pPr marL="1028674" indent="0">
+              <a:buNone/>
+              <a:defRPr sz="1200" b="1"/>
+            </a:lvl4pPr>
+            <a:lvl5pPr marL="1371566" indent="0">
+              <a:buNone/>
+              <a:defRPr sz="1200" b="1"/>
+            </a:lvl5pPr>
+            <a:lvl6pPr marL="1714457" indent="0">
+              <a:buNone/>
+              <a:defRPr sz="1200" b="1"/>
+            </a:lvl6pPr>
+            <a:lvl7pPr marL="2057349" indent="0">
+              <a:buNone/>
+              <a:defRPr sz="1200" b="1"/>
+            </a:lvl7pPr>
+            <a:lvl8pPr marL="2400240" indent="0">
+              <a:buNone/>
+              <a:defRPr sz="1200" b="1"/>
+            </a:lvl8pPr>
+            <a:lvl9pPr marL="2743131" indent="0">
+              <a:buNone/>
+              <a:defRPr sz="1200" b="1"/>
+            </a:lvl9pPr>
+          </a:lstStyle>
+          <a:p>
+            <a:pPr lvl="0"/>
+            <a:r>
+              <a:rPr lang="en-US" smtClean="0"/>
+              <a:t>Click to edit Master text styles</a:t>
+            </a:r>
+          </a:p>
+        </p:txBody>
+      </p:sp>
+      <p:sp>
+        <p:nvSpPr>
+          <p:cNvPr id="4" name="Content Placeholder 3"/>
+          <p:cNvSpPr>
+            <a:spLocks noGrp="1"/>
+          </p:cNvSpPr>
+          <p:nvPr>
+            <p:ph sz="half" idx="2"/>
+          </p:nvPr>
+        </p:nvSpPr>
+        <p:spPr>
+          <a:xfrm>
+            <a:off x="839789" y="2505075"/>
+            <a:ext cx="5157787" cy="3684588"/>
+          </a:xfrm>
+        </p:spPr>
+        <p:txBody>
+          <a:bodyPr/>
+          <a:lstStyle/>
+          <a:p>
+            <a:pPr lvl="0"/>
+            <a:r>
+              <a:rPr lang="en-US" smtClean="0"/>
+              <a:t>Click to edit Master text styles</a:t>
+            </a:r>
+          </a:p>
+          <a:p>
+            <a:pPr lvl="1"/>
+            <a:r>
+              <a:rPr lang="en-US" smtClean="0"/>
+              <a:t>Second level</a:t>
+            </a:r>
+          </a:p>
+          <a:p>
+            <a:pPr lvl="2"/>
+            <a:r>
+              <a:rPr lang="en-US" smtClean="0"/>
+              <a:t>Third level</a:t>
+            </a:r>
+          </a:p>
+          <a:p>
+            <a:pPr lvl="3"/>
+            <a:r>
+              <a:rPr lang="en-US" smtClean="0"/>
+              <a:t>Fourth level</a:t>
+            </a:r>
+          </a:p>
+          <a:p>
+            <a:pPr lvl="4"/>
+            <a:r>
+              <a:rPr lang="en-US" smtClean="0"/>
+              <a:t>Fifth level</a:t>
+            </a:r>
+            <a:endParaRPr lang="en-US"/>
+          </a:p>
+        </p:txBody>
+      </p:sp>
+      <p:sp>
+        <p:nvSpPr>
+          <p:cNvPr id="5" name="Text Placeholder 4"/>
+          <p:cNvSpPr>
+            <a:spLocks noGrp="1"/>
+          </p:cNvSpPr>
+          <p:nvPr>
+            <p:ph type="body" sz="quarter" idx="3"/>
+          </p:nvPr>
+        </p:nvSpPr>
+        <p:spPr>
+          <a:xfrm>
+            <a:off x="6172203" y="1681163"/>
+            <a:ext cx="5183188" cy="823912"/>
+          </a:xfrm>
+        </p:spPr>
+        <p:txBody>
+          <a:bodyPr anchor="b"/>
+          <a:lstStyle>
+            <a:lvl1pPr marL="0" indent="0">
+              <a:buNone/>
+              <a:defRPr sz="1800" b="1"/>
+            </a:lvl1pPr>
+            <a:lvl2pPr marL="342891" indent="0">
+              <a:buNone/>
+              <a:defRPr sz="1500" b="1"/>
+            </a:lvl2pPr>
+            <a:lvl3pPr marL="685783" indent="0">
+              <a:buNone/>
+              <a:defRPr sz="1351" b="1"/>
+            </a:lvl3pPr>
+            <a:lvl4pPr marL="1028674" indent="0">
+              <a:buNone/>
+              <a:defRPr sz="1200" b="1"/>
+            </a:lvl4pPr>
+            <a:lvl5pPr marL="1371566" indent="0">
+              <a:buNone/>
+              <a:defRPr sz="1200" b="1"/>
+            </a:lvl5pPr>
+            <a:lvl6pPr marL="1714457" indent="0">
+              <a:buNone/>
+              <a:defRPr sz="1200" b="1"/>
+            </a:lvl6pPr>
+            <a:lvl7pPr marL="2057349" indent="0">
+              <a:buNone/>
+              <a:defRPr sz="1200" b="1"/>
+            </a:lvl7pPr>
+            <a:lvl8pPr marL="2400240" indent="0">
+              <a:buNone/>
+              <a:defRPr sz="1200" b="1"/>
+            </a:lvl8pPr>
+            <a:lvl9pPr marL="2743131" indent="0">
+              <a:buNone/>
+              <a:defRPr sz="1200" b="1"/>
+            </a:lvl9pPr>
+          </a:lstStyle>
+          <a:p>
+            <a:pPr lvl="0"/>
+            <a:r>
+              <a:rPr lang="en-US" smtClean="0"/>
+              <a:t>Click to edit Master text styles</a:t>
+            </a:r>
+          </a:p>
+        </p:txBody>
+      </p:sp>
+      <p:sp>
+        <p:nvSpPr>
+          <p:cNvPr id="6" name="Content Placeholder 5"/>
+          <p:cNvSpPr>
+            <a:spLocks noGrp="1"/>
+          </p:cNvSpPr>
+          <p:nvPr>
+            <p:ph sz="quarter" idx="4"/>
+          </p:nvPr>
+        </p:nvSpPr>
+        <p:spPr>
+          <a:xfrm>
+            <a:off x="6172203" y="2505075"/>
+            <a:ext cx="5183188" cy="3684588"/>
+          </a:xfrm>
+        </p:spPr>
+        <p:txBody>
+          <a:bodyPr/>
+          <a:lstStyle/>
+          <a:p>
+            <a:pPr lvl="0"/>
+            <a:r>
+              <a:rPr lang="en-US" smtClean="0"/>
+              <a:t>Click to edit Master text styles</a:t>
+            </a:r>
+          </a:p>
+          <a:p>
+            <a:pPr lvl="1"/>
+            <a:r>
+              <a:rPr lang="en-US" smtClean="0"/>
+              <a:t>Second level</a:t>
+            </a:r>
+          </a:p>
+          <a:p>
+            <a:pPr lvl="2"/>
+            <a:r>
+              <a:rPr lang="en-US" smtClean="0"/>
+              <a:t>Third level</a:t>
+            </a:r>
+          </a:p>
+          <a:p>
+            <a:pPr lvl="3"/>
+            <a:r>
+              <a:rPr lang="en-US" smtClean="0"/>
+              <a:t>Fourth level</a:t>
+            </a:r>
+          </a:p>
+          <a:p>
+            <a:pPr lvl="4"/>
+            <a:r>
+              <a:rPr lang="en-US" smtClean="0"/>
+              <a:t>Fifth level</a:t>
+            </a:r>
+            <a:endParaRPr lang="en-US"/>
+          </a:p>
+        </p:txBody>
+      </p:sp>
+      <p:sp>
+        <p:nvSpPr>
+          <p:cNvPr id="7" name="Date Placeholder 6"/>
+          <p:cNvSpPr>
+            <a:spLocks noGrp="1"/>
+          </p:cNvSpPr>
+          <p:nvPr>
+            <p:ph type="dt" sz="half" idx="10"/>
+          </p:nvPr>
+        </p:nvSpPr>
+        <p:spPr/>
+        <p:txBody>
+          <a:bodyPr/>
+          <a:lstStyle/>
+          <a:p>
+            <a:fld id="{92CAA8A4-0ED2-3C42-8F86-06294E9F5717}" type="datetimeFigureOut">
+              <a:rPr lang="en-US" smtClean="0">
+                <a:solidFill>
+                  <a:prstClr val="black">
+                    <a:tint val="75000"/>
+                  </a:prstClr>
+                </a:solidFill>
+              </a:rPr>
+              <a:pPr/>
+              <a:t>9/12/20</a:t>
+            </a:fld>
+            <a:endParaRPr lang="en-US">
+              <a:solidFill>
+                <a:prstClr val="black">
+                  <a:tint val="75000"/>
+                </a:prstClr>
+              </a:solidFill>
+            </a:endParaRPr>
+          </a:p>
+        </p:txBody>
+      </p:sp>
+      <p:sp>
+        <p:nvSpPr>
+          <p:cNvPr id="8" name="Footer Placeholder 7"/>
+          <p:cNvSpPr>
+            <a:spLocks noGrp="1"/>
+          </p:cNvSpPr>
+          <p:nvPr>
+            <p:ph type="ftr" sz="quarter" idx="11"/>
+          </p:nvPr>
+        </p:nvSpPr>
+        <p:spPr/>
+        <p:txBody>
+          <a:bodyPr/>
+          <a:lstStyle/>
+          <a:p>
+            <a:endParaRPr lang="en-US">
+              <a:solidFill>
+                <a:prstClr val="black">
+                  <a:tint val="75000"/>
+                </a:prstClr>
+              </a:solidFill>
+            </a:endParaRPr>
+          </a:p>
+        </p:txBody>
+      </p:sp>
+      <p:sp>
+        <p:nvSpPr>
+          <p:cNvPr id="9" name="Slide Number Placeholder 8"/>
+          <p:cNvSpPr>
+            <a:spLocks noGrp="1"/>
+          </p:cNvSpPr>
+          <p:nvPr>
+            <p:ph type="sldNum" sz="quarter" idx="12"/>
+          </p:nvPr>
+        </p:nvSpPr>
+        <p:spPr/>
+        <p:txBody>
+          <a:bodyPr/>
+          <a:lstStyle/>
+          <a:p>
+            <a:fld id="{ADCF0D4B-B936-754B-BA5E-F482D12E455A}" type="slidenum">
+              <a:rPr lang="en-US" smtClean="0">
+                <a:solidFill>
+                  <a:prstClr val="black">
+                    <a:tint val="75000"/>
+                  </a:prstClr>
+                </a:solidFill>
+              </a:rPr>
+              <a:pPr/>
+              <a:t>‹#›</a:t>
+            </a:fld>
+            <a:endParaRPr lang="en-US">
+              <a:solidFill>
+                <a:prstClr val="black">
+                  <a:tint val="75000"/>
+                </a:prstClr>
+              </a:solidFill>
+            </a:endParaRPr>
+          </a:p>
+        </p:txBody>
+      </p:sp>
+    </p:spTree>
+    <p:extLst/>
+  </p:cSld>
+  <p:clrMapOvr>
+    <a:masterClrMapping/>
+  </p:clrMapOvr>
+</p:sldLayout>
+</file>
+
+<file path=ppt/slideLayouts/slideLayout17.xml><?xml version="1.0" encoding="utf-8"?>
+<p:sldLayout xmlns:a="http://schemas.openxmlformats.org/drawingml/2006/main" xmlns:r="http://schemas.openxmlformats.org/officeDocument/2006/relationships" xmlns:p="http://schemas.openxmlformats.org/presentationml/2006/main" type="titleOnly" preserve="1">
+  <p:cSld name="Title Only">
+    <p:spTree>
+      <p:nvGrpSpPr>
+        <p:cNvPr id="1" name=""/>
+        <p:cNvGrpSpPr/>
+        <p:nvPr/>
+      </p:nvGrpSpPr>
+      <p:grpSpPr>
+        <a:xfrm>
+          <a:off x="0" y="0"/>
+          <a:ext cx="0" cy="0"/>
+          <a:chOff x="0" y="0"/>
+          <a:chExt cx="0" cy="0"/>
+        </a:xfrm>
+      </p:grpSpPr>
+      <p:sp>
+        <p:nvSpPr>
+          <p:cNvPr id="2" name="Title 1"/>
+          <p:cNvSpPr>
+            <a:spLocks noGrp="1"/>
+          </p:cNvSpPr>
+          <p:nvPr>
+            <p:ph type="title"/>
+          </p:nvPr>
+        </p:nvSpPr>
+        <p:spPr/>
+        <p:txBody>
+          <a:bodyPr/>
+          <a:lstStyle/>
+          <a:p>
+            <a:r>
+              <a:rPr lang="en-US" smtClean="0"/>
+              <a:t>Click to edit Master title style</a:t>
+            </a:r>
+            <a:endParaRPr lang="en-US"/>
+          </a:p>
+        </p:txBody>
+      </p:sp>
+      <p:sp>
+        <p:nvSpPr>
+          <p:cNvPr id="3" name="Date Placeholder 2"/>
+          <p:cNvSpPr>
+            <a:spLocks noGrp="1"/>
+          </p:cNvSpPr>
+          <p:nvPr>
+            <p:ph type="dt" sz="half" idx="10"/>
+          </p:nvPr>
+        </p:nvSpPr>
+        <p:spPr/>
+        <p:txBody>
+          <a:bodyPr/>
+          <a:lstStyle/>
+          <a:p>
+            <a:fld id="{92CAA8A4-0ED2-3C42-8F86-06294E9F5717}" type="datetimeFigureOut">
+              <a:rPr lang="en-US" smtClean="0">
+                <a:solidFill>
+                  <a:prstClr val="black">
+                    <a:tint val="75000"/>
+                  </a:prstClr>
+                </a:solidFill>
+              </a:rPr>
+              <a:pPr/>
+              <a:t>9/12/20</a:t>
+            </a:fld>
+            <a:endParaRPr lang="en-US">
+              <a:solidFill>
+                <a:prstClr val="black">
+                  <a:tint val="75000"/>
+                </a:prstClr>
+              </a:solidFill>
+            </a:endParaRPr>
+          </a:p>
+        </p:txBody>
+      </p:sp>
+      <p:sp>
+        <p:nvSpPr>
+          <p:cNvPr id="4" name="Footer Placeholder 3"/>
+          <p:cNvSpPr>
+            <a:spLocks noGrp="1"/>
+          </p:cNvSpPr>
+          <p:nvPr>
+            <p:ph type="ftr" sz="quarter" idx="11"/>
+          </p:nvPr>
+        </p:nvSpPr>
+        <p:spPr/>
+        <p:txBody>
+          <a:bodyPr/>
+          <a:lstStyle/>
+          <a:p>
+            <a:endParaRPr lang="en-US">
+              <a:solidFill>
+                <a:prstClr val="black">
+                  <a:tint val="75000"/>
+                </a:prstClr>
+              </a:solidFill>
+            </a:endParaRPr>
+          </a:p>
+        </p:txBody>
+      </p:sp>
+      <p:sp>
+        <p:nvSpPr>
+          <p:cNvPr id="5" name="Slide Number Placeholder 4"/>
+          <p:cNvSpPr>
+            <a:spLocks noGrp="1"/>
+          </p:cNvSpPr>
+          <p:nvPr>
+            <p:ph type="sldNum" sz="quarter" idx="12"/>
+          </p:nvPr>
+        </p:nvSpPr>
+        <p:spPr/>
+        <p:txBody>
+          <a:bodyPr/>
+          <a:lstStyle/>
+          <a:p>
+            <a:fld id="{ADCF0D4B-B936-754B-BA5E-F482D12E455A}" type="slidenum">
+              <a:rPr lang="en-US" smtClean="0">
+                <a:solidFill>
+                  <a:prstClr val="black">
+                    <a:tint val="75000"/>
+                  </a:prstClr>
+                </a:solidFill>
+              </a:rPr>
+              <a:pPr/>
+              <a:t>‹#›</a:t>
+            </a:fld>
+            <a:endParaRPr lang="en-US">
+              <a:solidFill>
+                <a:prstClr val="black">
+                  <a:tint val="75000"/>
+                </a:prstClr>
+              </a:solidFill>
+            </a:endParaRPr>
+          </a:p>
+        </p:txBody>
+      </p:sp>
+    </p:spTree>
+    <p:extLst/>
+  </p:cSld>
+  <p:clrMapOvr>
+    <a:masterClrMapping/>
+  </p:clrMapOvr>
+</p:sldLayout>
+</file>
+
+<file path=ppt/slideLayouts/slideLayout18.xml><?xml version="1.0" encoding="utf-8"?>
+<p:sldLayout xmlns:a="http://schemas.openxmlformats.org/drawingml/2006/main" xmlns:r="http://schemas.openxmlformats.org/officeDocument/2006/relationships" xmlns:p="http://schemas.openxmlformats.org/presentationml/2006/main" type="blank" preserve="1">
+  <p:cSld name="Blank">
+    <p:spTree>
+      <p:nvGrpSpPr>
+        <p:cNvPr id="1" name=""/>
+        <p:cNvGrpSpPr/>
+        <p:nvPr/>
+      </p:nvGrpSpPr>
+      <p:grpSpPr>
+        <a:xfrm>
+          <a:off x="0" y="0"/>
+          <a:ext cx="0" cy="0"/>
+          <a:chOff x="0" y="0"/>
+          <a:chExt cx="0" cy="0"/>
+        </a:xfrm>
+      </p:grpSpPr>
+      <p:sp>
+        <p:nvSpPr>
+          <p:cNvPr id="2" name="Date Placeholder 1"/>
+          <p:cNvSpPr>
+            <a:spLocks noGrp="1"/>
+          </p:cNvSpPr>
+          <p:nvPr>
+            <p:ph type="dt" sz="half" idx="10"/>
+          </p:nvPr>
+        </p:nvSpPr>
+        <p:spPr/>
+        <p:txBody>
+          <a:bodyPr/>
+          <a:lstStyle/>
+          <a:p>
+            <a:fld id="{92CAA8A4-0ED2-3C42-8F86-06294E9F5717}" type="datetimeFigureOut">
+              <a:rPr lang="en-US" smtClean="0">
+                <a:solidFill>
+                  <a:prstClr val="black">
+                    <a:tint val="75000"/>
+                  </a:prstClr>
+                </a:solidFill>
+              </a:rPr>
+              <a:pPr/>
+              <a:t>9/12/20</a:t>
+            </a:fld>
+            <a:endParaRPr lang="en-US">
+              <a:solidFill>
+                <a:prstClr val="black">
+                  <a:tint val="75000"/>
+                </a:prstClr>
+              </a:solidFill>
+            </a:endParaRPr>
+          </a:p>
+        </p:txBody>
+      </p:sp>
+      <p:sp>
+        <p:nvSpPr>
+          <p:cNvPr id="3" name="Footer Placeholder 2"/>
+          <p:cNvSpPr>
+            <a:spLocks noGrp="1"/>
+          </p:cNvSpPr>
+          <p:nvPr>
+            <p:ph type="ftr" sz="quarter" idx="11"/>
+          </p:nvPr>
+        </p:nvSpPr>
+        <p:spPr/>
+        <p:txBody>
+          <a:bodyPr/>
+          <a:lstStyle/>
+          <a:p>
+            <a:endParaRPr lang="en-US">
+              <a:solidFill>
+                <a:prstClr val="black">
+                  <a:tint val="75000"/>
+                </a:prstClr>
+              </a:solidFill>
+            </a:endParaRPr>
+          </a:p>
+        </p:txBody>
+      </p:sp>
+      <p:sp>
+        <p:nvSpPr>
+          <p:cNvPr id="4" name="Slide Number Placeholder 3"/>
+          <p:cNvSpPr>
+            <a:spLocks noGrp="1"/>
+          </p:cNvSpPr>
+          <p:nvPr>
+            <p:ph type="sldNum" sz="quarter" idx="12"/>
+          </p:nvPr>
+        </p:nvSpPr>
+        <p:spPr/>
+        <p:txBody>
+          <a:bodyPr/>
+          <a:lstStyle/>
+          <a:p>
+            <a:fld id="{ADCF0D4B-B936-754B-BA5E-F482D12E455A}" type="slidenum">
+              <a:rPr lang="en-US" smtClean="0">
+                <a:solidFill>
+                  <a:prstClr val="black">
+                    <a:tint val="75000"/>
+                  </a:prstClr>
+                </a:solidFill>
+              </a:rPr>
+              <a:pPr/>
+              <a:t>‹#›</a:t>
+            </a:fld>
+            <a:endParaRPr lang="en-US">
+              <a:solidFill>
+                <a:prstClr val="black">
+                  <a:tint val="75000"/>
+                </a:prstClr>
+              </a:solidFill>
+            </a:endParaRPr>
+          </a:p>
+        </p:txBody>
+      </p:sp>
+    </p:spTree>
+    <p:extLst/>
+  </p:cSld>
+  <p:clrMapOvr>
+    <a:masterClrMapping/>
+  </p:clrMapOvr>
+</p:sldLayout>
+</file>
+
+<file path=ppt/slideLayouts/slideLayout19.xml><?xml version="1.0" encoding="utf-8"?>
+<p:sldLayout xmlns:a="http://schemas.openxmlformats.org/drawingml/2006/main" xmlns:r="http://schemas.openxmlformats.org/officeDocument/2006/relationships" xmlns:p="http://schemas.openxmlformats.org/presentationml/2006/main" type="objTx" preserve="1">
+  <p:cSld name="Content with Caption">
+    <p:spTree>
+      <p:nvGrpSpPr>
+        <p:cNvPr id="1" name=""/>
+        <p:cNvGrpSpPr/>
+        <p:nvPr/>
+      </p:nvGrpSpPr>
+      <p:grpSpPr>
+        <a:xfrm>
+          <a:off x="0" y="0"/>
+          <a:ext cx="0" cy="0"/>
+          <a:chOff x="0" y="0"/>
+          <a:chExt cx="0" cy="0"/>
+        </a:xfrm>
+      </p:grpSpPr>
+      <p:sp>
+        <p:nvSpPr>
+          <p:cNvPr id="2" name="Title 1"/>
+          <p:cNvSpPr>
+            <a:spLocks noGrp="1"/>
+          </p:cNvSpPr>
+          <p:nvPr>
+            <p:ph type="title"/>
+          </p:nvPr>
+        </p:nvSpPr>
+        <p:spPr>
+          <a:xfrm>
+            <a:off x="839788" y="457200"/>
+            <a:ext cx="3932237" cy="1600200"/>
+          </a:xfrm>
+        </p:spPr>
+        <p:txBody>
+          <a:bodyPr anchor="b"/>
+          <a:lstStyle>
+            <a:lvl1pPr>
+              <a:defRPr sz="2400"/>
+            </a:lvl1pPr>
+          </a:lstStyle>
+          <a:p>
+            <a:r>
+              <a:rPr lang="en-US" smtClean="0"/>
+              <a:t>Click to edit Master title style</a:t>
+            </a:r>
+            <a:endParaRPr lang="en-US"/>
+          </a:p>
+        </p:txBody>
+      </p:sp>
+      <p:sp>
+        <p:nvSpPr>
+          <p:cNvPr id="3" name="Content Placeholder 2"/>
+          <p:cNvSpPr>
+            <a:spLocks noGrp="1"/>
+          </p:cNvSpPr>
+          <p:nvPr>
+            <p:ph idx="1"/>
+          </p:nvPr>
+        </p:nvSpPr>
+        <p:spPr>
+          <a:xfrm>
+            <a:off x="5183188" y="987429"/>
+            <a:ext cx="6172200" cy="4873625"/>
+          </a:xfrm>
+        </p:spPr>
+        <p:txBody>
+          <a:bodyPr/>
+          <a:lstStyle>
+            <a:lvl1pPr>
+              <a:defRPr sz="2400"/>
+            </a:lvl1pPr>
+            <a:lvl2pPr>
+              <a:defRPr sz="2100"/>
+            </a:lvl2pPr>
+            <a:lvl3pPr>
+              <a:defRPr sz="1800"/>
+            </a:lvl3pPr>
+            <a:lvl4pPr>
+              <a:defRPr sz="1500"/>
+            </a:lvl4pPr>
+            <a:lvl5pPr>
+              <a:defRPr sz="1500"/>
+            </a:lvl5pPr>
+            <a:lvl6pPr>
+              <a:defRPr sz="1500"/>
+            </a:lvl6pPr>
+            <a:lvl7pPr>
+              <a:defRPr sz="1500"/>
+            </a:lvl7pPr>
+            <a:lvl8pPr>
+              <a:defRPr sz="1500"/>
+            </a:lvl8pPr>
+            <a:lvl9pPr>
+              <a:defRPr sz="1500"/>
+            </a:lvl9pPr>
+          </a:lstStyle>
+          <a:p>
+            <a:pPr lvl="0"/>
+            <a:r>
+              <a:rPr lang="en-US" smtClean="0"/>
+              <a:t>Click to edit Master text styles</a:t>
+            </a:r>
+          </a:p>
+          <a:p>
+            <a:pPr lvl="1"/>
+            <a:r>
+              <a:rPr lang="en-US" smtClean="0"/>
+              <a:t>Second level</a:t>
+            </a:r>
+          </a:p>
+          <a:p>
+            <a:pPr lvl="2"/>
+            <a:r>
+              <a:rPr lang="en-US" smtClean="0"/>
+              <a:t>Third level</a:t>
+            </a:r>
+          </a:p>
+          <a:p>
+            <a:pPr lvl="3"/>
+            <a:r>
+              <a:rPr lang="en-US" smtClean="0"/>
+              <a:t>Fourth level</a:t>
+            </a:r>
+          </a:p>
+          <a:p>
+            <a:pPr lvl="4"/>
+            <a:r>
+              <a:rPr lang="en-US" smtClean="0"/>
+              <a:t>Fifth level</a:t>
+            </a:r>
+            <a:endParaRPr lang="en-US"/>
+          </a:p>
+        </p:txBody>
+      </p:sp>
+      <p:sp>
+        <p:nvSpPr>
+          <p:cNvPr id="4" name="Text Placeholder 3"/>
+          <p:cNvSpPr>
+            <a:spLocks noGrp="1"/>
+          </p:cNvSpPr>
+          <p:nvPr>
+            <p:ph type="body" sz="half" idx="2"/>
+          </p:nvPr>
+        </p:nvSpPr>
+        <p:spPr>
+          <a:xfrm>
+            <a:off x="839788" y="2057402"/>
+            <a:ext cx="3932237" cy="3811588"/>
+          </a:xfrm>
+        </p:spPr>
+        <p:txBody>
+          <a:bodyPr/>
+          <a:lstStyle>
+            <a:lvl1pPr marL="0" indent="0">
+              <a:buNone/>
+              <a:defRPr sz="1200"/>
+            </a:lvl1pPr>
+            <a:lvl2pPr marL="342891" indent="0">
+              <a:buNone/>
+              <a:defRPr sz="1051"/>
+            </a:lvl2pPr>
+            <a:lvl3pPr marL="685783" indent="0">
+              <a:buNone/>
+              <a:defRPr sz="900"/>
+            </a:lvl3pPr>
+            <a:lvl4pPr marL="1028674" indent="0">
+              <a:buNone/>
+              <a:defRPr sz="751"/>
+            </a:lvl4pPr>
+            <a:lvl5pPr marL="1371566" indent="0">
+              <a:buNone/>
+              <a:defRPr sz="751"/>
+            </a:lvl5pPr>
+            <a:lvl6pPr marL="1714457" indent="0">
+              <a:buNone/>
+              <a:defRPr sz="751"/>
+            </a:lvl6pPr>
+            <a:lvl7pPr marL="2057349" indent="0">
+              <a:buNone/>
+              <a:defRPr sz="751"/>
+            </a:lvl7pPr>
+            <a:lvl8pPr marL="2400240" indent="0">
+              <a:buNone/>
+              <a:defRPr sz="751"/>
+            </a:lvl8pPr>
+            <a:lvl9pPr marL="2743131" indent="0">
+              <a:buNone/>
+              <a:defRPr sz="751"/>
+            </a:lvl9pPr>
+          </a:lstStyle>
+          <a:p>
+            <a:pPr lvl="0"/>
+            <a:r>
+              <a:rPr lang="en-US" smtClean="0"/>
+              <a:t>Click to edit Master text styles</a:t>
+            </a:r>
+          </a:p>
+        </p:txBody>
+      </p:sp>
+      <p:sp>
+        <p:nvSpPr>
+          <p:cNvPr id="5" name="Date Placeholder 4"/>
+          <p:cNvSpPr>
+            <a:spLocks noGrp="1"/>
+          </p:cNvSpPr>
+          <p:nvPr>
+            <p:ph type="dt" sz="half" idx="10"/>
+          </p:nvPr>
+        </p:nvSpPr>
+        <p:spPr/>
+        <p:txBody>
+          <a:bodyPr/>
+          <a:lstStyle/>
+          <a:p>
+            <a:fld id="{92CAA8A4-0ED2-3C42-8F86-06294E9F5717}" type="datetimeFigureOut">
+              <a:rPr lang="en-US" smtClean="0">
+                <a:solidFill>
+                  <a:prstClr val="black">
+                    <a:tint val="75000"/>
+                  </a:prstClr>
+                </a:solidFill>
+              </a:rPr>
+              <a:pPr/>
+              <a:t>9/12/20</a:t>
+            </a:fld>
+            <a:endParaRPr lang="en-US">
+              <a:solidFill>
+                <a:prstClr val="black">
+                  <a:tint val="75000"/>
+                </a:prstClr>
+              </a:solidFill>
+            </a:endParaRPr>
+          </a:p>
+        </p:txBody>
+      </p:sp>
+      <p:sp>
+        <p:nvSpPr>
+          <p:cNvPr id="6" name="Footer Placeholder 5"/>
+          <p:cNvSpPr>
+            <a:spLocks noGrp="1"/>
+          </p:cNvSpPr>
+          <p:nvPr>
+            <p:ph type="ftr" sz="quarter" idx="11"/>
+          </p:nvPr>
+        </p:nvSpPr>
+        <p:spPr/>
+        <p:txBody>
+          <a:bodyPr/>
+          <a:lstStyle/>
+          <a:p>
+            <a:endParaRPr lang="en-US">
+              <a:solidFill>
+                <a:prstClr val="black">
+                  <a:tint val="75000"/>
+                </a:prstClr>
+              </a:solidFill>
+            </a:endParaRPr>
+          </a:p>
+        </p:txBody>
+      </p:sp>
+      <p:sp>
+        <p:nvSpPr>
+          <p:cNvPr id="7" name="Slide Number Placeholder 6"/>
+          <p:cNvSpPr>
+            <a:spLocks noGrp="1"/>
+          </p:cNvSpPr>
+          <p:nvPr>
+            <p:ph type="sldNum" sz="quarter" idx="12"/>
+          </p:nvPr>
+        </p:nvSpPr>
+        <p:spPr/>
+        <p:txBody>
+          <a:bodyPr/>
+          <a:lstStyle/>
+          <a:p>
+            <a:fld id="{ADCF0D4B-B936-754B-BA5E-F482D12E455A}" type="slidenum">
+              <a:rPr lang="en-US" smtClean="0">
+                <a:solidFill>
+                  <a:prstClr val="black">
+                    <a:tint val="75000"/>
+                  </a:prstClr>
+                </a:solidFill>
+              </a:rPr>
+              <a:pPr/>
+              <a:t>‹#›</a:t>
+            </a:fld>
+            <a:endParaRPr lang="en-US">
+              <a:solidFill>
+                <a:prstClr val="black">
+                  <a:tint val="75000"/>
+                </a:prstClr>
+              </a:solidFill>
+            </a:endParaRPr>
+          </a:p>
+        </p:txBody>
+      </p:sp>
+    </p:spTree>
+    <p:extLst/>
   </p:cSld>
   <p:clrMapOvr>
     <a:masterClrMapping/>
@@ -1472,7 +3395,7 @@
           <p:cNvPr id="2" name="Title 1">
             <a:extLst>
               <a:ext uri="{FF2B5EF4-FFF2-40B4-BE49-F238E27FC236}">
-                <a16:creationId xmlns:a16="http://schemas.microsoft.com/office/drawing/2014/main" id="{46605E52-CD93-FE48-BC96-DE9219BA47F9}"/>
+                <a16:creationId xmlns:a16="http://schemas.microsoft.com/office/drawing/2014/main" xmlns="" id="{46605E52-CD93-FE48-BC96-DE9219BA47F9}"/>
               </a:ext>
             </a:extLst>
           </p:cNvPr>
@@ -1500,7 +3423,7 @@
           <p:cNvPr id="3" name="Content Placeholder 2">
             <a:extLst>
               <a:ext uri="{FF2B5EF4-FFF2-40B4-BE49-F238E27FC236}">
-                <a16:creationId xmlns:a16="http://schemas.microsoft.com/office/drawing/2014/main" id="{4EAFB191-CD58-9145-9135-2CCD9780D3D5}"/>
+                <a16:creationId xmlns:a16="http://schemas.microsoft.com/office/drawing/2014/main" xmlns="" id="{4EAFB191-CD58-9145-9135-2CCD9780D3D5}"/>
               </a:ext>
             </a:extLst>
           </p:cNvPr>
@@ -1557,7 +3480,7 @@
           <p:cNvPr id="4" name="Date Placeholder 3">
             <a:extLst>
               <a:ext uri="{FF2B5EF4-FFF2-40B4-BE49-F238E27FC236}">
-                <a16:creationId xmlns:a16="http://schemas.microsoft.com/office/drawing/2014/main" id="{4087EA37-F36A-F34C-9E20-CDFD51DDE846}"/>
+                <a16:creationId xmlns:a16="http://schemas.microsoft.com/office/drawing/2014/main" xmlns="" id="{4087EA37-F36A-F34C-9E20-CDFD51DDE846}"/>
               </a:ext>
             </a:extLst>
           </p:cNvPr>
@@ -1575,7 +3498,7 @@
           <a:p>
             <a:fld id="{2AD54A35-3D00-9346-A90C-D5D0667B371F}" type="datetimeFigureOut">
               <a:rPr lang="en-US" smtClean="0"/>
-              <a:t>7/15/20</a:t>
+              <a:t>9/12/20</a:t>
             </a:fld>
             <a:endParaRPr lang="en-US"/>
           </a:p>
@@ -1586,7 +3509,7 @@
           <p:cNvPr id="5" name="Footer Placeholder 4">
             <a:extLst>
               <a:ext uri="{FF2B5EF4-FFF2-40B4-BE49-F238E27FC236}">
-                <a16:creationId xmlns:a16="http://schemas.microsoft.com/office/drawing/2014/main" id="{44E6EB55-D662-C841-8DA3-8D08408CE513}"/>
+                <a16:creationId xmlns:a16="http://schemas.microsoft.com/office/drawing/2014/main" xmlns="" id="{44E6EB55-D662-C841-8DA3-8D08408CE513}"/>
               </a:ext>
             </a:extLst>
           </p:cNvPr>
@@ -1611,7 +3534,7 @@
           <p:cNvPr id="6" name="Slide Number Placeholder 5">
             <a:extLst>
               <a:ext uri="{FF2B5EF4-FFF2-40B4-BE49-F238E27FC236}">
-                <a16:creationId xmlns:a16="http://schemas.microsoft.com/office/drawing/2014/main" id="{50B5AB6A-7FE4-434E-BF87-C44BFDEE6EB6}"/>
+                <a16:creationId xmlns:a16="http://schemas.microsoft.com/office/drawing/2014/main" xmlns="" id="{50B5AB6A-7FE4-434E-BF87-C44BFDEE6EB6}"/>
               </a:ext>
             </a:extLst>
           </p:cNvPr>
@@ -1641,6 +3564,693 @@
         <p14:creationId xmlns:p14="http://schemas.microsoft.com/office/powerpoint/2010/main" val="2552957548"/>
       </p:ext>
     </p:extLst>
+  </p:cSld>
+  <p:clrMapOvr>
+    <a:masterClrMapping/>
+  </p:clrMapOvr>
+</p:sldLayout>
+</file>
+
+<file path=ppt/slideLayouts/slideLayout20.xml><?xml version="1.0" encoding="utf-8"?>
+<p:sldLayout xmlns:a="http://schemas.openxmlformats.org/drawingml/2006/main" xmlns:r="http://schemas.openxmlformats.org/officeDocument/2006/relationships" xmlns:p="http://schemas.openxmlformats.org/presentationml/2006/main" type="picTx" preserve="1">
+  <p:cSld name="Picture with Caption">
+    <p:spTree>
+      <p:nvGrpSpPr>
+        <p:cNvPr id="1" name=""/>
+        <p:cNvGrpSpPr/>
+        <p:nvPr/>
+      </p:nvGrpSpPr>
+      <p:grpSpPr>
+        <a:xfrm>
+          <a:off x="0" y="0"/>
+          <a:ext cx="0" cy="0"/>
+          <a:chOff x="0" y="0"/>
+          <a:chExt cx="0" cy="0"/>
+        </a:xfrm>
+      </p:grpSpPr>
+      <p:sp>
+        <p:nvSpPr>
+          <p:cNvPr id="2" name="Title 1"/>
+          <p:cNvSpPr>
+            <a:spLocks noGrp="1"/>
+          </p:cNvSpPr>
+          <p:nvPr>
+            <p:ph type="title"/>
+          </p:nvPr>
+        </p:nvSpPr>
+        <p:spPr>
+          <a:xfrm>
+            <a:off x="839788" y="457200"/>
+            <a:ext cx="3932237" cy="1600200"/>
+          </a:xfrm>
+        </p:spPr>
+        <p:txBody>
+          <a:bodyPr anchor="b"/>
+          <a:lstStyle>
+            <a:lvl1pPr>
+              <a:defRPr sz="2400"/>
+            </a:lvl1pPr>
+          </a:lstStyle>
+          <a:p>
+            <a:r>
+              <a:rPr lang="en-US" smtClean="0"/>
+              <a:t>Click to edit Master title style</a:t>
+            </a:r>
+            <a:endParaRPr lang="en-US"/>
+          </a:p>
+        </p:txBody>
+      </p:sp>
+      <p:sp>
+        <p:nvSpPr>
+          <p:cNvPr id="3" name="Picture Placeholder 2"/>
+          <p:cNvSpPr>
+            <a:spLocks noGrp="1"/>
+          </p:cNvSpPr>
+          <p:nvPr>
+            <p:ph type="pic" idx="1"/>
+          </p:nvPr>
+        </p:nvSpPr>
+        <p:spPr>
+          <a:xfrm>
+            <a:off x="5183188" y="987429"/>
+            <a:ext cx="6172200" cy="4873625"/>
+          </a:xfrm>
+        </p:spPr>
+        <p:txBody>
+          <a:bodyPr/>
+          <a:lstStyle>
+            <a:lvl1pPr marL="0" indent="0">
+              <a:buNone/>
+              <a:defRPr sz="2400"/>
+            </a:lvl1pPr>
+            <a:lvl2pPr marL="342891" indent="0">
+              <a:buNone/>
+              <a:defRPr sz="2100"/>
+            </a:lvl2pPr>
+            <a:lvl3pPr marL="685783" indent="0">
+              <a:buNone/>
+              <a:defRPr sz="1800"/>
+            </a:lvl3pPr>
+            <a:lvl4pPr marL="1028674" indent="0">
+              <a:buNone/>
+              <a:defRPr sz="1500"/>
+            </a:lvl4pPr>
+            <a:lvl5pPr marL="1371566" indent="0">
+              <a:buNone/>
+              <a:defRPr sz="1500"/>
+            </a:lvl5pPr>
+            <a:lvl6pPr marL="1714457" indent="0">
+              <a:buNone/>
+              <a:defRPr sz="1500"/>
+            </a:lvl6pPr>
+            <a:lvl7pPr marL="2057349" indent="0">
+              <a:buNone/>
+              <a:defRPr sz="1500"/>
+            </a:lvl7pPr>
+            <a:lvl8pPr marL="2400240" indent="0">
+              <a:buNone/>
+              <a:defRPr sz="1500"/>
+            </a:lvl8pPr>
+            <a:lvl9pPr marL="2743131" indent="0">
+              <a:buNone/>
+              <a:defRPr sz="1500"/>
+            </a:lvl9pPr>
+          </a:lstStyle>
+          <a:p>
+            <a:endParaRPr lang="en-US"/>
+          </a:p>
+        </p:txBody>
+      </p:sp>
+      <p:sp>
+        <p:nvSpPr>
+          <p:cNvPr id="4" name="Text Placeholder 3"/>
+          <p:cNvSpPr>
+            <a:spLocks noGrp="1"/>
+          </p:cNvSpPr>
+          <p:nvPr>
+            <p:ph type="body" sz="half" idx="2"/>
+          </p:nvPr>
+        </p:nvSpPr>
+        <p:spPr>
+          <a:xfrm>
+            <a:off x="839788" y="2057402"/>
+            <a:ext cx="3932237" cy="3811588"/>
+          </a:xfrm>
+        </p:spPr>
+        <p:txBody>
+          <a:bodyPr/>
+          <a:lstStyle>
+            <a:lvl1pPr marL="0" indent="0">
+              <a:buNone/>
+              <a:defRPr sz="1200"/>
+            </a:lvl1pPr>
+            <a:lvl2pPr marL="342891" indent="0">
+              <a:buNone/>
+              <a:defRPr sz="1051"/>
+            </a:lvl2pPr>
+            <a:lvl3pPr marL="685783" indent="0">
+              <a:buNone/>
+              <a:defRPr sz="900"/>
+            </a:lvl3pPr>
+            <a:lvl4pPr marL="1028674" indent="0">
+              <a:buNone/>
+              <a:defRPr sz="751"/>
+            </a:lvl4pPr>
+            <a:lvl5pPr marL="1371566" indent="0">
+              <a:buNone/>
+              <a:defRPr sz="751"/>
+            </a:lvl5pPr>
+            <a:lvl6pPr marL="1714457" indent="0">
+              <a:buNone/>
+              <a:defRPr sz="751"/>
+            </a:lvl6pPr>
+            <a:lvl7pPr marL="2057349" indent="0">
+              <a:buNone/>
+              <a:defRPr sz="751"/>
+            </a:lvl7pPr>
+            <a:lvl8pPr marL="2400240" indent="0">
+              <a:buNone/>
+              <a:defRPr sz="751"/>
+            </a:lvl8pPr>
+            <a:lvl9pPr marL="2743131" indent="0">
+              <a:buNone/>
+              <a:defRPr sz="751"/>
+            </a:lvl9pPr>
+          </a:lstStyle>
+          <a:p>
+            <a:pPr lvl="0"/>
+            <a:r>
+              <a:rPr lang="en-US" smtClean="0"/>
+              <a:t>Click to edit Master text styles</a:t>
+            </a:r>
+          </a:p>
+        </p:txBody>
+      </p:sp>
+      <p:sp>
+        <p:nvSpPr>
+          <p:cNvPr id="5" name="Date Placeholder 4"/>
+          <p:cNvSpPr>
+            <a:spLocks noGrp="1"/>
+          </p:cNvSpPr>
+          <p:nvPr>
+            <p:ph type="dt" sz="half" idx="10"/>
+          </p:nvPr>
+        </p:nvSpPr>
+        <p:spPr/>
+        <p:txBody>
+          <a:bodyPr/>
+          <a:lstStyle/>
+          <a:p>
+            <a:fld id="{92CAA8A4-0ED2-3C42-8F86-06294E9F5717}" type="datetimeFigureOut">
+              <a:rPr lang="en-US" smtClean="0">
+                <a:solidFill>
+                  <a:prstClr val="black">
+                    <a:tint val="75000"/>
+                  </a:prstClr>
+                </a:solidFill>
+              </a:rPr>
+              <a:pPr/>
+              <a:t>9/12/20</a:t>
+            </a:fld>
+            <a:endParaRPr lang="en-US">
+              <a:solidFill>
+                <a:prstClr val="black">
+                  <a:tint val="75000"/>
+                </a:prstClr>
+              </a:solidFill>
+            </a:endParaRPr>
+          </a:p>
+        </p:txBody>
+      </p:sp>
+      <p:sp>
+        <p:nvSpPr>
+          <p:cNvPr id="6" name="Footer Placeholder 5"/>
+          <p:cNvSpPr>
+            <a:spLocks noGrp="1"/>
+          </p:cNvSpPr>
+          <p:nvPr>
+            <p:ph type="ftr" sz="quarter" idx="11"/>
+          </p:nvPr>
+        </p:nvSpPr>
+        <p:spPr/>
+        <p:txBody>
+          <a:bodyPr/>
+          <a:lstStyle/>
+          <a:p>
+            <a:endParaRPr lang="en-US">
+              <a:solidFill>
+                <a:prstClr val="black">
+                  <a:tint val="75000"/>
+                </a:prstClr>
+              </a:solidFill>
+            </a:endParaRPr>
+          </a:p>
+        </p:txBody>
+      </p:sp>
+      <p:sp>
+        <p:nvSpPr>
+          <p:cNvPr id="7" name="Slide Number Placeholder 6"/>
+          <p:cNvSpPr>
+            <a:spLocks noGrp="1"/>
+          </p:cNvSpPr>
+          <p:nvPr>
+            <p:ph type="sldNum" sz="quarter" idx="12"/>
+          </p:nvPr>
+        </p:nvSpPr>
+        <p:spPr/>
+        <p:txBody>
+          <a:bodyPr/>
+          <a:lstStyle/>
+          <a:p>
+            <a:fld id="{ADCF0D4B-B936-754B-BA5E-F482D12E455A}" type="slidenum">
+              <a:rPr lang="en-US" smtClean="0">
+                <a:solidFill>
+                  <a:prstClr val="black">
+                    <a:tint val="75000"/>
+                  </a:prstClr>
+                </a:solidFill>
+              </a:rPr>
+              <a:pPr/>
+              <a:t>‹#›</a:t>
+            </a:fld>
+            <a:endParaRPr lang="en-US">
+              <a:solidFill>
+                <a:prstClr val="black">
+                  <a:tint val="75000"/>
+                </a:prstClr>
+              </a:solidFill>
+            </a:endParaRPr>
+          </a:p>
+        </p:txBody>
+      </p:sp>
+    </p:spTree>
+    <p:extLst/>
+  </p:cSld>
+  <p:clrMapOvr>
+    <a:masterClrMapping/>
+  </p:clrMapOvr>
+</p:sldLayout>
+</file>
+
+<file path=ppt/slideLayouts/slideLayout21.xml><?xml version="1.0" encoding="utf-8"?>
+<p:sldLayout xmlns:a="http://schemas.openxmlformats.org/drawingml/2006/main" xmlns:r="http://schemas.openxmlformats.org/officeDocument/2006/relationships" xmlns:p="http://schemas.openxmlformats.org/presentationml/2006/main" type="vertTx" preserve="1">
+  <p:cSld name="Title and Vertical Text">
+    <p:spTree>
+      <p:nvGrpSpPr>
+        <p:cNvPr id="1" name=""/>
+        <p:cNvGrpSpPr/>
+        <p:nvPr/>
+      </p:nvGrpSpPr>
+      <p:grpSpPr>
+        <a:xfrm>
+          <a:off x="0" y="0"/>
+          <a:ext cx="0" cy="0"/>
+          <a:chOff x="0" y="0"/>
+          <a:chExt cx="0" cy="0"/>
+        </a:xfrm>
+      </p:grpSpPr>
+      <p:sp>
+        <p:nvSpPr>
+          <p:cNvPr id="2" name="Title 1"/>
+          <p:cNvSpPr>
+            <a:spLocks noGrp="1"/>
+          </p:cNvSpPr>
+          <p:nvPr>
+            <p:ph type="title"/>
+          </p:nvPr>
+        </p:nvSpPr>
+        <p:spPr/>
+        <p:txBody>
+          <a:bodyPr/>
+          <a:lstStyle/>
+          <a:p>
+            <a:r>
+              <a:rPr lang="en-US" smtClean="0"/>
+              <a:t>Click to edit Master title style</a:t>
+            </a:r>
+            <a:endParaRPr lang="en-US"/>
+          </a:p>
+        </p:txBody>
+      </p:sp>
+      <p:sp>
+        <p:nvSpPr>
+          <p:cNvPr id="3" name="Vertical Text Placeholder 2"/>
+          <p:cNvSpPr>
+            <a:spLocks noGrp="1"/>
+          </p:cNvSpPr>
+          <p:nvPr>
+            <p:ph type="body" orient="vert" idx="1"/>
+          </p:nvPr>
+        </p:nvSpPr>
+        <p:spPr/>
+        <p:txBody>
+          <a:bodyPr vert="eaVert"/>
+          <a:lstStyle/>
+          <a:p>
+            <a:pPr lvl="0"/>
+            <a:r>
+              <a:rPr lang="en-US" smtClean="0"/>
+              <a:t>Click to edit Master text styles</a:t>
+            </a:r>
+          </a:p>
+          <a:p>
+            <a:pPr lvl="1"/>
+            <a:r>
+              <a:rPr lang="en-US" smtClean="0"/>
+              <a:t>Second level</a:t>
+            </a:r>
+          </a:p>
+          <a:p>
+            <a:pPr lvl="2"/>
+            <a:r>
+              <a:rPr lang="en-US" smtClean="0"/>
+              <a:t>Third level</a:t>
+            </a:r>
+          </a:p>
+          <a:p>
+            <a:pPr lvl="3"/>
+            <a:r>
+              <a:rPr lang="en-US" smtClean="0"/>
+              <a:t>Fourth level</a:t>
+            </a:r>
+          </a:p>
+          <a:p>
+            <a:pPr lvl="4"/>
+            <a:r>
+              <a:rPr lang="en-US" smtClean="0"/>
+              <a:t>Fifth level</a:t>
+            </a:r>
+            <a:endParaRPr lang="en-US"/>
+          </a:p>
+        </p:txBody>
+      </p:sp>
+      <p:sp>
+        <p:nvSpPr>
+          <p:cNvPr id="4" name="Date Placeholder 3"/>
+          <p:cNvSpPr>
+            <a:spLocks noGrp="1"/>
+          </p:cNvSpPr>
+          <p:nvPr>
+            <p:ph type="dt" sz="half" idx="10"/>
+          </p:nvPr>
+        </p:nvSpPr>
+        <p:spPr/>
+        <p:txBody>
+          <a:bodyPr/>
+          <a:lstStyle/>
+          <a:p>
+            <a:fld id="{92CAA8A4-0ED2-3C42-8F86-06294E9F5717}" type="datetimeFigureOut">
+              <a:rPr lang="en-US" smtClean="0">
+                <a:solidFill>
+                  <a:prstClr val="black">
+                    <a:tint val="75000"/>
+                  </a:prstClr>
+                </a:solidFill>
+              </a:rPr>
+              <a:pPr/>
+              <a:t>9/12/20</a:t>
+            </a:fld>
+            <a:endParaRPr lang="en-US">
+              <a:solidFill>
+                <a:prstClr val="black">
+                  <a:tint val="75000"/>
+                </a:prstClr>
+              </a:solidFill>
+            </a:endParaRPr>
+          </a:p>
+        </p:txBody>
+      </p:sp>
+      <p:sp>
+        <p:nvSpPr>
+          <p:cNvPr id="5" name="Footer Placeholder 4"/>
+          <p:cNvSpPr>
+            <a:spLocks noGrp="1"/>
+          </p:cNvSpPr>
+          <p:nvPr>
+            <p:ph type="ftr" sz="quarter" idx="11"/>
+          </p:nvPr>
+        </p:nvSpPr>
+        <p:spPr/>
+        <p:txBody>
+          <a:bodyPr/>
+          <a:lstStyle/>
+          <a:p>
+            <a:endParaRPr lang="en-US">
+              <a:solidFill>
+                <a:prstClr val="black">
+                  <a:tint val="75000"/>
+                </a:prstClr>
+              </a:solidFill>
+            </a:endParaRPr>
+          </a:p>
+        </p:txBody>
+      </p:sp>
+      <p:sp>
+        <p:nvSpPr>
+          <p:cNvPr id="6" name="Slide Number Placeholder 5"/>
+          <p:cNvSpPr>
+            <a:spLocks noGrp="1"/>
+          </p:cNvSpPr>
+          <p:nvPr>
+            <p:ph type="sldNum" sz="quarter" idx="12"/>
+          </p:nvPr>
+        </p:nvSpPr>
+        <p:spPr/>
+        <p:txBody>
+          <a:bodyPr/>
+          <a:lstStyle/>
+          <a:p>
+            <a:fld id="{ADCF0D4B-B936-754B-BA5E-F482D12E455A}" type="slidenum">
+              <a:rPr lang="en-US" smtClean="0">
+                <a:solidFill>
+                  <a:prstClr val="black">
+                    <a:tint val="75000"/>
+                  </a:prstClr>
+                </a:solidFill>
+              </a:rPr>
+              <a:pPr/>
+              <a:t>‹#›</a:t>
+            </a:fld>
+            <a:endParaRPr lang="en-US">
+              <a:solidFill>
+                <a:prstClr val="black">
+                  <a:tint val="75000"/>
+                </a:prstClr>
+              </a:solidFill>
+            </a:endParaRPr>
+          </a:p>
+        </p:txBody>
+      </p:sp>
+    </p:spTree>
+    <p:extLst/>
+  </p:cSld>
+  <p:clrMapOvr>
+    <a:masterClrMapping/>
+  </p:clrMapOvr>
+</p:sldLayout>
+</file>
+
+<file path=ppt/slideLayouts/slideLayout22.xml><?xml version="1.0" encoding="utf-8"?>
+<p:sldLayout xmlns:a="http://schemas.openxmlformats.org/drawingml/2006/main" xmlns:r="http://schemas.openxmlformats.org/officeDocument/2006/relationships" xmlns:p="http://schemas.openxmlformats.org/presentationml/2006/main" type="vertTitleAndTx" preserve="1">
+  <p:cSld name="Vertical Title and Text">
+    <p:spTree>
+      <p:nvGrpSpPr>
+        <p:cNvPr id="1" name=""/>
+        <p:cNvGrpSpPr/>
+        <p:nvPr/>
+      </p:nvGrpSpPr>
+      <p:grpSpPr>
+        <a:xfrm>
+          <a:off x="0" y="0"/>
+          <a:ext cx="0" cy="0"/>
+          <a:chOff x="0" y="0"/>
+          <a:chExt cx="0" cy="0"/>
+        </a:xfrm>
+      </p:grpSpPr>
+      <p:sp>
+        <p:nvSpPr>
+          <p:cNvPr id="2" name="Vertical Title 1"/>
+          <p:cNvSpPr>
+            <a:spLocks noGrp="1"/>
+          </p:cNvSpPr>
+          <p:nvPr>
+            <p:ph type="title" orient="vert"/>
+          </p:nvPr>
+        </p:nvSpPr>
+        <p:spPr>
+          <a:xfrm>
+            <a:off x="8724902" y="365129"/>
+            <a:ext cx="2628900" cy="5811839"/>
+          </a:xfrm>
+        </p:spPr>
+        <p:txBody>
+          <a:bodyPr vert="eaVert"/>
+          <a:lstStyle/>
+          <a:p>
+            <a:r>
+              <a:rPr lang="en-US" smtClean="0"/>
+              <a:t>Click to edit Master title style</a:t>
+            </a:r>
+            <a:endParaRPr lang="en-US"/>
+          </a:p>
+        </p:txBody>
+      </p:sp>
+      <p:sp>
+        <p:nvSpPr>
+          <p:cNvPr id="3" name="Vertical Text Placeholder 2"/>
+          <p:cNvSpPr>
+            <a:spLocks noGrp="1"/>
+          </p:cNvSpPr>
+          <p:nvPr>
+            <p:ph type="body" orient="vert" idx="1"/>
+          </p:nvPr>
+        </p:nvSpPr>
+        <p:spPr>
+          <a:xfrm>
+            <a:off x="838203" y="365129"/>
+            <a:ext cx="7734300" cy="5811839"/>
+          </a:xfrm>
+        </p:spPr>
+        <p:txBody>
+          <a:bodyPr vert="eaVert"/>
+          <a:lstStyle/>
+          <a:p>
+            <a:pPr lvl="0"/>
+            <a:r>
+              <a:rPr lang="en-US" smtClean="0"/>
+              <a:t>Click to edit Master text styles</a:t>
+            </a:r>
+          </a:p>
+          <a:p>
+            <a:pPr lvl="1"/>
+            <a:r>
+              <a:rPr lang="en-US" smtClean="0"/>
+              <a:t>Second level</a:t>
+            </a:r>
+          </a:p>
+          <a:p>
+            <a:pPr lvl="2"/>
+            <a:r>
+              <a:rPr lang="en-US" smtClean="0"/>
+              <a:t>Third level</a:t>
+            </a:r>
+          </a:p>
+          <a:p>
+            <a:pPr lvl="3"/>
+            <a:r>
+              <a:rPr lang="en-US" smtClean="0"/>
+              <a:t>Fourth level</a:t>
+            </a:r>
+          </a:p>
+          <a:p>
+            <a:pPr lvl="4"/>
+            <a:r>
+              <a:rPr lang="en-US" smtClean="0"/>
+              <a:t>Fifth level</a:t>
+            </a:r>
+            <a:endParaRPr lang="en-US"/>
+          </a:p>
+        </p:txBody>
+      </p:sp>
+      <p:sp>
+        <p:nvSpPr>
+          <p:cNvPr id="4" name="Date Placeholder 3"/>
+          <p:cNvSpPr>
+            <a:spLocks noGrp="1"/>
+          </p:cNvSpPr>
+          <p:nvPr>
+            <p:ph type="dt" sz="half" idx="10"/>
+          </p:nvPr>
+        </p:nvSpPr>
+        <p:spPr/>
+        <p:txBody>
+          <a:bodyPr/>
+          <a:lstStyle/>
+          <a:p>
+            <a:fld id="{92CAA8A4-0ED2-3C42-8F86-06294E9F5717}" type="datetimeFigureOut">
+              <a:rPr lang="en-US" smtClean="0">
+                <a:solidFill>
+                  <a:prstClr val="black">
+                    <a:tint val="75000"/>
+                  </a:prstClr>
+                </a:solidFill>
+              </a:rPr>
+              <a:pPr/>
+              <a:t>9/12/20</a:t>
+            </a:fld>
+            <a:endParaRPr lang="en-US">
+              <a:solidFill>
+                <a:prstClr val="black">
+                  <a:tint val="75000"/>
+                </a:prstClr>
+              </a:solidFill>
+            </a:endParaRPr>
+          </a:p>
+        </p:txBody>
+      </p:sp>
+      <p:sp>
+        <p:nvSpPr>
+          <p:cNvPr id="5" name="Footer Placeholder 4"/>
+          <p:cNvSpPr>
+            <a:spLocks noGrp="1"/>
+          </p:cNvSpPr>
+          <p:nvPr>
+            <p:ph type="ftr" sz="quarter" idx="11"/>
+          </p:nvPr>
+        </p:nvSpPr>
+        <p:spPr/>
+        <p:txBody>
+          <a:bodyPr/>
+          <a:lstStyle/>
+          <a:p>
+            <a:endParaRPr lang="en-US">
+              <a:solidFill>
+                <a:prstClr val="black">
+                  <a:tint val="75000"/>
+                </a:prstClr>
+              </a:solidFill>
+            </a:endParaRPr>
+          </a:p>
+        </p:txBody>
+      </p:sp>
+      <p:sp>
+        <p:nvSpPr>
+          <p:cNvPr id="6" name="Slide Number Placeholder 5"/>
+          <p:cNvSpPr>
+            <a:spLocks noGrp="1"/>
+          </p:cNvSpPr>
+          <p:nvPr>
+            <p:ph type="sldNum" sz="quarter" idx="12"/>
+          </p:nvPr>
+        </p:nvSpPr>
+        <p:spPr/>
+        <p:txBody>
+          <a:bodyPr/>
+          <a:lstStyle/>
+          <a:p>
+            <a:fld id="{ADCF0D4B-B936-754B-BA5E-F482D12E455A}" type="slidenum">
+              <a:rPr lang="en-US" smtClean="0">
+                <a:solidFill>
+                  <a:prstClr val="black">
+                    <a:tint val="75000"/>
+                  </a:prstClr>
+                </a:solidFill>
+              </a:rPr>
+              <a:pPr/>
+              <a:t>‹#›</a:t>
+            </a:fld>
+            <a:endParaRPr lang="en-US">
+              <a:solidFill>
+                <a:prstClr val="black">
+                  <a:tint val="75000"/>
+                </a:prstClr>
+              </a:solidFill>
+            </a:endParaRPr>
+          </a:p>
+        </p:txBody>
+      </p:sp>
+    </p:spTree>
+    <p:extLst/>
   </p:cSld>
   <p:clrMapOvr>
     <a:masterClrMapping/>
@@ -1670,7 +4280,7 @@
           <p:cNvPr id="2" name="Title 1">
             <a:extLst>
               <a:ext uri="{FF2B5EF4-FFF2-40B4-BE49-F238E27FC236}">
-                <a16:creationId xmlns:a16="http://schemas.microsoft.com/office/drawing/2014/main" id="{53F65BC1-0DC0-2C41-93FD-F8C8C50FAA84}"/>
+                <a16:creationId xmlns:a16="http://schemas.microsoft.com/office/drawing/2014/main" xmlns="" id="{53F65BC1-0DC0-2C41-93FD-F8C8C50FAA84}"/>
               </a:ext>
             </a:extLst>
           </p:cNvPr>
@@ -1707,7 +4317,7 @@
           <p:cNvPr id="3" name="Text Placeholder 2">
             <a:extLst>
               <a:ext uri="{FF2B5EF4-FFF2-40B4-BE49-F238E27FC236}">
-                <a16:creationId xmlns:a16="http://schemas.microsoft.com/office/drawing/2014/main" id="{6BD1B562-39D0-3744-891B-19235BBFA456}"/>
+                <a16:creationId xmlns:a16="http://schemas.microsoft.com/office/drawing/2014/main" xmlns="" id="{6BD1B562-39D0-3744-891B-19235BBFA456}"/>
               </a:ext>
             </a:extLst>
           </p:cNvPr>
@@ -1832,7 +4442,7 @@
           <p:cNvPr id="4" name="Date Placeholder 3">
             <a:extLst>
               <a:ext uri="{FF2B5EF4-FFF2-40B4-BE49-F238E27FC236}">
-                <a16:creationId xmlns:a16="http://schemas.microsoft.com/office/drawing/2014/main" id="{FA49440E-DCDC-3149-842E-0F66C821ADBB}"/>
+                <a16:creationId xmlns:a16="http://schemas.microsoft.com/office/drawing/2014/main" xmlns="" id="{FA49440E-DCDC-3149-842E-0F66C821ADBB}"/>
               </a:ext>
             </a:extLst>
           </p:cNvPr>
@@ -1850,7 +4460,7 @@
           <a:p>
             <a:fld id="{2AD54A35-3D00-9346-A90C-D5D0667B371F}" type="datetimeFigureOut">
               <a:rPr lang="en-US" smtClean="0"/>
-              <a:t>7/15/20</a:t>
+              <a:t>9/12/20</a:t>
             </a:fld>
             <a:endParaRPr lang="en-US"/>
           </a:p>
@@ -1861,7 +4471,7 @@
           <p:cNvPr id="5" name="Footer Placeholder 4">
             <a:extLst>
               <a:ext uri="{FF2B5EF4-FFF2-40B4-BE49-F238E27FC236}">
-                <a16:creationId xmlns:a16="http://schemas.microsoft.com/office/drawing/2014/main" id="{74B09CA7-E319-6D4D-BF5E-7B20922B5731}"/>
+                <a16:creationId xmlns:a16="http://schemas.microsoft.com/office/drawing/2014/main" xmlns="" id="{74B09CA7-E319-6D4D-BF5E-7B20922B5731}"/>
               </a:ext>
             </a:extLst>
           </p:cNvPr>
@@ -1886,7 +4496,7 @@
           <p:cNvPr id="6" name="Slide Number Placeholder 5">
             <a:extLst>
               <a:ext uri="{FF2B5EF4-FFF2-40B4-BE49-F238E27FC236}">
-                <a16:creationId xmlns:a16="http://schemas.microsoft.com/office/drawing/2014/main" id="{D0AF356E-592D-8340-B7DC-6D5B999574BC}"/>
+                <a16:creationId xmlns:a16="http://schemas.microsoft.com/office/drawing/2014/main" xmlns="" id="{D0AF356E-592D-8340-B7DC-6D5B999574BC}"/>
               </a:ext>
             </a:extLst>
           </p:cNvPr>
@@ -1945,7 +4555,7 @@
           <p:cNvPr id="2" name="Title 1">
             <a:extLst>
               <a:ext uri="{FF2B5EF4-FFF2-40B4-BE49-F238E27FC236}">
-                <a16:creationId xmlns:a16="http://schemas.microsoft.com/office/drawing/2014/main" id="{24A32E39-81CF-DC43-A360-EA61859400EF}"/>
+                <a16:creationId xmlns:a16="http://schemas.microsoft.com/office/drawing/2014/main" xmlns="" id="{24A32E39-81CF-DC43-A360-EA61859400EF}"/>
               </a:ext>
             </a:extLst>
           </p:cNvPr>
@@ -1973,7 +4583,7 @@
           <p:cNvPr id="3" name="Content Placeholder 2">
             <a:extLst>
               <a:ext uri="{FF2B5EF4-FFF2-40B4-BE49-F238E27FC236}">
-                <a16:creationId xmlns:a16="http://schemas.microsoft.com/office/drawing/2014/main" id="{AF5D43BF-31F9-3B4E-ACF9-14EABCB33ADE}"/>
+                <a16:creationId xmlns:a16="http://schemas.microsoft.com/office/drawing/2014/main" xmlns="" id="{AF5D43BF-31F9-3B4E-ACF9-14EABCB33ADE}"/>
               </a:ext>
             </a:extLst>
           </p:cNvPr>
@@ -2035,7 +4645,7 @@
           <p:cNvPr id="4" name="Content Placeholder 3">
             <a:extLst>
               <a:ext uri="{FF2B5EF4-FFF2-40B4-BE49-F238E27FC236}">
-                <a16:creationId xmlns:a16="http://schemas.microsoft.com/office/drawing/2014/main" id="{3A0F3FF4-521C-414F-A4F2-5476B138151F}"/>
+                <a16:creationId xmlns:a16="http://schemas.microsoft.com/office/drawing/2014/main" xmlns="" id="{3A0F3FF4-521C-414F-A4F2-5476B138151F}"/>
               </a:ext>
             </a:extLst>
           </p:cNvPr>
@@ -2097,7 +4707,7 @@
           <p:cNvPr id="5" name="Date Placeholder 4">
             <a:extLst>
               <a:ext uri="{FF2B5EF4-FFF2-40B4-BE49-F238E27FC236}">
-                <a16:creationId xmlns:a16="http://schemas.microsoft.com/office/drawing/2014/main" id="{6F6E7D1A-C5B3-5248-8EAF-E6E874E493AB}"/>
+                <a16:creationId xmlns:a16="http://schemas.microsoft.com/office/drawing/2014/main" xmlns="" id="{6F6E7D1A-C5B3-5248-8EAF-E6E874E493AB}"/>
               </a:ext>
             </a:extLst>
           </p:cNvPr>
@@ -2115,7 +4725,7 @@
           <a:p>
             <a:fld id="{2AD54A35-3D00-9346-A90C-D5D0667B371F}" type="datetimeFigureOut">
               <a:rPr lang="en-US" smtClean="0"/>
-              <a:t>7/15/20</a:t>
+              <a:t>9/12/20</a:t>
             </a:fld>
             <a:endParaRPr lang="en-US"/>
           </a:p>
@@ -2126,7 +4736,7 @@
           <p:cNvPr id="6" name="Footer Placeholder 5">
             <a:extLst>
               <a:ext uri="{FF2B5EF4-FFF2-40B4-BE49-F238E27FC236}">
-                <a16:creationId xmlns:a16="http://schemas.microsoft.com/office/drawing/2014/main" id="{98174B26-7F75-E243-818F-9A4C66B47117}"/>
+                <a16:creationId xmlns:a16="http://schemas.microsoft.com/office/drawing/2014/main" xmlns="" id="{98174B26-7F75-E243-818F-9A4C66B47117}"/>
               </a:ext>
             </a:extLst>
           </p:cNvPr>
@@ -2151,7 +4761,7 @@
           <p:cNvPr id="7" name="Slide Number Placeholder 6">
             <a:extLst>
               <a:ext uri="{FF2B5EF4-FFF2-40B4-BE49-F238E27FC236}">
-                <a16:creationId xmlns:a16="http://schemas.microsoft.com/office/drawing/2014/main" id="{7174E3BB-F00C-5246-A089-7AFCDFB3A46A}"/>
+                <a16:creationId xmlns:a16="http://schemas.microsoft.com/office/drawing/2014/main" xmlns="" id="{7174E3BB-F00C-5246-A089-7AFCDFB3A46A}"/>
               </a:ext>
             </a:extLst>
           </p:cNvPr>
@@ -2210,7 +4820,7 @@
           <p:cNvPr id="2" name="Title 1">
             <a:extLst>
               <a:ext uri="{FF2B5EF4-FFF2-40B4-BE49-F238E27FC236}">
-                <a16:creationId xmlns:a16="http://schemas.microsoft.com/office/drawing/2014/main" id="{EEF55CDB-8557-6B41-8E08-363EE40B9F4F}"/>
+                <a16:creationId xmlns:a16="http://schemas.microsoft.com/office/drawing/2014/main" xmlns="" id="{EEF55CDB-8557-6B41-8E08-363EE40B9F4F}"/>
               </a:ext>
             </a:extLst>
           </p:cNvPr>
@@ -2243,7 +4853,7 @@
           <p:cNvPr id="3" name="Text Placeholder 2">
             <a:extLst>
               <a:ext uri="{FF2B5EF4-FFF2-40B4-BE49-F238E27FC236}">
-                <a16:creationId xmlns:a16="http://schemas.microsoft.com/office/drawing/2014/main" id="{17AB7CA3-FDA4-1A43-8B38-05609B27E88C}"/>
+                <a16:creationId xmlns:a16="http://schemas.microsoft.com/office/drawing/2014/main" xmlns="" id="{17AB7CA3-FDA4-1A43-8B38-05609B27E88C}"/>
               </a:ext>
             </a:extLst>
           </p:cNvPr>
@@ -2314,7 +4924,7 @@
           <p:cNvPr id="4" name="Content Placeholder 3">
             <a:extLst>
               <a:ext uri="{FF2B5EF4-FFF2-40B4-BE49-F238E27FC236}">
-                <a16:creationId xmlns:a16="http://schemas.microsoft.com/office/drawing/2014/main" id="{B4607FF7-3258-6A4A-B616-C6C55B9D8408}"/>
+                <a16:creationId xmlns:a16="http://schemas.microsoft.com/office/drawing/2014/main" xmlns="" id="{B4607FF7-3258-6A4A-B616-C6C55B9D8408}"/>
               </a:ext>
             </a:extLst>
           </p:cNvPr>
@@ -2376,7 +4986,7 @@
           <p:cNvPr id="5" name="Text Placeholder 4">
             <a:extLst>
               <a:ext uri="{FF2B5EF4-FFF2-40B4-BE49-F238E27FC236}">
-                <a16:creationId xmlns:a16="http://schemas.microsoft.com/office/drawing/2014/main" id="{665FFB2E-2236-A645-96BE-56DCD9FF4BA2}"/>
+                <a16:creationId xmlns:a16="http://schemas.microsoft.com/office/drawing/2014/main" xmlns="" id="{665FFB2E-2236-A645-96BE-56DCD9FF4BA2}"/>
               </a:ext>
             </a:extLst>
           </p:cNvPr>
@@ -2447,7 +5057,7 @@
           <p:cNvPr id="6" name="Content Placeholder 5">
             <a:extLst>
               <a:ext uri="{FF2B5EF4-FFF2-40B4-BE49-F238E27FC236}">
-                <a16:creationId xmlns:a16="http://schemas.microsoft.com/office/drawing/2014/main" id="{C17216D8-36CA-DF47-8FC6-6745A0E729FA}"/>
+                <a16:creationId xmlns:a16="http://schemas.microsoft.com/office/drawing/2014/main" xmlns="" id="{C17216D8-36CA-DF47-8FC6-6745A0E729FA}"/>
               </a:ext>
             </a:extLst>
           </p:cNvPr>
@@ -2509,7 +5119,7 @@
           <p:cNvPr id="7" name="Date Placeholder 6">
             <a:extLst>
               <a:ext uri="{FF2B5EF4-FFF2-40B4-BE49-F238E27FC236}">
-                <a16:creationId xmlns:a16="http://schemas.microsoft.com/office/drawing/2014/main" id="{4A8B6918-46FB-6B43-AA86-E1E5E33935FA}"/>
+                <a16:creationId xmlns:a16="http://schemas.microsoft.com/office/drawing/2014/main" xmlns="" id="{4A8B6918-46FB-6B43-AA86-E1E5E33935FA}"/>
               </a:ext>
             </a:extLst>
           </p:cNvPr>
@@ -2527,7 +5137,7 @@
           <a:p>
             <a:fld id="{2AD54A35-3D00-9346-A90C-D5D0667B371F}" type="datetimeFigureOut">
               <a:rPr lang="en-US" smtClean="0"/>
-              <a:t>7/15/20</a:t>
+              <a:t>9/12/20</a:t>
             </a:fld>
             <a:endParaRPr lang="en-US"/>
           </a:p>
@@ -2538,7 +5148,7 @@
           <p:cNvPr id="8" name="Footer Placeholder 7">
             <a:extLst>
               <a:ext uri="{FF2B5EF4-FFF2-40B4-BE49-F238E27FC236}">
-                <a16:creationId xmlns:a16="http://schemas.microsoft.com/office/drawing/2014/main" id="{4BF5E58B-CA7A-9F4F-ACEC-E6358EEF62E7}"/>
+                <a16:creationId xmlns:a16="http://schemas.microsoft.com/office/drawing/2014/main" xmlns="" id="{4BF5E58B-CA7A-9F4F-ACEC-E6358EEF62E7}"/>
               </a:ext>
             </a:extLst>
           </p:cNvPr>
@@ -2563,7 +5173,7 @@
           <p:cNvPr id="9" name="Slide Number Placeholder 8">
             <a:extLst>
               <a:ext uri="{FF2B5EF4-FFF2-40B4-BE49-F238E27FC236}">
-                <a16:creationId xmlns:a16="http://schemas.microsoft.com/office/drawing/2014/main" id="{BE6B23CD-A1EF-5A42-B208-868C8885248C}"/>
+                <a16:creationId xmlns:a16="http://schemas.microsoft.com/office/drawing/2014/main" xmlns="" id="{BE6B23CD-A1EF-5A42-B208-868C8885248C}"/>
               </a:ext>
             </a:extLst>
           </p:cNvPr>
@@ -2622,7 +5232,7 @@
           <p:cNvPr id="2" name="Title 1">
             <a:extLst>
               <a:ext uri="{FF2B5EF4-FFF2-40B4-BE49-F238E27FC236}">
-                <a16:creationId xmlns:a16="http://schemas.microsoft.com/office/drawing/2014/main" id="{703F6DB2-C8F8-2B4C-A828-A4BD27053A89}"/>
+                <a16:creationId xmlns:a16="http://schemas.microsoft.com/office/drawing/2014/main" xmlns="" id="{703F6DB2-C8F8-2B4C-A828-A4BD27053A89}"/>
               </a:ext>
             </a:extLst>
           </p:cNvPr>
@@ -2650,7 +5260,7 @@
           <p:cNvPr id="3" name="Date Placeholder 2">
             <a:extLst>
               <a:ext uri="{FF2B5EF4-FFF2-40B4-BE49-F238E27FC236}">
-                <a16:creationId xmlns:a16="http://schemas.microsoft.com/office/drawing/2014/main" id="{F0FFA1AA-94FA-4347-A797-03D12F38E0F2}"/>
+                <a16:creationId xmlns:a16="http://schemas.microsoft.com/office/drawing/2014/main" xmlns="" id="{F0FFA1AA-94FA-4347-A797-03D12F38E0F2}"/>
               </a:ext>
             </a:extLst>
           </p:cNvPr>
@@ -2668,7 +5278,7 @@
           <a:p>
             <a:fld id="{2AD54A35-3D00-9346-A90C-D5D0667B371F}" type="datetimeFigureOut">
               <a:rPr lang="en-US" smtClean="0"/>
-              <a:t>7/15/20</a:t>
+              <a:t>9/12/20</a:t>
             </a:fld>
             <a:endParaRPr lang="en-US"/>
           </a:p>
@@ -2679,7 +5289,7 @@
           <p:cNvPr id="4" name="Footer Placeholder 3">
             <a:extLst>
               <a:ext uri="{FF2B5EF4-FFF2-40B4-BE49-F238E27FC236}">
-                <a16:creationId xmlns:a16="http://schemas.microsoft.com/office/drawing/2014/main" id="{CAF3498B-C124-3E48-98F2-B51D5ED7DCC5}"/>
+                <a16:creationId xmlns:a16="http://schemas.microsoft.com/office/drawing/2014/main" xmlns="" id="{CAF3498B-C124-3E48-98F2-B51D5ED7DCC5}"/>
               </a:ext>
             </a:extLst>
           </p:cNvPr>
@@ -2704,7 +5314,7 @@
           <p:cNvPr id="5" name="Slide Number Placeholder 4">
             <a:extLst>
               <a:ext uri="{FF2B5EF4-FFF2-40B4-BE49-F238E27FC236}">
-                <a16:creationId xmlns:a16="http://schemas.microsoft.com/office/drawing/2014/main" id="{8E35682A-FA69-6841-8535-6C9A8B33EAF4}"/>
+                <a16:creationId xmlns:a16="http://schemas.microsoft.com/office/drawing/2014/main" xmlns="" id="{8E35682A-FA69-6841-8535-6C9A8B33EAF4}"/>
               </a:ext>
             </a:extLst>
           </p:cNvPr>
@@ -2763,7 +5373,7 @@
           <p:cNvPr id="2" name="Date Placeholder 1">
             <a:extLst>
               <a:ext uri="{FF2B5EF4-FFF2-40B4-BE49-F238E27FC236}">
-                <a16:creationId xmlns:a16="http://schemas.microsoft.com/office/drawing/2014/main" id="{931B743E-6ED9-E148-A50A-4027C437B6B2}"/>
+                <a16:creationId xmlns:a16="http://schemas.microsoft.com/office/drawing/2014/main" xmlns="" id="{931B743E-6ED9-E148-A50A-4027C437B6B2}"/>
               </a:ext>
             </a:extLst>
           </p:cNvPr>
@@ -2781,7 +5391,7 @@
           <a:p>
             <a:fld id="{2AD54A35-3D00-9346-A90C-D5D0667B371F}" type="datetimeFigureOut">
               <a:rPr lang="en-US" smtClean="0"/>
-              <a:t>7/15/20</a:t>
+              <a:t>9/12/20</a:t>
             </a:fld>
             <a:endParaRPr lang="en-US"/>
           </a:p>
@@ -2792,7 +5402,7 @@
           <p:cNvPr id="3" name="Footer Placeholder 2">
             <a:extLst>
               <a:ext uri="{FF2B5EF4-FFF2-40B4-BE49-F238E27FC236}">
-                <a16:creationId xmlns:a16="http://schemas.microsoft.com/office/drawing/2014/main" id="{2EA84763-B782-994F-A6AE-AB888231FDB1}"/>
+                <a16:creationId xmlns:a16="http://schemas.microsoft.com/office/drawing/2014/main" xmlns="" id="{2EA84763-B782-994F-A6AE-AB888231FDB1}"/>
               </a:ext>
             </a:extLst>
           </p:cNvPr>
@@ -2817,7 +5427,7 @@
           <p:cNvPr id="4" name="Slide Number Placeholder 3">
             <a:extLst>
               <a:ext uri="{FF2B5EF4-FFF2-40B4-BE49-F238E27FC236}">
-                <a16:creationId xmlns:a16="http://schemas.microsoft.com/office/drawing/2014/main" id="{BEBBE305-122C-FB4F-9867-3C060640909F}"/>
+                <a16:creationId xmlns:a16="http://schemas.microsoft.com/office/drawing/2014/main" xmlns="" id="{BEBBE305-122C-FB4F-9867-3C060640909F}"/>
               </a:ext>
             </a:extLst>
           </p:cNvPr>
@@ -2876,7 +5486,7 @@
           <p:cNvPr id="2" name="Title 1">
             <a:extLst>
               <a:ext uri="{FF2B5EF4-FFF2-40B4-BE49-F238E27FC236}">
-                <a16:creationId xmlns:a16="http://schemas.microsoft.com/office/drawing/2014/main" id="{B6EF527D-308B-6B43-A7F4-41D7724527E8}"/>
+                <a16:creationId xmlns:a16="http://schemas.microsoft.com/office/drawing/2014/main" xmlns="" id="{B6EF527D-308B-6B43-A7F4-41D7724527E8}"/>
               </a:ext>
             </a:extLst>
           </p:cNvPr>
@@ -2913,7 +5523,7 @@
           <p:cNvPr id="3" name="Content Placeholder 2">
             <a:extLst>
               <a:ext uri="{FF2B5EF4-FFF2-40B4-BE49-F238E27FC236}">
-                <a16:creationId xmlns:a16="http://schemas.microsoft.com/office/drawing/2014/main" id="{2AB6D04B-009F-5F45-8F98-2B285CC51C3C}"/>
+                <a16:creationId xmlns:a16="http://schemas.microsoft.com/office/drawing/2014/main" xmlns="" id="{2AB6D04B-009F-5F45-8F98-2B285CC51C3C}"/>
               </a:ext>
             </a:extLst>
           </p:cNvPr>
@@ -3003,7 +5613,7 @@
           <p:cNvPr id="4" name="Text Placeholder 3">
             <a:extLst>
               <a:ext uri="{FF2B5EF4-FFF2-40B4-BE49-F238E27FC236}">
-                <a16:creationId xmlns:a16="http://schemas.microsoft.com/office/drawing/2014/main" id="{501FC7AE-E107-5843-BD44-CA2602BF00E7}"/>
+                <a16:creationId xmlns:a16="http://schemas.microsoft.com/office/drawing/2014/main" xmlns="" id="{501FC7AE-E107-5843-BD44-CA2602BF00E7}"/>
               </a:ext>
             </a:extLst>
           </p:cNvPr>
@@ -3074,7 +5684,7 @@
           <p:cNvPr id="5" name="Date Placeholder 4">
             <a:extLst>
               <a:ext uri="{FF2B5EF4-FFF2-40B4-BE49-F238E27FC236}">
-                <a16:creationId xmlns:a16="http://schemas.microsoft.com/office/drawing/2014/main" id="{1DC3D721-7195-024D-9BB4-2ECA2A488268}"/>
+                <a16:creationId xmlns:a16="http://schemas.microsoft.com/office/drawing/2014/main" xmlns="" id="{1DC3D721-7195-024D-9BB4-2ECA2A488268}"/>
               </a:ext>
             </a:extLst>
           </p:cNvPr>
@@ -3092,7 +5702,7 @@
           <a:p>
             <a:fld id="{2AD54A35-3D00-9346-A90C-D5D0667B371F}" type="datetimeFigureOut">
               <a:rPr lang="en-US" smtClean="0"/>
-              <a:t>7/15/20</a:t>
+              <a:t>9/12/20</a:t>
             </a:fld>
             <a:endParaRPr lang="en-US"/>
           </a:p>
@@ -3103,7 +5713,7 @@
           <p:cNvPr id="6" name="Footer Placeholder 5">
             <a:extLst>
               <a:ext uri="{FF2B5EF4-FFF2-40B4-BE49-F238E27FC236}">
-                <a16:creationId xmlns:a16="http://schemas.microsoft.com/office/drawing/2014/main" id="{03A3E2D8-698C-AB43-9C55-7C9293F9F978}"/>
+                <a16:creationId xmlns:a16="http://schemas.microsoft.com/office/drawing/2014/main" xmlns="" id="{03A3E2D8-698C-AB43-9C55-7C9293F9F978}"/>
               </a:ext>
             </a:extLst>
           </p:cNvPr>
@@ -3128,7 +5738,7 @@
           <p:cNvPr id="7" name="Slide Number Placeholder 6">
             <a:extLst>
               <a:ext uri="{FF2B5EF4-FFF2-40B4-BE49-F238E27FC236}">
-                <a16:creationId xmlns:a16="http://schemas.microsoft.com/office/drawing/2014/main" id="{AC334DCD-F82A-5640-A628-737954C6E93F}"/>
+                <a16:creationId xmlns:a16="http://schemas.microsoft.com/office/drawing/2014/main" xmlns="" id="{AC334DCD-F82A-5640-A628-737954C6E93F}"/>
               </a:ext>
             </a:extLst>
           </p:cNvPr>
@@ -3187,7 +5797,7 @@
           <p:cNvPr id="2" name="Title 1">
             <a:extLst>
               <a:ext uri="{FF2B5EF4-FFF2-40B4-BE49-F238E27FC236}">
-                <a16:creationId xmlns:a16="http://schemas.microsoft.com/office/drawing/2014/main" id="{A8930BAB-3FA9-0D45-8D32-F13C96BE17D1}"/>
+                <a16:creationId xmlns:a16="http://schemas.microsoft.com/office/drawing/2014/main" xmlns="" id="{A8930BAB-3FA9-0D45-8D32-F13C96BE17D1}"/>
               </a:ext>
             </a:extLst>
           </p:cNvPr>
@@ -3224,7 +5834,7 @@
           <p:cNvPr id="3" name="Picture Placeholder 2">
             <a:extLst>
               <a:ext uri="{FF2B5EF4-FFF2-40B4-BE49-F238E27FC236}">
-                <a16:creationId xmlns:a16="http://schemas.microsoft.com/office/drawing/2014/main" id="{7B2582F8-2B8F-6348-822D-D3E251316097}"/>
+                <a16:creationId xmlns:a16="http://schemas.microsoft.com/office/drawing/2014/main" xmlns="" id="{7B2582F8-2B8F-6348-822D-D3E251316097}"/>
               </a:ext>
             </a:extLst>
           </p:cNvPr>
@@ -3291,7 +5901,7 @@
           <p:cNvPr id="4" name="Text Placeholder 3">
             <a:extLst>
               <a:ext uri="{FF2B5EF4-FFF2-40B4-BE49-F238E27FC236}">
-                <a16:creationId xmlns:a16="http://schemas.microsoft.com/office/drawing/2014/main" id="{0EF7D9B5-55BD-904F-AC49-F3885E0BE60A}"/>
+                <a16:creationId xmlns:a16="http://schemas.microsoft.com/office/drawing/2014/main" xmlns="" id="{0EF7D9B5-55BD-904F-AC49-F3885E0BE60A}"/>
               </a:ext>
             </a:extLst>
           </p:cNvPr>
@@ -3362,7 +5972,7 @@
           <p:cNvPr id="5" name="Date Placeholder 4">
             <a:extLst>
               <a:ext uri="{FF2B5EF4-FFF2-40B4-BE49-F238E27FC236}">
-                <a16:creationId xmlns:a16="http://schemas.microsoft.com/office/drawing/2014/main" id="{DE65F069-D268-F045-835A-634C9A4493B6}"/>
+                <a16:creationId xmlns:a16="http://schemas.microsoft.com/office/drawing/2014/main" xmlns="" id="{DE65F069-D268-F045-835A-634C9A4493B6}"/>
               </a:ext>
             </a:extLst>
           </p:cNvPr>
@@ -3380,7 +5990,7 @@
           <a:p>
             <a:fld id="{2AD54A35-3D00-9346-A90C-D5D0667B371F}" type="datetimeFigureOut">
               <a:rPr lang="en-US" smtClean="0"/>
-              <a:t>7/15/20</a:t>
+              <a:t>9/12/20</a:t>
             </a:fld>
             <a:endParaRPr lang="en-US"/>
           </a:p>
@@ -3391,7 +6001,7 @@
           <p:cNvPr id="6" name="Footer Placeholder 5">
             <a:extLst>
               <a:ext uri="{FF2B5EF4-FFF2-40B4-BE49-F238E27FC236}">
-                <a16:creationId xmlns:a16="http://schemas.microsoft.com/office/drawing/2014/main" id="{E52DE5EE-4E26-394A-9C40-BDB87F678B74}"/>
+                <a16:creationId xmlns:a16="http://schemas.microsoft.com/office/drawing/2014/main" xmlns="" id="{E52DE5EE-4E26-394A-9C40-BDB87F678B74}"/>
               </a:ext>
             </a:extLst>
           </p:cNvPr>
@@ -3416,7 +6026,7 @@
           <p:cNvPr id="7" name="Slide Number Placeholder 6">
             <a:extLst>
               <a:ext uri="{FF2B5EF4-FFF2-40B4-BE49-F238E27FC236}">
-                <a16:creationId xmlns:a16="http://schemas.microsoft.com/office/drawing/2014/main" id="{5B801774-5FD1-A54F-ABD3-160F69F1E530}"/>
+                <a16:creationId xmlns:a16="http://schemas.microsoft.com/office/drawing/2014/main" xmlns="" id="{5B801774-5FD1-A54F-ABD3-160F69F1E530}"/>
               </a:ext>
             </a:extLst>
           </p:cNvPr>
@@ -3480,7 +6090,7 @@
           <p:cNvPr id="2" name="Title Placeholder 1">
             <a:extLst>
               <a:ext uri="{FF2B5EF4-FFF2-40B4-BE49-F238E27FC236}">
-                <a16:creationId xmlns:a16="http://schemas.microsoft.com/office/drawing/2014/main" id="{143A8776-B071-7F4C-80CB-8A4F87A49404}"/>
+                <a16:creationId xmlns:a16="http://schemas.microsoft.com/office/drawing/2014/main" xmlns="" id="{143A8776-B071-7F4C-80CB-8A4F87A49404}"/>
               </a:ext>
             </a:extLst>
           </p:cNvPr>
@@ -3518,7 +6128,7 @@
           <p:cNvPr id="3" name="Text Placeholder 2">
             <a:extLst>
               <a:ext uri="{FF2B5EF4-FFF2-40B4-BE49-F238E27FC236}">
-                <a16:creationId xmlns:a16="http://schemas.microsoft.com/office/drawing/2014/main" id="{576995E7-0CA4-244E-813F-ADBFA2B982BC}"/>
+                <a16:creationId xmlns:a16="http://schemas.microsoft.com/office/drawing/2014/main" xmlns="" id="{576995E7-0CA4-244E-813F-ADBFA2B982BC}"/>
               </a:ext>
             </a:extLst>
           </p:cNvPr>
@@ -3585,7 +6195,7 @@
           <p:cNvPr id="4" name="Date Placeholder 3">
             <a:extLst>
               <a:ext uri="{FF2B5EF4-FFF2-40B4-BE49-F238E27FC236}">
-                <a16:creationId xmlns:a16="http://schemas.microsoft.com/office/drawing/2014/main" id="{2FA1158F-6BA5-1843-89D0-B1D7E4B651D8}"/>
+                <a16:creationId xmlns:a16="http://schemas.microsoft.com/office/drawing/2014/main" xmlns="" id="{2FA1158F-6BA5-1843-89D0-B1D7E4B651D8}"/>
               </a:ext>
             </a:extLst>
           </p:cNvPr>
@@ -3621,7 +6231,7 @@
           <a:p>
             <a:fld id="{2AD54A35-3D00-9346-A90C-D5D0667B371F}" type="datetimeFigureOut">
               <a:rPr lang="en-US" smtClean="0"/>
-              <a:t>7/15/20</a:t>
+              <a:t>9/12/20</a:t>
             </a:fld>
             <a:endParaRPr lang="en-US"/>
           </a:p>
@@ -3632,7 +6242,7 @@
           <p:cNvPr id="5" name="Footer Placeholder 4">
             <a:extLst>
               <a:ext uri="{FF2B5EF4-FFF2-40B4-BE49-F238E27FC236}">
-                <a16:creationId xmlns:a16="http://schemas.microsoft.com/office/drawing/2014/main" id="{2635DD9C-A3B9-F749-977D-B98ED384D58A}"/>
+                <a16:creationId xmlns:a16="http://schemas.microsoft.com/office/drawing/2014/main" xmlns="" id="{2635DD9C-A3B9-F749-977D-B98ED384D58A}"/>
               </a:ext>
             </a:extLst>
           </p:cNvPr>
@@ -3675,7 +6285,7 @@
           <p:cNvPr id="6" name="Slide Number Placeholder 5">
             <a:extLst>
               <a:ext uri="{FF2B5EF4-FFF2-40B4-BE49-F238E27FC236}">
-                <a16:creationId xmlns:a16="http://schemas.microsoft.com/office/drawing/2014/main" id="{296A0EB5-132D-F04D-8265-B55F7C455D20}"/>
+                <a16:creationId xmlns:a16="http://schemas.microsoft.com/office/drawing/2014/main" xmlns="" id="{296A0EB5-132D-F04D-8265-B55F7C455D20}"/>
               </a:ext>
             </a:extLst>
           </p:cNvPr>
@@ -4021,6 +6631,583 @@
 </p:sldMaster>
 </file>
 
+<file path=ppt/slideMasters/slideMaster2.xml><?xml version="1.0" encoding="utf-8"?>
+<p:sldMaster xmlns:a="http://schemas.openxmlformats.org/drawingml/2006/main" xmlns:r="http://schemas.openxmlformats.org/officeDocument/2006/relationships" xmlns:p="http://schemas.openxmlformats.org/presentationml/2006/main">
+  <p:cSld>
+    <p:bg>
+      <p:bgRef idx="1001">
+        <a:schemeClr val="bg1"/>
+      </p:bgRef>
+    </p:bg>
+    <p:spTree>
+      <p:nvGrpSpPr>
+        <p:cNvPr id="1" name=""/>
+        <p:cNvGrpSpPr/>
+        <p:nvPr/>
+      </p:nvGrpSpPr>
+      <p:grpSpPr>
+        <a:xfrm>
+          <a:off x="0" y="0"/>
+          <a:ext cx="0" cy="0"/>
+          <a:chOff x="0" y="0"/>
+          <a:chExt cx="0" cy="0"/>
+        </a:xfrm>
+      </p:grpSpPr>
+      <p:sp>
+        <p:nvSpPr>
+          <p:cNvPr id="2" name="Title Placeholder 1"/>
+          <p:cNvSpPr>
+            <a:spLocks noGrp="1"/>
+          </p:cNvSpPr>
+          <p:nvPr>
+            <p:ph type="title"/>
+          </p:nvPr>
+        </p:nvSpPr>
+        <p:spPr>
+          <a:xfrm>
+            <a:off x="838200" y="365127"/>
+            <a:ext cx="10515600" cy="1325563"/>
+          </a:xfrm>
+          <a:prstGeom prst="rect">
+            <a:avLst/>
+          </a:prstGeom>
+        </p:spPr>
+        <p:txBody>
+          <a:bodyPr vert="horz" lIns="91440" tIns="45720" rIns="91440" bIns="45720" rtlCol="0" anchor="ctr">
+            <a:normAutofit/>
+          </a:bodyPr>
+          <a:lstStyle/>
+          <a:p>
+            <a:r>
+              <a:rPr lang="en-US" smtClean="0"/>
+              <a:t>Click to edit Master title style</a:t>
+            </a:r>
+            <a:endParaRPr lang="en-US"/>
+          </a:p>
+        </p:txBody>
+      </p:sp>
+      <p:sp>
+        <p:nvSpPr>
+          <p:cNvPr id="3" name="Text Placeholder 2"/>
+          <p:cNvSpPr>
+            <a:spLocks noGrp="1"/>
+          </p:cNvSpPr>
+          <p:nvPr>
+            <p:ph type="body" idx="1"/>
+          </p:nvPr>
+        </p:nvSpPr>
+        <p:spPr>
+          <a:xfrm>
+            <a:off x="838200" y="1825625"/>
+            <a:ext cx="10515600" cy="4351339"/>
+          </a:xfrm>
+          <a:prstGeom prst="rect">
+            <a:avLst/>
+          </a:prstGeom>
+        </p:spPr>
+        <p:txBody>
+          <a:bodyPr vert="horz" lIns="91440" tIns="45720" rIns="91440" bIns="45720" rtlCol="0">
+            <a:normAutofit/>
+          </a:bodyPr>
+          <a:lstStyle/>
+          <a:p>
+            <a:pPr lvl="0"/>
+            <a:r>
+              <a:rPr lang="en-US" smtClean="0"/>
+              <a:t>Click to edit Master text styles</a:t>
+            </a:r>
+          </a:p>
+          <a:p>
+            <a:pPr lvl="1"/>
+            <a:r>
+              <a:rPr lang="en-US" smtClean="0"/>
+              <a:t>Second level</a:t>
+            </a:r>
+          </a:p>
+          <a:p>
+            <a:pPr lvl="2"/>
+            <a:r>
+              <a:rPr lang="en-US" smtClean="0"/>
+              <a:t>Third level</a:t>
+            </a:r>
+          </a:p>
+          <a:p>
+            <a:pPr lvl="3"/>
+            <a:r>
+              <a:rPr lang="en-US" smtClean="0"/>
+              <a:t>Fourth level</a:t>
+            </a:r>
+          </a:p>
+          <a:p>
+            <a:pPr lvl="4"/>
+            <a:r>
+              <a:rPr lang="en-US" smtClean="0"/>
+              <a:t>Fifth level</a:t>
+            </a:r>
+            <a:endParaRPr lang="en-US"/>
+          </a:p>
+        </p:txBody>
+      </p:sp>
+      <p:sp>
+        <p:nvSpPr>
+          <p:cNvPr id="4" name="Date Placeholder 3"/>
+          <p:cNvSpPr>
+            <a:spLocks noGrp="1"/>
+          </p:cNvSpPr>
+          <p:nvPr>
+            <p:ph type="dt" sz="half" idx="2"/>
+          </p:nvPr>
+        </p:nvSpPr>
+        <p:spPr>
+          <a:xfrm>
+            <a:off x="838200" y="6356352"/>
+            <a:ext cx="2743200" cy="365125"/>
+          </a:xfrm>
+          <a:prstGeom prst="rect">
+            <a:avLst/>
+          </a:prstGeom>
+        </p:spPr>
+        <p:txBody>
+          <a:bodyPr vert="horz" lIns="91440" tIns="45720" rIns="91440" bIns="45720" rtlCol="0" anchor="ctr"/>
+          <a:lstStyle>
+            <a:lvl1pPr algn="l">
+              <a:defRPr sz="900">
+                <a:solidFill>
+                  <a:schemeClr val="tx1">
+                    <a:tint val="75000"/>
+                  </a:schemeClr>
+                </a:solidFill>
+              </a:defRPr>
+            </a:lvl1pPr>
+          </a:lstStyle>
+          <a:p>
+            <a:fld id="{92CAA8A4-0ED2-3C42-8F86-06294E9F5717}" type="datetimeFigureOut">
+              <a:rPr lang="en-US" smtClean="0">
+                <a:solidFill>
+                  <a:prstClr val="black">
+                    <a:tint val="75000"/>
+                  </a:prstClr>
+                </a:solidFill>
+                <a:sym typeface="Arial"/>
+              </a:rPr>
+              <a:pPr/>
+              <a:t>9/12/20</a:t>
+            </a:fld>
+            <a:endParaRPr lang="en-US">
+              <a:solidFill>
+                <a:prstClr val="black">
+                  <a:tint val="75000"/>
+                </a:prstClr>
+              </a:solidFill>
+              <a:sym typeface="Arial"/>
+            </a:endParaRPr>
+          </a:p>
+        </p:txBody>
+      </p:sp>
+      <p:sp>
+        <p:nvSpPr>
+          <p:cNvPr id="5" name="Footer Placeholder 4"/>
+          <p:cNvSpPr>
+            <a:spLocks noGrp="1"/>
+          </p:cNvSpPr>
+          <p:nvPr>
+            <p:ph type="ftr" sz="quarter" idx="3"/>
+          </p:nvPr>
+        </p:nvSpPr>
+        <p:spPr>
+          <a:xfrm>
+            <a:off x="4038600" y="6356352"/>
+            <a:ext cx="4114800" cy="365125"/>
+          </a:xfrm>
+          <a:prstGeom prst="rect">
+            <a:avLst/>
+          </a:prstGeom>
+        </p:spPr>
+        <p:txBody>
+          <a:bodyPr vert="horz" lIns="91440" tIns="45720" rIns="91440" bIns="45720" rtlCol="0" anchor="ctr"/>
+          <a:lstStyle>
+            <a:lvl1pPr algn="ctr">
+              <a:defRPr sz="900">
+                <a:solidFill>
+                  <a:schemeClr val="tx1">
+                    <a:tint val="75000"/>
+                  </a:schemeClr>
+                </a:solidFill>
+              </a:defRPr>
+            </a:lvl1pPr>
+          </a:lstStyle>
+          <a:p>
+            <a:endParaRPr lang="en-US">
+              <a:solidFill>
+                <a:prstClr val="black">
+                  <a:tint val="75000"/>
+                </a:prstClr>
+              </a:solidFill>
+              <a:sym typeface="Arial"/>
+            </a:endParaRPr>
+          </a:p>
+        </p:txBody>
+      </p:sp>
+      <p:sp>
+        <p:nvSpPr>
+          <p:cNvPr id="6" name="Slide Number Placeholder 5"/>
+          <p:cNvSpPr>
+            <a:spLocks noGrp="1"/>
+          </p:cNvSpPr>
+          <p:nvPr>
+            <p:ph type="sldNum" sz="quarter" idx="4"/>
+          </p:nvPr>
+        </p:nvSpPr>
+        <p:spPr>
+          <a:xfrm>
+            <a:off x="8610600" y="6356352"/>
+            <a:ext cx="2743200" cy="365125"/>
+          </a:xfrm>
+          <a:prstGeom prst="rect">
+            <a:avLst/>
+          </a:prstGeom>
+        </p:spPr>
+        <p:txBody>
+          <a:bodyPr vert="horz" lIns="91440" tIns="45720" rIns="91440" bIns="45720" rtlCol="0" anchor="ctr"/>
+          <a:lstStyle>
+            <a:lvl1pPr algn="r">
+              <a:defRPr sz="900">
+                <a:solidFill>
+                  <a:schemeClr val="tx1">
+                    <a:tint val="75000"/>
+                  </a:schemeClr>
+                </a:solidFill>
+              </a:defRPr>
+            </a:lvl1pPr>
+          </a:lstStyle>
+          <a:p>
+            <a:fld id="{ADCF0D4B-B936-754B-BA5E-F482D12E455A}" type="slidenum">
+              <a:rPr lang="en-US" smtClean="0">
+                <a:solidFill>
+                  <a:prstClr val="black">
+                    <a:tint val="75000"/>
+                  </a:prstClr>
+                </a:solidFill>
+                <a:sym typeface="Arial"/>
+              </a:rPr>
+              <a:pPr/>
+              <a:t>‹#›</a:t>
+            </a:fld>
+            <a:endParaRPr lang="en-US">
+              <a:solidFill>
+                <a:prstClr val="black">
+                  <a:tint val="75000"/>
+                </a:prstClr>
+              </a:solidFill>
+              <a:sym typeface="Arial"/>
+            </a:endParaRPr>
+          </a:p>
+        </p:txBody>
+      </p:sp>
+    </p:spTree>
+    <p:extLst>
+      <p:ext uri="{BB962C8B-B14F-4D97-AF65-F5344CB8AC3E}">
+        <p14:creationId xmlns:p14="http://schemas.microsoft.com/office/powerpoint/2010/main" val="515488094"/>
+      </p:ext>
+    </p:extLst>
+  </p:cSld>
+  <p:clrMap bg1="lt1" tx1="dk1" bg2="lt2" tx2="dk2" accent1="accent1" accent2="accent2" accent3="accent3" accent4="accent4" accent5="accent5" accent6="accent6" hlink="hlink" folHlink="folHlink"/>
+  <p:sldLayoutIdLst>
+    <p:sldLayoutId id="2147483661" r:id="rId1"/>
+    <p:sldLayoutId id="2147483662" r:id="rId2"/>
+    <p:sldLayoutId id="2147483663" r:id="rId3"/>
+    <p:sldLayoutId id="2147483664" r:id="rId4"/>
+    <p:sldLayoutId id="2147483665" r:id="rId5"/>
+    <p:sldLayoutId id="2147483666" r:id="rId6"/>
+    <p:sldLayoutId id="2147483667" r:id="rId7"/>
+    <p:sldLayoutId id="2147483668" r:id="rId8"/>
+    <p:sldLayoutId id="2147483669" r:id="rId9"/>
+    <p:sldLayoutId id="2147483670" r:id="rId10"/>
+    <p:sldLayoutId id="2147483671" r:id="rId11"/>
+  </p:sldLayoutIdLst>
+  <p:txStyles>
+    <p:titleStyle>
+      <a:lvl1pPr algn="l" defTabSz="685783" rtl="0" eaLnBrk="1" latinLnBrk="0" hangingPunct="1">
+        <a:lnSpc>
+          <a:spcPct val="90000"/>
+        </a:lnSpc>
+        <a:spcBef>
+          <a:spcPct val="0"/>
+        </a:spcBef>
+        <a:buNone/>
+        <a:defRPr sz="3300" kern="1200">
+          <a:solidFill>
+            <a:schemeClr val="tx1"/>
+          </a:solidFill>
+          <a:latin typeface="+mj-lt"/>
+          <a:ea typeface="+mj-ea"/>
+          <a:cs typeface="+mj-cs"/>
+        </a:defRPr>
+      </a:lvl1pPr>
+    </p:titleStyle>
+    <p:bodyStyle>
+      <a:lvl1pPr marL="171446" indent="-171446" algn="l" defTabSz="685783" rtl="0" eaLnBrk="1" latinLnBrk="0" hangingPunct="1">
+        <a:lnSpc>
+          <a:spcPct val="90000"/>
+        </a:lnSpc>
+        <a:spcBef>
+          <a:spcPts val="751"/>
+        </a:spcBef>
+        <a:buFont typeface="Arial"/>
+        <a:buChar char="•"/>
+        <a:defRPr sz="2100" kern="1200">
+          <a:solidFill>
+            <a:schemeClr val="tx1"/>
+          </a:solidFill>
+          <a:latin typeface="+mn-lt"/>
+          <a:ea typeface="+mn-ea"/>
+          <a:cs typeface="+mn-cs"/>
+        </a:defRPr>
+      </a:lvl1pPr>
+      <a:lvl2pPr marL="514338" indent="-171446" algn="l" defTabSz="685783" rtl="0" eaLnBrk="1" latinLnBrk="0" hangingPunct="1">
+        <a:lnSpc>
+          <a:spcPct val="90000"/>
+        </a:lnSpc>
+        <a:spcBef>
+          <a:spcPts val="375"/>
+        </a:spcBef>
+        <a:buFont typeface="Arial"/>
+        <a:buChar char="•"/>
+        <a:defRPr sz="1800" kern="1200">
+          <a:solidFill>
+            <a:schemeClr val="tx1"/>
+          </a:solidFill>
+          <a:latin typeface="+mn-lt"/>
+          <a:ea typeface="+mn-ea"/>
+          <a:cs typeface="+mn-cs"/>
+        </a:defRPr>
+      </a:lvl2pPr>
+      <a:lvl3pPr marL="857229" indent="-171446" algn="l" defTabSz="685783" rtl="0" eaLnBrk="1" latinLnBrk="0" hangingPunct="1">
+        <a:lnSpc>
+          <a:spcPct val="90000"/>
+        </a:lnSpc>
+        <a:spcBef>
+          <a:spcPts val="375"/>
+        </a:spcBef>
+        <a:buFont typeface="Arial"/>
+        <a:buChar char="•"/>
+        <a:defRPr sz="1500" kern="1200">
+          <a:solidFill>
+            <a:schemeClr val="tx1"/>
+          </a:solidFill>
+          <a:latin typeface="+mn-lt"/>
+          <a:ea typeface="+mn-ea"/>
+          <a:cs typeface="+mn-cs"/>
+        </a:defRPr>
+      </a:lvl3pPr>
+      <a:lvl4pPr marL="1200121" indent="-171446" algn="l" defTabSz="685783" rtl="0" eaLnBrk="1" latinLnBrk="0" hangingPunct="1">
+        <a:lnSpc>
+          <a:spcPct val="90000"/>
+        </a:lnSpc>
+        <a:spcBef>
+          <a:spcPts val="375"/>
+        </a:spcBef>
+        <a:buFont typeface="Arial"/>
+        <a:buChar char="•"/>
+        <a:defRPr sz="1351" kern="1200">
+          <a:solidFill>
+            <a:schemeClr val="tx1"/>
+          </a:solidFill>
+          <a:latin typeface="+mn-lt"/>
+          <a:ea typeface="+mn-ea"/>
+          <a:cs typeface="+mn-cs"/>
+        </a:defRPr>
+      </a:lvl4pPr>
+      <a:lvl5pPr marL="1543012" indent="-171446" algn="l" defTabSz="685783" rtl="0" eaLnBrk="1" latinLnBrk="0" hangingPunct="1">
+        <a:lnSpc>
+          <a:spcPct val="90000"/>
+        </a:lnSpc>
+        <a:spcBef>
+          <a:spcPts val="375"/>
+        </a:spcBef>
+        <a:buFont typeface="Arial"/>
+        <a:buChar char="•"/>
+        <a:defRPr sz="1351" kern="1200">
+          <a:solidFill>
+            <a:schemeClr val="tx1"/>
+          </a:solidFill>
+          <a:latin typeface="+mn-lt"/>
+          <a:ea typeface="+mn-ea"/>
+          <a:cs typeface="+mn-cs"/>
+        </a:defRPr>
+      </a:lvl5pPr>
+      <a:lvl6pPr marL="1885904" indent="-171446" algn="l" defTabSz="685783" rtl="0" eaLnBrk="1" latinLnBrk="0" hangingPunct="1">
+        <a:lnSpc>
+          <a:spcPct val="90000"/>
+        </a:lnSpc>
+        <a:spcBef>
+          <a:spcPts val="375"/>
+        </a:spcBef>
+        <a:buFont typeface="Arial"/>
+        <a:buChar char="•"/>
+        <a:defRPr sz="1351" kern="1200">
+          <a:solidFill>
+            <a:schemeClr val="tx1"/>
+          </a:solidFill>
+          <a:latin typeface="+mn-lt"/>
+          <a:ea typeface="+mn-ea"/>
+          <a:cs typeface="+mn-cs"/>
+        </a:defRPr>
+      </a:lvl6pPr>
+      <a:lvl7pPr marL="2228795" indent="-171446" algn="l" defTabSz="685783" rtl="0" eaLnBrk="1" latinLnBrk="0" hangingPunct="1">
+        <a:lnSpc>
+          <a:spcPct val="90000"/>
+        </a:lnSpc>
+        <a:spcBef>
+          <a:spcPts val="375"/>
+        </a:spcBef>
+        <a:buFont typeface="Arial"/>
+        <a:buChar char="•"/>
+        <a:defRPr sz="1351" kern="1200">
+          <a:solidFill>
+            <a:schemeClr val="tx1"/>
+          </a:solidFill>
+          <a:latin typeface="+mn-lt"/>
+          <a:ea typeface="+mn-ea"/>
+          <a:cs typeface="+mn-cs"/>
+        </a:defRPr>
+      </a:lvl7pPr>
+      <a:lvl8pPr marL="2571686" indent="-171446" algn="l" defTabSz="685783" rtl="0" eaLnBrk="1" latinLnBrk="0" hangingPunct="1">
+        <a:lnSpc>
+          <a:spcPct val="90000"/>
+        </a:lnSpc>
+        <a:spcBef>
+          <a:spcPts val="375"/>
+        </a:spcBef>
+        <a:buFont typeface="Arial"/>
+        <a:buChar char="•"/>
+        <a:defRPr sz="1351" kern="1200">
+          <a:solidFill>
+            <a:schemeClr val="tx1"/>
+          </a:solidFill>
+          <a:latin typeface="+mn-lt"/>
+          <a:ea typeface="+mn-ea"/>
+          <a:cs typeface="+mn-cs"/>
+        </a:defRPr>
+      </a:lvl8pPr>
+      <a:lvl9pPr marL="2914578" indent="-171446" algn="l" defTabSz="685783" rtl="0" eaLnBrk="1" latinLnBrk="0" hangingPunct="1">
+        <a:lnSpc>
+          <a:spcPct val="90000"/>
+        </a:lnSpc>
+        <a:spcBef>
+          <a:spcPts val="375"/>
+        </a:spcBef>
+        <a:buFont typeface="Arial"/>
+        <a:buChar char="•"/>
+        <a:defRPr sz="1351" kern="1200">
+          <a:solidFill>
+            <a:schemeClr val="tx1"/>
+          </a:solidFill>
+          <a:latin typeface="+mn-lt"/>
+          <a:ea typeface="+mn-ea"/>
+          <a:cs typeface="+mn-cs"/>
+        </a:defRPr>
+      </a:lvl9pPr>
+    </p:bodyStyle>
+    <p:otherStyle>
+      <a:defPPr>
+        <a:defRPr lang="en-US"/>
+      </a:defPPr>
+      <a:lvl1pPr marL="0" algn="l" defTabSz="685783" rtl="0" eaLnBrk="1" latinLnBrk="0" hangingPunct="1">
+        <a:defRPr sz="1351" kern="1200">
+          <a:solidFill>
+            <a:schemeClr val="tx1"/>
+          </a:solidFill>
+          <a:latin typeface="+mn-lt"/>
+          <a:ea typeface="+mn-ea"/>
+          <a:cs typeface="+mn-cs"/>
+        </a:defRPr>
+      </a:lvl1pPr>
+      <a:lvl2pPr marL="342891" algn="l" defTabSz="685783" rtl="0" eaLnBrk="1" latinLnBrk="0" hangingPunct="1">
+        <a:defRPr sz="1351" kern="1200">
+          <a:solidFill>
+            <a:schemeClr val="tx1"/>
+          </a:solidFill>
+          <a:latin typeface="+mn-lt"/>
+          <a:ea typeface="+mn-ea"/>
+          <a:cs typeface="+mn-cs"/>
+        </a:defRPr>
+      </a:lvl2pPr>
+      <a:lvl3pPr marL="685783" algn="l" defTabSz="685783" rtl="0" eaLnBrk="1" latinLnBrk="0" hangingPunct="1">
+        <a:defRPr sz="1351" kern="1200">
+          <a:solidFill>
+            <a:schemeClr val="tx1"/>
+          </a:solidFill>
+          <a:latin typeface="+mn-lt"/>
+          <a:ea typeface="+mn-ea"/>
+          <a:cs typeface="+mn-cs"/>
+        </a:defRPr>
+      </a:lvl3pPr>
+      <a:lvl4pPr marL="1028674" algn="l" defTabSz="685783" rtl="0" eaLnBrk="1" latinLnBrk="0" hangingPunct="1">
+        <a:defRPr sz="1351" kern="1200">
+          <a:solidFill>
+            <a:schemeClr val="tx1"/>
+          </a:solidFill>
+          <a:latin typeface="+mn-lt"/>
+          <a:ea typeface="+mn-ea"/>
+          <a:cs typeface="+mn-cs"/>
+        </a:defRPr>
+      </a:lvl4pPr>
+      <a:lvl5pPr marL="1371566" algn="l" defTabSz="685783" rtl="0" eaLnBrk="1" latinLnBrk="0" hangingPunct="1">
+        <a:defRPr sz="1351" kern="1200">
+          <a:solidFill>
+            <a:schemeClr val="tx1"/>
+          </a:solidFill>
+          <a:latin typeface="+mn-lt"/>
+          <a:ea typeface="+mn-ea"/>
+          <a:cs typeface="+mn-cs"/>
+        </a:defRPr>
+      </a:lvl5pPr>
+      <a:lvl6pPr marL="1714457" algn="l" defTabSz="685783" rtl="0" eaLnBrk="1" latinLnBrk="0" hangingPunct="1">
+        <a:defRPr sz="1351" kern="1200">
+          <a:solidFill>
+            <a:schemeClr val="tx1"/>
+          </a:solidFill>
+          <a:latin typeface="+mn-lt"/>
+          <a:ea typeface="+mn-ea"/>
+          <a:cs typeface="+mn-cs"/>
+        </a:defRPr>
+      </a:lvl6pPr>
+      <a:lvl7pPr marL="2057349" algn="l" defTabSz="685783" rtl="0" eaLnBrk="1" latinLnBrk="0" hangingPunct="1">
+        <a:defRPr sz="1351" kern="1200">
+          <a:solidFill>
+            <a:schemeClr val="tx1"/>
+          </a:solidFill>
+          <a:latin typeface="+mn-lt"/>
+          <a:ea typeface="+mn-ea"/>
+          <a:cs typeface="+mn-cs"/>
+        </a:defRPr>
+      </a:lvl7pPr>
+      <a:lvl8pPr marL="2400240" algn="l" defTabSz="685783" rtl="0" eaLnBrk="1" latinLnBrk="0" hangingPunct="1">
+        <a:defRPr sz="1351" kern="1200">
+          <a:solidFill>
+            <a:schemeClr val="tx1"/>
+          </a:solidFill>
+          <a:latin typeface="+mn-lt"/>
+          <a:ea typeface="+mn-ea"/>
+          <a:cs typeface="+mn-cs"/>
+        </a:defRPr>
+      </a:lvl8pPr>
+      <a:lvl9pPr marL="2743131" algn="l" defTabSz="685783" rtl="0" eaLnBrk="1" latinLnBrk="0" hangingPunct="1">
+        <a:defRPr sz="1351" kern="1200">
+          <a:solidFill>
+            <a:schemeClr val="tx1"/>
+          </a:solidFill>
+          <a:latin typeface="+mn-lt"/>
+          <a:ea typeface="+mn-ea"/>
+          <a:cs typeface="+mn-cs"/>
+        </a:defRPr>
+      </a:lvl9pPr>
+    </p:otherStyle>
+  </p:txStyles>
+</p:sldMaster>
+</file>
+
 <file path=ppt/slides/slide1.xml><?xml version="1.0" encoding="utf-8"?>
 <p:sld xmlns:a="http://schemas.openxmlformats.org/drawingml/2006/main" xmlns:r="http://schemas.openxmlformats.org/officeDocument/2006/relationships" xmlns:p="http://schemas.openxmlformats.org/presentationml/2006/main">
   <p:cSld>
@@ -4040,13 +7227,7 @@
       </p:grpSpPr>
       <p:sp>
         <p:nvSpPr>
-          <p:cNvPr id="2" name="Title 1">
-            <a:extLst>
-              <a:ext uri="{FF2B5EF4-FFF2-40B4-BE49-F238E27FC236}">
-                <a16:creationId xmlns:a16="http://schemas.microsoft.com/office/drawing/2014/main" id="{48A290F6-0812-2549-B880-78A47F3301B4}"/>
-              </a:ext>
-            </a:extLst>
-          </p:cNvPr>
+          <p:cNvPr id="2" name="Title 1"/>
           <p:cNvSpPr>
             <a:spLocks noGrp="1"/>
           </p:cNvSpPr>
@@ -4054,58 +7235,182 @@
             <p:ph type="ctrTitle"/>
           </p:nvPr>
         </p:nvSpPr>
-        <p:spPr/>
-        <p:txBody>
-          <a:bodyPr>
-            <a:normAutofit fontScale="90000"/>
+        <p:spPr>
+          <a:xfrm>
+            <a:off x="754743" y="0"/>
+            <a:ext cx="10682515" cy="6858000"/>
+          </a:xfrm>
+        </p:spPr>
+        <p:txBody>
+          <a:bodyPr anchor="ctr">
+            <a:noAutofit/>
           </a:bodyPr>
           <a:lstStyle/>
           <a:p>
-            <a:r>
-              <a:rPr lang="en-US" dirty="0"/>
-              <a:t>Shared Memory and Distributed Memory &amp; Interconnection Networks</a:t>
-            </a:r>
-          </a:p>
-        </p:txBody>
-      </p:sp>
-      <p:sp>
-        <p:nvSpPr>
-          <p:cNvPr id="3" name="Subtitle 2">
-            <a:extLst>
-              <a:ext uri="{FF2B5EF4-FFF2-40B4-BE49-F238E27FC236}">
-                <a16:creationId xmlns:a16="http://schemas.microsoft.com/office/drawing/2014/main" id="{FD2E123E-8BA1-E948-AA54-8B43AE173ADC}"/>
-              </a:ext>
-            </a:extLst>
-          </p:cNvPr>
-          <p:cNvSpPr>
-            <a:spLocks noGrp="1"/>
-          </p:cNvSpPr>
-          <p:nvPr>
-            <p:ph type="subTitle" idx="1"/>
-          </p:nvPr>
-        </p:nvSpPr>
-        <p:spPr/>
-        <p:txBody>
-          <a:bodyPr/>
-          <a:lstStyle/>
-          <a:p>
-            <a:r>
-              <a:rPr lang="en-US" dirty="0"/>
-              <a:t>Module 2.5</a:t>
-            </a:r>
-          </a:p>
-          <a:p>
-            <a:r>
-              <a:rPr lang="en-US" dirty="0"/>
-              <a:t>Peter J. Hawrylak</a:t>
-            </a:r>
+            <a:pPr algn="l" fontAlgn="ctr">
+              <a:lnSpc>
+                <a:spcPct val="150000"/>
+              </a:lnSpc>
+            </a:pPr>
+            <a:r>
+              <a:rPr lang="en-US" sz="3600" b="1" dirty="0">
+                <a:latin typeface="Times New Roman" charset="0"/>
+                <a:ea typeface="Times New Roman" charset="0"/>
+                <a:cs typeface="Times New Roman" charset="0"/>
+              </a:rPr>
+              <a:t>Blue Waters Petascale</a:t>
+            </a:r>
+            <a:r>
+              <a:rPr lang="en-US" sz="3600" b="1" dirty="0">
+                <a:latin typeface="Times New Roman" charset="0"/>
+                <a:ea typeface="Times New Roman" charset="0"/>
+                <a:cs typeface="Times New Roman" charset="0"/>
+              </a:rPr>
+              <a:t> Semester Curriculum v1.0</a:t>
+            </a:r>
+            <a:r>
+              <a:rPr lang="en-US" sz="3600" dirty="0">
+                <a:latin typeface="Times New Roman" charset="0"/>
+                <a:ea typeface="Times New Roman" charset="0"/>
+                <a:cs typeface="Times New Roman" charset="0"/>
+              </a:rPr>
+              <a:t/>
+            </a:r>
+            <a:br>
+              <a:rPr lang="en-US" sz="3600" dirty="0">
+                <a:latin typeface="Times New Roman" charset="0"/>
+                <a:ea typeface="Times New Roman" charset="0"/>
+                <a:cs typeface="Times New Roman" charset="0"/>
+              </a:rPr>
+            </a:br>
+            <a:r>
+              <a:rPr lang="en-US" sz="3600" b="1" dirty="0">
+                <a:latin typeface="Times New Roman" charset="0"/>
+                <a:ea typeface="Times New Roman" charset="0"/>
+                <a:cs typeface="Times New Roman" charset="0"/>
+              </a:rPr>
+              <a:t>Unit 2</a:t>
+            </a:r>
+            <a:r>
+              <a:rPr lang="en-US" sz="3600" b="1" dirty="0">
+                <a:latin typeface="Times New Roman" charset="0"/>
+                <a:ea typeface="Times New Roman" charset="0"/>
+                <a:cs typeface="Times New Roman" charset="0"/>
+              </a:rPr>
+              <a:t>: Parallel Computing Concepts</a:t>
+            </a:r>
+            <a:r>
+              <a:rPr lang="en-US" sz="3600" dirty="0">
+                <a:latin typeface="Times New Roman" charset="0"/>
+                <a:ea typeface="Times New Roman" charset="0"/>
+                <a:cs typeface="Times New Roman" charset="0"/>
+              </a:rPr>
+              <a:t/>
+            </a:r>
+            <a:br>
+              <a:rPr lang="en-US" sz="3600" dirty="0">
+                <a:latin typeface="Times New Roman" charset="0"/>
+                <a:ea typeface="Times New Roman" charset="0"/>
+                <a:cs typeface="Times New Roman" charset="0"/>
+              </a:rPr>
+            </a:br>
+            <a:r>
+              <a:rPr lang="en-US" sz="3600" b="1" dirty="0">
+                <a:latin typeface="Times New Roman" charset="0"/>
+                <a:ea typeface="Times New Roman" charset="0"/>
+                <a:cs typeface="Times New Roman" charset="0"/>
+              </a:rPr>
+              <a:t>Lesson 5: Shared Memory and Distributed Memory </a:t>
+            </a:r>
+            <a:r>
+              <a:rPr lang="en-US" sz="3600" b="1" dirty="0" smtClean="0">
+                <a:latin typeface="Times New Roman" charset="0"/>
+                <a:ea typeface="Times New Roman" charset="0"/>
+                <a:cs typeface="Times New Roman" charset="0"/>
+              </a:rPr>
+              <a:t/>
+            </a:r>
+            <a:br>
+              <a:rPr lang="en-US" sz="3600" b="1" dirty="0" smtClean="0">
+                <a:latin typeface="Times New Roman" charset="0"/>
+                <a:ea typeface="Times New Roman" charset="0"/>
+                <a:cs typeface="Times New Roman" charset="0"/>
+              </a:rPr>
+            </a:br>
+            <a:r>
+              <a:rPr lang="en-US" sz="3600" b="1" dirty="0" smtClean="0">
+                <a:latin typeface="Times New Roman" charset="0"/>
+                <a:ea typeface="Times New Roman" charset="0"/>
+                <a:cs typeface="Times New Roman" charset="0"/>
+              </a:rPr>
+              <a:t>     &amp; </a:t>
+            </a:r>
+            <a:r>
+              <a:rPr lang="en-US" sz="3600" b="1" dirty="0">
+                <a:latin typeface="Times New Roman" charset="0"/>
+                <a:ea typeface="Times New Roman" charset="0"/>
+                <a:cs typeface="Times New Roman" charset="0"/>
+              </a:rPr>
+              <a:t>Interconnection Networks</a:t>
+            </a:r>
+            <a:br>
+              <a:rPr lang="en-US" sz="3600" b="1" dirty="0">
+                <a:latin typeface="Times New Roman" charset="0"/>
+                <a:ea typeface="Times New Roman" charset="0"/>
+                <a:cs typeface="Times New Roman" charset="0"/>
+              </a:rPr>
+            </a:br>
+            <a:r>
+              <a:rPr lang="en-US" sz="3600" i="1" dirty="0">
+                <a:latin typeface="Times New Roman" charset="0"/>
+                <a:ea typeface="Times New Roman" charset="0"/>
+                <a:cs typeface="Times New Roman" charset="0"/>
+              </a:rPr>
+              <a:t>Developed by Peter J. </a:t>
+            </a:r>
+            <a:r>
+              <a:rPr lang="en-US" sz="3600" i="1" dirty="0" err="1">
+                <a:latin typeface="Times New Roman" charset="0"/>
+                <a:ea typeface="Times New Roman" charset="0"/>
+                <a:cs typeface="Times New Roman" charset="0"/>
+              </a:rPr>
+              <a:t>Hawrylak</a:t>
+            </a:r>
+            <a:r>
+              <a:rPr lang="en-US" sz="3600" i="1" dirty="0">
+                <a:latin typeface="Times New Roman" charset="0"/>
+                <a:ea typeface="Times New Roman" charset="0"/>
+                <a:cs typeface="Times New Roman" charset="0"/>
+              </a:rPr>
+              <a:t/>
+            </a:r>
+            <a:br>
+              <a:rPr lang="en-US" sz="3600" i="1" dirty="0">
+                <a:latin typeface="Times New Roman" charset="0"/>
+                <a:ea typeface="Times New Roman" charset="0"/>
+                <a:cs typeface="Times New Roman" charset="0"/>
+              </a:rPr>
+            </a:br>
+            <a:r>
+              <a:rPr lang="en-US" sz="3600" i="1" dirty="0">
+                <a:latin typeface="Times New Roman" charset="0"/>
+                <a:ea typeface="Times New Roman" charset="0"/>
+                <a:cs typeface="Times New Roman" charset="0"/>
+              </a:rPr>
+              <a:t>for the Shodor Education Foundation, Inc.</a:t>
+            </a:r>
+            <a:endParaRPr lang="en-US" sz="3600" i="1" dirty="0">
+              <a:latin typeface="Times New Roman" charset="0"/>
+              <a:ea typeface="Times New Roman" charset="0"/>
+              <a:cs typeface="Times New Roman" charset="0"/>
+            </a:endParaRPr>
           </a:p>
         </p:txBody>
       </p:sp>
     </p:spTree>
     <p:extLst>
       <p:ext uri="{BB962C8B-B14F-4D97-AF65-F5344CB8AC3E}">
-        <p14:creationId xmlns:p14="http://schemas.microsoft.com/office/powerpoint/2010/main" val="1855167403"/>
+        <p14:creationId xmlns:p14="http://schemas.microsoft.com/office/powerpoint/2010/main" val="859363860"/>
       </p:ext>
     </p:extLst>
   </p:cSld>
@@ -4137,7 +7442,7 @@
           <p:cNvPr id="2" name="Title 1">
             <a:extLst>
               <a:ext uri="{FF2B5EF4-FFF2-40B4-BE49-F238E27FC236}">
-                <a16:creationId xmlns:a16="http://schemas.microsoft.com/office/drawing/2014/main" id="{9FB9BB7C-52A8-154E-8E15-F777238E86FE}"/>
+                <a16:creationId xmlns:a16="http://schemas.microsoft.com/office/drawing/2014/main" xmlns="" id="{358DD9C9-8F33-7E4A-BB20-4A3F6AD77B5D}"/>
               </a:ext>
             </a:extLst>
           </p:cNvPr>
@@ -4155,17 +7460,17 @@
           <a:p>
             <a:r>
               <a:rPr lang="en-US" dirty="0"/>
-              <a:t>Communication Between Physical Nodes</a:t>
-            </a:r>
-          </a:p>
-        </p:txBody>
-      </p:sp>
-      <p:sp>
-        <p:nvSpPr>
-          <p:cNvPr id="3" name="Content Placeholder 2">
-            <a:extLst>
-              <a:ext uri="{FF2B5EF4-FFF2-40B4-BE49-F238E27FC236}">
-                <a16:creationId xmlns:a16="http://schemas.microsoft.com/office/drawing/2014/main" id="{BDC8DC68-BF5E-6A4F-A33F-EFD052CFD7DA}"/>
+              <a:t>Connecting Physical Nodes Together (2)</a:t>
+            </a:r>
+          </a:p>
+        </p:txBody>
+      </p:sp>
+      <p:sp>
+        <p:nvSpPr>
+          <p:cNvPr id="9" name="Content Placeholder 8">
+            <a:extLst>
+              <a:ext uri="{FF2B5EF4-FFF2-40B4-BE49-F238E27FC236}">
+                <a16:creationId xmlns:a16="http://schemas.microsoft.com/office/drawing/2014/main" xmlns="" id="{F810C112-AE3F-A641-BC01-FA48DBAF9144}"/>
               </a:ext>
             </a:extLst>
           </p:cNvPr>
@@ -4178,60 +7483,114 @@
         </p:nvSpPr>
         <p:spPr/>
         <p:txBody>
-          <a:bodyPr/>
-          <a:lstStyle/>
-          <a:p>
-            <a:r>
-              <a:rPr lang="en-US" dirty="0"/>
-              <a:t>Communication is SLOW</a:t>
+          <a:bodyPr>
+            <a:normAutofit fontScale="92500" lnSpcReduction="20000"/>
+          </a:bodyPr>
+          <a:lstStyle/>
+          <a:p>
+            <a:r>
+              <a:rPr lang="en-US" dirty="0"/>
+              <a:t>These need more complicated traffic management</a:t>
             </a:r>
           </a:p>
           <a:p>
             <a:pPr lvl="1"/>
             <a:r>
               <a:rPr lang="en-US" dirty="0"/>
-              <a:t>Both within physical node and between physical nodes</a:t>
-            </a:r>
-          </a:p>
-          <a:p>
-            <a:r>
-              <a:rPr lang="en-US" dirty="0"/>
-              <a:t>Number of hops varies depending on topology</a:t>
-            </a:r>
-          </a:p>
-          <a:p>
-            <a:r>
-              <a:rPr lang="en-US" dirty="0"/>
-              <a:t>Topology impacts congestion on network</a:t>
+              <a:t>Switches and routers</a:t>
+            </a:r>
+          </a:p>
+          <a:p>
+            <a:r>
+              <a:rPr lang="en-US" dirty="0"/>
+              <a:t>Toroidal Mesh</a:t>
             </a:r>
           </a:p>
           <a:p>
             <a:pPr lvl="1"/>
             <a:r>
               <a:rPr lang="en-US" dirty="0"/>
-              <a:t>Minimize communication bottlenecks </a:t>
+              <a:t>Donut shape</a:t>
+            </a:r>
+          </a:p>
+          <a:p>
+            <a:r>
+              <a:rPr lang="en-US" dirty="0"/>
+              <a:t>Hypercube</a:t>
+            </a:r>
+          </a:p>
+          <a:p>
+            <a:r>
+              <a:rPr lang="en-US" dirty="0"/>
+              <a:t>Crossbar</a:t>
+            </a:r>
+          </a:p>
+          <a:p>
+            <a:pPr lvl="1"/>
+            <a:r>
+              <a:rPr lang="en-US" dirty="0"/>
+              <a:t>Grid (north, south, east, and west) of interconnects</a:t>
+            </a:r>
+          </a:p>
+          <a:p>
+            <a:pPr lvl="1"/>
+            <a:r>
+              <a:rPr lang="en-US" dirty="0"/>
+              <a:t>Messages may need to go through the network </a:t>
             </a:r>
             <a:r>
               <a:rPr lang="en-US" dirty="0">
                 <a:sym typeface="Wingdings" pitchFamily="2" charset="2"/>
               </a:rPr>
-              <a:t> network theory/design</a:t>
-            </a:r>
-          </a:p>
-          <a:p>
-            <a:r>
-              <a:rPr lang="en-US" dirty="0"/>
-              <a:t>Generally, the more connections the fewer hops and fewer bottlenecks</a:t>
+              <a:t> communication is NOT point-to-point</a:t>
+            </a:r>
+          </a:p>
+          <a:p>
+            <a:r>
+              <a:rPr lang="en-US" dirty="0">
+                <a:sym typeface="Wingdings" pitchFamily="2" charset="2"/>
+              </a:rPr>
+              <a:t>Fully Connected Network</a:t>
             </a:r>
           </a:p>
           <a:p>
             <a:pPr lvl="1"/>
             <a:r>
               <a:rPr lang="en-US" dirty="0"/>
-              <a:t>Links cost money and space (real-estate) in the computing center</a:t>
-            </a:r>
-          </a:p>
-          <a:p>
+              <a:t>Each physical nodes a DIRECT connection to every other physical node</a:t>
+            </a:r>
+          </a:p>
+          <a:p>
+            <a:pPr lvl="1"/>
+            <a:r>
+              <a:rPr lang="en-US" dirty="0"/>
+              <a:t>Requires </a:t>
+            </a:r>
+            <a:r>
+              <a:rPr lang="en-US" i="1" dirty="0"/>
+              <a:t>n</a:t>
+            </a:r>
+            <a:r>
+              <a:rPr lang="en-US" baseline="30000" dirty="0"/>
+              <a:t>2</a:t>
+            </a:r>
+            <a:r>
+              <a:rPr lang="en-US" dirty="0"/>
+              <a:t> links</a:t>
+            </a:r>
+          </a:p>
+          <a:p>
+            <a:pPr lvl="1"/>
+            <a:r>
+              <a:rPr lang="en-US" dirty="0"/>
+              <a:t>Very expensive and not widely used above 4-8 physical nodes</a:t>
+            </a:r>
+          </a:p>
+          <a:p>
+            <a:endParaRPr lang="en-US" dirty="0"/>
+          </a:p>
+          <a:p>
+            <a:pPr lvl="1"/>
             <a:endParaRPr lang="en-US" dirty="0"/>
           </a:p>
         </p:txBody>
@@ -4239,7 +7598,7 @@
     </p:spTree>
     <p:extLst>
       <p:ext uri="{BB962C8B-B14F-4D97-AF65-F5344CB8AC3E}">
-        <p14:creationId xmlns:p14="http://schemas.microsoft.com/office/powerpoint/2010/main" val="2682683999"/>
+        <p14:creationId xmlns:p14="http://schemas.microsoft.com/office/powerpoint/2010/main" val="1998452960"/>
       </p:ext>
     </p:extLst>
   </p:cSld>
@@ -4271,7 +7630,7 @@
           <p:cNvPr id="2" name="Title 1">
             <a:extLst>
               <a:ext uri="{FF2B5EF4-FFF2-40B4-BE49-F238E27FC236}">
-                <a16:creationId xmlns:a16="http://schemas.microsoft.com/office/drawing/2014/main" id="{70498598-EC03-7B4A-93A2-F271F535EB18}"/>
+                <a16:creationId xmlns:a16="http://schemas.microsoft.com/office/drawing/2014/main" xmlns="" id="{9FB9BB7C-52A8-154E-8E15-F777238E86FE}"/>
               </a:ext>
             </a:extLst>
           </p:cNvPr>
@@ -4289,7 +7648,7 @@
           <a:p>
             <a:r>
               <a:rPr lang="en-US" dirty="0"/>
-              <a:t>Handling Congestion and Link Failure</a:t>
+              <a:t>Communication Between Physical Nodes</a:t>
             </a:r>
           </a:p>
         </p:txBody>
@@ -4299,7 +7658,7 @@
           <p:cNvPr id="3" name="Content Placeholder 2">
             <a:extLst>
               <a:ext uri="{FF2B5EF4-FFF2-40B4-BE49-F238E27FC236}">
-                <a16:creationId xmlns:a16="http://schemas.microsoft.com/office/drawing/2014/main" id="{8B9C86E3-CE2D-0345-BE91-0265ECE10E7D}"/>
+                <a16:creationId xmlns:a16="http://schemas.microsoft.com/office/drawing/2014/main" xmlns="" id="{BDC8DC68-BF5E-6A4F-A33F-EFD052CFD7DA}"/>
               </a:ext>
             </a:extLst>
           </p:cNvPr>
@@ -4317,69 +7676,63 @@
           <a:p>
             <a:r>
               <a:rPr lang="en-US" dirty="0"/>
-              <a:t>Approaches to congestion</a:t>
+              <a:t>Communication is SLOW</a:t>
             </a:r>
           </a:p>
           <a:p>
             <a:pPr lvl="1"/>
             <a:r>
               <a:rPr lang="en-US" dirty="0"/>
-              <a:t>Increase speed and through-put to reduce bottlenecks</a:t>
+              <a:t>Both within physical node and between physical nodes</a:t>
+            </a:r>
+          </a:p>
+          <a:p>
+            <a:r>
+              <a:rPr lang="en-US" dirty="0"/>
+              <a:t>Number of hops varies depending on topology</a:t>
+            </a:r>
+          </a:p>
+          <a:p>
+            <a:r>
+              <a:rPr lang="en-US" dirty="0"/>
+              <a:t>Topology impacts congestion on network</a:t>
             </a:r>
           </a:p>
           <a:p>
             <a:pPr lvl="1"/>
             <a:r>
               <a:rPr lang="en-US" dirty="0"/>
-              <a:t>Increase number of links to by-pass to bottlenecks</a:t>
+              <a:t>Minimize communication bottlenecks </a:t>
+            </a:r>
+            <a:r>
+              <a:rPr lang="en-US" dirty="0">
+                <a:sym typeface="Wingdings" pitchFamily="2" charset="2"/>
+              </a:rPr>
+              <a:t> network theory/design</a:t>
+            </a:r>
+          </a:p>
+          <a:p>
+            <a:r>
+              <a:rPr lang="en-US" dirty="0"/>
+              <a:t>Generally, the more connections the fewer hops and fewer bottlenecks</a:t>
             </a:r>
           </a:p>
           <a:p>
             <a:pPr lvl="1"/>
             <a:r>
               <a:rPr lang="en-US" dirty="0"/>
-              <a:t>Increase number of links to ”add more lanes” to the bottleneck area</a:t>
-            </a:r>
-          </a:p>
-          <a:p>
-            <a:r>
-              <a:rPr lang="en-US" dirty="0"/>
-              <a:t>Approaches to link failure</a:t>
-            </a:r>
-          </a:p>
-          <a:p>
-            <a:pPr lvl="1"/>
-            <a:r>
-              <a:rPr lang="en-US" dirty="0"/>
-              <a:t>Multiple routes allow alternative paths (detours)</a:t>
-            </a:r>
-          </a:p>
-          <a:p>
-            <a:r>
-              <a:rPr lang="en-US" dirty="0"/>
-              <a:t>Bisection bandwidth – number of links that must fail to disconnect a network</a:t>
-            </a:r>
-          </a:p>
-          <a:p>
-            <a:pPr lvl="1"/>
-            <a:r>
-              <a:rPr lang="en-US" dirty="0"/>
-              <a:t>Gives a hint at how congested a network can become</a:t>
-            </a:r>
-          </a:p>
-          <a:p>
-            <a:pPr lvl="1"/>
-            <a:r>
-              <a:rPr lang="en-US" dirty="0"/>
-              <a:t>Low value means much of the traffic is passing through a few links</a:t>
-            </a:r>
+              <a:t>Links cost money and space (real-estate) in the computing center</a:t>
+            </a:r>
+          </a:p>
+          <a:p>
+            <a:endParaRPr lang="en-US" dirty="0"/>
           </a:p>
         </p:txBody>
       </p:sp>
     </p:spTree>
     <p:extLst>
       <p:ext uri="{BB962C8B-B14F-4D97-AF65-F5344CB8AC3E}">
-        <p14:creationId xmlns:p14="http://schemas.microsoft.com/office/powerpoint/2010/main" val="372806656"/>
+        <p14:creationId xmlns:p14="http://schemas.microsoft.com/office/powerpoint/2010/main" val="2682683999"/>
       </p:ext>
     </p:extLst>
   </p:cSld>
@@ -4411,7 +7764,7 @@
           <p:cNvPr id="2" name="Title 1">
             <a:extLst>
               <a:ext uri="{FF2B5EF4-FFF2-40B4-BE49-F238E27FC236}">
-                <a16:creationId xmlns:a16="http://schemas.microsoft.com/office/drawing/2014/main" id="{358DD9C9-8F33-7E4A-BB20-4A3F6AD77B5D}"/>
+                <a16:creationId xmlns:a16="http://schemas.microsoft.com/office/drawing/2014/main" xmlns="" id="{70498598-EC03-7B4A-93A2-F271F535EB18}"/>
               </a:ext>
             </a:extLst>
           </p:cNvPr>
@@ -4429,6 +7782,146 @@
           <a:p>
             <a:r>
               <a:rPr lang="en-US" dirty="0"/>
+              <a:t>Handling Congestion and Link Failure</a:t>
+            </a:r>
+          </a:p>
+        </p:txBody>
+      </p:sp>
+      <p:sp>
+        <p:nvSpPr>
+          <p:cNvPr id="3" name="Content Placeholder 2">
+            <a:extLst>
+              <a:ext uri="{FF2B5EF4-FFF2-40B4-BE49-F238E27FC236}">
+                <a16:creationId xmlns:a16="http://schemas.microsoft.com/office/drawing/2014/main" xmlns="" id="{8B9C86E3-CE2D-0345-BE91-0265ECE10E7D}"/>
+              </a:ext>
+            </a:extLst>
+          </p:cNvPr>
+          <p:cNvSpPr>
+            <a:spLocks noGrp="1"/>
+          </p:cNvSpPr>
+          <p:nvPr>
+            <p:ph idx="1"/>
+          </p:nvPr>
+        </p:nvSpPr>
+        <p:spPr/>
+        <p:txBody>
+          <a:bodyPr/>
+          <a:lstStyle/>
+          <a:p>
+            <a:r>
+              <a:rPr lang="en-US" dirty="0"/>
+              <a:t>Approaches to congestion</a:t>
+            </a:r>
+          </a:p>
+          <a:p>
+            <a:pPr lvl="1"/>
+            <a:r>
+              <a:rPr lang="en-US" dirty="0"/>
+              <a:t>Increase speed and through-put to reduce bottlenecks</a:t>
+            </a:r>
+          </a:p>
+          <a:p>
+            <a:pPr lvl="1"/>
+            <a:r>
+              <a:rPr lang="en-US" dirty="0"/>
+              <a:t>Increase number of links to by-pass to bottlenecks</a:t>
+            </a:r>
+          </a:p>
+          <a:p>
+            <a:pPr lvl="1"/>
+            <a:r>
+              <a:rPr lang="en-US" dirty="0"/>
+              <a:t>Increase number of links to ”add more lanes” to the bottleneck area</a:t>
+            </a:r>
+          </a:p>
+          <a:p>
+            <a:r>
+              <a:rPr lang="en-US" dirty="0"/>
+              <a:t>Approaches to link failure</a:t>
+            </a:r>
+          </a:p>
+          <a:p>
+            <a:pPr lvl="1"/>
+            <a:r>
+              <a:rPr lang="en-US" dirty="0"/>
+              <a:t>Multiple routes allow alternative paths (detours)</a:t>
+            </a:r>
+          </a:p>
+          <a:p>
+            <a:r>
+              <a:rPr lang="en-US" dirty="0"/>
+              <a:t>Bisection bandwidth – number of links that must fail to disconnect a network</a:t>
+            </a:r>
+          </a:p>
+          <a:p>
+            <a:pPr lvl="1"/>
+            <a:r>
+              <a:rPr lang="en-US" dirty="0"/>
+              <a:t>Gives a hint at how congested a network can become</a:t>
+            </a:r>
+          </a:p>
+          <a:p>
+            <a:pPr lvl="1"/>
+            <a:r>
+              <a:rPr lang="en-US" dirty="0"/>
+              <a:t>Low value means much of the traffic is passing through a few links</a:t>
+            </a:r>
+          </a:p>
+        </p:txBody>
+      </p:sp>
+    </p:spTree>
+    <p:extLst>
+      <p:ext uri="{BB962C8B-B14F-4D97-AF65-F5344CB8AC3E}">
+        <p14:creationId xmlns:p14="http://schemas.microsoft.com/office/powerpoint/2010/main" val="372806656"/>
+      </p:ext>
+    </p:extLst>
+  </p:cSld>
+  <p:clrMapOvr>
+    <a:masterClrMapping/>
+  </p:clrMapOvr>
+</p:sld>
+</file>
+
+<file path=ppt/slides/slide13.xml><?xml version="1.0" encoding="utf-8"?>
+<p:sld xmlns:a="http://schemas.openxmlformats.org/drawingml/2006/main" xmlns:r="http://schemas.openxmlformats.org/officeDocument/2006/relationships" xmlns:p="http://schemas.openxmlformats.org/presentationml/2006/main">
+  <p:cSld>
+    <p:spTree>
+      <p:nvGrpSpPr>
+        <p:cNvPr id="1" name=""/>
+        <p:cNvGrpSpPr/>
+        <p:nvPr/>
+      </p:nvGrpSpPr>
+      <p:grpSpPr>
+        <a:xfrm>
+          <a:off x="0" y="0"/>
+          <a:ext cx="0" cy="0"/>
+          <a:chOff x="0" y="0"/>
+          <a:chExt cx="0" cy="0"/>
+        </a:xfrm>
+      </p:grpSpPr>
+      <p:sp>
+        <p:nvSpPr>
+          <p:cNvPr id="2" name="Title 1">
+            <a:extLst>
+              <a:ext uri="{FF2B5EF4-FFF2-40B4-BE49-F238E27FC236}">
+                <a16:creationId xmlns:a16="http://schemas.microsoft.com/office/drawing/2014/main" xmlns="" id="{358DD9C9-8F33-7E4A-BB20-4A3F6AD77B5D}"/>
+              </a:ext>
+            </a:extLst>
+          </p:cNvPr>
+          <p:cNvSpPr>
+            <a:spLocks noGrp="1"/>
+          </p:cNvSpPr>
+          <p:nvPr>
+            <p:ph type="title"/>
+          </p:nvPr>
+        </p:nvSpPr>
+        <p:spPr/>
+        <p:txBody>
+          <a:bodyPr/>
+          <a:lstStyle/>
+          <a:p>
+            <a:r>
+              <a:rPr lang="en-US" dirty="0"/>
               <a:t>Bisection Bandwidth</a:t>
             </a:r>
           </a:p>
@@ -4439,7 +7932,7 @@
           <p:cNvPr id="6" name="Text Placeholder 5">
             <a:extLst>
               <a:ext uri="{FF2B5EF4-FFF2-40B4-BE49-F238E27FC236}">
-                <a16:creationId xmlns:a16="http://schemas.microsoft.com/office/drawing/2014/main" id="{33DE313B-952F-1E4C-AE6C-DE987F56F535}"/>
+                <a16:creationId xmlns:a16="http://schemas.microsoft.com/office/drawing/2014/main" xmlns="" id="{33DE313B-952F-1E4C-AE6C-DE987F56F535}"/>
               </a:ext>
             </a:extLst>
           </p:cNvPr>
@@ -4469,7 +7962,7 @@
           <p:cNvPr id="8" name="Text Placeholder 7">
             <a:extLst>
               <a:ext uri="{FF2B5EF4-FFF2-40B4-BE49-F238E27FC236}">
-                <a16:creationId xmlns:a16="http://schemas.microsoft.com/office/drawing/2014/main" id="{C537B1CD-2687-A74D-9CB8-34E12374C3FC}"/>
+                <a16:creationId xmlns:a16="http://schemas.microsoft.com/office/drawing/2014/main" xmlns="" id="{C537B1CD-2687-A74D-9CB8-34E12374C3FC}"/>
               </a:ext>
             </a:extLst>
           </p:cNvPr>
@@ -4499,7 +7992,7 @@
           <p:cNvPr id="10" name="Rectangle 9">
             <a:extLst>
               <a:ext uri="{FF2B5EF4-FFF2-40B4-BE49-F238E27FC236}">
-                <a16:creationId xmlns:a16="http://schemas.microsoft.com/office/drawing/2014/main" id="{D3256648-E5B4-7A4E-80CC-2D668B6CD5D2}"/>
+                <a16:creationId xmlns:a16="http://schemas.microsoft.com/office/drawing/2014/main" xmlns="" id="{D3256648-E5B4-7A4E-80CC-2D668B6CD5D2}"/>
               </a:ext>
             </a:extLst>
           </p:cNvPr>
@@ -4548,7 +8041,7 @@
           <p:cNvPr id="11" name="Rectangle 10">
             <a:extLst>
               <a:ext uri="{FF2B5EF4-FFF2-40B4-BE49-F238E27FC236}">
-                <a16:creationId xmlns:a16="http://schemas.microsoft.com/office/drawing/2014/main" id="{3815DE27-3230-0745-A0A7-FD0479EE2681}"/>
+                <a16:creationId xmlns:a16="http://schemas.microsoft.com/office/drawing/2014/main" xmlns="" id="{3815DE27-3230-0745-A0A7-FD0479EE2681}"/>
               </a:ext>
             </a:extLst>
           </p:cNvPr>
@@ -4597,7 +8090,7 @@
           <p:cNvPr id="13" name="TextBox 12">
             <a:extLst>
               <a:ext uri="{FF2B5EF4-FFF2-40B4-BE49-F238E27FC236}">
-                <a16:creationId xmlns:a16="http://schemas.microsoft.com/office/drawing/2014/main" id="{42FD6980-3EDE-2847-8349-F1AA40313C00}"/>
+                <a16:creationId xmlns:a16="http://schemas.microsoft.com/office/drawing/2014/main" xmlns="" id="{42FD6980-3EDE-2847-8349-F1AA40313C00}"/>
               </a:ext>
             </a:extLst>
           </p:cNvPr>
@@ -4633,7 +8126,7 @@
           <p:cNvPr id="15" name="Straight Connector 14">
             <a:extLst>
               <a:ext uri="{FF2B5EF4-FFF2-40B4-BE49-F238E27FC236}">
-                <a16:creationId xmlns:a16="http://schemas.microsoft.com/office/drawing/2014/main" id="{F1D691CA-1D10-634D-BF35-A6485C7982FF}"/>
+                <a16:creationId xmlns:a16="http://schemas.microsoft.com/office/drawing/2014/main" xmlns="" id="{F1D691CA-1D10-634D-BF35-A6485C7982FF}"/>
               </a:ext>
             </a:extLst>
           </p:cNvPr>
@@ -4677,7 +8170,7 @@
           <p:cNvPr id="16" name="Rectangle 15">
             <a:extLst>
               <a:ext uri="{FF2B5EF4-FFF2-40B4-BE49-F238E27FC236}">
-                <a16:creationId xmlns:a16="http://schemas.microsoft.com/office/drawing/2014/main" id="{77CD1CDC-491B-0D4C-AAFB-2E8EA3282914}"/>
+                <a16:creationId xmlns:a16="http://schemas.microsoft.com/office/drawing/2014/main" xmlns="" id="{77CD1CDC-491B-0D4C-AAFB-2E8EA3282914}"/>
               </a:ext>
             </a:extLst>
           </p:cNvPr>
@@ -4726,7 +8219,7 @@
           <p:cNvPr id="17" name="Rectangle 16">
             <a:extLst>
               <a:ext uri="{FF2B5EF4-FFF2-40B4-BE49-F238E27FC236}">
-                <a16:creationId xmlns:a16="http://schemas.microsoft.com/office/drawing/2014/main" id="{234663B7-ACA3-DD4B-8C70-90B4123D86D5}"/>
+                <a16:creationId xmlns:a16="http://schemas.microsoft.com/office/drawing/2014/main" xmlns="" id="{234663B7-ACA3-DD4B-8C70-90B4123D86D5}"/>
               </a:ext>
             </a:extLst>
           </p:cNvPr>
@@ -4775,7 +8268,7 @@
           <p:cNvPr id="23" name="Curved Connector 22">
             <a:extLst>
               <a:ext uri="{FF2B5EF4-FFF2-40B4-BE49-F238E27FC236}">
-                <a16:creationId xmlns:a16="http://schemas.microsoft.com/office/drawing/2014/main" id="{B12187BD-7BCE-E54A-AE76-8C910DB1A41D}"/>
+                <a16:creationId xmlns:a16="http://schemas.microsoft.com/office/drawing/2014/main" xmlns="" id="{B12187BD-7BCE-E54A-AE76-8C910DB1A41D}"/>
               </a:ext>
             </a:extLst>
           </p:cNvPr>
@@ -4820,7 +8313,7 @@
           <p:cNvPr id="25" name="Rectangle 24">
             <a:extLst>
               <a:ext uri="{FF2B5EF4-FFF2-40B4-BE49-F238E27FC236}">
-                <a16:creationId xmlns:a16="http://schemas.microsoft.com/office/drawing/2014/main" id="{04A1F68B-8FD7-2A40-9A6F-5EC96778ABA3}"/>
+                <a16:creationId xmlns:a16="http://schemas.microsoft.com/office/drawing/2014/main" xmlns="" id="{04A1F68B-8FD7-2A40-9A6F-5EC96778ABA3}"/>
               </a:ext>
             </a:extLst>
           </p:cNvPr>
@@ -4869,7 +8362,7 @@
           <p:cNvPr id="27" name="Rectangle 26">
             <a:extLst>
               <a:ext uri="{FF2B5EF4-FFF2-40B4-BE49-F238E27FC236}">
-                <a16:creationId xmlns:a16="http://schemas.microsoft.com/office/drawing/2014/main" id="{1320079D-53A3-B14C-A832-AD503BF156C5}"/>
+                <a16:creationId xmlns:a16="http://schemas.microsoft.com/office/drawing/2014/main" xmlns="" id="{1320079D-53A3-B14C-A832-AD503BF156C5}"/>
               </a:ext>
             </a:extLst>
           </p:cNvPr>
@@ -4918,7 +8411,7 @@
           <p:cNvPr id="28" name="Curved Connector 27">
             <a:extLst>
               <a:ext uri="{FF2B5EF4-FFF2-40B4-BE49-F238E27FC236}">
-                <a16:creationId xmlns:a16="http://schemas.microsoft.com/office/drawing/2014/main" id="{5B628F0E-A965-964F-B388-0AA841F54F35}"/>
+                <a16:creationId xmlns:a16="http://schemas.microsoft.com/office/drawing/2014/main" xmlns="" id="{5B628F0E-A965-964F-B388-0AA841F54F35}"/>
               </a:ext>
             </a:extLst>
           </p:cNvPr>
@@ -4964,7 +8457,7 @@
           <p:cNvPr id="31" name="Curved Connector 30">
             <a:extLst>
               <a:ext uri="{FF2B5EF4-FFF2-40B4-BE49-F238E27FC236}">
-                <a16:creationId xmlns:a16="http://schemas.microsoft.com/office/drawing/2014/main" id="{D6223184-A810-8C4E-8DD6-BDE3F8857DAF}"/>
+                <a16:creationId xmlns:a16="http://schemas.microsoft.com/office/drawing/2014/main" xmlns="" id="{D6223184-A810-8C4E-8DD6-BDE3F8857DAF}"/>
               </a:ext>
             </a:extLst>
           </p:cNvPr>
@@ -5010,7 +8503,7 @@
           <p:cNvPr id="34" name="Curved Connector 33">
             <a:extLst>
               <a:ext uri="{FF2B5EF4-FFF2-40B4-BE49-F238E27FC236}">
-                <a16:creationId xmlns:a16="http://schemas.microsoft.com/office/drawing/2014/main" id="{5FAAE7BA-4D42-A645-BEF3-2E796B982B4F}"/>
+                <a16:creationId xmlns:a16="http://schemas.microsoft.com/office/drawing/2014/main" xmlns="" id="{5FAAE7BA-4D42-A645-BEF3-2E796B982B4F}"/>
               </a:ext>
             </a:extLst>
           </p:cNvPr>
@@ -5056,7 +8549,7 @@
           <p:cNvPr id="3" name="TextBox 2">
             <a:extLst>
               <a:ext uri="{FF2B5EF4-FFF2-40B4-BE49-F238E27FC236}">
-                <a16:creationId xmlns:a16="http://schemas.microsoft.com/office/drawing/2014/main" id="{50CDAB78-B049-7743-B9D3-9C36809A8836}"/>
+                <a16:creationId xmlns:a16="http://schemas.microsoft.com/office/drawing/2014/main" xmlns="" id="{50CDAB78-B049-7743-B9D3-9C36809A8836}"/>
               </a:ext>
             </a:extLst>
           </p:cNvPr>
@@ -5091,7 +8584,7 @@
           <p:cNvPr id="4" name="TextBox 3">
             <a:extLst>
               <a:ext uri="{FF2B5EF4-FFF2-40B4-BE49-F238E27FC236}">
-                <a16:creationId xmlns:a16="http://schemas.microsoft.com/office/drawing/2014/main" id="{F78FF2AD-57E1-E248-A20B-3BE3D5EC5860}"/>
+                <a16:creationId xmlns:a16="http://schemas.microsoft.com/office/drawing/2014/main" xmlns="" id="{F78FF2AD-57E1-E248-A20B-3BE3D5EC5860}"/>
               </a:ext>
             </a:extLst>
           </p:cNvPr>
@@ -5130,7 +8623,7 @@
           <p:cNvPr id="19" name="TextBox 18">
             <a:extLst>
               <a:ext uri="{FF2B5EF4-FFF2-40B4-BE49-F238E27FC236}">
-                <a16:creationId xmlns:a16="http://schemas.microsoft.com/office/drawing/2014/main" id="{4209A6ED-466C-9647-B3A0-E8BD8D217464}"/>
+                <a16:creationId xmlns:a16="http://schemas.microsoft.com/office/drawing/2014/main" xmlns="" id="{4209A6ED-466C-9647-B3A0-E8BD8D217464}"/>
               </a:ext>
             </a:extLst>
           </p:cNvPr>
@@ -5169,7 +8662,7 @@
           <p:cNvPr id="20" name="TextBox 19">
             <a:extLst>
               <a:ext uri="{FF2B5EF4-FFF2-40B4-BE49-F238E27FC236}">
-                <a16:creationId xmlns:a16="http://schemas.microsoft.com/office/drawing/2014/main" id="{EC1CD3D3-FF03-CA40-9B5A-80F34E8C2740}"/>
+                <a16:creationId xmlns:a16="http://schemas.microsoft.com/office/drawing/2014/main" xmlns="" id="{EC1CD3D3-FF03-CA40-9B5A-80F34E8C2740}"/>
               </a:ext>
             </a:extLst>
           </p:cNvPr>
@@ -5208,7 +8701,7 @@
           <p:cNvPr id="21" name="TextBox 20">
             <a:extLst>
               <a:ext uri="{FF2B5EF4-FFF2-40B4-BE49-F238E27FC236}">
-                <a16:creationId xmlns:a16="http://schemas.microsoft.com/office/drawing/2014/main" id="{B4875DD3-C45D-DD40-AB89-C85DB852A973}"/>
+                <a16:creationId xmlns:a16="http://schemas.microsoft.com/office/drawing/2014/main" xmlns="" id="{B4875DD3-C45D-DD40-AB89-C85DB852A973}"/>
               </a:ext>
             </a:extLst>
           </p:cNvPr>
@@ -5242,154 +8735,6 @@
     <p:extLst>
       <p:ext uri="{BB962C8B-B14F-4D97-AF65-F5344CB8AC3E}">
         <p14:creationId xmlns:p14="http://schemas.microsoft.com/office/powerpoint/2010/main" val="1393835566"/>
-      </p:ext>
-    </p:extLst>
-  </p:cSld>
-  <p:clrMapOvr>
-    <a:masterClrMapping/>
-  </p:clrMapOvr>
-</p:sld>
-</file>
-
-<file path=ppt/slides/slide13.xml><?xml version="1.0" encoding="utf-8"?>
-<p:sld xmlns:a="http://schemas.openxmlformats.org/drawingml/2006/main" xmlns:r="http://schemas.openxmlformats.org/officeDocument/2006/relationships" xmlns:p="http://schemas.openxmlformats.org/presentationml/2006/main">
-  <p:cSld>
-    <p:spTree>
-      <p:nvGrpSpPr>
-        <p:cNvPr id="1" name=""/>
-        <p:cNvGrpSpPr/>
-        <p:nvPr/>
-      </p:nvGrpSpPr>
-      <p:grpSpPr>
-        <a:xfrm>
-          <a:off x="0" y="0"/>
-          <a:ext cx="0" cy="0"/>
-          <a:chOff x="0" y="0"/>
-          <a:chExt cx="0" cy="0"/>
-        </a:xfrm>
-      </p:grpSpPr>
-      <p:sp>
-        <p:nvSpPr>
-          <p:cNvPr id="7" name="Title 6">
-            <a:extLst>
-              <a:ext uri="{FF2B5EF4-FFF2-40B4-BE49-F238E27FC236}">
-                <a16:creationId xmlns:a16="http://schemas.microsoft.com/office/drawing/2014/main" id="{95650F7F-5448-8A4F-8104-405858E21911}"/>
-              </a:ext>
-            </a:extLst>
-          </p:cNvPr>
-          <p:cNvSpPr>
-            <a:spLocks noGrp="1"/>
-          </p:cNvSpPr>
-          <p:nvPr>
-            <p:ph type="title"/>
-          </p:nvPr>
-        </p:nvSpPr>
-        <p:spPr/>
-        <p:txBody>
-          <a:bodyPr/>
-          <a:lstStyle/>
-          <a:p>
-            <a:r>
-              <a:rPr lang="en-US" dirty="0"/>
-              <a:t>Summary</a:t>
-            </a:r>
-          </a:p>
-        </p:txBody>
-      </p:sp>
-      <p:sp>
-        <p:nvSpPr>
-          <p:cNvPr id="8" name="Content Placeholder 7">
-            <a:extLst>
-              <a:ext uri="{FF2B5EF4-FFF2-40B4-BE49-F238E27FC236}">
-                <a16:creationId xmlns:a16="http://schemas.microsoft.com/office/drawing/2014/main" id="{569A5E1A-575E-2548-9721-209A3CC3DF8F}"/>
-              </a:ext>
-            </a:extLst>
-          </p:cNvPr>
-          <p:cNvSpPr>
-            <a:spLocks noGrp="1"/>
-          </p:cNvSpPr>
-          <p:nvPr>
-            <p:ph idx="1"/>
-          </p:nvPr>
-        </p:nvSpPr>
-        <p:spPr/>
-        <p:txBody>
-          <a:bodyPr>
-            <a:normAutofit fontScale="92500"/>
-          </a:bodyPr>
-          <a:lstStyle/>
-          <a:p>
-            <a:r>
-              <a:rPr lang="en-US" dirty="0"/>
-              <a:t>Shared Memory – All memory on the same physical processing element, Uniform Memory Access time</a:t>
-            </a:r>
-          </a:p>
-          <a:p>
-            <a:pPr lvl="1"/>
-            <a:r>
-              <a:rPr lang="en-US" dirty="0"/>
-              <a:t>Example Parallel Programming Languages:  OpenMP and </a:t>
-            </a:r>
-            <a:r>
-              <a:rPr lang="en-US" dirty="0" err="1"/>
-              <a:t>PThreads</a:t>
-            </a:r>
-            <a:endParaRPr lang="en-US" dirty="0"/>
-          </a:p>
-          <a:p>
-            <a:r>
-              <a:rPr lang="en-US" dirty="0"/>
-              <a:t>Distributed Memory – Memory is dispersed among physical processing elements, Non-Uniform Memory Access time </a:t>
-            </a:r>
-          </a:p>
-          <a:p>
-            <a:pPr lvl="1"/>
-            <a:r>
-              <a:rPr lang="en-US" dirty="0"/>
-              <a:t>Example Parallel Programming Languages: MPI</a:t>
-            </a:r>
-          </a:p>
-          <a:p>
-            <a:pPr lvl="1"/>
-            <a:r>
-              <a:rPr lang="en-US" dirty="0"/>
-              <a:t>How many hops to get data in a distributed memory system? </a:t>
-            </a:r>
-          </a:p>
-          <a:p>
-            <a:pPr lvl="1"/>
-            <a:r>
-              <a:rPr lang="en-US" dirty="0"/>
-              <a:t>Bisection Bandwidth – How many links must fail to disconnect part of the network.</a:t>
-            </a:r>
-          </a:p>
-          <a:p>
-            <a:pPr lvl="1"/>
-            <a:r>
-              <a:rPr lang="en-US" dirty="0"/>
-              <a:t>Redundancy – Improves bisection bandwidth AND message throughput</a:t>
-            </a:r>
-          </a:p>
-          <a:p>
-            <a:pPr lvl="1"/>
-            <a:r>
-              <a:rPr lang="en-US" dirty="0"/>
-              <a:t>Different network topologies require different numbers of links but provide different levels of service</a:t>
-            </a:r>
-            <a:r>
-              <a:rPr lang="en-US" dirty="0">
-                <a:sym typeface="Wingdings" pitchFamily="2" charset="2"/>
-              </a:rPr>
-              <a:t> (e.g., message throughput, message latency, redundancy)</a:t>
-            </a:r>
-            <a:endParaRPr lang="en-US" dirty="0"/>
-          </a:p>
-        </p:txBody>
-      </p:sp>
-    </p:spTree>
-    <p:extLst>
-      <p:ext uri="{BB962C8B-B14F-4D97-AF65-F5344CB8AC3E}">
-        <p14:creationId xmlns:p14="http://schemas.microsoft.com/office/powerpoint/2010/main" val="194010895"/>
       </p:ext>
     </p:extLst>
   </p:cSld>
@@ -5421,7 +8766,155 @@
           <p:cNvPr id="7" name="Title 6">
             <a:extLst>
               <a:ext uri="{FF2B5EF4-FFF2-40B4-BE49-F238E27FC236}">
-                <a16:creationId xmlns:a16="http://schemas.microsoft.com/office/drawing/2014/main" id="{068D89FB-C1E1-8346-AFE8-EE02F30080B9}"/>
+                <a16:creationId xmlns:a16="http://schemas.microsoft.com/office/drawing/2014/main" xmlns="" id="{95650F7F-5448-8A4F-8104-405858E21911}"/>
+              </a:ext>
+            </a:extLst>
+          </p:cNvPr>
+          <p:cNvSpPr>
+            <a:spLocks noGrp="1"/>
+          </p:cNvSpPr>
+          <p:nvPr>
+            <p:ph type="title"/>
+          </p:nvPr>
+        </p:nvSpPr>
+        <p:spPr/>
+        <p:txBody>
+          <a:bodyPr/>
+          <a:lstStyle/>
+          <a:p>
+            <a:r>
+              <a:rPr lang="en-US" dirty="0"/>
+              <a:t>Summary</a:t>
+            </a:r>
+          </a:p>
+        </p:txBody>
+      </p:sp>
+      <p:sp>
+        <p:nvSpPr>
+          <p:cNvPr id="8" name="Content Placeholder 7">
+            <a:extLst>
+              <a:ext uri="{FF2B5EF4-FFF2-40B4-BE49-F238E27FC236}">
+                <a16:creationId xmlns:a16="http://schemas.microsoft.com/office/drawing/2014/main" xmlns="" id="{569A5E1A-575E-2548-9721-209A3CC3DF8F}"/>
+              </a:ext>
+            </a:extLst>
+          </p:cNvPr>
+          <p:cNvSpPr>
+            <a:spLocks noGrp="1"/>
+          </p:cNvSpPr>
+          <p:nvPr>
+            <p:ph idx="1"/>
+          </p:nvPr>
+        </p:nvSpPr>
+        <p:spPr/>
+        <p:txBody>
+          <a:bodyPr>
+            <a:normAutofit fontScale="92500"/>
+          </a:bodyPr>
+          <a:lstStyle/>
+          <a:p>
+            <a:r>
+              <a:rPr lang="en-US" dirty="0"/>
+              <a:t>Shared Memory – All memory on the same physical processing element, Uniform Memory Access time</a:t>
+            </a:r>
+          </a:p>
+          <a:p>
+            <a:pPr lvl="1"/>
+            <a:r>
+              <a:rPr lang="en-US" dirty="0"/>
+              <a:t>Example Parallel Programming Languages:  OpenMP and </a:t>
+            </a:r>
+            <a:r>
+              <a:rPr lang="en-US" dirty="0" err="1"/>
+              <a:t>PThreads</a:t>
+            </a:r>
+            <a:endParaRPr lang="en-US" dirty="0"/>
+          </a:p>
+          <a:p>
+            <a:r>
+              <a:rPr lang="en-US" dirty="0"/>
+              <a:t>Distributed Memory – Memory is dispersed among physical processing elements, Non-Uniform Memory Access time </a:t>
+            </a:r>
+          </a:p>
+          <a:p>
+            <a:pPr lvl="1"/>
+            <a:r>
+              <a:rPr lang="en-US" dirty="0"/>
+              <a:t>Example Parallel Programming Languages: MPI</a:t>
+            </a:r>
+          </a:p>
+          <a:p>
+            <a:pPr lvl="1"/>
+            <a:r>
+              <a:rPr lang="en-US" dirty="0"/>
+              <a:t>How many hops to get data in a distributed memory system? </a:t>
+            </a:r>
+          </a:p>
+          <a:p>
+            <a:pPr lvl="1"/>
+            <a:r>
+              <a:rPr lang="en-US" dirty="0"/>
+              <a:t>Bisection Bandwidth – How many links must fail to disconnect part of the network.</a:t>
+            </a:r>
+          </a:p>
+          <a:p>
+            <a:pPr lvl="1"/>
+            <a:r>
+              <a:rPr lang="en-US" dirty="0"/>
+              <a:t>Redundancy – Improves bisection bandwidth AND message throughput</a:t>
+            </a:r>
+          </a:p>
+          <a:p>
+            <a:pPr lvl="1"/>
+            <a:r>
+              <a:rPr lang="en-US" dirty="0"/>
+              <a:t>Different network topologies require different numbers of links but provide different levels of service</a:t>
+            </a:r>
+            <a:r>
+              <a:rPr lang="en-US" dirty="0">
+                <a:sym typeface="Wingdings" pitchFamily="2" charset="2"/>
+              </a:rPr>
+              <a:t> (e.g., message throughput, message latency, redundancy)</a:t>
+            </a:r>
+            <a:endParaRPr lang="en-US" dirty="0"/>
+          </a:p>
+        </p:txBody>
+      </p:sp>
+    </p:spTree>
+    <p:extLst>
+      <p:ext uri="{BB962C8B-B14F-4D97-AF65-F5344CB8AC3E}">
+        <p14:creationId xmlns:p14="http://schemas.microsoft.com/office/powerpoint/2010/main" val="194010895"/>
+      </p:ext>
+    </p:extLst>
+  </p:cSld>
+  <p:clrMapOvr>
+    <a:masterClrMapping/>
+  </p:clrMapOvr>
+</p:sld>
+</file>
+
+<file path=ppt/slides/slide15.xml><?xml version="1.0" encoding="utf-8"?>
+<p:sld xmlns:a="http://schemas.openxmlformats.org/drawingml/2006/main" xmlns:r="http://schemas.openxmlformats.org/officeDocument/2006/relationships" xmlns:p="http://schemas.openxmlformats.org/presentationml/2006/main">
+  <p:cSld>
+    <p:spTree>
+      <p:nvGrpSpPr>
+        <p:cNvPr id="1" name=""/>
+        <p:cNvGrpSpPr/>
+        <p:nvPr/>
+      </p:nvGrpSpPr>
+      <p:grpSpPr>
+        <a:xfrm>
+          <a:off x="0" y="0"/>
+          <a:ext cx="0" cy="0"/>
+          <a:chOff x="0" y="0"/>
+          <a:chExt cx="0" cy="0"/>
+        </a:xfrm>
+      </p:grpSpPr>
+      <p:sp>
+        <p:nvSpPr>
+          <p:cNvPr id="7" name="Title 6">
+            <a:extLst>
+              <a:ext uri="{FF2B5EF4-FFF2-40B4-BE49-F238E27FC236}">
+                <a16:creationId xmlns:a16="http://schemas.microsoft.com/office/drawing/2014/main" xmlns="" id="{068D89FB-C1E1-8346-AFE8-EE02F30080B9}"/>
               </a:ext>
             </a:extLst>
           </p:cNvPr>
@@ -5483,98 +8976,227 @@
       </p:grpSpPr>
       <p:sp>
         <p:nvSpPr>
-          <p:cNvPr id="2" name="Title 1">
-            <a:extLst>
-              <a:ext uri="{FF2B5EF4-FFF2-40B4-BE49-F238E27FC236}">
-                <a16:creationId xmlns:a16="http://schemas.microsoft.com/office/drawing/2014/main" id="{44E12AD7-056C-AA4A-984B-DB6C718F0965}"/>
-              </a:ext>
-            </a:extLst>
-          </p:cNvPr>
-          <p:cNvSpPr>
-            <a:spLocks noGrp="1"/>
-          </p:cNvSpPr>
-          <p:nvPr>
-            <p:ph type="title"/>
-          </p:nvPr>
-        </p:nvSpPr>
-        <p:spPr/>
-        <p:txBody>
-          <a:bodyPr/>
-          <a:lstStyle/>
-          <a:p>
-            <a:r>
-              <a:rPr lang="en-US" dirty="0"/>
-              <a:t>Module Learning Objectives</a:t>
-            </a:r>
-          </a:p>
-        </p:txBody>
-      </p:sp>
-      <p:sp>
-        <p:nvSpPr>
-          <p:cNvPr id="3" name="Content Placeholder 2">
-            <a:extLst>
-              <a:ext uri="{FF2B5EF4-FFF2-40B4-BE49-F238E27FC236}">
-                <a16:creationId xmlns:a16="http://schemas.microsoft.com/office/drawing/2014/main" id="{BF88A09D-158E-AF45-B6BE-3880F37DE481}"/>
-              </a:ext>
-            </a:extLst>
-          </p:cNvPr>
-          <p:cNvSpPr>
-            <a:spLocks noGrp="1"/>
-          </p:cNvSpPr>
-          <p:nvPr>
-            <p:ph idx="1"/>
-          </p:nvPr>
-        </p:nvSpPr>
-        <p:spPr/>
-        <p:txBody>
-          <a:bodyPr>
-            <a:normAutofit fontScale="92500" lnSpcReduction="10000"/>
+          <p:cNvPr id="2" name="Title 1"/>
+          <p:cNvSpPr>
+            <a:spLocks noGrp="1"/>
+          </p:cNvSpPr>
+          <p:nvPr>
+            <p:ph type="ctrTitle"/>
+          </p:nvPr>
+        </p:nvSpPr>
+        <p:spPr>
+          <a:xfrm>
+            <a:off x="754743" y="0"/>
+            <a:ext cx="10682515" cy="6858000"/>
+          </a:xfrm>
+        </p:spPr>
+        <p:txBody>
+          <a:bodyPr anchor="ctr">
+            <a:noAutofit/>
           </a:bodyPr>
           <a:lstStyle/>
           <a:p>
-            <a:r>
-              <a:rPr lang="en-US" dirty="0"/>
-              <a:t>Describe the difference between a shared memory system and a distributed memory system. </a:t>
-            </a:r>
-          </a:p>
-          <a:p>
-            <a:r>
-              <a:rPr lang="en-US" dirty="0"/>
-              <a:t>Categorize common parallel programming tools, including OpenMP, MPI, and </a:t>
-            </a:r>
-            <a:r>
-              <a:rPr lang="en-US" dirty="0" err="1"/>
-              <a:t>PThreads</a:t>
-            </a:r>
-            <a:r>
-              <a:rPr lang="en-US" dirty="0"/>
-              <a:t>, as either shared memory or distributed memory approaches. </a:t>
-            </a:r>
-          </a:p>
-          <a:p>
-            <a:r>
-              <a:rPr lang="en-US" dirty="0"/>
-              <a:t>Define key concepts in distributed memory systems, including bisection bandwidth and redundancy</a:t>
-            </a:r>
-          </a:p>
-          <a:p>
-            <a:r>
-              <a:rPr lang="en-US" dirty="0"/>
-              <a:t>Estimate the number of links needed in a distributed memory system with a given architecture. </a:t>
-            </a:r>
-          </a:p>
-          <a:p>
-            <a:r>
-              <a:rPr lang="en-US" dirty="0"/>
-              <a:t>Estimate the number of “hops” a message needs in a distributed memory system with a given architecture.</a:t>
-            </a:r>
+            <a:pPr algn="l" fontAlgn="ctr"/>
+            <a:r>
+              <a:rPr lang="en-US" sz="2800" dirty="0">
+                <a:latin typeface="Times New Roman" charset="0"/>
+                <a:ea typeface="Times New Roman" charset="0"/>
+                <a:cs typeface="Times New Roman" charset="0"/>
+              </a:rPr>
+              <a:t>Except where otherwise noted, this work by</a:t>
+            </a:r>
+            <a:br>
+              <a:rPr lang="en-US" sz="2800" dirty="0">
+                <a:latin typeface="Times New Roman" charset="0"/>
+                <a:ea typeface="Times New Roman" charset="0"/>
+                <a:cs typeface="Times New Roman" charset="0"/>
+              </a:rPr>
+            </a:br>
+            <a:r>
+              <a:rPr lang="en-US" sz="2800" dirty="0">
+                <a:latin typeface="Times New Roman" charset="0"/>
+                <a:ea typeface="Times New Roman" charset="0"/>
+                <a:cs typeface="Times New Roman" charset="0"/>
+              </a:rPr>
+              <a:t>The Shodor Education Foundation, Inc. is licensed under</a:t>
+            </a:r>
+            <a:br>
+              <a:rPr lang="en-US" sz="2800" dirty="0">
+                <a:latin typeface="Times New Roman" charset="0"/>
+                <a:ea typeface="Times New Roman" charset="0"/>
+                <a:cs typeface="Times New Roman" charset="0"/>
+              </a:rPr>
+            </a:br>
+            <a:r>
+              <a:rPr lang="en-US" sz="2800" dirty="0">
+                <a:latin typeface="Times New Roman" charset="0"/>
+                <a:ea typeface="Times New Roman" charset="0"/>
+                <a:cs typeface="Times New Roman" charset="0"/>
+              </a:rPr>
+              <a:t>CC BY-NC 4.0. To view a copy of this license, visit </a:t>
+            </a:r>
+            <a:r>
+              <a:rPr lang="en-US" sz="2800" dirty="0">
+                <a:latin typeface="Times New Roman" charset="0"/>
+                <a:ea typeface="Times New Roman" charset="0"/>
+                <a:cs typeface="Times New Roman" charset="0"/>
+                <a:hlinkClick r:id="rId2"/>
+              </a:rPr>
+              <a:t>https://creativecommons.org/licenses/by-nc/4.0</a:t>
+            </a:r>
+            <a:r>
+              <a:rPr lang="en-US" sz="2800" dirty="0">
+                <a:latin typeface="Times New Roman" charset="0"/>
+                <a:ea typeface="Times New Roman" charset="0"/>
+                <a:cs typeface="Times New Roman" charset="0"/>
+              </a:rPr>
+              <a:t/>
+            </a:r>
+            <a:br>
+              <a:rPr lang="en-US" sz="2800" dirty="0">
+                <a:latin typeface="Times New Roman" charset="0"/>
+                <a:ea typeface="Times New Roman" charset="0"/>
+                <a:cs typeface="Times New Roman" charset="0"/>
+              </a:rPr>
+            </a:br>
+            <a:r>
+              <a:rPr lang="en-US" sz="2800" dirty="0">
+                <a:latin typeface="Times New Roman" charset="0"/>
+                <a:ea typeface="Times New Roman" charset="0"/>
+                <a:cs typeface="Times New Roman" charset="0"/>
+              </a:rPr>
+              <a:t/>
+            </a:r>
+            <a:br>
+              <a:rPr lang="en-US" sz="2800" dirty="0">
+                <a:latin typeface="Times New Roman" charset="0"/>
+                <a:ea typeface="Times New Roman" charset="0"/>
+                <a:cs typeface="Times New Roman" charset="0"/>
+              </a:rPr>
+            </a:br>
+            <a:r>
+              <a:rPr lang="en-US" sz="2800" dirty="0">
+                <a:latin typeface="Times New Roman" charset="0"/>
+                <a:ea typeface="Times New Roman" charset="0"/>
+                <a:cs typeface="Times New Roman" charset="0"/>
+              </a:rPr>
+              <a:t>Browse and search the full curriculum at </a:t>
+            </a:r>
+            <a:r>
+              <a:rPr lang="en-US" sz="2800" dirty="0">
+                <a:latin typeface="Times New Roman" charset="0"/>
+                <a:ea typeface="Times New Roman" charset="0"/>
+                <a:cs typeface="Times New Roman" charset="0"/>
+                <a:hlinkClick r:id="rId3"/>
+              </a:rPr>
+              <a:t>http://shodor.org/petascale/materials/semester-curriculum</a:t>
+            </a:r>
+            <a:r>
+              <a:rPr lang="en-US" sz="2800" dirty="0">
+                <a:latin typeface="Times New Roman" charset="0"/>
+                <a:ea typeface="Times New Roman" charset="0"/>
+                <a:cs typeface="Times New Roman" charset="0"/>
+              </a:rPr>
+              <a:t/>
+            </a:r>
+            <a:br>
+              <a:rPr lang="en-US" sz="2800" dirty="0">
+                <a:latin typeface="Times New Roman" charset="0"/>
+                <a:ea typeface="Times New Roman" charset="0"/>
+                <a:cs typeface="Times New Roman" charset="0"/>
+              </a:rPr>
+            </a:br>
+            <a:r>
+              <a:rPr lang="en-US" sz="2800" dirty="0">
+                <a:latin typeface="Times New Roman" charset="0"/>
+                <a:ea typeface="Times New Roman" charset="0"/>
+                <a:cs typeface="Times New Roman" charset="0"/>
+              </a:rPr>
+              <a:t/>
+            </a:r>
+            <a:br>
+              <a:rPr lang="en-US" sz="2800" dirty="0">
+                <a:latin typeface="Times New Roman" charset="0"/>
+                <a:ea typeface="Times New Roman" charset="0"/>
+                <a:cs typeface="Times New Roman" charset="0"/>
+              </a:rPr>
+            </a:br>
+            <a:r>
+              <a:rPr lang="en-US" sz="2800" dirty="0">
+                <a:latin typeface="Times New Roman" charset="0"/>
+                <a:ea typeface="Times New Roman" charset="0"/>
+                <a:cs typeface="Times New Roman" charset="0"/>
+              </a:rPr>
+              <a:t>We welcome your improvements! You can submit your proposed changes to this material and the rest of the curriculum in our GitHub repository at </a:t>
+            </a:r>
+            <a:r>
+              <a:rPr lang="en-US" sz="2800" dirty="0">
+                <a:latin typeface="Times New Roman" charset="0"/>
+                <a:ea typeface="Times New Roman" charset="0"/>
+                <a:cs typeface="Times New Roman" charset="0"/>
+                <a:hlinkClick r:id="rId4"/>
+              </a:rPr>
+              <a:t>https://github.com/shodor-education/petascale-semester-curriculum</a:t>
+            </a:r>
+            <a:r>
+              <a:rPr lang="en-US" sz="2800" dirty="0">
+                <a:latin typeface="Times New Roman" charset="0"/>
+                <a:ea typeface="Times New Roman" charset="0"/>
+                <a:cs typeface="Times New Roman" charset="0"/>
+              </a:rPr>
+              <a:t/>
+            </a:r>
+            <a:br>
+              <a:rPr lang="en-US" sz="2800" dirty="0">
+                <a:latin typeface="Times New Roman" charset="0"/>
+                <a:ea typeface="Times New Roman" charset="0"/>
+                <a:cs typeface="Times New Roman" charset="0"/>
+              </a:rPr>
+            </a:br>
+            <a:r>
+              <a:rPr lang="en-US" sz="2800" dirty="0">
+                <a:latin typeface="Times New Roman" charset="0"/>
+                <a:ea typeface="Times New Roman" charset="0"/>
+                <a:cs typeface="Times New Roman" charset="0"/>
+              </a:rPr>
+              <a:t/>
+            </a:r>
+            <a:br>
+              <a:rPr lang="en-US" sz="2800" dirty="0">
+                <a:latin typeface="Times New Roman" charset="0"/>
+                <a:ea typeface="Times New Roman" charset="0"/>
+                <a:cs typeface="Times New Roman" charset="0"/>
+              </a:rPr>
+            </a:br>
+            <a:r>
+              <a:rPr lang="en-US" sz="2800" dirty="0">
+                <a:latin typeface="Times New Roman" charset="0"/>
+                <a:ea typeface="Times New Roman" charset="0"/>
+                <a:cs typeface="Times New Roman" charset="0"/>
+              </a:rPr>
+              <a:t>We want to hear from you! Please let us know your experiences using this material by sending email to </a:t>
+            </a:r>
+            <a:r>
+              <a:rPr lang="en-US" sz="2800" dirty="0">
+                <a:latin typeface="Times New Roman" charset="0"/>
+                <a:ea typeface="Times New Roman" charset="0"/>
+                <a:cs typeface="Times New Roman" charset="0"/>
+                <a:hlinkClick r:id="rId5"/>
+              </a:rPr>
+              <a:t>petascale@shodor.org</a:t>
+            </a:r>
+            <a:endParaRPr lang="en-US" sz="3600" dirty="0">
+              <a:latin typeface="Times New Roman" charset="0"/>
+              <a:ea typeface="Times New Roman" charset="0"/>
+              <a:cs typeface="Times New Roman" charset="0"/>
+            </a:endParaRPr>
           </a:p>
         </p:txBody>
       </p:sp>
     </p:spTree>
     <p:extLst>
       <p:ext uri="{BB962C8B-B14F-4D97-AF65-F5344CB8AC3E}">
-        <p14:creationId xmlns:p14="http://schemas.microsoft.com/office/powerpoint/2010/main" val="3480121372"/>
+        <p14:creationId xmlns:p14="http://schemas.microsoft.com/office/powerpoint/2010/main" val="1500868945"/>
       </p:ext>
     </p:extLst>
   </p:cSld>
@@ -5606,7 +9228,7 @@
           <p:cNvPr id="2" name="Title 1">
             <a:extLst>
               <a:ext uri="{FF2B5EF4-FFF2-40B4-BE49-F238E27FC236}">
-                <a16:creationId xmlns:a16="http://schemas.microsoft.com/office/drawing/2014/main" id="{962C75CC-0538-584A-B9B6-FC2C94299AB8}"/>
+                <a16:creationId xmlns:a16="http://schemas.microsoft.com/office/drawing/2014/main" xmlns="" id="{44E12AD7-056C-AA4A-984B-DB6C718F0965}"/>
               </a:ext>
             </a:extLst>
           </p:cNvPr>
@@ -5623,8 +9245,12 @@
           <a:lstStyle/>
           <a:p>
             <a:r>
-              <a:rPr lang="en-US" dirty="0"/>
-              <a:t>Shared and Distributed Memory</a:t>
+              <a:rPr lang="en-US" dirty="0" smtClean="0"/>
+              <a:t>Lesson Learning </a:t>
+            </a:r>
+            <a:r>
+              <a:rPr lang="en-US" dirty="0"/>
+              <a:t>Objectives</a:t>
             </a:r>
           </a:p>
         </p:txBody>
@@ -5634,7 +9260,7 @@
           <p:cNvPr id="3" name="Content Placeholder 2">
             <a:extLst>
               <a:ext uri="{FF2B5EF4-FFF2-40B4-BE49-F238E27FC236}">
-                <a16:creationId xmlns:a16="http://schemas.microsoft.com/office/drawing/2014/main" id="{8E1A4BFD-002B-D74B-810A-BA162D1BDB4B}"/>
+                <a16:creationId xmlns:a16="http://schemas.microsoft.com/office/drawing/2014/main" xmlns="" id="{BF88A09D-158E-AF45-B6BE-3880F37DE481}"/>
               </a:ext>
             </a:extLst>
           </p:cNvPr>
@@ -5648,93 +9274,45 @@
         <p:spPr/>
         <p:txBody>
           <a:bodyPr>
-            <a:normAutofit lnSpcReduction="10000"/>
+            <a:normAutofit fontScale="92500" lnSpcReduction="10000"/>
           </a:bodyPr>
           <a:lstStyle/>
           <a:p>
             <a:r>
               <a:rPr lang="en-US" dirty="0"/>
-              <a:t>Important to know </a:t>
-            </a:r>
-            <a:r>
-              <a:rPr lang="en-US" b="1" dirty="0"/>
-              <a:t>where</a:t>
-            </a:r>
-            <a:r>
-              <a:rPr lang="en-US" dirty="0"/>
-              <a:t> data are and </a:t>
-            </a:r>
-            <a:r>
-              <a:rPr lang="en-US" b="1" dirty="0"/>
-              <a:t>how</a:t>
-            </a:r>
-            <a:r>
-              <a:rPr lang="en-US" dirty="0"/>
-              <a:t> they are distributed.</a:t>
-            </a:r>
-          </a:p>
-          <a:p>
-            <a:pPr lvl="1"/>
-            <a:r>
-              <a:rPr lang="en-US" dirty="0"/>
-              <a:t>Are the data all in the same processing element? </a:t>
-            </a:r>
-            <a:r>
-              <a:rPr lang="en-US" dirty="0">
-                <a:sym typeface="Wingdings" pitchFamily="2" charset="2"/>
-              </a:rPr>
-              <a:t> If YES then it is shared memory.</a:t>
-            </a:r>
-            <a:endParaRPr lang="en-US" dirty="0"/>
-          </a:p>
-          <a:p>
-            <a:pPr lvl="1"/>
-            <a:r>
-              <a:rPr lang="en-US" dirty="0"/>
-              <a:t>Are the data distributed over multiple processing elements? </a:t>
-            </a:r>
-            <a:r>
-              <a:rPr lang="en-US" dirty="0">
-                <a:sym typeface="Wingdings" pitchFamily="2" charset="2"/>
-              </a:rPr>
-              <a:t> IF YES then it is distributed memory.</a:t>
-            </a:r>
-          </a:p>
-          <a:p>
-            <a:r>
-              <a:rPr lang="en-US" dirty="0"/>
-              <a:t>Shared Memory languages</a:t>
-            </a:r>
-          </a:p>
-          <a:p>
-            <a:pPr lvl="1"/>
-            <a:r>
-              <a:rPr lang="en-US" dirty="0"/>
-              <a:t>OpenMP and </a:t>
+              <a:t>Describe the difference between a shared memory system and a distributed memory system. </a:t>
+            </a:r>
+          </a:p>
+          <a:p>
+            <a:r>
+              <a:rPr lang="en-US" dirty="0"/>
+              <a:t>Categorize common parallel programming tools, including OpenMP, MPI, and </a:t>
             </a:r>
             <a:r>
               <a:rPr lang="en-US" dirty="0" err="1"/>
-              <a:t>pThreads</a:t>
-            </a:r>
-            <a:endParaRPr lang="en-US" dirty="0"/>
-          </a:p>
-          <a:p>
-            <a:r>
-              <a:rPr lang="en-US" dirty="0"/>
-              <a:t>Distributed Memory languages</a:t>
-            </a:r>
-          </a:p>
-          <a:p>
-            <a:pPr lvl="1"/>
-            <a:r>
-              <a:rPr lang="en-US" dirty="0"/>
-              <a:t>MPI</a:t>
-            </a:r>
-          </a:p>
-          <a:p>
-            <a:r>
-              <a:rPr lang="en-US" dirty="0"/>
-              <a:t>Most real-world problems employ a combination of shared and distributed memory</a:t>
+              <a:t>PThreads</a:t>
+            </a:r>
+            <a:r>
+              <a:rPr lang="en-US" dirty="0"/>
+              <a:t>, as either shared memory or distributed memory approaches. </a:t>
+            </a:r>
+          </a:p>
+          <a:p>
+            <a:r>
+              <a:rPr lang="en-US" dirty="0"/>
+              <a:t>Define key concepts in distributed memory systems, including bisection bandwidth and redundancy</a:t>
+            </a:r>
+          </a:p>
+          <a:p>
+            <a:r>
+              <a:rPr lang="en-US" dirty="0"/>
+              <a:t>Estimate the number of links needed in a distributed memory system with a given architecture. </a:t>
+            </a:r>
+          </a:p>
+          <a:p>
+            <a:r>
+              <a:rPr lang="en-US" dirty="0"/>
+              <a:t>Estimate the number of “hops” a message needs in a distributed memory system with a given architecture.</a:t>
             </a:r>
           </a:p>
         </p:txBody>
@@ -5742,7 +9320,7 @@
     </p:spTree>
     <p:extLst>
       <p:ext uri="{BB962C8B-B14F-4D97-AF65-F5344CB8AC3E}">
-        <p14:creationId xmlns:p14="http://schemas.microsoft.com/office/powerpoint/2010/main" val="380915479"/>
+        <p14:creationId xmlns:p14="http://schemas.microsoft.com/office/powerpoint/2010/main" val="3480121372"/>
       </p:ext>
     </p:extLst>
   </p:cSld>
@@ -5774,7 +9352,7 @@
           <p:cNvPr id="2" name="Title 1">
             <a:extLst>
               <a:ext uri="{FF2B5EF4-FFF2-40B4-BE49-F238E27FC236}">
-                <a16:creationId xmlns:a16="http://schemas.microsoft.com/office/drawing/2014/main" id="{F8213802-4696-B44F-8498-3FE0946D3E54}"/>
+                <a16:creationId xmlns:a16="http://schemas.microsoft.com/office/drawing/2014/main" xmlns="" id="{962C75CC-0538-584A-B9B6-FC2C94299AB8}"/>
               </a:ext>
             </a:extLst>
           </p:cNvPr>
@@ -5792,7 +9370,7 @@
           <a:p>
             <a:r>
               <a:rPr lang="en-US" dirty="0"/>
-              <a:t>Shared Memory</a:t>
+              <a:t>Shared and Distributed Memory</a:t>
             </a:r>
           </a:p>
         </p:txBody>
@@ -5802,7 +9380,7 @@
           <p:cNvPr id="3" name="Content Placeholder 2">
             <a:extLst>
               <a:ext uri="{FF2B5EF4-FFF2-40B4-BE49-F238E27FC236}">
-                <a16:creationId xmlns:a16="http://schemas.microsoft.com/office/drawing/2014/main" id="{7BD563F5-507C-D040-A6CF-FF3AA33D662F}"/>
+                <a16:creationId xmlns:a16="http://schemas.microsoft.com/office/drawing/2014/main" xmlns="" id="{8E1A4BFD-002B-D74B-810A-BA162D1BDB4B}"/>
               </a:ext>
             </a:extLst>
           </p:cNvPr>
@@ -5822,6 +9400,174 @@
           <a:p>
             <a:r>
               <a:rPr lang="en-US" dirty="0"/>
+              <a:t>Important to know </a:t>
+            </a:r>
+            <a:r>
+              <a:rPr lang="en-US" b="1" dirty="0"/>
+              <a:t>where</a:t>
+            </a:r>
+            <a:r>
+              <a:rPr lang="en-US" dirty="0"/>
+              <a:t> data are and </a:t>
+            </a:r>
+            <a:r>
+              <a:rPr lang="en-US" b="1" dirty="0"/>
+              <a:t>how</a:t>
+            </a:r>
+            <a:r>
+              <a:rPr lang="en-US" dirty="0"/>
+              <a:t> they are distributed.</a:t>
+            </a:r>
+          </a:p>
+          <a:p>
+            <a:pPr lvl="1"/>
+            <a:r>
+              <a:rPr lang="en-US" dirty="0"/>
+              <a:t>Are the data all in the same processing element? </a:t>
+            </a:r>
+            <a:r>
+              <a:rPr lang="en-US" dirty="0">
+                <a:sym typeface="Wingdings" pitchFamily="2" charset="2"/>
+              </a:rPr>
+              <a:t> If YES then it is shared memory.</a:t>
+            </a:r>
+            <a:endParaRPr lang="en-US" dirty="0"/>
+          </a:p>
+          <a:p>
+            <a:pPr lvl="1"/>
+            <a:r>
+              <a:rPr lang="en-US" dirty="0"/>
+              <a:t>Are the data distributed over multiple processing elements? </a:t>
+            </a:r>
+            <a:r>
+              <a:rPr lang="en-US" dirty="0">
+                <a:sym typeface="Wingdings" pitchFamily="2" charset="2"/>
+              </a:rPr>
+              <a:t> IF YES then it is distributed memory.</a:t>
+            </a:r>
+          </a:p>
+          <a:p>
+            <a:r>
+              <a:rPr lang="en-US" dirty="0"/>
+              <a:t>Shared Memory languages</a:t>
+            </a:r>
+          </a:p>
+          <a:p>
+            <a:pPr lvl="1"/>
+            <a:r>
+              <a:rPr lang="en-US" dirty="0"/>
+              <a:t>OpenMP and </a:t>
+            </a:r>
+            <a:r>
+              <a:rPr lang="en-US" dirty="0" err="1"/>
+              <a:t>pThreads</a:t>
+            </a:r>
+            <a:endParaRPr lang="en-US" dirty="0"/>
+          </a:p>
+          <a:p>
+            <a:r>
+              <a:rPr lang="en-US" dirty="0"/>
+              <a:t>Distributed Memory languages</a:t>
+            </a:r>
+          </a:p>
+          <a:p>
+            <a:pPr lvl="1"/>
+            <a:r>
+              <a:rPr lang="en-US" dirty="0"/>
+              <a:t>MPI</a:t>
+            </a:r>
+          </a:p>
+          <a:p>
+            <a:r>
+              <a:rPr lang="en-US" dirty="0"/>
+              <a:t>Most real-world problems employ a combination of shared and distributed memory</a:t>
+            </a:r>
+          </a:p>
+        </p:txBody>
+      </p:sp>
+    </p:spTree>
+    <p:extLst>
+      <p:ext uri="{BB962C8B-B14F-4D97-AF65-F5344CB8AC3E}">
+        <p14:creationId xmlns:p14="http://schemas.microsoft.com/office/powerpoint/2010/main" val="380915479"/>
+      </p:ext>
+    </p:extLst>
+  </p:cSld>
+  <p:clrMapOvr>
+    <a:masterClrMapping/>
+  </p:clrMapOvr>
+</p:sld>
+</file>
+
+<file path=ppt/slides/slide5.xml><?xml version="1.0" encoding="utf-8"?>
+<p:sld xmlns:a="http://schemas.openxmlformats.org/drawingml/2006/main" xmlns:r="http://schemas.openxmlformats.org/officeDocument/2006/relationships" xmlns:p="http://schemas.openxmlformats.org/presentationml/2006/main">
+  <p:cSld>
+    <p:spTree>
+      <p:nvGrpSpPr>
+        <p:cNvPr id="1" name=""/>
+        <p:cNvGrpSpPr/>
+        <p:nvPr/>
+      </p:nvGrpSpPr>
+      <p:grpSpPr>
+        <a:xfrm>
+          <a:off x="0" y="0"/>
+          <a:ext cx="0" cy="0"/>
+          <a:chOff x="0" y="0"/>
+          <a:chExt cx="0" cy="0"/>
+        </a:xfrm>
+      </p:grpSpPr>
+      <p:sp>
+        <p:nvSpPr>
+          <p:cNvPr id="2" name="Title 1">
+            <a:extLst>
+              <a:ext uri="{FF2B5EF4-FFF2-40B4-BE49-F238E27FC236}">
+                <a16:creationId xmlns:a16="http://schemas.microsoft.com/office/drawing/2014/main" xmlns="" id="{F8213802-4696-B44F-8498-3FE0946D3E54}"/>
+              </a:ext>
+            </a:extLst>
+          </p:cNvPr>
+          <p:cNvSpPr>
+            <a:spLocks noGrp="1"/>
+          </p:cNvSpPr>
+          <p:nvPr>
+            <p:ph type="title"/>
+          </p:nvPr>
+        </p:nvSpPr>
+        <p:spPr/>
+        <p:txBody>
+          <a:bodyPr/>
+          <a:lstStyle/>
+          <a:p>
+            <a:r>
+              <a:rPr lang="en-US" dirty="0"/>
+              <a:t>Shared Memory</a:t>
+            </a:r>
+          </a:p>
+        </p:txBody>
+      </p:sp>
+      <p:sp>
+        <p:nvSpPr>
+          <p:cNvPr id="3" name="Content Placeholder 2">
+            <a:extLst>
+              <a:ext uri="{FF2B5EF4-FFF2-40B4-BE49-F238E27FC236}">
+                <a16:creationId xmlns:a16="http://schemas.microsoft.com/office/drawing/2014/main" xmlns="" id="{7BD563F5-507C-D040-A6CF-FF3AA33D662F}"/>
+              </a:ext>
+            </a:extLst>
+          </p:cNvPr>
+          <p:cNvSpPr>
+            <a:spLocks noGrp="1"/>
+          </p:cNvSpPr>
+          <p:nvPr>
+            <p:ph idx="1"/>
+          </p:nvPr>
+        </p:nvSpPr>
+        <p:spPr/>
+        <p:txBody>
+          <a:bodyPr>
+            <a:normAutofit lnSpcReduction="10000"/>
+          </a:bodyPr>
+          <a:lstStyle/>
+          <a:p>
+            <a:r>
+              <a:rPr lang="en-US" dirty="0"/>
               <a:t>All processes have access to all of the data and that data is physically located with the processing element.</a:t>
             </a:r>
           </a:p>
@@ -5893,7 +9639,7 @@
           <p:cNvPr id="4" name="image6.png">
             <a:extLst>
               <a:ext uri="{FF2B5EF4-FFF2-40B4-BE49-F238E27FC236}">
-                <a16:creationId xmlns:a16="http://schemas.microsoft.com/office/drawing/2014/main" id="{C9528DF7-603E-2043-8523-58D36F94D23C}"/>
+                <a16:creationId xmlns:a16="http://schemas.microsoft.com/office/drawing/2014/main" xmlns="" id="{C9528DF7-603E-2043-8523-58D36F94D23C}"/>
               </a:ext>
             </a:extLst>
           </p:cNvPr>
@@ -5933,7 +9679,7 @@
 </p:sld>
 </file>
 
-<file path=ppt/slides/slide5.xml><?xml version="1.0" encoding="utf-8"?>
+<file path=ppt/slides/slide6.xml><?xml version="1.0" encoding="utf-8"?>
 <p:sld xmlns:a="http://schemas.openxmlformats.org/drawingml/2006/main" xmlns:r="http://schemas.openxmlformats.org/officeDocument/2006/relationships" xmlns:p="http://schemas.openxmlformats.org/presentationml/2006/main">
   <p:cSld>
     <p:spTree>
@@ -5955,7 +9701,7 @@
           <p:cNvPr id="2" name="Title 1">
             <a:extLst>
               <a:ext uri="{FF2B5EF4-FFF2-40B4-BE49-F238E27FC236}">
-                <a16:creationId xmlns:a16="http://schemas.microsoft.com/office/drawing/2014/main" id="{6DC34002-C3AE-7547-8DB2-2F5A47A64000}"/>
+                <a16:creationId xmlns:a16="http://schemas.microsoft.com/office/drawing/2014/main" xmlns="" id="{6DC34002-C3AE-7547-8DB2-2F5A47A64000}"/>
               </a:ext>
             </a:extLst>
           </p:cNvPr>
@@ -5983,7 +9729,7 @@
           <p:cNvPr id="3" name="Content Placeholder 2">
             <a:extLst>
               <a:ext uri="{FF2B5EF4-FFF2-40B4-BE49-F238E27FC236}">
-                <a16:creationId xmlns:a16="http://schemas.microsoft.com/office/drawing/2014/main" id="{59286B71-E1CD-A44C-A792-969F64D06641}"/>
+                <a16:creationId xmlns:a16="http://schemas.microsoft.com/office/drawing/2014/main" xmlns="" id="{59286B71-E1CD-A44C-A792-969F64D06641}"/>
               </a:ext>
             </a:extLst>
           </p:cNvPr>
@@ -6081,7 +9827,7 @@
           <p:cNvPr id="4" name="image3.png">
             <a:extLst>
               <a:ext uri="{FF2B5EF4-FFF2-40B4-BE49-F238E27FC236}">
-                <a16:creationId xmlns:a16="http://schemas.microsoft.com/office/drawing/2014/main" id="{93D80FF5-04F7-D648-9D6A-453E9D84461C}"/>
+                <a16:creationId xmlns:a16="http://schemas.microsoft.com/office/drawing/2014/main" xmlns="" id="{93D80FF5-04F7-D648-9D6A-453E9D84461C}"/>
               </a:ext>
             </a:extLst>
           </p:cNvPr>
@@ -6121,7 +9867,7 @@
 </p:sld>
 </file>
 
-<file path=ppt/slides/slide6.xml><?xml version="1.0" encoding="utf-8"?>
+<file path=ppt/slides/slide7.xml><?xml version="1.0" encoding="utf-8"?>
 <p:sld xmlns:a="http://schemas.openxmlformats.org/drawingml/2006/main" xmlns:r="http://schemas.openxmlformats.org/officeDocument/2006/relationships" xmlns:p="http://schemas.openxmlformats.org/presentationml/2006/main">
   <p:cSld>
     <p:spTree>
@@ -6143,7 +9889,7 @@
           <p:cNvPr id="2" name="Title 1">
             <a:extLst>
               <a:ext uri="{FF2B5EF4-FFF2-40B4-BE49-F238E27FC236}">
-                <a16:creationId xmlns:a16="http://schemas.microsoft.com/office/drawing/2014/main" id="{EBEA536E-6151-4048-99B2-0552801BF57F}"/>
+                <a16:creationId xmlns:a16="http://schemas.microsoft.com/office/drawing/2014/main" xmlns="" id="{EBEA536E-6151-4048-99B2-0552801BF57F}"/>
               </a:ext>
             </a:extLst>
           </p:cNvPr>
@@ -6171,7 +9917,7 @@
           <p:cNvPr id="3" name="Content Placeholder 2">
             <a:extLst>
               <a:ext uri="{FF2B5EF4-FFF2-40B4-BE49-F238E27FC236}">
-                <a16:creationId xmlns:a16="http://schemas.microsoft.com/office/drawing/2014/main" id="{32C3B7DD-8B5F-2243-B63C-7C49BBA6BCE0}"/>
+                <a16:creationId xmlns:a16="http://schemas.microsoft.com/office/drawing/2014/main" xmlns="" id="{32C3B7DD-8B5F-2243-B63C-7C49BBA6BCE0}"/>
               </a:ext>
             </a:extLst>
           </p:cNvPr>
@@ -6239,7 +9985,7 @@
           <p:cNvPr id="4" name="image8.png">
             <a:extLst>
               <a:ext uri="{FF2B5EF4-FFF2-40B4-BE49-F238E27FC236}">
-                <a16:creationId xmlns:a16="http://schemas.microsoft.com/office/drawing/2014/main" id="{EE6D69AB-4CA2-C74C-937E-2102718BA204}"/>
+                <a16:creationId xmlns:a16="http://schemas.microsoft.com/office/drawing/2014/main" xmlns="" id="{EE6D69AB-4CA2-C74C-937E-2102718BA204}"/>
               </a:ext>
             </a:extLst>
           </p:cNvPr>
@@ -6279,140 +10025,6 @@
 </p:sld>
 </file>
 
-<file path=ppt/slides/slide7.xml><?xml version="1.0" encoding="utf-8"?>
-<p:sld xmlns:a="http://schemas.openxmlformats.org/drawingml/2006/main" xmlns:r="http://schemas.openxmlformats.org/officeDocument/2006/relationships" xmlns:p="http://schemas.openxmlformats.org/presentationml/2006/main">
-  <p:cSld>
-    <p:spTree>
-      <p:nvGrpSpPr>
-        <p:cNvPr id="1" name=""/>
-        <p:cNvGrpSpPr/>
-        <p:nvPr/>
-      </p:nvGrpSpPr>
-      <p:grpSpPr>
-        <a:xfrm>
-          <a:off x="0" y="0"/>
-          <a:ext cx="0" cy="0"/>
-          <a:chOff x="0" y="0"/>
-          <a:chExt cx="0" cy="0"/>
-        </a:xfrm>
-      </p:grpSpPr>
-      <p:sp>
-        <p:nvSpPr>
-          <p:cNvPr id="2" name="Title 1">
-            <a:extLst>
-              <a:ext uri="{FF2B5EF4-FFF2-40B4-BE49-F238E27FC236}">
-                <a16:creationId xmlns:a16="http://schemas.microsoft.com/office/drawing/2014/main" id="{688C7C28-906C-F749-855B-A63BBF524998}"/>
-              </a:ext>
-            </a:extLst>
-          </p:cNvPr>
-          <p:cNvSpPr>
-            <a:spLocks noGrp="1"/>
-          </p:cNvSpPr>
-          <p:nvPr>
-            <p:ph type="title"/>
-          </p:nvPr>
-        </p:nvSpPr>
-        <p:spPr/>
-        <p:txBody>
-          <a:bodyPr/>
-          <a:lstStyle/>
-          <a:p>
-            <a:r>
-              <a:rPr lang="en-US" dirty="0"/>
-              <a:t>Should I Use Shared or Distributed Memory?</a:t>
-            </a:r>
-          </a:p>
-        </p:txBody>
-      </p:sp>
-      <p:sp>
-        <p:nvSpPr>
-          <p:cNvPr id="3" name="Content Placeholder 2">
-            <a:extLst>
-              <a:ext uri="{FF2B5EF4-FFF2-40B4-BE49-F238E27FC236}">
-                <a16:creationId xmlns:a16="http://schemas.microsoft.com/office/drawing/2014/main" id="{99CB3F95-E860-BF4C-86E7-3D4461EAC52F}"/>
-              </a:ext>
-            </a:extLst>
-          </p:cNvPr>
-          <p:cNvSpPr>
-            <a:spLocks noGrp="1"/>
-          </p:cNvSpPr>
-          <p:nvPr>
-            <p:ph idx="1"/>
-          </p:nvPr>
-        </p:nvSpPr>
-        <p:spPr/>
-        <p:txBody>
-          <a:bodyPr/>
-          <a:lstStyle/>
-          <a:p>
-            <a:r>
-              <a:rPr lang="en-US" dirty="0"/>
-              <a:t>Is there a lot of updating of the same data item?</a:t>
-            </a:r>
-          </a:p>
-          <a:p>
-            <a:pPr lvl="1"/>
-            <a:r>
-              <a:rPr lang="en-US" dirty="0"/>
-              <a:t>Can you break this data structure into smaller parts that could be operated on independently? </a:t>
-            </a:r>
-            <a:r>
-              <a:rPr lang="en-US" dirty="0">
-                <a:sym typeface="Wingdings" pitchFamily="2" charset="2"/>
-              </a:rPr>
-              <a:t> Do this if you select distributed memory</a:t>
-            </a:r>
-          </a:p>
-          <a:p>
-            <a:pPr lvl="1"/>
-            <a:r>
-              <a:rPr lang="en-US" dirty="0">
-                <a:sym typeface="Wingdings" pitchFamily="2" charset="2"/>
-              </a:rPr>
-              <a:t>If not the shared memory is a good choice.</a:t>
-            </a:r>
-          </a:p>
-          <a:p>
-            <a:r>
-              <a:rPr lang="en-US" dirty="0">
-                <a:sym typeface="Wingdings" pitchFamily="2" charset="2"/>
-              </a:rPr>
-              <a:t>Is there a need to scale beyond a single physical node?</a:t>
-            </a:r>
-          </a:p>
-          <a:p>
-            <a:pPr lvl="1"/>
-            <a:r>
-              <a:rPr lang="en-US" dirty="0">
-                <a:sym typeface="Wingdings" pitchFamily="2" charset="2"/>
-              </a:rPr>
-              <a:t>If yes then you will NEED to use distributed memory.</a:t>
-            </a:r>
-          </a:p>
-          <a:p>
-            <a:endParaRPr lang="en-US" dirty="0">
-              <a:sym typeface="Wingdings" pitchFamily="2" charset="2"/>
-            </a:endParaRPr>
-          </a:p>
-          <a:p>
-            <a:pPr lvl="1"/>
-            <a:endParaRPr lang="en-US" dirty="0"/>
-          </a:p>
-        </p:txBody>
-      </p:sp>
-    </p:spTree>
-    <p:extLst>
-      <p:ext uri="{BB962C8B-B14F-4D97-AF65-F5344CB8AC3E}">
-        <p14:creationId xmlns:p14="http://schemas.microsoft.com/office/powerpoint/2010/main" val="4024393349"/>
-      </p:ext>
-    </p:extLst>
-  </p:cSld>
-  <p:clrMapOvr>
-    <a:masterClrMapping/>
-  </p:clrMapOvr>
-</p:sld>
-</file>
-
 <file path=ppt/slides/slide8.xml><?xml version="1.0" encoding="utf-8"?>
 <p:sld xmlns:a="http://schemas.openxmlformats.org/drawingml/2006/main" xmlns:r="http://schemas.openxmlformats.org/officeDocument/2006/relationships" xmlns:p="http://schemas.openxmlformats.org/presentationml/2006/main">
   <p:cSld>
@@ -6435,7 +10047,7 @@
           <p:cNvPr id="2" name="Title 1">
             <a:extLst>
               <a:ext uri="{FF2B5EF4-FFF2-40B4-BE49-F238E27FC236}">
-                <a16:creationId xmlns:a16="http://schemas.microsoft.com/office/drawing/2014/main" id="{358DD9C9-8F33-7E4A-BB20-4A3F6AD77B5D}"/>
+                <a16:creationId xmlns:a16="http://schemas.microsoft.com/office/drawing/2014/main" xmlns="" id="{688C7C28-906C-F749-855B-A63BBF524998}"/>
               </a:ext>
             </a:extLst>
           </p:cNvPr>
@@ -6453,6 +10065,140 @@
           <a:p>
             <a:r>
               <a:rPr lang="en-US" dirty="0"/>
+              <a:t>Should I Use Shared or Distributed Memory?</a:t>
+            </a:r>
+          </a:p>
+        </p:txBody>
+      </p:sp>
+      <p:sp>
+        <p:nvSpPr>
+          <p:cNvPr id="3" name="Content Placeholder 2">
+            <a:extLst>
+              <a:ext uri="{FF2B5EF4-FFF2-40B4-BE49-F238E27FC236}">
+                <a16:creationId xmlns:a16="http://schemas.microsoft.com/office/drawing/2014/main" xmlns="" id="{99CB3F95-E860-BF4C-86E7-3D4461EAC52F}"/>
+              </a:ext>
+            </a:extLst>
+          </p:cNvPr>
+          <p:cNvSpPr>
+            <a:spLocks noGrp="1"/>
+          </p:cNvSpPr>
+          <p:nvPr>
+            <p:ph idx="1"/>
+          </p:nvPr>
+        </p:nvSpPr>
+        <p:spPr/>
+        <p:txBody>
+          <a:bodyPr/>
+          <a:lstStyle/>
+          <a:p>
+            <a:r>
+              <a:rPr lang="en-US" dirty="0"/>
+              <a:t>Is there a lot of updating of the same data item?</a:t>
+            </a:r>
+          </a:p>
+          <a:p>
+            <a:pPr lvl="1"/>
+            <a:r>
+              <a:rPr lang="en-US" dirty="0"/>
+              <a:t>Can you break this data structure into smaller parts that could be operated on independently? </a:t>
+            </a:r>
+            <a:r>
+              <a:rPr lang="en-US" dirty="0">
+                <a:sym typeface="Wingdings" pitchFamily="2" charset="2"/>
+              </a:rPr>
+              <a:t> Do this if you select distributed memory</a:t>
+            </a:r>
+          </a:p>
+          <a:p>
+            <a:pPr lvl="1"/>
+            <a:r>
+              <a:rPr lang="en-US" dirty="0">
+                <a:sym typeface="Wingdings" pitchFamily="2" charset="2"/>
+              </a:rPr>
+              <a:t>If not the shared memory is a good choice.</a:t>
+            </a:r>
+          </a:p>
+          <a:p>
+            <a:r>
+              <a:rPr lang="en-US" dirty="0">
+                <a:sym typeface="Wingdings" pitchFamily="2" charset="2"/>
+              </a:rPr>
+              <a:t>Is there a need to scale beyond a single physical node?</a:t>
+            </a:r>
+          </a:p>
+          <a:p>
+            <a:pPr lvl="1"/>
+            <a:r>
+              <a:rPr lang="en-US" dirty="0">
+                <a:sym typeface="Wingdings" pitchFamily="2" charset="2"/>
+              </a:rPr>
+              <a:t>If yes then you will NEED to use distributed memory.</a:t>
+            </a:r>
+          </a:p>
+          <a:p>
+            <a:endParaRPr lang="en-US" dirty="0">
+              <a:sym typeface="Wingdings" pitchFamily="2" charset="2"/>
+            </a:endParaRPr>
+          </a:p>
+          <a:p>
+            <a:pPr lvl="1"/>
+            <a:endParaRPr lang="en-US" dirty="0"/>
+          </a:p>
+        </p:txBody>
+      </p:sp>
+    </p:spTree>
+    <p:extLst>
+      <p:ext uri="{BB962C8B-B14F-4D97-AF65-F5344CB8AC3E}">
+        <p14:creationId xmlns:p14="http://schemas.microsoft.com/office/powerpoint/2010/main" val="4024393349"/>
+      </p:ext>
+    </p:extLst>
+  </p:cSld>
+  <p:clrMapOvr>
+    <a:masterClrMapping/>
+  </p:clrMapOvr>
+</p:sld>
+</file>
+
+<file path=ppt/slides/slide9.xml><?xml version="1.0" encoding="utf-8"?>
+<p:sld xmlns:a="http://schemas.openxmlformats.org/drawingml/2006/main" xmlns:r="http://schemas.openxmlformats.org/officeDocument/2006/relationships" xmlns:p="http://schemas.openxmlformats.org/presentationml/2006/main">
+  <p:cSld>
+    <p:spTree>
+      <p:nvGrpSpPr>
+        <p:cNvPr id="1" name=""/>
+        <p:cNvGrpSpPr/>
+        <p:nvPr/>
+      </p:nvGrpSpPr>
+      <p:grpSpPr>
+        <a:xfrm>
+          <a:off x="0" y="0"/>
+          <a:ext cx="0" cy="0"/>
+          <a:chOff x="0" y="0"/>
+          <a:chExt cx="0" cy="0"/>
+        </a:xfrm>
+      </p:grpSpPr>
+      <p:sp>
+        <p:nvSpPr>
+          <p:cNvPr id="2" name="Title 1">
+            <a:extLst>
+              <a:ext uri="{FF2B5EF4-FFF2-40B4-BE49-F238E27FC236}">
+                <a16:creationId xmlns:a16="http://schemas.microsoft.com/office/drawing/2014/main" xmlns="" id="{358DD9C9-8F33-7E4A-BB20-4A3F6AD77B5D}"/>
+              </a:ext>
+            </a:extLst>
+          </p:cNvPr>
+          <p:cNvSpPr>
+            <a:spLocks noGrp="1"/>
+          </p:cNvSpPr>
+          <p:nvPr>
+            <p:ph type="title"/>
+          </p:nvPr>
+        </p:nvSpPr>
+        <p:spPr/>
+        <p:txBody>
+          <a:bodyPr/>
+          <a:lstStyle/>
+          <a:p>
+            <a:r>
+              <a:rPr lang="en-US" dirty="0"/>
               <a:t>Connecting Physical Nodes Together (1)</a:t>
             </a:r>
           </a:p>
@@ -6463,7 +10209,7 @@
           <p:cNvPr id="6" name="Text Placeholder 5">
             <a:extLst>
               <a:ext uri="{FF2B5EF4-FFF2-40B4-BE49-F238E27FC236}">
-                <a16:creationId xmlns:a16="http://schemas.microsoft.com/office/drawing/2014/main" id="{33DE313B-952F-1E4C-AE6C-DE987F56F535}"/>
+                <a16:creationId xmlns:a16="http://schemas.microsoft.com/office/drawing/2014/main" xmlns="" id="{33DE313B-952F-1E4C-AE6C-DE987F56F535}"/>
               </a:ext>
             </a:extLst>
           </p:cNvPr>
@@ -6493,7 +10239,7 @@
           <p:cNvPr id="8" name="Text Placeholder 7">
             <a:extLst>
               <a:ext uri="{FF2B5EF4-FFF2-40B4-BE49-F238E27FC236}">
-                <a16:creationId xmlns:a16="http://schemas.microsoft.com/office/drawing/2014/main" id="{C537B1CD-2687-A74D-9CB8-34E12374C3FC}"/>
+                <a16:creationId xmlns:a16="http://schemas.microsoft.com/office/drawing/2014/main" xmlns="" id="{C537B1CD-2687-A74D-9CB8-34E12374C3FC}"/>
               </a:ext>
             </a:extLst>
           </p:cNvPr>
@@ -6523,7 +10269,7 @@
           <p:cNvPr id="10" name="Rectangle 9">
             <a:extLst>
               <a:ext uri="{FF2B5EF4-FFF2-40B4-BE49-F238E27FC236}">
-                <a16:creationId xmlns:a16="http://schemas.microsoft.com/office/drawing/2014/main" id="{D3256648-E5B4-7A4E-80CC-2D668B6CD5D2}"/>
+                <a16:creationId xmlns:a16="http://schemas.microsoft.com/office/drawing/2014/main" xmlns="" id="{D3256648-E5B4-7A4E-80CC-2D668B6CD5D2}"/>
               </a:ext>
             </a:extLst>
           </p:cNvPr>
@@ -6572,7 +10318,7 @@
           <p:cNvPr id="11" name="Rectangle 10">
             <a:extLst>
               <a:ext uri="{FF2B5EF4-FFF2-40B4-BE49-F238E27FC236}">
-                <a16:creationId xmlns:a16="http://schemas.microsoft.com/office/drawing/2014/main" id="{3815DE27-3230-0745-A0A7-FD0479EE2681}"/>
+                <a16:creationId xmlns:a16="http://schemas.microsoft.com/office/drawing/2014/main" xmlns="" id="{3815DE27-3230-0745-A0A7-FD0479EE2681}"/>
               </a:ext>
             </a:extLst>
           </p:cNvPr>
@@ -6621,7 +10367,7 @@
           <p:cNvPr id="13" name="TextBox 12">
             <a:extLst>
               <a:ext uri="{FF2B5EF4-FFF2-40B4-BE49-F238E27FC236}">
-                <a16:creationId xmlns:a16="http://schemas.microsoft.com/office/drawing/2014/main" id="{42FD6980-3EDE-2847-8349-F1AA40313C00}"/>
+                <a16:creationId xmlns:a16="http://schemas.microsoft.com/office/drawing/2014/main" xmlns="" id="{42FD6980-3EDE-2847-8349-F1AA40313C00}"/>
               </a:ext>
             </a:extLst>
           </p:cNvPr>
@@ -6657,7 +10403,7 @@
           <p:cNvPr id="15" name="Straight Connector 14">
             <a:extLst>
               <a:ext uri="{FF2B5EF4-FFF2-40B4-BE49-F238E27FC236}">
-                <a16:creationId xmlns:a16="http://schemas.microsoft.com/office/drawing/2014/main" id="{F1D691CA-1D10-634D-BF35-A6485C7982FF}"/>
+                <a16:creationId xmlns:a16="http://schemas.microsoft.com/office/drawing/2014/main" xmlns="" id="{F1D691CA-1D10-634D-BF35-A6485C7982FF}"/>
               </a:ext>
             </a:extLst>
           </p:cNvPr>
@@ -6701,7 +10447,7 @@
           <p:cNvPr id="16" name="Rectangle 15">
             <a:extLst>
               <a:ext uri="{FF2B5EF4-FFF2-40B4-BE49-F238E27FC236}">
-                <a16:creationId xmlns:a16="http://schemas.microsoft.com/office/drawing/2014/main" id="{77CD1CDC-491B-0D4C-AAFB-2E8EA3282914}"/>
+                <a16:creationId xmlns:a16="http://schemas.microsoft.com/office/drawing/2014/main" xmlns="" id="{77CD1CDC-491B-0D4C-AAFB-2E8EA3282914}"/>
               </a:ext>
             </a:extLst>
           </p:cNvPr>
@@ -6750,7 +10496,7 @@
           <p:cNvPr id="17" name="Rectangle 16">
             <a:extLst>
               <a:ext uri="{FF2B5EF4-FFF2-40B4-BE49-F238E27FC236}">
-                <a16:creationId xmlns:a16="http://schemas.microsoft.com/office/drawing/2014/main" id="{234663B7-ACA3-DD4B-8C70-90B4123D86D5}"/>
+                <a16:creationId xmlns:a16="http://schemas.microsoft.com/office/drawing/2014/main" xmlns="" id="{234663B7-ACA3-DD4B-8C70-90B4123D86D5}"/>
               </a:ext>
             </a:extLst>
           </p:cNvPr>
@@ -6799,7 +10545,7 @@
           <p:cNvPr id="23" name="Curved Connector 22">
             <a:extLst>
               <a:ext uri="{FF2B5EF4-FFF2-40B4-BE49-F238E27FC236}">
-                <a16:creationId xmlns:a16="http://schemas.microsoft.com/office/drawing/2014/main" id="{B12187BD-7BCE-E54A-AE76-8C910DB1A41D}"/>
+                <a16:creationId xmlns:a16="http://schemas.microsoft.com/office/drawing/2014/main" xmlns="" id="{B12187BD-7BCE-E54A-AE76-8C910DB1A41D}"/>
               </a:ext>
             </a:extLst>
           </p:cNvPr>
@@ -6844,7 +10590,7 @@
           <p:cNvPr id="25" name="Rectangle 24">
             <a:extLst>
               <a:ext uri="{FF2B5EF4-FFF2-40B4-BE49-F238E27FC236}">
-                <a16:creationId xmlns:a16="http://schemas.microsoft.com/office/drawing/2014/main" id="{04A1F68B-8FD7-2A40-9A6F-5EC96778ABA3}"/>
+                <a16:creationId xmlns:a16="http://schemas.microsoft.com/office/drawing/2014/main" xmlns="" id="{04A1F68B-8FD7-2A40-9A6F-5EC96778ABA3}"/>
               </a:ext>
             </a:extLst>
           </p:cNvPr>
@@ -6893,7 +10639,7 @@
           <p:cNvPr id="27" name="Rectangle 26">
             <a:extLst>
               <a:ext uri="{FF2B5EF4-FFF2-40B4-BE49-F238E27FC236}">
-                <a16:creationId xmlns:a16="http://schemas.microsoft.com/office/drawing/2014/main" id="{1320079D-53A3-B14C-A832-AD503BF156C5}"/>
+                <a16:creationId xmlns:a16="http://schemas.microsoft.com/office/drawing/2014/main" xmlns="" id="{1320079D-53A3-B14C-A832-AD503BF156C5}"/>
               </a:ext>
             </a:extLst>
           </p:cNvPr>
@@ -6942,7 +10688,7 @@
           <p:cNvPr id="28" name="Curved Connector 27">
             <a:extLst>
               <a:ext uri="{FF2B5EF4-FFF2-40B4-BE49-F238E27FC236}">
-                <a16:creationId xmlns:a16="http://schemas.microsoft.com/office/drawing/2014/main" id="{5B628F0E-A965-964F-B388-0AA841F54F35}"/>
+                <a16:creationId xmlns:a16="http://schemas.microsoft.com/office/drawing/2014/main" xmlns="" id="{5B628F0E-A965-964F-B388-0AA841F54F35}"/>
               </a:ext>
             </a:extLst>
           </p:cNvPr>
@@ -6988,7 +10734,7 @@
           <p:cNvPr id="31" name="Curved Connector 30">
             <a:extLst>
               <a:ext uri="{FF2B5EF4-FFF2-40B4-BE49-F238E27FC236}">
-                <a16:creationId xmlns:a16="http://schemas.microsoft.com/office/drawing/2014/main" id="{D6223184-A810-8C4E-8DD6-BDE3F8857DAF}"/>
+                <a16:creationId xmlns:a16="http://schemas.microsoft.com/office/drawing/2014/main" xmlns="" id="{D6223184-A810-8C4E-8DD6-BDE3F8857DAF}"/>
               </a:ext>
             </a:extLst>
           </p:cNvPr>
@@ -7034,7 +10780,7 @@
           <p:cNvPr id="34" name="Curved Connector 33">
             <a:extLst>
               <a:ext uri="{FF2B5EF4-FFF2-40B4-BE49-F238E27FC236}">
-                <a16:creationId xmlns:a16="http://schemas.microsoft.com/office/drawing/2014/main" id="{5FAAE7BA-4D42-A645-BEF3-2E796B982B4F}"/>
+                <a16:creationId xmlns:a16="http://schemas.microsoft.com/office/drawing/2014/main" xmlns="" id="{5FAAE7BA-4D42-A645-BEF3-2E796B982B4F}"/>
               </a:ext>
             </a:extLst>
           </p:cNvPr>
@@ -7079,194 +10825,6 @@
     <p:extLst>
       <p:ext uri="{BB962C8B-B14F-4D97-AF65-F5344CB8AC3E}">
         <p14:creationId xmlns:p14="http://schemas.microsoft.com/office/powerpoint/2010/main" val="1799825608"/>
-      </p:ext>
-    </p:extLst>
-  </p:cSld>
-  <p:clrMapOvr>
-    <a:masterClrMapping/>
-  </p:clrMapOvr>
-</p:sld>
-</file>
-
-<file path=ppt/slides/slide9.xml><?xml version="1.0" encoding="utf-8"?>
-<p:sld xmlns:a="http://schemas.openxmlformats.org/drawingml/2006/main" xmlns:r="http://schemas.openxmlformats.org/officeDocument/2006/relationships" xmlns:p="http://schemas.openxmlformats.org/presentationml/2006/main">
-  <p:cSld>
-    <p:spTree>
-      <p:nvGrpSpPr>
-        <p:cNvPr id="1" name=""/>
-        <p:cNvGrpSpPr/>
-        <p:nvPr/>
-      </p:nvGrpSpPr>
-      <p:grpSpPr>
-        <a:xfrm>
-          <a:off x="0" y="0"/>
-          <a:ext cx="0" cy="0"/>
-          <a:chOff x="0" y="0"/>
-          <a:chExt cx="0" cy="0"/>
-        </a:xfrm>
-      </p:grpSpPr>
-      <p:sp>
-        <p:nvSpPr>
-          <p:cNvPr id="2" name="Title 1">
-            <a:extLst>
-              <a:ext uri="{FF2B5EF4-FFF2-40B4-BE49-F238E27FC236}">
-                <a16:creationId xmlns:a16="http://schemas.microsoft.com/office/drawing/2014/main" id="{358DD9C9-8F33-7E4A-BB20-4A3F6AD77B5D}"/>
-              </a:ext>
-            </a:extLst>
-          </p:cNvPr>
-          <p:cNvSpPr>
-            <a:spLocks noGrp="1"/>
-          </p:cNvSpPr>
-          <p:nvPr>
-            <p:ph type="title"/>
-          </p:nvPr>
-        </p:nvSpPr>
-        <p:spPr/>
-        <p:txBody>
-          <a:bodyPr/>
-          <a:lstStyle/>
-          <a:p>
-            <a:r>
-              <a:rPr lang="en-US" dirty="0"/>
-              <a:t>Connecting Physical Nodes Together (2)</a:t>
-            </a:r>
-          </a:p>
-        </p:txBody>
-      </p:sp>
-      <p:sp>
-        <p:nvSpPr>
-          <p:cNvPr id="9" name="Content Placeholder 8">
-            <a:extLst>
-              <a:ext uri="{FF2B5EF4-FFF2-40B4-BE49-F238E27FC236}">
-                <a16:creationId xmlns:a16="http://schemas.microsoft.com/office/drawing/2014/main" id="{F810C112-AE3F-A641-BC01-FA48DBAF9144}"/>
-              </a:ext>
-            </a:extLst>
-          </p:cNvPr>
-          <p:cNvSpPr>
-            <a:spLocks noGrp="1"/>
-          </p:cNvSpPr>
-          <p:nvPr>
-            <p:ph idx="1"/>
-          </p:nvPr>
-        </p:nvSpPr>
-        <p:spPr/>
-        <p:txBody>
-          <a:bodyPr>
-            <a:normAutofit fontScale="92500" lnSpcReduction="20000"/>
-          </a:bodyPr>
-          <a:lstStyle/>
-          <a:p>
-            <a:r>
-              <a:rPr lang="en-US" dirty="0"/>
-              <a:t>These need more complicated traffic management</a:t>
-            </a:r>
-          </a:p>
-          <a:p>
-            <a:pPr lvl="1"/>
-            <a:r>
-              <a:rPr lang="en-US" dirty="0"/>
-              <a:t>Switches and routers</a:t>
-            </a:r>
-          </a:p>
-          <a:p>
-            <a:r>
-              <a:rPr lang="en-US" dirty="0"/>
-              <a:t>Toroidal Mesh</a:t>
-            </a:r>
-          </a:p>
-          <a:p>
-            <a:pPr lvl="1"/>
-            <a:r>
-              <a:rPr lang="en-US" dirty="0"/>
-              <a:t>Donut shape</a:t>
-            </a:r>
-          </a:p>
-          <a:p>
-            <a:r>
-              <a:rPr lang="en-US" dirty="0"/>
-              <a:t>Hypercube</a:t>
-            </a:r>
-          </a:p>
-          <a:p>
-            <a:r>
-              <a:rPr lang="en-US" dirty="0"/>
-              <a:t>Crossbar</a:t>
-            </a:r>
-          </a:p>
-          <a:p>
-            <a:pPr lvl="1"/>
-            <a:r>
-              <a:rPr lang="en-US" dirty="0"/>
-              <a:t>Grid (north, south, east, and west) of interconnects</a:t>
-            </a:r>
-          </a:p>
-          <a:p>
-            <a:pPr lvl="1"/>
-            <a:r>
-              <a:rPr lang="en-US" dirty="0"/>
-              <a:t>Messages may need to go through the network </a:t>
-            </a:r>
-            <a:r>
-              <a:rPr lang="en-US" dirty="0">
-                <a:sym typeface="Wingdings" pitchFamily="2" charset="2"/>
-              </a:rPr>
-              <a:t> communication is NOT point-to-point</a:t>
-            </a:r>
-          </a:p>
-          <a:p>
-            <a:r>
-              <a:rPr lang="en-US" dirty="0">
-                <a:sym typeface="Wingdings" pitchFamily="2" charset="2"/>
-              </a:rPr>
-              <a:t>Fully Connected Network</a:t>
-            </a:r>
-          </a:p>
-          <a:p>
-            <a:pPr lvl="1"/>
-            <a:r>
-              <a:rPr lang="en-US" dirty="0"/>
-              <a:t>Each physical nodes a DIRECT connection to every other physical node</a:t>
-            </a:r>
-          </a:p>
-          <a:p>
-            <a:pPr lvl="1"/>
-            <a:r>
-              <a:rPr lang="en-US" dirty="0"/>
-              <a:t>Requires </a:t>
-            </a:r>
-            <a:r>
-              <a:rPr lang="en-US" i="1" dirty="0"/>
-              <a:t>n</a:t>
-            </a:r>
-            <a:r>
-              <a:rPr lang="en-US" baseline="30000" dirty="0"/>
-              <a:t>2</a:t>
-            </a:r>
-            <a:r>
-              <a:rPr lang="en-US" dirty="0"/>
-              <a:t> links</a:t>
-            </a:r>
-          </a:p>
-          <a:p>
-            <a:pPr lvl="1"/>
-            <a:r>
-              <a:rPr lang="en-US" dirty="0"/>
-              <a:t>Very expensive and not widely used above 4-8 physical nodes</a:t>
-            </a:r>
-          </a:p>
-          <a:p>
-            <a:endParaRPr lang="en-US" dirty="0"/>
-          </a:p>
-          <a:p>
-            <a:pPr lvl="1"/>
-            <a:endParaRPr lang="en-US" dirty="0"/>
-          </a:p>
-        </p:txBody>
-      </p:sp>
-    </p:spTree>
-    <p:extLst>
-      <p:ext uri="{BB962C8B-B14F-4D97-AF65-F5344CB8AC3E}">
-        <p14:creationId xmlns:p14="http://schemas.microsoft.com/office/powerpoint/2010/main" val="1998452960"/>
       </p:ext>
     </p:extLst>
   </p:cSld>
@@ -7572,6 +11130,267 @@
 </file>
 
 <file path=ppt/theme/theme2.xml><?xml version="1.0" encoding="utf-8"?>
+<a:theme xmlns:a="http://schemas.openxmlformats.org/drawingml/2006/main" name="1_Office Theme">
+  <a:themeElements>
+    <a:clrScheme name="Office">
+      <a:dk1>
+        <a:sysClr val="windowText" lastClr="000000"/>
+      </a:dk1>
+      <a:lt1>
+        <a:sysClr val="window" lastClr="FFFFFF"/>
+      </a:lt1>
+      <a:dk2>
+        <a:srgbClr val="44546A"/>
+      </a:dk2>
+      <a:lt2>
+        <a:srgbClr val="E7E6E6"/>
+      </a:lt2>
+      <a:accent1>
+        <a:srgbClr val="4472C4"/>
+      </a:accent1>
+      <a:accent2>
+        <a:srgbClr val="ED7D31"/>
+      </a:accent2>
+      <a:accent3>
+        <a:srgbClr val="A5A5A5"/>
+      </a:accent3>
+      <a:accent4>
+        <a:srgbClr val="FFC000"/>
+      </a:accent4>
+      <a:accent5>
+        <a:srgbClr val="5B9BD5"/>
+      </a:accent5>
+      <a:accent6>
+        <a:srgbClr val="70AD47"/>
+      </a:accent6>
+      <a:hlink>
+        <a:srgbClr val="0563C1"/>
+      </a:hlink>
+      <a:folHlink>
+        <a:srgbClr val="954F72"/>
+      </a:folHlink>
+    </a:clrScheme>
+    <a:fontScheme name="Office">
+      <a:majorFont>
+        <a:latin typeface="Calibri Light" panose="020F0302020204030204"/>
+        <a:ea typeface=""/>
+        <a:cs typeface=""/>
+        <a:font script="Jpan" typeface="Yu Gothic Light"/>
+        <a:font script="Hang" typeface="맑은 고딕"/>
+        <a:font script="Hans" typeface="DengXian Light"/>
+        <a:font script="Hant" typeface="新細明體"/>
+        <a:font script="Arab" typeface="Times New Roman"/>
+        <a:font script="Hebr" typeface="Times New Roman"/>
+        <a:font script="Thai" typeface="Angsana New"/>
+        <a:font script="Ethi" typeface="Nyala"/>
+        <a:font script="Beng" typeface="Vrinda"/>
+        <a:font script="Gujr" typeface="Shruti"/>
+        <a:font script="Khmr" typeface="MoolBoran"/>
+        <a:font script="Knda" typeface="Tunga"/>
+        <a:font script="Guru" typeface="Raavi"/>
+        <a:font script="Cans" typeface="Euphemia"/>
+        <a:font script="Cher" typeface="Plantagenet Cherokee"/>
+        <a:font script="Yiii" typeface="Microsoft Yi Baiti"/>
+        <a:font script="Tibt" typeface="Microsoft Himalaya"/>
+        <a:font script="Thaa" typeface="MV Boli"/>
+        <a:font script="Deva" typeface="Mangal"/>
+        <a:font script="Telu" typeface="Gautami"/>
+        <a:font script="Taml" typeface="Latha"/>
+        <a:font script="Syrc" typeface="Estrangelo Edessa"/>
+        <a:font script="Orya" typeface="Kalinga"/>
+        <a:font script="Mlym" typeface="Kartika"/>
+        <a:font script="Laoo" typeface="DokChampa"/>
+        <a:font script="Sinh" typeface="Iskoola Pota"/>
+        <a:font script="Mong" typeface="Mongolian Baiti"/>
+        <a:font script="Viet" typeface="Times New Roman"/>
+        <a:font script="Uigh" typeface="Microsoft Uighur"/>
+        <a:font script="Geor" typeface="Sylfaen"/>
+      </a:majorFont>
+      <a:minorFont>
+        <a:latin typeface="Calibri" panose="020F0502020204030204"/>
+        <a:ea typeface=""/>
+        <a:cs typeface=""/>
+        <a:font script="Jpan" typeface="Yu Gothic"/>
+        <a:font script="Hang" typeface="맑은 고딕"/>
+        <a:font script="Hans" typeface="DengXian"/>
+        <a:font script="Hant" typeface="新細明體"/>
+        <a:font script="Arab" typeface="Arial"/>
+        <a:font script="Hebr" typeface="Arial"/>
+        <a:font script="Thai" typeface="Cordia New"/>
+        <a:font script="Ethi" typeface="Nyala"/>
+        <a:font script="Beng" typeface="Vrinda"/>
+        <a:font script="Gujr" typeface="Shruti"/>
+        <a:font script="Khmr" typeface="DaunPenh"/>
+        <a:font script="Knda" typeface="Tunga"/>
+        <a:font script="Guru" typeface="Raavi"/>
+        <a:font script="Cans" typeface="Euphemia"/>
+        <a:font script="Cher" typeface="Plantagenet Cherokee"/>
+        <a:font script="Yiii" typeface="Microsoft Yi Baiti"/>
+        <a:font script="Tibt" typeface="Microsoft Himalaya"/>
+        <a:font script="Thaa" typeface="MV Boli"/>
+        <a:font script="Deva" typeface="Mangal"/>
+        <a:font script="Telu" typeface="Gautami"/>
+        <a:font script="Taml" typeface="Latha"/>
+        <a:font script="Syrc" typeface="Estrangelo Edessa"/>
+        <a:font script="Orya" typeface="Kalinga"/>
+        <a:font script="Mlym" typeface="Kartika"/>
+        <a:font script="Laoo" typeface="DokChampa"/>
+        <a:font script="Sinh" typeface="Iskoola Pota"/>
+        <a:font script="Mong" typeface="Mongolian Baiti"/>
+        <a:font script="Viet" typeface="Arial"/>
+        <a:font script="Uigh" typeface="Microsoft Uighur"/>
+        <a:font script="Geor" typeface="Sylfaen"/>
+      </a:minorFont>
+    </a:fontScheme>
+    <a:fmtScheme name="Office">
+      <a:fillStyleLst>
+        <a:solidFill>
+          <a:schemeClr val="phClr"/>
+        </a:solidFill>
+        <a:gradFill rotWithShape="1">
+          <a:gsLst>
+            <a:gs pos="0">
+              <a:schemeClr val="phClr">
+                <a:lumMod val="110000"/>
+                <a:satMod val="105000"/>
+                <a:tint val="67000"/>
+              </a:schemeClr>
+            </a:gs>
+            <a:gs pos="50000">
+              <a:schemeClr val="phClr">
+                <a:lumMod val="105000"/>
+                <a:satMod val="103000"/>
+                <a:tint val="73000"/>
+              </a:schemeClr>
+            </a:gs>
+            <a:gs pos="100000">
+              <a:schemeClr val="phClr">
+                <a:lumMod val="105000"/>
+                <a:satMod val="109000"/>
+                <a:tint val="81000"/>
+              </a:schemeClr>
+            </a:gs>
+          </a:gsLst>
+          <a:lin ang="5400000" scaled="0"/>
+        </a:gradFill>
+        <a:gradFill rotWithShape="1">
+          <a:gsLst>
+            <a:gs pos="0">
+              <a:schemeClr val="phClr">
+                <a:satMod val="103000"/>
+                <a:lumMod val="102000"/>
+                <a:tint val="94000"/>
+              </a:schemeClr>
+            </a:gs>
+            <a:gs pos="50000">
+              <a:schemeClr val="phClr">
+                <a:satMod val="110000"/>
+                <a:lumMod val="100000"/>
+                <a:shade val="100000"/>
+              </a:schemeClr>
+            </a:gs>
+            <a:gs pos="100000">
+              <a:schemeClr val="phClr">
+                <a:lumMod val="99000"/>
+                <a:satMod val="120000"/>
+                <a:shade val="78000"/>
+              </a:schemeClr>
+            </a:gs>
+          </a:gsLst>
+          <a:lin ang="5400000" scaled="0"/>
+        </a:gradFill>
+      </a:fillStyleLst>
+      <a:lnStyleLst>
+        <a:ln w="6350" cap="flat" cmpd="sng" algn="ctr">
+          <a:solidFill>
+            <a:schemeClr val="phClr"/>
+          </a:solidFill>
+          <a:prstDash val="solid"/>
+          <a:miter lim="800000"/>
+        </a:ln>
+        <a:ln w="12700" cap="flat" cmpd="sng" algn="ctr">
+          <a:solidFill>
+            <a:schemeClr val="phClr"/>
+          </a:solidFill>
+          <a:prstDash val="solid"/>
+          <a:miter lim="800000"/>
+        </a:ln>
+        <a:ln w="19050" cap="flat" cmpd="sng" algn="ctr">
+          <a:solidFill>
+            <a:schemeClr val="phClr"/>
+          </a:solidFill>
+          <a:prstDash val="solid"/>
+          <a:miter lim="800000"/>
+        </a:ln>
+      </a:lnStyleLst>
+      <a:effectStyleLst>
+        <a:effectStyle>
+          <a:effectLst/>
+        </a:effectStyle>
+        <a:effectStyle>
+          <a:effectLst/>
+        </a:effectStyle>
+        <a:effectStyle>
+          <a:effectLst>
+            <a:outerShdw blurRad="57150" dist="19050" dir="5400000" algn="ctr" rotWithShape="0">
+              <a:srgbClr val="000000">
+                <a:alpha val="63000"/>
+              </a:srgbClr>
+            </a:outerShdw>
+          </a:effectLst>
+        </a:effectStyle>
+      </a:effectStyleLst>
+      <a:bgFillStyleLst>
+        <a:solidFill>
+          <a:schemeClr val="phClr"/>
+        </a:solidFill>
+        <a:solidFill>
+          <a:schemeClr val="phClr">
+            <a:tint val="95000"/>
+            <a:satMod val="170000"/>
+          </a:schemeClr>
+        </a:solidFill>
+        <a:gradFill rotWithShape="1">
+          <a:gsLst>
+            <a:gs pos="0">
+              <a:schemeClr val="phClr">
+                <a:tint val="93000"/>
+                <a:satMod val="150000"/>
+                <a:shade val="98000"/>
+                <a:lumMod val="102000"/>
+              </a:schemeClr>
+            </a:gs>
+            <a:gs pos="50000">
+              <a:schemeClr val="phClr">
+                <a:tint val="98000"/>
+                <a:satMod val="130000"/>
+                <a:shade val="90000"/>
+                <a:lumMod val="103000"/>
+              </a:schemeClr>
+            </a:gs>
+            <a:gs pos="100000">
+              <a:schemeClr val="phClr">
+                <a:shade val="63000"/>
+                <a:satMod val="120000"/>
+              </a:schemeClr>
+            </a:gs>
+          </a:gsLst>
+          <a:lin ang="5400000" scaled="0"/>
+        </a:gradFill>
+      </a:bgFillStyleLst>
+    </a:fmtScheme>
+  </a:themeElements>
+  <a:objectDefaults/>
+  <a:extraClrSchemeLst/>
+  <a:extLst>
+    <a:ext uri="{05A4C25C-085E-4340-85A3-A5531E510DB2}">
+      <thm15:themeFamily xmlns:thm15="http://schemas.microsoft.com/office/thememl/2012/main" name="Office Theme" id="{62F939B6-93AF-4DB8-9C6B-D6C7DFDC589F}" vid="{4A3C46E8-61CC-4603-A589-7422A47A8E4A}"/>
+    </a:ext>
+  </a:extLst>
+</a:theme>
+</file>
+
+<file path=ppt/theme/theme3.xml><?xml version="1.0" encoding="utf-8"?>
 <a:theme xmlns:a="http://schemas.openxmlformats.org/drawingml/2006/main" name="Office Theme">
   <a:themeElements>
     <a:clrScheme name="Office">

--- a/units/2/lessons/5/resources/petascale-lesson-2.5-slides.pptx
+++ b/units/2/lessons/5/resources/petascale-lesson-2.5-slides.pptx
@@ -10,7 +10,7 @@
   </p:notesMasterIdLst>
   <p:sldIdLst>
     <p:sldId id="270" r:id="rId3"/>
-    <p:sldId id="271" r:id="rId4"/>
+    <p:sldId id="272" r:id="rId4"/>
     <p:sldId id="257" r:id="rId5"/>
     <p:sldId id="258" r:id="rId6"/>
     <p:sldId id="259" r:id="rId7"/>
@@ -212,7 +212,7 @@
           <a:p>
             <a:fld id="{1F9E61A1-21F8-1C4E-8714-275020CD1E84}" type="datetimeFigureOut">
               <a:rPr lang="en-US" smtClean="0"/>
-              <a:t>9/12/20</a:t>
+              <a:t>10/11/20</a:t>
             </a:fld>
             <a:endParaRPr lang="en-US"/>
           </a:p>
@@ -848,7 +848,7 @@
           <p:cNvPr id="2" name="Title 1">
             <a:extLst>
               <a:ext uri="{FF2B5EF4-FFF2-40B4-BE49-F238E27FC236}">
-                <a16:creationId xmlns:a16="http://schemas.microsoft.com/office/drawing/2014/main" xmlns="" id="{ECCD4231-516E-4F44-A17B-3F054DEC3749}"/>
+                <a16:creationId xmlns="" xmlns:a16="http://schemas.microsoft.com/office/drawing/2014/main" id="{ECCD4231-516E-4F44-A17B-3F054DEC3749}"/>
               </a:ext>
             </a:extLst>
           </p:cNvPr>
@@ -885,7 +885,7 @@
           <p:cNvPr id="3" name="Subtitle 2">
             <a:extLst>
               <a:ext uri="{FF2B5EF4-FFF2-40B4-BE49-F238E27FC236}">
-                <a16:creationId xmlns:a16="http://schemas.microsoft.com/office/drawing/2014/main" xmlns="" id="{9AAAE986-0001-8843-AA0C-EF11C02C99D5}"/>
+                <a16:creationId xmlns="" xmlns:a16="http://schemas.microsoft.com/office/drawing/2014/main" id="{9AAAE986-0001-8843-AA0C-EF11C02C99D5}"/>
               </a:ext>
             </a:extLst>
           </p:cNvPr>
@@ -955,7 +955,7 @@
           <p:cNvPr id="4" name="Date Placeholder 3">
             <a:extLst>
               <a:ext uri="{FF2B5EF4-FFF2-40B4-BE49-F238E27FC236}">
-                <a16:creationId xmlns:a16="http://schemas.microsoft.com/office/drawing/2014/main" xmlns="" id="{D9D63896-6ED9-6C46-B3B3-685E831C8A20}"/>
+                <a16:creationId xmlns="" xmlns:a16="http://schemas.microsoft.com/office/drawing/2014/main" id="{D9D63896-6ED9-6C46-B3B3-685E831C8A20}"/>
               </a:ext>
             </a:extLst>
           </p:cNvPr>
@@ -973,7 +973,7 @@
           <a:p>
             <a:fld id="{2AD54A35-3D00-9346-A90C-D5D0667B371F}" type="datetimeFigureOut">
               <a:rPr lang="en-US" smtClean="0"/>
-              <a:t>9/12/20</a:t>
+              <a:t>10/11/20</a:t>
             </a:fld>
             <a:endParaRPr lang="en-US"/>
           </a:p>
@@ -984,7 +984,7 @@
           <p:cNvPr id="5" name="Footer Placeholder 4">
             <a:extLst>
               <a:ext uri="{FF2B5EF4-FFF2-40B4-BE49-F238E27FC236}">
-                <a16:creationId xmlns:a16="http://schemas.microsoft.com/office/drawing/2014/main" xmlns="" id="{C10BB2E9-6A81-2145-B040-ED2C4437BADE}"/>
+                <a16:creationId xmlns="" xmlns:a16="http://schemas.microsoft.com/office/drawing/2014/main" id="{C10BB2E9-6A81-2145-B040-ED2C4437BADE}"/>
               </a:ext>
             </a:extLst>
           </p:cNvPr>
@@ -1009,7 +1009,7 @@
           <p:cNvPr id="6" name="Slide Number Placeholder 5">
             <a:extLst>
               <a:ext uri="{FF2B5EF4-FFF2-40B4-BE49-F238E27FC236}">
-                <a16:creationId xmlns:a16="http://schemas.microsoft.com/office/drawing/2014/main" xmlns="" id="{D98D17D2-DA72-A743-9E80-2DE7E411C371}"/>
+                <a16:creationId xmlns="" xmlns:a16="http://schemas.microsoft.com/office/drawing/2014/main" id="{D98D17D2-DA72-A743-9E80-2DE7E411C371}"/>
               </a:ext>
             </a:extLst>
           </p:cNvPr>
@@ -1068,7 +1068,7 @@
           <p:cNvPr id="2" name="Title 1">
             <a:extLst>
               <a:ext uri="{FF2B5EF4-FFF2-40B4-BE49-F238E27FC236}">
-                <a16:creationId xmlns:a16="http://schemas.microsoft.com/office/drawing/2014/main" xmlns="" id="{4A1F9254-60BE-DC42-9596-6D91A6259519}"/>
+                <a16:creationId xmlns="" xmlns:a16="http://schemas.microsoft.com/office/drawing/2014/main" id="{4A1F9254-60BE-DC42-9596-6D91A6259519}"/>
               </a:ext>
             </a:extLst>
           </p:cNvPr>
@@ -1096,7 +1096,7 @@
           <p:cNvPr id="3" name="Vertical Text Placeholder 2">
             <a:extLst>
               <a:ext uri="{FF2B5EF4-FFF2-40B4-BE49-F238E27FC236}">
-                <a16:creationId xmlns:a16="http://schemas.microsoft.com/office/drawing/2014/main" xmlns="" id="{4F14CE1F-628E-9042-9206-67E9845A0A66}"/>
+                <a16:creationId xmlns="" xmlns:a16="http://schemas.microsoft.com/office/drawing/2014/main" id="{4F14CE1F-628E-9042-9206-67E9845A0A66}"/>
               </a:ext>
             </a:extLst>
           </p:cNvPr>
@@ -1153,7 +1153,7 @@
           <p:cNvPr id="4" name="Date Placeholder 3">
             <a:extLst>
               <a:ext uri="{FF2B5EF4-FFF2-40B4-BE49-F238E27FC236}">
-                <a16:creationId xmlns:a16="http://schemas.microsoft.com/office/drawing/2014/main" xmlns="" id="{60E30384-8CEC-ED46-9688-34F619E3B67D}"/>
+                <a16:creationId xmlns="" xmlns:a16="http://schemas.microsoft.com/office/drawing/2014/main" id="{60E30384-8CEC-ED46-9688-34F619E3B67D}"/>
               </a:ext>
             </a:extLst>
           </p:cNvPr>
@@ -1171,7 +1171,7 @@
           <a:p>
             <a:fld id="{2AD54A35-3D00-9346-A90C-D5D0667B371F}" type="datetimeFigureOut">
               <a:rPr lang="en-US" smtClean="0"/>
-              <a:t>9/12/20</a:t>
+              <a:t>10/11/20</a:t>
             </a:fld>
             <a:endParaRPr lang="en-US"/>
           </a:p>
@@ -1182,7 +1182,7 @@
           <p:cNvPr id="5" name="Footer Placeholder 4">
             <a:extLst>
               <a:ext uri="{FF2B5EF4-FFF2-40B4-BE49-F238E27FC236}">
-                <a16:creationId xmlns:a16="http://schemas.microsoft.com/office/drawing/2014/main" xmlns="" id="{BE7DF76B-2F0B-2C42-9486-459AF6251F6C}"/>
+                <a16:creationId xmlns="" xmlns:a16="http://schemas.microsoft.com/office/drawing/2014/main" id="{BE7DF76B-2F0B-2C42-9486-459AF6251F6C}"/>
               </a:ext>
             </a:extLst>
           </p:cNvPr>
@@ -1207,7 +1207,7 @@
           <p:cNvPr id="6" name="Slide Number Placeholder 5">
             <a:extLst>
               <a:ext uri="{FF2B5EF4-FFF2-40B4-BE49-F238E27FC236}">
-                <a16:creationId xmlns:a16="http://schemas.microsoft.com/office/drawing/2014/main" xmlns="" id="{F21C5003-F49F-D740-A093-6378E87D40B1}"/>
+                <a16:creationId xmlns="" xmlns:a16="http://schemas.microsoft.com/office/drawing/2014/main" id="{F21C5003-F49F-D740-A093-6378E87D40B1}"/>
               </a:ext>
             </a:extLst>
           </p:cNvPr>
@@ -1266,7 +1266,7 @@
           <p:cNvPr id="2" name="Vertical Title 1">
             <a:extLst>
               <a:ext uri="{FF2B5EF4-FFF2-40B4-BE49-F238E27FC236}">
-                <a16:creationId xmlns:a16="http://schemas.microsoft.com/office/drawing/2014/main" xmlns="" id="{D868CAA1-F34C-BC48-B614-2DDE3BDD9513}"/>
+                <a16:creationId xmlns="" xmlns:a16="http://schemas.microsoft.com/office/drawing/2014/main" id="{D868CAA1-F34C-BC48-B614-2DDE3BDD9513}"/>
               </a:ext>
             </a:extLst>
           </p:cNvPr>
@@ -1299,7 +1299,7 @@
           <p:cNvPr id="3" name="Vertical Text Placeholder 2">
             <a:extLst>
               <a:ext uri="{FF2B5EF4-FFF2-40B4-BE49-F238E27FC236}">
-                <a16:creationId xmlns:a16="http://schemas.microsoft.com/office/drawing/2014/main" xmlns="" id="{055AFBE0-A990-E541-973F-DF66990A6AA2}"/>
+                <a16:creationId xmlns="" xmlns:a16="http://schemas.microsoft.com/office/drawing/2014/main" id="{055AFBE0-A990-E541-973F-DF66990A6AA2}"/>
               </a:ext>
             </a:extLst>
           </p:cNvPr>
@@ -1361,7 +1361,7 @@
           <p:cNvPr id="4" name="Date Placeholder 3">
             <a:extLst>
               <a:ext uri="{FF2B5EF4-FFF2-40B4-BE49-F238E27FC236}">
-                <a16:creationId xmlns:a16="http://schemas.microsoft.com/office/drawing/2014/main" xmlns="" id="{8FF6782F-122B-4747-91A7-9021A291FAF2}"/>
+                <a16:creationId xmlns="" xmlns:a16="http://schemas.microsoft.com/office/drawing/2014/main" id="{8FF6782F-122B-4747-91A7-9021A291FAF2}"/>
               </a:ext>
             </a:extLst>
           </p:cNvPr>
@@ -1379,7 +1379,7 @@
           <a:p>
             <a:fld id="{2AD54A35-3D00-9346-A90C-D5D0667B371F}" type="datetimeFigureOut">
               <a:rPr lang="en-US" smtClean="0"/>
-              <a:t>9/12/20</a:t>
+              <a:t>10/11/20</a:t>
             </a:fld>
             <a:endParaRPr lang="en-US"/>
           </a:p>
@@ -1390,7 +1390,7 @@
           <p:cNvPr id="5" name="Footer Placeholder 4">
             <a:extLst>
               <a:ext uri="{FF2B5EF4-FFF2-40B4-BE49-F238E27FC236}">
-                <a16:creationId xmlns:a16="http://schemas.microsoft.com/office/drawing/2014/main" xmlns="" id="{A0B635ED-E1EE-954D-80AC-28B91C53CC4B}"/>
+                <a16:creationId xmlns="" xmlns:a16="http://schemas.microsoft.com/office/drawing/2014/main" id="{A0B635ED-E1EE-954D-80AC-28B91C53CC4B}"/>
               </a:ext>
             </a:extLst>
           </p:cNvPr>
@@ -1415,7 +1415,7 @@
           <p:cNvPr id="6" name="Slide Number Placeholder 5">
             <a:extLst>
               <a:ext uri="{FF2B5EF4-FFF2-40B4-BE49-F238E27FC236}">
-                <a16:creationId xmlns:a16="http://schemas.microsoft.com/office/drawing/2014/main" xmlns="" id="{EA0DC4C0-BAF7-0547-9DBB-FCC6A512447F}"/>
+                <a16:creationId xmlns="" xmlns:a16="http://schemas.microsoft.com/office/drawing/2014/main" id="{EA0DC4C0-BAF7-0547-9DBB-FCC6A512447F}"/>
               </a:ext>
             </a:extLst>
           </p:cNvPr>
@@ -1590,7 +1590,7 @@
                 </a:solidFill>
               </a:rPr>
               <a:pPr/>
-              <a:t>9/12/20</a:t>
+              <a:t>10/11/20</a:t>
             </a:fld>
             <a:endParaRPr lang="en-US">
               <a:solidFill>
@@ -1788,7 +1788,7 @@
                 </a:solidFill>
               </a:rPr>
               <a:pPr/>
-              <a:t>9/12/20</a:t>
+              <a:t>10/11/20</a:t>
             </a:fld>
             <a:endParaRPr lang="en-US">
               <a:solidFill>
@@ -2062,7 +2062,7 @@
                 </a:solidFill>
               </a:rPr>
               <a:pPr/>
-              <a:t>9/12/20</a:t>
+              <a:t>10/11/20</a:t>
             </a:fld>
             <a:endParaRPr lang="en-US">
               <a:solidFill>
@@ -2322,7 +2322,7 @@
                 </a:solidFill>
               </a:rPr>
               <a:pPr/>
-              <a:t>9/12/20</a:t>
+              <a:t>10/11/20</a:t>
             </a:fld>
             <a:endParaRPr lang="en-US">
               <a:solidFill>
@@ -2717,7 +2717,7 @@
                 </a:solidFill>
               </a:rPr>
               <a:pPr/>
-              <a:t>9/12/20</a:t>
+              <a:t>10/11/20</a:t>
             </a:fld>
             <a:endParaRPr lang="en-US">
               <a:solidFill>
@@ -2863,7 +2863,7 @@
                 </a:solidFill>
               </a:rPr>
               <a:pPr/>
-              <a:t>9/12/20</a:t>
+              <a:t>10/11/20</a:t>
             </a:fld>
             <a:endParaRPr lang="en-US">
               <a:solidFill>
@@ -2986,7 +2986,7 @@
                 </a:solidFill>
               </a:rPr>
               <a:pPr/>
-              <a:t>9/12/20</a:t>
+              <a:t>10/11/20</a:t>
             </a:fld>
             <a:endParaRPr lang="en-US">
               <a:solidFill>
@@ -3291,7 +3291,7 @@
                 </a:solidFill>
               </a:rPr>
               <a:pPr/>
-              <a:t>9/12/20</a:t>
+              <a:t>10/11/20</a:t>
             </a:fld>
             <a:endParaRPr lang="en-US">
               <a:solidFill>
@@ -3395,7 +3395,7 @@
           <p:cNvPr id="2" name="Title 1">
             <a:extLst>
               <a:ext uri="{FF2B5EF4-FFF2-40B4-BE49-F238E27FC236}">
-                <a16:creationId xmlns:a16="http://schemas.microsoft.com/office/drawing/2014/main" xmlns="" id="{46605E52-CD93-FE48-BC96-DE9219BA47F9}"/>
+                <a16:creationId xmlns="" xmlns:a16="http://schemas.microsoft.com/office/drawing/2014/main" id="{46605E52-CD93-FE48-BC96-DE9219BA47F9}"/>
               </a:ext>
             </a:extLst>
           </p:cNvPr>
@@ -3423,7 +3423,7 @@
           <p:cNvPr id="3" name="Content Placeholder 2">
             <a:extLst>
               <a:ext uri="{FF2B5EF4-FFF2-40B4-BE49-F238E27FC236}">
-                <a16:creationId xmlns:a16="http://schemas.microsoft.com/office/drawing/2014/main" xmlns="" id="{4EAFB191-CD58-9145-9135-2CCD9780D3D5}"/>
+                <a16:creationId xmlns="" xmlns:a16="http://schemas.microsoft.com/office/drawing/2014/main" id="{4EAFB191-CD58-9145-9135-2CCD9780D3D5}"/>
               </a:ext>
             </a:extLst>
           </p:cNvPr>
@@ -3480,7 +3480,7 @@
           <p:cNvPr id="4" name="Date Placeholder 3">
             <a:extLst>
               <a:ext uri="{FF2B5EF4-FFF2-40B4-BE49-F238E27FC236}">
-                <a16:creationId xmlns:a16="http://schemas.microsoft.com/office/drawing/2014/main" xmlns="" id="{4087EA37-F36A-F34C-9E20-CDFD51DDE846}"/>
+                <a16:creationId xmlns="" xmlns:a16="http://schemas.microsoft.com/office/drawing/2014/main" id="{4087EA37-F36A-F34C-9E20-CDFD51DDE846}"/>
               </a:ext>
             </a:extLst>
           </p:cNvPr>
@@ -3498,7 +3498,7 @@
           <a:p>
             <a:fld id="{2AD54A35-3D00-9346-A90C-D5D0667B371F}" type="datetimeFigureOut">
               <a:rPr lang="en-US" smtClean="0"/>
-              <a:t>9/12/20</a:t>
+              <a:t>10/11/20</a:t>
             </a:fld>
             <a:endParaRPr lang="en-US"/>
           </a:p>
@@ -3509,7 +3509,7 @@
           <p:cNvPr id="5" name="Footer Placeholder 4">
             <a:extLst>
               <a:ext uri="{FF2B5EF4-FFF2-40B4-BE49-F238E27FC236}">
-                <a16:creationId xmlns:a16="http://schemas.microsoft.com/office/drawing/2014/main" xmlns="" id="{44E6EB55-D662-C841-8DA3-8D08408CE513}"/>
+                <a16:creationId xmlns="" xmlns:a16="http://schemas.microsoft.com/office/drawing/2014/main" id="{44E6EB55-D662-C841-8DA3-8D08408CE513}"/>
               </a:ext>
             </a:extLst>
           </p:cNvPr>
@@ -3534,7 +3534,7 @@
           <p:cNvPr id="6" name="Slide Number Placeholder 5">
             <a:extLst>
               <a:ext uri="{FF2B5EF4-FFF2-40B4-BE49-F238E27FC236}">
-                <a16:creationId xmlns:a16="http://schemas.microsoft.com/office/drawing/2014/main" xmlns="" id="{50B5AB6A-7FE4-434E-BF87-C44BFDEE6EB6}"/>
+                <a16:creationId xmlns="" xmlns:a16="http://schemas.microsoft.com/office/drawing/2014/main" id="{50B5AB6A-7FE4-434E-BF87-C44BFDEE6EB6}"/>
               </a:ext>
             </a:extLst>
           </p:cNvPr>
@@ -3770,7 +3770,7 @@
                 </a:solidFill>
               </a:rPr>
               <a:pPr/>
-              <a:t>9/12/20</a:t>
+              <a:t>10/11/20</a:t>
             </a:fld>
             <a:endParaRPr lang="en-US">
               <a:solidFill>
@@ -3968,7 +3968,7 @@
                 </a:solidFill>
               </a:rPr>
               <a:pPr/>
-              <a:t>9/12/20</a:t>
+              <a:t>10/11/20</a:t>
             </a:fld>
             <a:endParaRPr lang="en-US">
               <a:solidFill>
@@ -4176,7 +4176,7 @@
                 </a:solidFill>
               </a:rPr>
               <a:pPr/>
-              <a:t>9/12/20</a:t>
+              <a:t>10/11/20</a:t>
             </a:fld>
             <a:endParaRPr lang="en-US">
               <a:solidFill>
@@ -4280,7 +4280,7 @@
           <p:cNvPr id="2" name="Title 1">
             <a:extLst>
               <a:ext uri="{FF2B5EF4-FFF2-40B4-BE49-F238E27FC236}">
-                <a16:creationId xmlns:a16="http://schemas.microsoft.com/office/drawing/2014/main" xmlns="" id="{53F65BC1-0DC0-2C41-93FD-F8C8C50FAA84}"/>
+                <a16:creationId xmlns="" xmlns:a16="http://schemas.microsoft.com/office/drawing/2014/main" id="{53F65BC1-0DC0-2C41-93FD-F8C8C50FAA84}"/>
               </a:ext>
             </a:extLst>
           </p:cNvPr>
@@ -4317,7 +4317,7 @@
           <p:cNvPr id="3" name="Text Placeholder 2">
             <a:extLst>
               <a:ext uri="{FF2B5EF4-FFF2-40B4-BE49-F238E27FC236}">
-                <a16:creationId xmlns:a16="http://schemas.microsoft.com/office/drawing/2014/main" xmlns="" id="{6BD1B562-39D0-3744-891B-19235BBFA456}"/>
+                <a16:creationId xmlns="" xmlns:a16="http://schemas.microsoft.com/office/drawing/2014/main" id="{6BD1B562-39D0-3744-891B-19235BBFA456}"/>
               </a:ext>
             </a:extLst>
           </p:cNvPr>
@@ -4442,7 +4442,7 @@
           <p:cNvPr id="4" name="Date Placeholder 3">
             <a:extLst>
               <a:ext uri="{FF2B5EF4-FFF2-40B4-BE49-F238E27FC236}">
-                <a16:creationId xmlns:a16="http://schemas.microsoft.com/office/drawing/2014/main" xmlns="" id="{FA49440E-DCDC-3149-842E-0F66C821ADBB}"/>
+                <a16:creationId xmlns="" xmlns:a16="http://schemas.microsoft.com/office/drawing/2014/main" id="{FA49440E-DCDC-3149-842E-0F66C821ADBB}"/>
               </a:ext>
             </a:extLst>
           </p:cNvPr>
@@ -4460,7 +4460,7 @@
           <a:p>
             <a:fld id="{2AD54A35-3D00-9346-A90C-D5D0667B371F}" type="datetimeFigureOut">
               <a:rPr lang="en-US" smtClean="0"/>
-              <a:t>9/12/20</a:t>
+              <a:t>10/11/20</a:t>
             </a:fld>
             <a:endParaRPr lang="en-US"/>
           </a:p>
@@ -4471,7 +4471,7 @@
           <p:cNvPr id="5" name="Footer Placeholder 4">
             <a:extLst>
               <a:ext uri="{FF2B5EF4-FFF2-40B4-BE49-F238E27FC236}">
-                <a16:creationId xmlns:a16="http://schemas.microsoft.com/office/drawing/2014/main" xmlns="" id="{74B09CA7-E319-6D4D-BF5E-7B20922B5731}"/>
+                <a16:creationId xmlns="" xmlns:a16="http://schemas.microsoft.com/office/drawing/2014/main" id="{74B09CA7-E319-6D4D-BF5E-7B20922B5731}"/>
               </a:ext>
             </a:extLst>
           </p:cNvPr>
@@ -4496,7 +4496,7 @@
           <p:cNvPr id="6" name="Slide Number Placeholder 5">
             <a:extLst>
               <a:ext uri="{FF2B5EF4-FFF2-40B4-BE49-F238E27FC236}">
-                <a16:creationId xmlns:a16="http://schemas.microsoft.com/office/drawing/2014/main" xmlns="" id="{D0AF356E-592D-8340-B7DC-6D5B999574BC}"/>
+                <a16:creationId xmlns="" xmlns:a16="http://schemas.microsoft.com/office/drawing/2014/main" id="{D0AF356E-592D-8340-B7DC-6D5B999574BC}"/>
               </a:ext>
             </a:extLst>
           </p:cNvPr>
@@ -4555,7 +4555,7 @@
           <p:cNvPr id="2" name="Title 1">
             <a:extLst>
               <a:ext uri="{FF2B5EF4-FFF2-40B4-BE49-F238E27FC236}">
-                <a16:creationId xmlns:a16="http://schemas.microsoft.com/office/drawing/2014/main" xmlns="" id="{24A32E39-81CF-DC43-A360-EA61859400EF}"/>
+                <a16:creationId xmlns="" xmlns:a16="http://schemas.microsoft.com/office/drawing/2014/main" id="{24A32E39-81CF-DC43-A360-EA61859400EF}"/>
               </a:ext>
             </a:extLst>
           </p:cNvPr>
@@ -4583,7 +4583,7 @@
           <p:cNvPr id="3" name="Content Placeholder 2">
             <a:extLst>
               <a:ext uri="{FF2B5EF4-FFF2-40B4-BE49-F238E27FC236}">
-                <a16:creationId xmlns:a16="http://schemas.microsoft.com/office/drawing/2014/main" xmlns="" id="{AF5D43BF-31F9-3B4E-ACF9-14EABCB33ADE}"/>
+                <a16:creationId xmlns="" xmlns:a16="http://schemas.microsoft.com/office/drawing/2014/main" id="{AF5D43BF-31F9-3B4E-ACF9-14EABCB33ADE}"/>
               </a:ext>
             </a:extLst>
           </p:cNvPr>
@@ -4645,7 +4645,7 @@
           <p:cNvPr id="4" name="Content Placeholder 3">
             <a:extLst>
               <a:ext uri="{FF2B5EF4-FFF2-40B4-BE49-F238E27FC236}">
-                <a16:creationId xmlns:a16="http://schemas.microsoft.com/office/drawing/2014/main" xmlns="" id="{3A0F3FF4-521C-414F-A4F2-5476B138151F}"/>
+                <a16:creationId xmlns="" xmlns:a16="http://schemas.microsoft.com/office/drawing/2014/main" id="{3A0F3FF4-521C-414F-A4F2-5476B138151F}"/>
               </a:ext>
             </a:extLst>
           </p:cNvPr>
@@ -4707,7 +4707,7 @@
           <p:cNvPr id="5" name="Date Placeholder 4">
             <a:extLst>
               <a:ext uri="{FF2B5EF4-FFF2-40B4-BE49-F238E27FC236}">
-                <a16:creationId xmlns:a16="http://schemas.microsoft.com/office/drawing/2014/main" xmlns="" id="{6F6E7D1A-C5B3-5248-8EAF-E6E874E493AB}"/>
+                <a16:creationId xmlns="" xmlns:a16="http://schemas.microsoft.com/office/drawing/2014/main" id="{6F6E7D1A-C5B3-5248-8EAF-E6E874E493AB}"/>
               </a:ext>
             </a:extLst>
           </p:cNvPr>
@@ -4725,7 +4725,7 @@
           <a:p>
             <a:fld id="{2AD54A35-3D00-9346-A90C-D5D0667B371F}" type="datetimeFigureOut">
               <a:rPr lang="en-US" smtClean="0"/>
-              <a:t>9/12/20</a:t>
+              <a:t>10/11/20</a:t>
             </a:fld>
             <a:endParaRPr lang="en-US"/>
           </a:p>
@@ -4736,7 +4736,7 @@
           <p:cNvPr id="6" name="Footer Placeholder 5">
             <a:extLst>
               <a:ext uri="{FF2B5EF4-FFF2-40B4-BE49-F238E27FC236}">
-                <a16:creationId xmlns:a16="http://schemas.microsoft.com/office/drawing/2014/main" xmlns="" id="{98174B26-7F75-E243-818F-9A4C66B47117}"/>
+                <a16:creationId xmlns="" xmlns:a16="http://schemas.microsoft.com/office/drawing/2014/main" id="{98174B26-7F75-E243-818F-9A4C66B47117}"/>
               </a:ext>
             </a:extLst>
           </p:cNvPr>
@@ -4761,7 +4761,7 @@
           <p:cNvPr id="7" name="Slide Number Placeholder 6">
             <a:extLst>
               <a:ext uri="{FF2B5EF4-FFF2-40B4-BE49-F238E27FC236}">
-                <a16:creationId xmlns:a16="http://schemas.microsoft.com/office/drawing/2014/main" xmlns="" id="{7174E3BB-F00C-5246-A089-7AFCDFB3A46A}"/>
+                <a16:creationId xmlns="" xmlns:a16="http://schemas.microsoft.com/office/drawing/2014/main" id="{7174E3BB-F00C-5246-A089-7AFCDFB3A46A}"/>
               </a:ext>
             </a:extLst>
           </p:cNvPr>
@@ -4820,7 +4820,7 @@
           <p:cNvPr id="2" name="Title 1">
             <a:extLst>
               <a:ext uri="{FF2B5EF4-FFF2-40B4-BE49-F238E27FC236}">
-                <a16:creationId xmlns:a16="http://schemas.microsoft.com/office/drawing/2014/main" xmlns="" id="{EEF55CDB-8557-6B41-8E08-363EE40B9F4F}"/>
+                <a16:creationId xmlns="" xmlns:a16="http://schemas.microsoft.com/office/drawing/2014/main" id="{EEF55CDB-8557-6B41-8E08-363EE40B9F4F}"/>
               </a:ext>
             </a:extLst>
           </p:cNvPr>
@@ -4853,7 +4853,7 @@
           <p:cNvPr id="3" name="Text Placeholder 2">
             <a:extLst>
               <a:ext uri="{FF2B5EF4-FFF2-40B4-BE49-F238E27FC236}">
-                <a16:creationId xmlns:a16="http://schemas.microsoft.com/office/drawing/2014/main" xmlns="" id="{17AB7CA3-FDA4-1A43-8B38-05609B27E88C}"/>
+                <a16:creationId xmlns="" xmlns:a16="http://schemas.microsoft.com/office/drawing/2014/main" id="{17AB7CA3-FDA4-1A43-8B38-05609B27E88C}"/>
               </a:ext>
             </a:extLst>
           </p:cNvPr>
@@ -4924,7 +4924,7 @@
           <p:cNvPr id="4" name="Content Placeholder 3">
             <a:extLst>
               <a:ext uri="{FF2B5EF4-FFF2-40B4-BE49-F238E27FC236}">
-                <a16:creationId xmlns:a16="http://schemas.microsoft.com/office/drawing/2014/main" xmlns="" id="{B4607FF7-3258-6A4A-B616-C6C55B9D8408}"/>
+                <a16:creationId xmlns="" xmlns:a16="http://schemas.microsoft.com/office/drawing/2014/main" id="{B4607FF7-3258-6A4A-B616-C6C55B9D8408}"/>
               </a:ext>
             </a:extLst>
           </p:cNvPr>
@@ -4986,7 +4986,7 @@
           <p:cNvPr id="5" name="Text Placeholder 4">
             <a:extLst>
               <a:ext uri="{FF2B5EF4-FFF2-40B4-BE49-F238E27FC236}">
-                <a16:creationId xmlns:a16="http://schemas.microsoft.com/office/drawing/2014/main" xmlns="" id="{665FFB2E-2236-A645-96BE-56DCD9FF4BA2}"/>
+                <a16:creationId xmlns="" xmlns:a16="http://schemas.microsoft.com/office/drawing/2014/main" id="{665FFB2E-2236-A645-96BE-56DCD9FF4BA2}"/>
               </a:ext>
             </a:extLst>
           </p:cNvPr>
@@ -5057,7 +5057,7 @@
           <p:cNvPr id="6" name="Content Placeholder 5">
             <a:extLst>
               <a:ext uri="{FF2B5EF4-FFF2-40B4-BE49-F238E27FC236}">
-                <a16:creationId xmlns:a16="http://schemas.microsoft.com/office/drawing/2014/main" xmlns="" id="{C17216D8-36CA-DF47-8FC6-6745A0E729FA}"/>
+                <a16:creationId xmlns="" xmlns:a16="http://schemas.microsoft.com/office/drawing/2014/main" id="{C17216D8-36CA-DF47-8FC6-6745A0E729FA}"/>
               </a:ext>
             </a:extLst>
           </p:cNvPr>
@@ -5119,7 +5119,7 @@
           <p:cNvPr id="7" name="Date Placeholder 6">
             <a:extLst>
               <a:ext uri="{FF2B5EF4-FFF2-40B4-BE49-F238E27FC236}">
-                <a16:creationId xmlns:a16="http://schemas.microsoft.com/office/drawing/2014/main" xmlns="" id="{4A8B6918-46FB-6B43-AA86-E1E5E33935FA}"/>
+                <a16:creationId xmlns="" xmlns:a16="http://schemas.microsoft.com/office/drawing/2014/main" id="{4A8B6918-46FB-6B43-AA86-E1E5E33935FA}"/>
               </a:ext>
             </a:extLst>
           </p:cNvPr>
@@ -5137,7 +5137,7 @@
           <a:p>
             <a:fld id="{2AD54A35-3D00-9346-A90C-D5D0667B371F}" type="datetimeFigureOut">
               <a:rPr lang="en-US" smtClean="0"/>
-              <a:t>9/12/20</a:t>
+              <a:t>10/11/20</a:t>
             </a:fld>
             <a:endParaRPr lang="en-US"/>
           </a:p>
@@ -5148,7 +5148,7 @@
           <p:cNvPr id="8" name="Footer Placeholder 7">
             <a:extLst>
               <a:ext uri="{FF2B5EF4-FFF2-40B4-BE49-F238E27FC236}">
-                <a16:creationId xmlns:a16="http://schemas.microsoft.com/office/drawing/2014/main" xmlns="" id="{4BF5E58B-CA7A-9F4F-ACEC-E6358EEF62E7}"/>
+                <a16:creationId xmlns="" xmlns:a16="http://schemas.microsoft.com/office/drawing/2014/main" id="{4BF5E58B-CA7A-9F4F-ACEC-E6358EEF62E7}"/>
               </a:ext>
             </a:extLst>
           </p:cNvPr>
@@ -5173,7 +5173,7 @@
           <p:cNvPr id="9" name="Slide Number Placeholder 8">
             <a:extLst>
               <a:ext uri="{FF2B5EF4-FFF2-40B4-BE49-F238E27FC236}">
-                <a16:creationId xmlns:a16="http://schemas.microsoft.com/office/drawing/2014/main" xmlns="" id="{BE6B23CD-A1EF-5A42-B208-868C8885248C}"/>
+                <a16:creationId xmlns="" xmlns:a16="http://schemas.microsoft.com/office/drawing/2014/main" id="{BE6B23CD-A1EF-5A42-B208-868C8885248C}"/>
               </a:ext>
             </a:extLst>
           </p:cNvPr>
@@ -5232,7 +5232,7 @@
           <p:cNvPr id="2" name="Title 1">
             <a:extLst>
               <a:ext uri="{FF2B5EF4-FFF2-40B4-BE49-F238E27FC236}">
-                <a16:creationId xmlns:a16="http://schemas.microsoft.com/office/drawing/2014/main" xmlns="" id="{703F6DB2-C8F8-2B4C-A828-A4BD27053A89}"/>
+                <a16:creationId xmlns="" xmlns:a16="http://schemas.microsoft.com/office/drawing/2014/main" id="{703F6DB2-C8F8-2B4C-A828-A4BD27053A89}"/>
               </a:ext>
             </a:extLst>
           </p:cNvPr>
@@ -5260,7 +5260,7 @@
           <p:cNvPr id="3" name="Date Placeholder 2">
             <a:extLst>
               <a:ext uri="{FF2B5EF4-FFF2-40B4-BE49-F238E27FC236}">
-                <a16:creationId xmlns:a16="http://schemas.microsoft.com/office/drawing/2014/main" xmlns="" id="{F0FFA1AA-94FA-4347-A797-03D12F38E0F2}"/>
+                <a16:creationId xmlns="" xmlns:a16="http://schemas.microsoft.com/office/drawing/2014/main" id="{F0FFA1AA-94FA-4347-A797-03D12F38E0F2}"/>
               </a:ext>
             </a:extLst>
           </p:cNvPr>
@@ -5278,7 +5278,7 @@
           <a:p>
             <a:fld id="{2AD54A35-3D00-9346-A90C-D5D0667B371F}" type="datetimeFigureOut">
               <a:rPr lang="en-US" smtClean="0"/>
-              <a:t>9/12/20</a:t>
+              <a:t>10/11/20</a:t>
             </a:fld>
             <a:endParaRPr lang="en-US"/>
           </a:p>
@@ -5289,7 +5289,7 @@
           <p:cNvPr id="4" name="Footer Placeholder 3">
             <a:extLst>
               <a:ext uri="{FF2B5EF4-FFF2-40B4-BE49-F238E27FC236}">
-                <a16:creationId xmlns:a16="http://schemas.microsoft.com/office/drawing/2014/main" xmlns="" id="{CAF3498B-C124-3E48-98F2-B51D5ED7DCC5}"/>
+                <a16:creationId xmlns="" xmlns:a16="http://schemas.microsoft.com/office/drawing/2014/main" id="{CAF3498B-C124-3E48-98F2-B51D5ED7DCC5}"/>
               </a:ext>
             </a:extLst>
           </p:cNvPr>
@@ -5314,7 +5314,7 @@
           <p:cNvPr id="5" name="Slide Number Placeholder 4">
             <a:extLst>
               <a:ext uri="{FF2B5EF4-FFF2-40B4-BE49-F238E27FC236}">
-                <a16:creationId xmlns:a16="http://schemas.microsoft.com/office/drawing/2014/main" xmlns="" id="{8E35682A-FA69-6841-8535-6C9A8B33EAF4}"/>
+                <a16:creationId xmlns="" xmlns:a16="http://schemas.microsoft.com/office/drawing/2014/main" id="{8E35682A-FA69-6841-8535-6C9A8B33EAF4}"/>
               </a:ext>
             </a:extLst>
           </p:cNvPr>
@@ -5373,7 +5373,7 @@
           <p:cNvPr id="2" name="Date Placeholder 1">
             <a:extLst>
               <a:ext uri="{FF2B5EF4-FFF2-40B4-BE49-F238E27FC236}">
-                <a16:creationId xmlns:a16="http://schemas.microsoft.com/office/drawing/2014/main" xmlns="" id="{931B743E-6ED9-E148-A50A-4027C437B6B2}"/>
+                <a16:creationId xmlns="" xmlns:a16="http://schemas.microsoft.com/office/drawing/2014/main" id="{931B743E-6ED9-E148-A50A-4027C437B6B2}"/>
               </a:ext>
             </a:extLst>
           </p:cNvPr>
@@ -5391,7 +5391,7 @@
           <a:p>
             <a:fld id="{2AD54A35-3D00-9346-A90C-D5D0667B371F}" type="datetimeFigureOut">
               <a:rPr lang="en-US" smtClean="0"/>
-              <a:t>9/12/20</a:t>
+              <a:t>10/11/20</a:t>
             </a:fld>
             <a:endParaRPr lang="en-US"/>
           </a:p>
@@ -5402,7 +5402,7 @@
           <p:cNvPr id="3" name="Footer Placeholder 2">
             <a:extLst>
               <a:ext uri="{FF2B5EF4-FFF2-40B4-BE49-F238E27FC236}">
-                <a16:creationId xmlns:a16="http://schemas.microsoft.com/office/drawing/2014/main" xmlns="" id="{2EA84763-B782-994F-A6AE-AB888231FDB1}"/>
+                <a16:creationId xmlns="" xmlns:a16="http://schemas.microsoft.com/office/drawing/2014/main" id="{2EA84763-B782-994F-A6AE-AB888231FDB1}"/>
               </a:ext>
             </a:extLst>
           </p:cNvPr>
@@ -5427,7 +5427,7 @@
           <p:cNvPr id="4" name="Slide Number Placeholder 3">
             <a:extLst>
               <a:ext uri="{FF2B5EF4-FFF2-40B4-BE49-F238E27FC236}">
-                <a16:creationId xmlns:a16="http://schemas.microsoft.com/office/drawing/2014/main" xmlns="" id="{BEBBE305-122C-FB4F-9867-3C060640909F}"/>
+                <a16:creationId xmlns="" xmlns:a16="http://schemas.microsoft.com/office/drawing/2014/main" id="{BEBBE305-122C-FB4F-9867-3C060640909F}"/>
               </a:ext>
             </a:extLst>
           </p:cNvPr>
@@ -5486,7 +5486,7 @@
           <p:cNvPr id="2" name="Title 1">
             <a:extLst>
               <a:ext uri="{FF2B5EF4-FFF2-40B4-BE49-F238E27FC236}">
-                <a16:creationId xmlns:a16="http://schemas.microsoft.com/office/drawing/2014/main" xmlns="" id="{B6EF527D-308B-6B43-A7F4-41D7724527E8}"/>
+                <a16:creationId xmlns="" xmlns:a16="http://schemas.microsoft.com/office/drawing/2014/main" id="{B6EF527D-308B-6B43-A7F4-41D7724527E8}"/>
               </a:ext>
             </a:extLst>
           </p:cNvPr>
@@ -5523,7 +5523,7 @@
           <p:cNvPr id="3" name="Content Placeholder 2">
             <a:extLst>
               <a:ext uri="{FF2B5EF4-FFF2-40B4-BE49-F238E27FC236}">
-                <a16:creationId xmlns:a16="http://schemas.microsoft.com/office/drawing/2014/main" xmlns="" id="{2AB6D04B-009F-5F45-8F98-2B285CC51C3C}"/>
+                <a16:creationId xmlns="" xmlns:a16="http://schemas.microsoft.com/office/drawing/2014/main" id="{2AB6D04B-009F-5F45-8F98-2B285CC51C3C}"/>
               </a:ext>
             </a:extLst>
           </p:cNvPr>
@@ -5613,7 +5613,7 @@
           <p:cNvPr id="4" name="Text Placeholder 3">
             <a:extLst>
               <a:ext uri="{FF2B5EF4-FFF2-40B4-BE49-F238E27FC236}">
-                <a16:creationId xmlns:a16="http://schemas.microsoft.com/office/drawing/2014/main" xmlns="" id="{501FC7AE-E107-5843-BD44-CA2602BF00E7}"/>
+                <a16:creationId xmlns="" xmlns:a16="http://schemas.microsoft.com/office/drawing/2014/main" id="{501FC7AE-E107-5843-BD44-CA2602BF00E7}"/>
               </a:ext>
             </a:extLst>
           </p:cNvPr>
@@ -5684,7 +5684,7 @@
           <p:cNvPr id="5" name="Date Placeholder 4">
             <a:extLst>
               <a:ext uri="{FF2B5EF4-FFF2-40B4-BE49-F238E27FC236}">
-                <a16:creationId xmlns:a16="http://schemas.microsoft.com/office/drawing/2014/main" xmlns="" id="{1DC3D721-7195-024D-9BB4-2ECA2A488268}"/>
+                <a16:creationId xmlns="" xmlns:a16="http://schemas.microsoft.com/office/drawing/2014/main" id="{1DC3D721-7195-024D-9BB4-2ECA2A488268}"/>
               </a:ext>
             </a:extLst>
           </p:cNvPr>
@@ -5702,7 +5702,7 @@
           <a:p>
             <a:fld id="{2AD54A35-3D00-9346-A90C-D5D0667B371F}" type="datetimeFigureOut">
               <a:rPr lang="en-US" smtClean="0"/>
-              <a:t>9/12/20</a:t>
+              <a:t>10/11/20</a:t>
             </a:fld>
             <a:endParaRPr lang="en-US"/>
           </a:p>
@@ -5713,7 +5713,7 @@
           <p:cNvPr id="6" name="Footer Placeholder 5">
             <a:extLst>
               <a:ext uri="{FF2B5EF4-FFF2-40B4-BE49-F238E27FC236}">
-                <a16:creationId xmlns:a16="http://schemas.microsoft.com/office/drawing/2014/main" xmlns="" id="{03A3E2D8-698C-AB43-9C55-7C9293F9F978}"/>
+                <a16:creationId xmlns="" xmlns:a16="http://schemas.microsoft.com/office/drawing/2014/main" id="{03A3E2D8-698C-AB43-9C55-7C9293F9F978}"/>
               </a:ext>
             </a:extLst>
           </p:cNvPr>
@@ -5738,7 +5738,7 @@
           <p:cNvPr id="7" name="Slide Number Placeholder 6">
             <a:extLst>
               <a:ext uri="{FF2B5EF4-FFF2-40B4-BE49-F238E27FC236}">
-                <a16:creationId xmlns:a16="http://schemas.microsoft.com/office/drawing/2014/main" xmlns="" id="{AC334DCD-F82A-5640-A628-737954C6E93F}"/>
+                <a16:creationId xmlns="" xmlns:a16="http://schemas.microsoft.com/office/drawing/2014/main" id="{AC334DCD-F82A-5640-A628-737954C6E93F}"/>
               </a:ext>
             </a:extLst>
           </p:cNvPr>
@@ -5797,7 +5797,7 @@
           <p:cNvPr id="2" name="Title 1">
             <a:extLst>
               <a:ext uri="{FF2B5EF4-FFF2-40B4-BE49-F238E27FC236}">
-                <a16:creationId xmlns:a16="http://schemas.microsoft.com/office/drawing/2014/main" xmlns="" id="{A8930BAB-3FA9-0D45-8D32-F13C96BE17D1}"/>
+                <a16:creationId xmlns="" xmlns:a16="http://schemas.microsoft.com/office/drawing/2014/main" id="{A8930BAB-3FA9-0D45-8D32-F13C96BE17D1}"/>
               </a:ext>
             </a:extLst>
           </p:cNvPr>
@@ -5834,7 +5834,7 @@
           <p:cNvPr id="3" name="Picture Placeholder 2">
             <a:extLst>
               <a:ext uri="{FF2B5EF4-FFF2-40B4-BE49-F238E27FC236}">
-                <a16:creationId xmlns:a16="http://schemas.microsoft.com/office/drawing/2014/main" xmlns="" id="{7B2582F8-2B8F-6348-822D-D3E251316097}"/>
+                <a16:creationId xmlns="" xmlns:a16="http://schemas.microsoft.com/office/drawing/2014/main" id="{7B2582F8-2B8F-6348-822D-D3E251316097}"/>
               </a:ext>
             </a:extLst>
           </p:cNvPr>
@@ -5901,7 +5901,7 @@
           <p:cNvPr id="4" name="Text Placeholder 3">
             <a:extLst>
               <a:ext uri="{FF2B5EF4-FFF2-40B4-BE49-F238E27FC236}">
-                <a16:creationId xmlns:a16="http://schemas.microsoft.com/office/drawing/2014/main" xmlns="" id="{0EF7D9B5-55BD-904F-AC49-F3885E0BE60A}"/>
+                <a16:creationId xmlns="" xmlns:a16="http://schemas.microsoft.com/office/drawing/2014/main" id="{0EF7D9B5-55BD-904F-AC49-F3885E0BE60A}"/>
               </a:ext>
             </a:extLst>
           </p:cNvPr>
@@ -5972,7 +5972,7 @@
           <p:cNvPr id="5" name="Date Placeholder 4">
             <a:extLst>
               <a:ext uri="{FF2B5EF4-FFF2-40B4-BE49-F238E27FC236}">
-                <a16:creationId xmlns:a16="http://schemas.microsoft.com/office/drawing/2014/main" xmlns="" id="{DE65F069-D268-F045-835A-634C9A4493B6}"/>
+                <a16:creationId xmlns="" xmlns:a16="http://schemas.microsoft.com/office/drawing/2014/main" id="{DE65F069-D268-F045-835A-634C9A4493B6}"/>
               </a:ext>
             </a:extLst>
           </p:cNvPr>
@@ -5990,7 +5990,7 @@
           <a:p>
             <a:fld id="{2AD54A35-3D00-9346-A90C-D5D0667B371F}" type="datetimeFigureOut">
               <a:rPr lang="en-US" smtClean="0"/>
-              <a:t>9/12/20</a:t>
+              <a:t>10/11/20</a:t>
             </a:fld>
             <a:endParaRPr lang="en-US"/>
           </a:p>
@@ -6001,7 +6001,7 @@
           <p:cNvPr id="6" name="Footer Placeholder 5">
             <a:extLst>
               <a:ext uri="{FF2B5EF4-FFF2-40B4-BE49-F238E27FC236}">
-                <a16:creationId xmlns:a16="http://schemas.microsoft.com/office/drawing/2014/main" xmlns="" id="{E52DE5EE-4E26-394A-9C40-BDB87F678B74}"/>
+                <a16:creationId xmlns="" xmlns:a16="http://schemas.microsoft.com/office/drawing/2014/main" id="{E52DE5EE-4E26-394A-9C40-BDB87F678B74}"/>
               </a:ext>
             </a:extLst>
           </p:cNvPr>
@@ -6026,7 +6026,7 @@
           <p:cNvPr id="7" name="Slide Number Placeholder 6">
             <a:extLst>
               <a:ext uri="{FF2B5EF4-FFF2-40B4-BE49-F238E27FC236}">
-                <a16:creationId xmlns:a16="http://schemas.microsoft.com/office/drawing/2014/main" xmlns="" id="{5B801774-5FD1-A54F-ABD3-160F69F1E530}"/>
+                <a16:creationId xmlns="" xmlns:a16="http://schemas.microsoft.com/office/drawing/2014/main" id="{5B801774-5FD1-A54F-ABD3-160F69F1E530}"/>
               </a:ext>
             </a:extLst>
           </p:cNvPr>
@@ -6090,7 +6090,7 @@
           <p:cNvPr id="2" name="Title Placeholder 1">
             <a:extLst>
               <a:ext uri="{FF2B5EF4-FFF2-40B4-BE49-F238E27FC236}">
-                <a16:creationId xmlns:a16="http://schemas.microsoft.com/office/drawing/2014/main" xmlns="" id="{143A8776-B071-7F4C-80CB-8A4F87A49404}"/>
+                <a16:creationId xmlns="" xmlns:a16="http://schemas.microsoft.com/office/drawing/2014/main" id="{143A8776-B071-7F4C-80CB-8A4F87A49404}"/>
               </a:ext>
             </a:extLst>
           </p:cNvPr>
@@ -6128,7 +6128,7 @@
           <p:cNvPr id="3" name="Text Placeholder 2">
             <a:extLst>
               <a:ext uri="{FF2B5EF4-FFF2-40B4-BE49-F238E27FC236}">
-                <a16:creationId xmlns:a16="http://schemas.microsoft.com/office/drawing/2014/main" xmlns="" id="{576995E7-0CA4-244E-813F-ADBFA2B982BC}"/>
+                <a16:creationId xmlns="" xmlns:a16="http://schemas.microsoft.com/office/drawing/2014/main" id="{576995E7-0CA4-244E-813F-ADBFA2B982BC}"/>
               </a:ext>
             </a:extLst>
           </p:cNvPr>
@@ -6195,7 +6195,7 @@
           <p:cNvPr id="4" name="Date Placeholder 3">
             <a:extLst>
               <a:ext uri="{FF2B5EF4-FFF2-40B4-BE49-F238E27FC236}">
-                <a16:creationId xmlns:a16="http://schemas.microsoft.com/office/drawing/2014/main" xmlns="" id="{2FA1158F-6BA5-1843-89D0-B1D7E4B651D8}"/>
+                <a16:creationId xmlns="" xmlns:a16="http://schemas.microsoft.com/office/drawing/2014/main" id="{2FA1158F-6BA5-1843-89D0-B1D7E4B651D8}"/>
               </a:ext>
             </a:extLst>
           </p:cNvPr>
@@ -6231,7 +6231,7 @@
           <a:p>
             <a:fld id="{2AD54A35-3D00-9346-A90C-D5D0667B371F}" type="datetimeFigureOut">
               <a:rPr lang="en-US" smtClean="0"/>
-              <a:t>9/12/20</a:t>
+              <a:t>10/11/20</a:t>
             </a:fld>
             <a:endParaRPr lang="en-US"/>
           </a:p>
@@ -6242,7 +6242,7 @@
           <p:cNvPr id="5" name="Footer Placeholder 4">
             <a:extLst>
               <a:ext uri="{FF2B5EF4-FFF2-40B4-BE49-F238E27FC236}">
-                <a16:creationId xmlns:a16="http://schemas.microsoft.com/office/drawing/2014/main" xmlns="" id="{2635DD9C-A3B9-F749-977D-B98ED384D58A}"/>
+                <a16:creationId xmlns="" xmlns:a16="http://schemas.microsoft.com/office/drawing/2014/main" id="{2635DD9C-A3B9-F749-977D-B98ED384D58A}"/>
               </a:ext>
             </a:extLst>
           </p:cNvPr>
@@ -6285,7 +6285,7 @@
           <p:cNvPr id="6" name="Slide Number Placeholder 5">
             <a:extLst>
               <a:ext uri="{FF2B5EF4-FFF2-40B4-BE49-F238E27FC236}">
-                <a16:creationId xmlns:a16="http://schemas.microsoft.com/office/drawing/2014/main" xmlns="" id="{296A0EB5-132D-F04D-8265-B55F7C455D20}"/>
+                <a16:creationId xmlns="" xmlns:a16="http://schemas.microsoft.com/office/drawing/2014/main" id="{296A0EB5-132D-F04D-8265-B55F7C455D20}"/>
               </a:ext>
             </a:extLst>
           </p:cNvPr>
@@ -6791,7 +6791,7 @@
                 <a:sym typeface="Arial"/>
               </a:rPr>
               <a:pPr/>
-              <a:t>9/12/20</a:t>
+              <a:t>10/11/20</a:t>
             </a:fld>
             <a:endParaRPr lang="en-US">
               <a:solidFill>
@@ -7258,15 +7258,7 @@
                 <a:ea typeface="Times New Roman" charset="0"/>
                 <a:cs typeface="Times New Roman" charset="0"/>
               </a:rPr>
-              <a:t>Blue Waters Petascale</a:t>
-            </a:r>
-            <a:r>
-              <a:rPr lang="en-US" sz="3600" b="1" dirty="0">
-                <a:latin typeface="Times New Roman" charset="0"/>
-                <a:ea typeface="Times New Roman" charset="0"/>
-                <a:cs typeface="Times New Roman" charset="0"/>
-              </a:rPr>
-              <a:t> Semester Curriculum v1.0</a:t>
+              <a:t>Blue Waters Petascale Semester Curriculum v1.0</a:t>
             </a:r>
             <a:r>
               <a:rPr lang="en-US" sz="3600" dirty="0">
@@ -7289,15 +7281,7 @@
                 <a:ea typeface="Times New Roman" charset="0"/>
                 <a:cs typeface="Times New Roman" charset="0"/>
               </a:rPr>
-              <a:t>Unit 2</a:t>
-            </a:r>
-            <a:r>
-              <a:rPr lang="en-US" sz="3600" b="1" dirty="0">
-                <a:latin typeface="Times New Roman" charset="0"/>
-                <a:ea typeface="Times New Roman" charset="0"/>
-                <a:cs typeface="Times New Roman" charset="0"/>
-              </a:rPr>
-              <a:t>: Parallel Computing Concepts</a:t>
+              <a:t>Unit 2: Parallel Computing Concepts</a:t>
             </a:r>
             <a:r>
               <a:rPr lang="en-US" sz="3600" dirty="0">
@@ -7399,11 +7383,6 @@
               </a:rPr>
               <a:t>for the Shodor Education Foundation, Inc.</a:t>
             </a:r>
-            <a:endParaRPr lang="en-US" sz="3600" i="1" dirty="0">
-              <a:latin typeface="Times New Roman" charset="0"/>
-              <a:ea typeface="Times New Roman" charset="0"/>
-              <a:cs typeface="Times New Roman" charset="0"/>
-            </a:endParaRPr>
           </a:p>
         </p:txBody>
       </p:sp>
@@ -7442,7 +7421,7 @@
           <p:cNvPr id="2" name="Title 1">
             <a:extLst>
               <a:ext uri="{FF2B5EF4-FFF2-40B4-BE49-F238E27FC236}">
-                <a16:creationId xmlns:a16="http://schemas.microsoft.com/office/drawing/2014/main" xmlns="" id="{358DD9C9-8F33-7E4A-BB20-4A3F6AD77B5D}"/>
+                <a16:creationId xmlns="" xmlns:a16="http://schemas.microsoft.com/office/drawing/2014/main" id="{358DD9C9-8F33-7E4A-BB20-4A3F6AD77B5D}"/>
               </a:ext>
             </a:extLst>
           </p:cNvPr>
@@ -7470,7 +7449,7 @@
           <p:cNvPr id="9" name="Content Placeholder 8">
             <a:extLst>
               <a:ext uri="{FF2B5EF4-FFF2-40B4-BE49-F238E27FC236}">
-                <a16:creationId xmlns:a16="http://schemas.microsoft.com/office/drawing/2014/main" xmlns="" id="{F810C112-AE3F-A641-BC01-FA48DBAF9144}"/>
+                <a16:creationId xmlns="" xmlns:a16="http://schemas.microsoft.com/office/drawing/2014/main" id="{F810C112-AE3F-A641-BC01-FA48DBAF9144}"/>
               </a:ext>
             </a:extLst>
           </p:cNvPr>
@@ -7630,7 +7609,7 @@
           <p:cNvPr id="2" name="Title 1">
             <a:extLst>
               <a:ext uri="{FF2B5EF4-FFF2-40B4-BE49-F238E27FC236}">
-                <a16:creationId xmlns:a16="http://schemas.microsoft.com/office/drawing/2014/main" xmlns="" id="{9FB9BB7C-52A8-154E-8E15-F777238E86FE}"/>
+                <a16:creationId xmlns="" xmlns:a16="http://schemas.microsoft.com/office/drawing/2014/main" id="{9FB9BB7C-52A8-154E-8E15-F777238E86FE}"/>
               </a:ext>
             </a:extLst>
           </p:cNvPr>
@@ -7658,7 +7637,7 @@
           <p:cNvPr id="3" name="Content Placeholder 2">
             <a:extLst>
               <a:ext uri="{FF2B5EF4-FFF2-40B4-BE49-F238E27FC236}">
-                <a16:creationId xmlns:a16="http://schemas.microsoft.com/office/drawing/2014/main" xmlns="" id="{BDC8DC68-BF5E-6A4F-A33F-EFD052CFD7DA}"/>
+                <a16:creationId xmlns="" xmlns:a16="http://schemas.microsoft.com/office/drawing/2014/main" id="{BDC8DC68-BF5E-6A4F-A33F-EFD052CFD7DA}"/>
               </a:ext>
             </a:extLst>
           </p:cNvPr>
@@ -7764,7 +7743,7 @@
           <p:cNvPr id="2" name="Title 1">
             <a:extLst>
               <a:ext uri="{FF2B5EF4-FFF2-40B4-BE49-F238E27FC236}">
-                <a16:creationId xmlns:a16="http://schemas.microsoft.com/office/drawing/2014/main" xmlns="" id="{70498598-EC03-7B4A-93A2-F271F535EB18}"/>
+                <a16:creationId xmlns="" xmlns:a16="http://schemas.microsoft.com/office/drawing/2014/main" id="{70498598-EC03-7B4A-93A2-F271F535EB18}"/>
               </a:ext>
             </a:extLst>
           </p:cNvPr>
@@ -7792,7 +7771,7 @@
           <p:cNvPr id="3" name="Content Placeholder 2">
             <a:extLst>
               <a:ext uri="{FF2B5EF4-FFF2-40B4-BE49-F238E27FC236}">
-                <a16:creationId xmlns:a16="http://schemas.microsoft.com/office/drawing/2014/main" xmlns="" id="{8B9C86E3-CE2D-0345-BE91-0265ECE10E7D}"/>
+                <a16:creationId xmlns="" xmlns:a16="http://schemas.microsoft.com/office/drawing/2014/main" id="{8B9C86E3-CE2D-0345-BE91-0265ECE10E7D}"/>
               </a:ext>
             </a:extLst>
           </p:cNvPr>
@@ -7904,7 +7883,7 @@
           <p:cNvPr id="2" name="Title 1">
             <a:extLst>
               <a:ext uri="{FF2B5EF4-FFF2-40B4-BE49-F238E27FC236}">
-                <a16:creationId xmlns:a16="http://schemas.microsoft.com/office/drawing/2014/main" xmlns="" id="{358DD9C9-8F33-7E4A-BB20-4A3F6AD77B5D}"/>
+                <a16:creationId xmlns="" xmlns:a16="http://schemas.microsoft.com/office/drawing/2014/main" id="{358DD9C9-8F33-7E4A-BB20-4A3F6AD77B5D}"/>
               </a:ext>
             </a:extLst>
           </p:cNvPr>
@@ -7932,7 +7911,7 @@
           <p:cNvPr id="6" name="Text Placeholder 5">
             <a:extLst>
               <a:ext uri="{FF2B5EF4-FFF2-40B4-BE49-F238E27FC236}">
-                <a16:creationId xmlns:a16="http://schemas.microsoft.com/office/drawing/2014/main" xmlns="" id="{33DE313B-952F-1E4C-AE6C-DE987F56F535}"/>
+                <a16:creationId xmlns="" xmlns:a16="http://schemas.microsoft.com/office/drawing/2014/main" id="{33DE313B-952F-1E4C-AE6C-DE987F56F535}"/>
               </a:ext>
             </a:extLst>
           </p:cNvPr>
@@ -7962,7 +7941,7 @@
           <p:cNvPr id="8" name="Text Placeholder 7">
             <a:extLst>
               <a:ext uri="{FF2B5EF4-FFF2-40B4-BE49-F238E27FC236}">
-                <a16:creationId xmlns:a16="http://schemas.microsoft.com/office/drawing/2014/main" xmlns="" id="{C537B1CD-2687-A74D-9CB8-34E12374C3FC}"/>
+                <a16:creationId xmlns="" xmlns:a16="http://schemas.microsoft.com/office/drawing/2014/main" id="{C537B1CD-2687-A74D-9CB8-34E12374C3FC}"/>
               </a:ext>
             </a:extLst>
           </p:cNvPr>
@@ -7992,7 +7971,7 @@
           <p:cNvPr id="10" name="Rectangle 9">
             <a:extLst>
               <a:ext uri="{FF2B5EF4-FFF2-40B4-BE49-F238E27FC236}">
-                <a16:creationId xmlns:a16="http://schemas.microsoft.com/office/drawing/2014/main" xmlns="" id="{D3256648-E5B4-7A4E-80CC-2D668B6CD5D2}"/>
+                <a16:creationId xmlns="" xmlns:a16="http://schemas.microsoft.com/office/drawing/2014/main" id="{D3256648-E5B4-7A4E-80CC-2D668B6CD5D2}"/>
               </a:ext>
             </a:extLst>
           </p:cNvPr>
@@ -8041,7 +8020,7 @@
           <p:cNvPr id="11" name="Rectangle 10">
             <a:extLst>
               <a:ext uri="{FF2B5EF4-FFF2-40B4-BE49-F238E27FC236}">
-                <a16:creationId xmlns:a16="http://schemas.microsoft.com/office/drawing/2014/main" xmlns="" id="{3815DE27-3230-0745-A0A7-FD0479EE2681}"/>
+                <a16:creationId xmlns="" xmlns:a16="http://schemas.microsoft.com/office/drawing/2014/main" id="{3815DE27-3230-0745-A0A7-FD0479EE2681}"/>
               </a:ext>
             </a:extLst>
           </p:cNvPr>
@@ -8090,7 +8069,7 @@
           <p:cNvPr id="13" name="TextBox 12">
             <a:extLst>
               <a:ext uri="{FF2B5EF4-FFF2-40B4-BE49-F238E27FC236}">
-                <a16:creationId xmlns:a16="http://schemas.microsoft.com/office/drawing/2014/main" xmlns="" id="{42FD6980-3EDE-2847-8349-F1AA40313C00}"/>
+                <a16:creationId xmlns="" xmlns:a16="http://schemas.microsoft.com/office/drawing/2014/main" id="{42FD6980-3EDE-2847-8349-F1AA40313C00}"/>
               </a:ext>
             </a:extLst>
           </p:cNvPr>
@@ -8126,7 +8105,7 @@
           <p:cNvPr id="15" name="Straight Connector 14">
             <a:extLst>
               <a:ext uri="{FF2B5EF4-FFF2-40B4-BE49-F238E27FC236}">
-                <a16:creationId xmlns:a16="http://schemas.microsoft.com/office/drawing/2014/main" xmlns="" id="{F1D691CA-1D10-634D-BF35-A6485C7982FF}"/>
+                <a16:creationId xmlns="" xmlns:a16="http://schemas.microsoft.com/office/drawing/2014/main" id="{F1D691CA-1D10-634D-BF35-A6485C7982FF}"/>
               </a:ext>
             </a:extLst>
           </p:cNvPr>
@@ -8170,7 +8149,7 @@
           <p:cNvPr id="16" name="Rectangle 15">
             <a:extLst>
               <a:ext uri="{FF2B5EF4-FFF2-40B4-BE49-F238E27FC236}">
-                <a16:creationId xmlns:a16="http://schemas.microsoft.com/office/drawing/2014/main" xmlns="" id="{77CD1CDC-491B-0D4C-AAFB-2E8EA3282914}"/>
+                <a16:creationId xmlns="" xmlns:a16="http://schemas.microsoft.com/office/drawing/2014/main" id="{77CD1CDC-491B-0D4C-AAFB-2E8EA3282914}"/>
               </a:ext>
             </a:extLst>
           </p:cNvPr>
@@ -8219,7 +8198,7 @@
           <p:cNvPr id="17" name="Rectangle 16">
             <a:extLst>
               <a:ext uri="{FF2B5EF4-FFF2-40B4-BE49-F238E27FC236}">
-                <a16:creationId xmlns:a16="http://schemas.microsoft.com/office/drawing/2014/main" xmlns="" id="{234663B7-ACA3-DD4B-8C70-90B4123D86D5}"/>
+                <a16:creationId xmlns="" xmlns:a16="http://schemas.microsoft.com/office/drawing/2014/main" id="{234663B7-ACA3-DD4B-8C70-90B4123D86D5}"/>
               </a:ext>
             </a:extLst>
           </p:cNvPr>
@@ -8268,7 +8247,7 @@
           <p:cNvPr id="23" name="Curved Connector 22">
             <a:extLst>
               <a:ext uri="{FF2B5EF4-FFF2-40B4-BE49-F238E27FC236}">
-                <a16:creationId xmlns:a16="http://schemas.microsoft.com/office/drawing/2014/main" xmlns="" id="{B12187BD-7BCE-E54A-AE76-8C910DB1A41D}"/>
+                <a16:creationId xmlns="" xmlns:a16="http://schemas.microsoft.com/office/drawing/2014/main" id="{B12187BD-7BCE-E54A-AE76-8C910DB1A41D}"/>
               </a:ext>
             </a:extLst>
           </p:cNvPr>
@@ -8313,7 +8292,7 @@
           <p:cNvPr id="25" name="Rectangle 24">
             <a:extLst>
               <a:ext uri="{FF2B5EF4-FFF2-40B4-BE49-F238E27FC236}">
-                <a16:creationId xmlns:a16="http://schemas.microsoft.com/office/drawing/2014/main" xmlns="" id="{04A1F68B-8FD7-2A40-9A6F-5EC96778ABA3}"/>
+                <a16:creationId xmlns="" xmlns:a16="http://schemas.microsoft.com/office/drawing/2014/main" id="{04A1F68B-8FD7-2A40-9A6F-5EC96778ABA3}"/>
               </a:ext>
             </a:extLst>
           </p:cNvPr>
@@ -8362,7 +8341,7 @@
           <p:cNvPr id="27" name="Rectangle 26">
             <a:extLst>
               <a:ext uri="{FF2B5EF4-FFF2-40B4-BE49-F238E27FC236}">
-                <a16:creationId xmlns:a16="http://schemas.microsoft.com/office/drawing/2014/main" xmlns="" id="{1320079D-53A3-B14C-A832-AD503BF156C5}"/>
+                <a16:creationId xmlns="" xmlns:a16="http://schemas.microsoft.com/office/drawing/2014/main" id="{1320079D-53A3-B14C-A832-AD503BF156C5}"/>
               </a:ext>
             </a:extLst>
           </p:cNvPr>
@@ -8411,7 +8390,7 @@
           <p:cNvPr id="28" name="Curved Connector 27">
             <a:extLst>
               <a:ext uri="{FF2B5EF4-FFF2-40B4-BE49-F238E27FC236}">
-                <a16:creationId xmlns:a16="http://schemas.microsoft.com/office/drawing/2014/main" xmlns="" id="{5B628F0E-A965-964F-B388-0AA841F54F35}"/>
+                <a16:creationId xmlns="" xmlns:a16="http://schemas.microsoft.com/office/drawing/2014/main" id="{5B628F0E-A965-964F-B388-0AA841F54F35}"/>
               </a:ext>
             </a:extLst>
           </p:cNvPr>
@@ -8457,7 +8436,7 @@
           <p:cNvPr id="31" name="Curved Connector 30">
             <a:extLst>
               <a:ext uri="{FF2B5EF4-FFF2-40B4-BE49-F238E27FC236}">
-                <a16:creationId xmlns:a16="http://schemas.microsoft.com/office/drawing/2014/main" xmlns="" id="{D6223184-A810-8C4E-8DD6-BDE3F8857DAF}"/>
+                <a16:creationId xmlns="" xmlns:a16="http://schemas.microsoft.com/office/drawing/2014/main" id="{D6223184-A810-8C4E-8DD6-BDE3F8857DAF}"/>
               </a:ext>
             </a:extLst>
           </p:cNvPr>
@@ -8503,7 +8482,7 @@
           <p:cNvPr id="34" name="Curved Connector 33">
             <a:extLst>
               <a:ext uri="{FF2B5EF4-FFF2-40B4-BE49-F238E27FC236}">
-                <a16:creationId xmlns:a16="http://schemas.microsoft.com/office/drawing/2014/main" xmlns="" id="{5FAAE7BA-4D42-A645-BEF3-2E796B982B4F}"/>
+                <a16:creationId xmlns="" xmlns:a16="http://schemas.microsoft.com/office/drawing/2014/main" id="{5FAAE7BA-4D42-A645-BEF3-2E796B982B4F}"/>
               </a:ext>
             </a:extLst>
           </p:cNvPr>
@@ -8549,7 +8528,7 @@
           <p:cNvPr id="3" name="TextBox 2">
             <a:extLst>
               <a:ext uri="{FF2B5EF4-FFF2-40B4-BE49-F238E27FC236}">
-                <a16:creationId xmlns:a16="http://schemas.microsoft.com/office/drawing/2014/main" xmlns="" id="{50CDAB78-B049-7743-B9D3-9C36809A8836}"/>
+                <a16:creationId xmlns="" xmlns:a16="http://schemas.microsoft.com/office/drawing/2014/main" id="{50CDAB78-B049-7743-B9D3-9C36809A8836}"/>
               </a:ext>
             </a:extLst>
           </p:cNvPr>
@@ -8584,7 +8563,7 @@
           <p:cNvPr id="4" name="TextBox 3">
             <a:extLst>
               <a:ext uri="{FF2B5EF4-FFF2-40B4-BE49-F238E27FC236}">
-                <a16:creationId xmlns:a16="http://schemas.microsoft.com/office/drawing/2014/main" xmlns="" id="{F78FF2AD-57E1-E248-A20B-3BE3D5EC5860}"/>
+                <a16:creationId xmlns="" xmlns:a16="http://schemas.microsoft.com/office/drawing/2014/main" id="{F78FF2AD-57E1-E248-A20B-3BE3D5EC5860}"/>
               </a:ext>
             </a:extLst>
           </p:cNvPr>
@@ -8623,7 +8602,7 @@
           <p:cNvPr id="19" name="TextBox 18">
             <a:extLst>
               <a:ext uri="{FF2B5EF4-FFF2-40B4-BE49-F238E27FC236}">
-                <a16:creationId xmlns:a16="http://schemas.microsoft.com/office/drawing/2014/main" xmlns="" id="{4209A6ED-466C-9647-B3A0-E8BD8D217464}"/>
+                <a16:creationId xmlns="" xmlns:a16="http://schemas.microsoft.com/office/drawing/2014/main" id="{4209A6ED-466C-9647-B3A0-E8BD8D217464}"/>
               </a:ext>
             </a:extLst>
           </p:cNvPr>
@@ -8662,7 +8641,7 @@
           <p:cNvPr id="20" name="TextBox 19">
             <a:extLst>
               <a:ext uri="{FF2B5EF4-FFF2-40B4-BE49-F238E27FC236}">
-                <a16:creationId xmlns:a16="http://schemas.microsoft.com/office/drawing/2014/main" xmlns="" id="{EC1CD3D3-FF03-CA40-9B5A-80F34E8C2740}"/>
+                <a16:creationId xmlns="" xmlns:a16="http://schemas.microsoft.com/office/drawing/2014/main" id="{EC1CD3D3-FF03-CA40-9B5A-80F34E8C2740}"/>
               </a:ext>
             </a:extLst>
           </p:cNvPr>
@@ -8701,7 +8680,7 @@
           <p:cNvPr id="21" name="TextBox 20">
             <a:extLst>
               <a:ext uri="{FF2B5EF4-FFF2-40B4-BE49-F238E27FC236}">
-                <a16:creationId xmlns:a16="http://schemas.microsoft.com/office/drawing/2014/main" xmlns="" id="{B4875DD3-C45D-DD40-AB89-C85DB852A973}"/>
+                <a16:creationId xmlns="" xmlns:a16="http://schemas.microsoft.com/office/drawing/2014/main" id="{B4875DD3-C45D-DD40-AB89-C85DB852A973}"/>
               </a:ext>
             </a:extLst>
           </p:cNvPr>
@@ -8766,7 +8745,7 @@
           <p:cNvPr id="7" name="Title 6">
             <a:extLst>
               <a:ext uri="{FF2B5EF4-FFF2-40B4-BE49-F238E27FC236}">
-                <a16:creationId xmlns:a16="http://schemas.microsoft.com/office/drawing/2014/main" xmlns="" id="{95650F7F-5448-8A4F-8104-405858E21911}"/>
+                <a16:creationId xmlns="" xmlns:a16="http://schemas.microsoft.com/office/drawing/2014/main" id="{95650F7F-5448-8A4F-8104-405858E21911}"/>
               </a:ext>
             </a:extLst>
           </p:cNvPr>
@@ -8794,7 +8773,7 @@
           <p:cNvPr id="8" name="Content Placeholder 7">
             <a:extLst>
               <a:ext uri="{FF2B5EF4-FFF2-40B4-BE49-F238E27FC236}">
-                <a16:creationId xmlns:a16="http://schemas.microsoft.com/office/drawing/2014/main" xmlns="" id="{569A5E1A-575E-2548-9721-209A3CC3DF8F}"/>
+                <a16:creationId xmlns="" xmlns:a16="http://schemas.microsoft.com/office/drawing/2014/main" id="{569A5E1A-575E-2548-9721-209A3CC3DF8F}"/>
               </a:ext>
             </a:extLst>
           </p:cNvPr>
@@ -8914,7 +8893,7 @@
           <p:cNvPr id="7" name="Title 6">
             <a:extLst>
               <a:ext uri="{FF2B5EF4-FFF2-40B4-BE49-F238E27FC236}">
-                <a16:creationId xmlns:a16="http://schemas.microsoft.com/office/drawing/2014/main" xmlns="" id="{068D89FB-C1E1-8346-AFE8-EE02F30080B9}"/>
+                <a16:creationId xmlns="" xmlns:a16="http://schemas.microsoft.com/office/drawing/2014/main" id="{068D89FB-C1E1-8346-AFE8-EE02F30080B9}"/>
               </a:ext>
             </a:extLst>
           </p:cNvPr>
@@ -9033,7 +9012,23 @@
                 <a:ea typeface="Times New Roman" charset="0"/>
                 <a:cs typeface="Times New Roman" charset="0"/>
               </a:rPr>
-              <a:t>CC BY-NC 4.0. To view a copy of this license, visit </a:t>
+              <a:t>CC </a:t>
+            </a:r>
+            <a:r>
+              <a:rPr lang="en-US" sz="2800" dirty="0">
+                <a:latin typeface="Times New Roman" charset="0"/>
+                <a:ea typeface="Times New Roman" charset="0"/>
+                <a:cs typeface="Times New Roman" charset="0"/>
+              </a:rPr>
+              <a:t>BY-SA </a:t>
+            </a:r>
+            <a:r>
+              <a:rPr lang="en-US" sz="2800" dirty="0">
+                <a:latin typeface="Times New Roman" charset="0"/>
+                <a:ea typeface="Times New Roman" charset="0"/>
+                <a:cs typeface="Times New Roman" charset="0"/>
+              </a:rPr>
+              <a:t>4.0. To view a copy of this license, visit </a:t>
             </a:r>
             <a:r>
               <a:rPr lang="en-US" sz="2800" dirty="0">
@@ -9042,7 +9037,16 @@
                 <a:cs typeface="Times New Roman" charset="0"/>
                 <a:hlinkClick r:id="rId2"/>
               </a:rPr>
-              <a:t>https://creativecommons.org/licenses/by-nc/4.0</a:t>
+              <a:t>https://</a:t>
+            </a:r>
+            <a:r>
+              <a:rPr lang="en-US" sz="2800" dirty="0">
+                <a:latin typeface="Times New Roman" charset="0"/>
+                <a:ea typeface="Times New Roman" charset="0"/>
+                <a:cs typeface="Times New Roman" charset="0"/>
+                <a:hlinkClick r:id="rId2"/>
+              </a:rPr>
+              <a:t>creativecommons.org/licenses/by-sa/4.0</a:t>
             </a:r>
             <a:r>
               <a:rPr lang="en-US" sz="2800" dirty="0">
@@ -9196,7 +9200,7 @@
     </p:spTree>
     <p:extLst>
       <p:ext uri="{BB962C8B-B14F-4D97-AF65-F5344CB8AC3E}">
-        <p14:creationId xmlns:p14="http://schemas.microsoft.com/office/powerpoint/2010/main" val="1500868945"/>
+        <p14:creationId xmlns:p14="http://schemas.microsoft.com/office/powerpoint/2010/main" val="1029598863"/>
       </p:ext>
     </p:extLst>
   </p:cSld>
@@ -9228,7 +9232,7 @@
           <p:cNvPr id="2" name="Title 1">
             <a:extLst>
               <a:ext uri="{FF2B5EF4-FFF2-40B4-BE49-F238E27FC236}">
-                <a16:creationId xmlns:a16="http://schemas.microsoft.com/office/drawing/2014/main" xmlns="" id="{44E12AD7-056C-AA4A-984B-DB6C718F0965}"/>
+                <a16:creationId xmlns="" xmlns:a16="http://schemas.microsoft.com/office/drawing/2014/main" id="{44E12AD7-056C-AA4A-984B-DB6C718F0965}"/>
               </a:ext>
             </a:extLst>
           </p:cNvPr>
@@ -9260,7 +9264,7 @@
           <p:cNvPr id="3" name="Content Placeholder 2">
             <a:extLst>
               <a:ext uri="{FF2B5EF4-FFF2-40B4-BE49-F238E27FC236}">
-                <a16:creationId xmlns:a16="http://schemas.microsoft.com/office/drawing/2014/main" xmlns="" id="{BF88A09D-158E-AF45-B6BE-3880F37DE481}"/>
+                <a16:creationId xmlns="" xmlns:a16="http://schemas.microsoft.com/office/drawing/2014/main" id="{BF88A09D-158E-AF45-B6BE-3880F37DE481}"/>
               </a:ext>
             </a:extLst>
           </p:cNvPr>
@@ -9352,7 +9356,7 @@
           <p:cNvPr id="2" name="Title 1">
             <a:extLst>
               <a:ext uri="{FF2B5EF4-FFF2-40B4-BE49-F238E27FC236}">
-                <a16:creationId xmlns:a16="http://schemas.microsoft.com/office/drawing/2014/main" xmlns="" id="{962C75CC-0538-584A-B9B6-FC2C94299AB8}"/>
+                <a16:creationId xmlns="" xmlns:a16="http://schemas.microsoft.com/office/drawing/2014/main" id="{962C75CC-0538-584A-B9B6-FC2C94299AB8}"/>
               </a:ext>
             </a:extLst>
           </p:cNvPr>
@@ -9380,7 +9384,7 @@
           <p:cNvPr id="3" name="Content Placeholder 2">
             <a:extLst>
               <a:ext uri="{FF2B5EF4-FFF2-40B4-BE49-F238E27FC236}">
-                <a16:creationId xmlns:a16="http://schemas.microsoft.com/office/drawing/2014/main" xmlns="" id="{8E1A4BFD-002B-D74B-810A-BA162D1BDB4B}"/>
+                <a16:creationId xmlns="" xmlns:a16="http://schemas.microsoft.com/office/drawing/2014/main" id="{8E1A4BFD-002B-D74B-810A-BA162D1BDB4B}"/>
               </a:ext>
             </a:extLst>
           </p:cNvPr>
@@ -9520,7 +9524,7 @@
           <p:cNvPr id="2" name="Title 1">
             <a:extLst>
               <a:ext uri="{FF2B5EF4-FFF2-40B4-BE49-F238E27FC236}">
-                <a16:creationId xmlns:a16="http://schemas.microsoft.com/office/drawing/2014/main" xmlns="" id="{F8213802-4696-B44F-8498-3FE0946D3E54}"/>
+                <a16:creationId xmlns="" xmlns:a16="http://schemas.microsoft.com/office/drawing/2014/main" id="{F8213802-4696-B44F-8498-3FE0946D3E54}"/>
               </a:ext>
             </a:extLst>
           </p:cNvPr>
@@ -9548,7 +9552,7 @@
           <p:cNvPr id="3" name="Content Placeholder 2">
             <a:extLst>
               <a:ext uri="{FF2B5EF4-FFF2-40B4-BE49-F238E27FC236}">
-                <a16:creationId xmlns:a16="http://schemas.microsoft.com/office/drawing/2014/main" xmlns="" id="{7BD563F5-507C-D040-A6CF-FF3AA33D662F}"/>
+                <a16:creationId xmlns="" xmlns:a16="http://schemas.microsoft.com/office/drawing/2014/main" id="{7BD563F5-507C-D040-A6CF-FF3AA33D662F}"/>
               </a:ext>
             </a:extLst>
           </p:cNvPr>
@@ -9639,7 +9643,7 @@
           <p:cNvPr id="4" name="image6.png">
             <a:extLst>
               <a:ext uri="{FF2B5EF4-FFF2-40B4-BE49-F238E27FC236}">
-                <a16:creationId xmlns:a16="http://schemas.microsoft.com/office/drawing/2014/main" xmlns="" id="{C9528DF7-603E-2043-8523-58D36F94D23C}"/>
+                <a16:creationId xmlns="" xmlns:a16="http://schemas.microsoft.com/office/drawing/2014/main" id="{C9528DF7-603E-2043-8523-58D36F94D23C}"/>
               </a:ext>
             </a:extLst>
           </p:cNvPr>
@@ -9701,7 +9705,7 @@
           <p:cNvPr id="2" name="Title 1">
             <a:extLst>
               <a:ext uri="{FF2B5EF4-FFF2-40B4-BE49-F238E27FC236}">
-                <a16:creationId xmlns:a16="http://schemas.microsoft.com/office/drawing/2014/main" xmlns="" id="{6DC34002-C3AE-7547-8DB2-2F5A47A64000}"/>
+                <a16:creationId xmlns="" xmlns:a16="http://schemas.microsoft.com/office/drawing/2014/main" id="{6DC34002-C3AE-7547-8DB2-2F5A47A64000}"/>
               </a:ext>
             </a:extLst>
           </p:cNvPr>
@@ -9729,7 +9733,7 @@
           <p:cNvPr id="3" name="Content Placeholder 2">
             <a:extLst>
               <a:ext uri="{FF2B5EF4-FFF2-40B4-BE49-F238E27FC236}">
-                <a16:creationId xmlns:a16="http://schemas.microsoft.com/office/drawing/2014/main" xmlns="" id="{59286B71-E1CD-A44C-A792-969F64D06641}"/>
+                <a16:creationId xmlns="" xmlns:a16="http://schemas.microsoft.com/office/drawing/2014/main" id="{59286B71-E1CD-A44C-A792-969F64D06641}"/>
               </a:ext>
             </a:extLst>
           </p:cNvPr>
@@ -9827,7 +9831,7 @@
           <p:cNvPr id="4" name="image3.png">
             <a:extLst>
               <a:ext uri="{FF2B5EF4-FFF2-40B4-BE49-F238E27FC236}">
-                <a16:creationId xmlns:a16="http://schemas.microsoft.com/office/drawing/2014/main" xmlns="" id="{93D80FF5-04F7-D648-9D6A-453E9D84461C}"/>
+                <a16:creationId xmlns="" xmlns:a16="http://schemas.microsoft.com/office/drawing/2014/main" id="{93D80FF5-04F7-D648-9D6A-453E9D84461C}"/>
               </a:ext>
             </a:extLst>
           </p:cNvPr>
@@ -9889,7 +9893,7 @@
           <p:cNvPr id="2" name="Title 1">
             <a:extLst>
               <a:ext uri="{FF2B5EF4-FFF2-40B4-BE49-F238E27FC236}">
-                <a16:creationId xmlns:a16="http://schemas.microsoft.com/office/drawing/2014/main" xmlns="" id="{EBEA536E-6151-4048-99B2-0552801BF57F}"/>
+                <a16:creationId xmlns="" xmlns:a16="http://schemas.microsoft.com/office/drawing/2014/main" id="{EBEA536E-6151-4048-99B2-0552801BF57F}"/>
               </a:ext>
             </a:extLst>
           </p:cNvPr>
@@ -9917,7 +9921,7 @@
           <p:cNvPr id="3" name="Content Placeholder 2">
             <a:extLst>
               <a:ext uri="{FF2B5EF4-FFF2-40B4-BE49-F238E27FC236}">
-                <a16:creationId xmlns:a16="http://schemas.microsoft.com/office/drawing/2014/main" xmlns="" id="{32C3B7DD-8B5F-2243-B63C-7C49BBA6BCE0}"/>
+                <a16:creationId xmlns="" xmlns:a16="http://schemas.microsoft.com/office/drawing/2014/main" id="{32C3B7DD-8B5F-2243-B63C-7C49BBA6BCE0}"/>
               </a:ext>
             </a:extLst>
           </p:cNvPr>
@@ -9985,7 +9989,7 @@
           <p:cNvPr id="4" name="image8.png">
             <a:extLst>
               <a:ext uri="{FF2B5EF4-FFF2-40B4-BE49-F238E27FC236}">
-                <a16:creationId xmlns:a16="http://schemas.microsoft.com/office/drawing/2014/main" xmlns="" id="{EE6D69AB-4CA2-C74C-937E-2102718BA204}"/>
+                <a16:creationId xmlns="" xmlns:a16="http://schemas.microsoft.com/office/drawing/2014/main" id="{EE6D69AB-4CA2-C74C-937E-2102718BA204}"/>
               </a:ext>
             </a:extLst>
           </p:cNvPr>
@@ -10047,7 +10051,7 @@
           <p:cNvPr id="2" name="Title 1">
             <a:extLst>
               <a:ext uri="{FF2B5EF4-FFF2-40B4-BE49-F238E27FC236}">
-                <a16:creationId xmlns:a16="http://schemas.microsoft.com/office/drawing/2014/main" xmlns="" id="{688C7C28-906C-F749-855B-A63BBF524998}"/>
+                <a16:creationId xmlns="" xmlns:a16="http://schemas.microsoft.com/office/drawing/2014/main" id="{688C7C28-906C-F749-855B-A63BBF524998}"/>
               </a:ext>
             </a:extLst>
           </p:cNvPr>
@@ -10075,7 +10079,7 @@
           <p:cNvPr id="3" name="Content Placeholder 2">
             <a:extLst>
               <a:ext uri="{FF2B5EF4-FFF2-40B4-BE49-F238E27FC236}">
-                <a16:creationId xmlns:a16="http://schemas.microsoft.com/office/drawing/2014/main" xmlns="" id="{99CB3F95-E860-BF4C-86E7-3D4461EAC52F}"/>
+                <a16:creationId xmlns="" xmlns:a16="http://schemas.microsoft.com/office/drawing/2014/main" id="{99CB3F95-E860-BF4C-86E7-3D4461EAC52F}"/>
               </a:ext>
             </a:extLst>
           </p:cNvPr>
@@ -10181,7 +10185,7 @@
           <p:cNvPr id="2" name="Title 1">
             <a:extLst>
               <a:ext uri="{FF2B5EF4-FFF2-40B4-BE49-F238E27FC236}">
-                <a16:creationId xmlns:a16="http://schemas.microsoft.com/office/drawing/2014/main" xmlns="" id="{358DD9C9-8F33-7E4A-BB20-4A3F6AD77B5D}"/>
+                <a16:creationId xmlns="" xmlns:a16="http://schemas.microsoft.com/office/drawing/2014/main" id="{358DD9C9-8F33-7E4A-BB20-4A3F6AD77B5D}"/>
               </a:ext>
             </a:extLst>
           </p:cNvPr>
@@ -10209,7 +10213,7 @@
           <p:cNvPr id="6" name="Text Placeholder 5">
             <a:extLst>
               <a:ext uri="{FF2B5EF4-FFF2-40B4-BE49-F238E27FC236}">
-                <a16:creationId xmlns:a16="http://schemas.microsoft.com/office/drawing/2014/main" xmlns="" id="{33DE313B-952F-1E4C-AE6C-DE987F56F535}"/>
+                <a16:creationId xmlns="" xmlns:a16="http://schemas.microsoft.com/office/drawing/2014/main" id="{33DE313B-952F-1E4C-AE6C-DE987F56F535}"/>
               </a:ext>
             </a:extLst>
           </p:cNvPr>
@@ -10239,7 +10243,7 @@
           <p:cNvPr id="8" name="Text Placeholder 7">
             <a:extLst>
               <a:ext uri="{FF2B5EF4-FFF2-40B4-BE49-F238E27FC236}">
-                <a16:creationId xmlns:a16="http://schemas.microsoft.com/office/drawing/2014/main" xmlns="" id="{C537B1CD-2687-A74D-9CB8-34E12374C3FC}"/>
+                <a16:creationId xmlns="" xmlns:a16="http://schemas.microsoft.com/office/drawing/2014/main" id="{C537B1CD-2687-A74D-9CB8-34E12374C3FC}"/>
               </a:ext>
             </a:extLst>
           </p:cNvPr>
@@ -10269,7 +10273,7 @@
           <p:cNvPr id="10" name="Rectangle 9">
             <a:extLst>
               <a:ext uri="{FF2B5EF4-FFF2-40B4-BE49-F238E27FC236}">
-                <a16:creationId xmlns:a16="http://schemas.microsoft.com/office/drawing/2014/main" xmlns="" id="{D3256648-E5B4-7A4E-80CC-2D668B6CD5D2}"/>
+                <a16:creationId xmlns="" xmlns:a16="http://schemas.microsoft.com/office/drawing/2014/main" id="{D3256648-E5B4-7A4E-80CC-2D668B6CD5D2}"/>
               </a:ext>
             </a:extLst>
           </p:cNvPr>
@@ -10318,7 +10322,7 @@
           <p:cNvPr id="11" name="Rectangle 10">
             <a:extLst>
               <a:ext uri="{FF2B5EF4-FFF2-40B4-BE49-F238E27FC236}">
-                <a16:creationId xmlns:a16="http://schemas.microsoft.com/office/drawing/2014/main" xmlns="" id="{3815DE27-3230-0745-A0A7-FD0479EE2681}"/>
+                <a16:creationId xmlns="" xmlns:a16="http://schemas.microsoft.com/office/drawing/2014/main" id="{3815DE27-3230-0745-A0A7-FD0479EE2681}"/>
               </a:ext>
             </a:extLst>
           </p:cNvPr>
@@ -10367,7 +10371,7 @@
           <p:cNvPr id="13" name="TextBox 12">
             <a:extLst>
               <a:ext uri="{FF2B5EF4-FFF2-40B4-BE49-F238E27FC236}">
-                <a16:creationId xmlns:a16="http://schemas.microsoft.com/office/drawing/2014/main" xmlns="" id="{42FD6980-3EDE-2847-8349-F1AA40313C00}"/>
+                <a16:creationId xmlns="" xmlns:a16="http://schemas.microsoft.com/office/drawing/2014/main" id="{42FD6980-3EDE-2847-8349-F1AA40313C00}"/>
               </a:ext>
             </a:extLst>
           </p:cNvPr>
@@ -10403,7 +10407,7 @@
           <p:cNvPr id="15" name="Straight Connector 14">
             <a:extLst>
               <a:ext uri="{FF2B5EF4-FFF2-40B4-BE49-F238E27FC236}">
-                <a16:creationId xmlns:a16="http://schemas.microsoft.com/office/drawing/2014/main" xmlns="" id="{F1D691CA-1D10-634D-BF35-A6485C7982FF}"/>
+                <a16:creationId xmlns="" xmlns:a16="http://schemas.microsoft.com/office/drawing/2014/main" id="{F1D691CA-1D10-634D-BF35-A6485C7982FF}"/>
               </a:ext>
             </a:extLst>
           </p:cNvPr>
@@ -10447,7 +10451,7 @@
           <p:cNvPr id="16" name="Rectangle 15">
             <a:extLst>
               <a:ext uri="{FF2B5EF4-FFF2-40B4-BE49-F238E27FC236}">
-                <a16:creationId xmlns:a16="http://schemas.microsoft.com/office/drawing/2014/main" xmlns="" id="{77CD1CDC-491B-0D4C-AAFB-2E8EA3282914}"/>
+                <a16:creationId xmlns="" xmlns:a16="http://schemas.microsoft.com/office/drawing/2014/main" id="{77CD1CDC-491B-0D4C-AAFB-2E8EA3282914}"/>
               </a:ext>
             </a:extLst>
           </p:cNvPr>
@@ -10496,7 +10500,7 @@
           <p:cNvPr id="17" name="Rectangle 16">
             <a:extLst>
               <a:ext uri="{FF2B5EF4-FFF2-40B4-BE49-F238E27FC236}">
-                <a16:creationId xmlns:a16="http://schemas.microsoft.com/office/drawing/2014/main" xmlns="" id="{234663B7-ACA3-DD4B-8C70-90B4123D86D5}"/>
+                <a16:creationId xmlns="" xmlns:a16="http://schemas.microsoft.com/office/drawing/2014/main" id="{234663B7-ACA3-DD4B-8C70-90B4123D86D5}"/>
               </a:ext>
             </a:extLst>
           </p:cNvPr>
@@ -10545,7 +10549,7 @@
           <p:cNvPr id="23" name="Curved Connector 22">
             <a:extLst>
               <a:ext uri="{FF2B5EF4-FFF2-40B4-BE49-F238E27FC236}">
-                <a16:creationId xmlns:a16="http://schemas.microsoft.com/office/drawing/2014/main" xmlns="" id="{B12187BD-7BCE-E54A-AE76-8C910DB1A41D}"/>
+                <a16:creationId xmlns="" xmlns:a16="http://schemas.microsoft.com/office/drawing/2014/main" id="{B12187BD-7BCE-E54A-AE76-8C910DB1A41D}"/>
               </a:ext>
             </a:extLst>
           </p:cNvPr>
@@ -10590,7 +10594,7 @@
           <p:cNvPr id="25" name="Rectangle 24">
             <a:extLst>
               <a:ext uri="{FF2B5EF4-FFF2-40B4-BE49-F238E27FC236}">
-                <a16:creationId xmlns:a16="http://schemas.microsoft.com/office/drawing/2014/main" xmlns="" id="{04A1F68B-8FD7-2A40-9A6F-5EC96778ABA3}"/>
+                <a16:creationId xmlns="" xmlns:a16="http://schemas.microsoft.com/office/drawing/2014/main" id="{04A1F68B-8FD7-2A40-9A6F-5EC96778ABA3}"/>
               </a:ext>
             </a:extLst>
           </p:cNvPr>
@@ -10639,7 +10643,7 @@
           <p:cNvPr id="27" name="Rectangle 26">
             <a:extLst>
               <a:ext uri="{FF2B5EF4-FFF2-40B4-BE49-F238E27FC236}">
-                <a16:creationId xmlns:a16="http://schemas.microsoft.com/office/drawing/2014/main" xmlns="" id="{1320079D-53A3-B14C-A832-AD503BF156C5}"/>
+                <a16:creationId xmlns="" xmlns:a16="http://schemas.microsoft.com/office/drawing/2014/main" id="{1320079D-53A3-B14C-A832-AD503BF156C5}"/>
               </a:ext>
             </a:extLst>
           </p:cNvPr>
@@ -10688,7 +10692,7 @@
           <p:cNvPr id="28" name="Curved Connector 27">
             <a:extLst>
               <a:ext uri="{FF2B5EF4-FFF2-40B4-BE49-F238E27FC236}">
-                <a16:creationId xmlns:a16="http://schemas.microsoft.com/office/drawing/2014/main" xmlns="" id="{5B628F0E-A965-964F-B388-0AA841F54F35}"/>
+                <a16:creationId xmlns="" xmlns:a16="http://schemas.microsoft.com/office/drawing/2014/main" id="{5B628F0E-A965-964F-B388-0AA841F54F35}"/>
               </a:ext>
             </a:extLst>
           </p:cNvPr>
@@ -10734,7 +10738,7 @@
           <p:cNvPr id="31" name="Curved Connector 30">
             <a:extLst>
               <a:ext uri="{FF2B5EF4-FFF2-40B4-BE49-F238E27FC236}">
-                <a16:creationId xmlns:a16="http://schemas.microsoft.com/office/drawing/2014/main" xmlns="" id="{D6223184-A810-8C4E-8DD6-BDE3F8857DAF}"/>
+                <a16:creationId xmlns="" xmlns:a16="http://schemas.microsoft.com/office/drawing/2014/main" id="{D6223184-A810-8C4E-8DD6-BDE3F8857DAF}"/>
               </a:ext>
             </a:extLst>
           </p:cNvPr>
@@ -10780,7 +10784,7 @@
           <p:cNvPr id="34" name="Curved Connector 33">
             <a:extLst>
               <a:ext uri="{FF2B5EF4-FFF2-40B4-BE49-F238E27FC236}">
-                <a16:creationId xmlns:a16="http://schemas.microsoft.com/office/drawing/2014/main" xmlns="" id="{5FAAE7BA-4D42-A645-BEF3-2E796B982B4F}"/>
+                <a16:creationId xmlns="" xmlns:a16="http://schemas.microsoft.com/office/drawing/2014/main" id="{5FAAE7BA-4D42-A645-BEF3-2E796B982B4F}"/>
               </a:ext>
             </a:extLst>
           </p:cNvPr>

--- a/units/2/lessons/5/resources/petascale-lesson-2.5-slides.pptx
+++ b/units/2/lessons/5/resources/petascale-lesson-2.5-slides.pptx
@@ -212,7 +212,7 @@
           <a:p>
             <a:fld id="{1F9E61A1-21F8-1C4E-8714-275020CD1E84}" type="datetimeFigureOut">
               <a:rPr lang="en-US" smtClean="0"/>
-              <a:t>10/11/20</a:t>
+              <a:t>11/16/20</a:t>
             </a:fld>
             <a:endParaRPr lang="en-US"/>
           </a:p>
@@ -848,7 +848,7 @@
           <p:cNvPr id="2" name="Title 1">
             <a:extLst>
               <a:ext uri="{FF2B5EF4-FFF2-40B4-BE49-F238E27FC236}">
-                <a16:creationId xmlns="" xmlns:a16="http://schemas.microsoft.com/office/drawing/2014/main" id="{ECCD4231-516E-4F44-A17B-3F054DEC3749}"/>
+                <a16:creationId xmlns:a16="http://schemas.microsoft.com/office/drawing/2014/main" xmlns="" id="{ECCD4231-516E-4F44-A17B-3F054DEC3749}"/>
               </a:ext>
             </a:extLst>
           </p:cNvPr>
@@ -885,7 +885,7 @@
           <p:cNvPr id="3" name="Subtitle 2">
             <a:extLst>
               <a:ext uri="{FF2B5EF4-FFF2-40B4-BE49-F238E27FC236}">
-                <a16:creationId xmlns="" xmlns:a16="http://schemas.microsoft.com/office/drawing/2014/main" id="{9AAAE986-0001-8843-AA0C-EF11C02C99D5}"/>
+                <a16:creationId xmlns:a16="http://schemas.microsoft.com/office/drawing/2014/main" xmlns="" id="{9AAAE986-0001-8843-AA0C-EF11C02C99D5}"/>
               </a:ext>
             </a:extLst>
           </p:cNvPr>
@@ -955,7 +955,7 @@
           <p:cNvPr id="4" name="Date Placeholder 3">
             <a:extLst>
               <a:ext uri="{FF2B5EF4-FFF2-40B4-BE49-F238E27FC236}">
-                <a16:creationId xmlns="" xmlns:a16="http://schemas.microsoft.com/office/drawing/2014/main" id="{D9D63896-6ED9-6C46-B3B3-685E831C8A20}"/>
+                <a16:creationId xmlns:a16="http://schemas.microsoft.com/office/drawing/2014/main" xmlns="" id="{D9D63896-6ED9-6C46-B3B3-685E831C8A20}"/>
               </a:ext>
             </a:extLst>
           </p:cNvPr>
@@ -973,7 +973,7 @@
           <a:p>
             <a:fld id="{2AD54A35-3D00-9346-A90C-D5D0667B371F}" type="datetimeFigureOut">
               <a:rPr lang="en-US" smtClean="0"/>
-              <a:t>10/11/20</a:t>
+              <a:t>11/16/20</a:t>
             </a:fld>
             <a:endParaRPr lang="en-US"/>
           </a:p>
@@ -984,7 +984,7 @@
           <p:cNvPr id="5" name="Footer Placeholder 4">
             <a:extLst>
               <a:ext uri="{FF2B5EF4-FFF2-40B4-BE49-F238E27FC236}">
-                <a16:creationId xmlns="" xmlns:a16="http://schemas.microsoft.com/office/drawing/2014/main" id="{C10BB2E9-6A81-2145-B040-ED2C4437BADE}"/>
+                <a16:creationId xmlns:a16="http://schemas.microsoft.com/office/drawing/2014/main" xmlns="" id="{C10BB2E9-6A81-2145-B040-ED2C4437BADE}"/>
               </a:ext>
             </a:extLst>
           </p:cNvPr>
@@ -1009,7 +1009,7 @@
           <p:cNvPr id="6" name="Slide Number Placeholder 5">
             <a:extLst>
               <a:ext uri="{FF2B5EF4-FFF2-40B4-BE49-F238E27FC236}">
-                <a16:creationId xmlns="" xmlns:a16="http://schemas.microsoft.com/office/drawing/2014/main" id="{D98D17D2-DA72-A743-9E80-2DE7E411C371}"/>
+                <a16:creationId xmlns:a16="http://schemas.microsoft.com/office/drawing/2014/main" xmlns="" id="{D98D17D2-DA72-A743-9E80-2DE7E411C371}"/>
               </a:ext>
             </a:extLst>
           </p:cNvPr>
@@ -1068,7 +1068,7 @@
           <p:cNvPr id="2" name="Title 1">
             <a:extLst>
               <a:ext uri="{FF2B5EF4-FFF2-40B4-BE49-F238E27FC236}">
-                <a16:creationId xmlns="" xmlns:a16="http://schemas.microsoft.com/office/drawing/2014/main" id="{4A1F9254-60BE-DC42-9596-6D91A6259519}"/>
+                <a16:creationId xmlns:a16="http://schemas.microsoft.com/office/drawing/2014/main" xmlns="" id="{4A1F9254-60BE-DC42-9596-6D91A6259519}"/>
               </a:ext>
             </a:extLst>
           </p:cNvPr>
@@ -1096,7 +1096,7 @@
           <p:cNvPr id="3" name="Vertical Text Placeholder 2">
             <a:extLst>
               <a:ext uri="{FF2B5EF4-FFF2-40B4-BE49-F238E27FC236}">
-                <a16:creationId xmlns="" xmlns:a16="http://schemas.microsoft.com/office/drawing/2014/main" id="{4F14CE1F-628E-9042-9206-67E9845A0A66}"/>
+                <a16:creationId xmlns:a16="http://schemas.microsoft.com/office/drawing/2014/main" xmlns="" id="{4F14CE1F-628E-9042-9206-67E9845A0A66}"/>
               </a:ext>
             </a:extLst>
           </p:cNvPr>
@@ -1153,7 +1153,7 @@
           <p:cNvPr id="4" name="Date Placeholder 3">
             <a:extLst>
               <a:ext uri="{FF2B5EF4-FFF2-40B4-BE49-F238E27FC236}">
-                <a16:creationId xmlns="" xmlns:a16="http://schemas.microsoft.com/office/drawing/2014/main" id="{60E30384-8CEC-ED46-9688-34F619E3B67D}"/>
+                <a16:creationId xmlns:a16="http://schemas.microsoft.com/office/drawing/2014/main" xmlns="" id="{60E30384-8CEC-ED46-9688-34F619E3B67D}"/>
               </a:ext>
             </a:extLst>
           </p:cNvPr>
@@ -1171,7 +1171,7 @@
           <a:p>
             <a:fld id="{2AD54A35-3D00-9346-A90C-D5D0667B371F}" type="datetimeFigureOut">
               <a:rPr lang="en-US" smtClean="0"/>
-              <a:t>10/11/20</a:t>
+              <a:t>11/16/20</a:t>
             </a:fld>
             <a:endParaRPr lang="en-US"/>
           </a:p>
@@ -1182,7 +1182,7 @@
           <p:cNvPr id="5" name="Footer Placeholder 4">
             <a:extLst>
               <a:ext uri="{FF2B5EF4-FFF2-40B4-BE49-F238E27FC236}">
-                <a16:creationId xmlns="" xmlns:a16="http://schemas.microsoft.com/office/drawing/2014/main" id="{BE7DF76B-2F0B-2C42-9486-459AF6251F6C}"/>
+                <a16:creationId xmlns:a16="http://schemas.microsoft.com/office/drawing/2014/main" xmlns="" id="{BE7DF76B-2F0B-2C42-9486-459AF6251F6C}"/>
               </a:ext>
             </a:extLst>
           </p:cNvPr>
@@ -1207,7 +1207,7 @@
           <p:cNvPr id="6" name="Slide Number Placeholder 5">
             <a:extLst>
               <a:ext uri="{FF2B5EF4-FFF2-40B4-BE49-F238E27FC236}">
-                <a16:creationId xmlns="" xmlns:a16="http://schemas.microsoft.com/office/drawing/2014/main" id="{F21C5003-F49F-D740-A093-6378E87D40B1}"/>
+                <a16:creationId xmlns:a16="http://schemas.microsoft.com/office/drawing/2014/main" xmlns="" id="{F21C5003-F49F-D740-A093-6378E87D40B1}"/>
               </a:ext>
             </a:extLst>
           </p:cNvPr>
@@ -1266,7 +1266,7 @@
           <p:cNvPr id="2" name="Vertical Title 1">
             <a:extLst>
               <a:ext uri="{FF2B5EF4-FFF2-40B4-BE49-F238E27FC236}">
-                <a16:creationId xmlns="" xmlns:a16="http://schemas.microsoft.com/office/drawing/2014/main" id="{D868CAA1-F34C-BC48-B614-2DDE3BDD9513}"/>
+                <a16:creationId xmlns:a16="http://schemas.microsoft.com/office/drawing/2014/main" xmlns="" id="{D868CAA1-F34C-BC48-B614-2DDE3BDD9513}"/>
               </a:ext>
             </a:extLst>
           </p:cNvPr>
@@ -1299,7 +1299,7 @@
           <p:cNvPr id="3" name="Vertical Text Placeholder 2">
             <a:extLst>
               <a:ext uri="{FF2B5EF4-FFF2-40B4-BE49-F238E27FC236}">
-                <a16:creationId xmlns="" xmlns:a16="http://schemas.microsoft.com/office/drawing/2014/main" id="{055AFBE0-A990-E541-973F-DF66990A6AA2}"/>
+                <a16:creationId xmlns:a16="http://schemas.microsoft.com/office/drawing/2014/main" xmlns="" id="{055AFBE0-A990-E541-973F-DF66990A6AA2}"/>
               </a:ext>
             </a:extLst>
           </p:cNvPr>
@@ -1361,7 +1361,7 @@
           <p:cNvPr id="4" name="Date Placeholder 3">
             <a:extLst>
               <a:ext uri="{FF2B5EF4-FFF2-40B4-BE49-F238E27FC236}">
-                <a16:creationId xmlns="" xmlns:a16="http://schemas.microsoft.com/office/drawing/2014/main" id="{8FF6782F-122B-4747-91A7-9021A291FAF2}"/>
+                <a16:creationId xmlns:a16="http://schemas.microsoft.com/office/drawing/2014/main" xmlns="" id="{8FF6782F-122B-4747-91A7-9021A291FAF2}"/>
               </a:ext>
             </a:extLst>
           </p:cNvPr>
@@ -1379,7 +1379,7 @@
           <a:p>
             <a:fld id="{2AD54A35-3D00-9346-A90C-D5D0667B371F}" type="datetimeFigureOut">
               <a:rPr lang="en-US" smtClean="0"/>
-              <a:t>10/11/20</a:t>
+              <a:t>11/16/20</a:t>
             </a:fld>
             <a:endParaRPr lang="en-US"/>
           </a:p>
@@ -1390,7 +1390,7 @@
           <p:cNvPr id="5" name="Footer Placeholder 4">
             <a:extLst>
               <a:ext uri="{FF2B5EF4-FFF2-40B4-BE49-F238E27FC236}">
-                <a16:creationId xmlns="" xmlns:a16="http://schemas.microsoft.com/office/drawing/2014/main" id="{A0B635ED-E1EE-954D-80AC-28B91C53CC4B}"/>
+                <a16:creationId xmlns:a16="http://schemas.microsoft.com/office/drawing/2014/main" xmlns="" id="{A0B635ED-E1EE-954D-80AC-28B91C53CC4B}"/>
               </a:ext>
             </a:extLst>
           </p:cNvPr>
@@ -1415,7 +1415,7 @@
           <p:cNvPr id="6" name="Slide Number Placeholder 5">
             <a:extLst>
               <a:ext uri="{FF2B5EF4-FFF2-40B4-BE49-F238E27FC236}">
-                <a16:creationId xmlns="" xmlns:a16="http://schemas.microsoft.com/office/drawing/2014/main" id="{EA0DC4C0-BAF7-0547-9DBB-FCC6A512447F}"/>
+                <a16:creationId xmlns:a16="http://schemas.microsoft.com/office/drawing/2014/main" xmlns="" id="{EA0DC4C0-BAF7-0547-9DBB-FCC6A512447F}"/>
               </a:ext>
             </a:extLst>
           </p:cNvPr>
@@ -1590,7 +1590,7 @@
                 </a:solidFill>
               </a:rPr>
               <a:pPr/>
-              <a:t>10/11/20</a:t>
+              <a:t>11/16/20</a:t>
             </a:fld>
             <a:endParaRPr lang="en-US">
               <a:solidFill>
@@ -1788,7 +1788,7 @@
                 </a:solidFill>
               </a:rPr>
               <a:pPr/>
-              <a:t>10/11/20</a:t>
+              <a:t>11/16/20</a:t>
             </a:fld>
             <a:endParaRPr lang="en-US">
               <a:solidFill>
@@ -2062,7 +2062,7 @@
                 </a:solidFill>
               </a:rPr>
               <a:pPr/>
-              <a:t>10/11/20</a:t>
+              <a:t>11/16/20</a:t>
             </a:fld>
             <a:endParaRPr lang="en-US">
               <a:solidFill>
@@ -2322,7 +2322,7 @@
                 </a:solidFill>
               </a:rPr>
               <a:pPr/>
-              <a:t>10/11/20</a:t>
+              <a:t>11/16/20</a:t>
             </a:fld>
             <a:endParaRPr lang="en-US">
               <a:solidFill>
@@ -2717,7 +2717,7 @@
                 </a:solidFill>
               </a:rPr>
               <a:pPr/>
-              <a:t>10/11/20</a:t>
+              <a:t>11/16/20</a:t>
             </a:fld>
             <a:endParaRPr lang="en-US">
               <a:solidFill>
@@ -2863,7 +2863,7 @@
                 </a:solidFill>
               </a:rPr>
               <a:pPr/>
-              <a:t>10/11/20</a:t>
+              <a:t>11/16/20</a:t>
             </a:fld>
             <a:endParaRPr lang="en-US">
               <a:solidFill>
@@ -2986,7 +2986,7 @@
                 </a:solidFill>
               </a:rPr>
               <a:pPr/>
-              <a:t>10/11/20</a:t>
+              <a:t>11/16/20</a:t>
             </a:fld>
             <a:endParaRPr lang="en-US">
               <a:solidFill>
@@ -3291,7 +3291,7 @@
                 </a:solidFill>
               </a:rPr>
               <a:pPr/>
-              <a:t>10/11/20</a:t>
+              <a:t>11/16/20</a:t>
             </a:fld>
             <a:endParaRPr lang="en-US">
               <a:solidFill>
@@ -3395,7 +3395,7 @@
           <p:cNvPr id="2" name="Title 1">
             <a:extLst>
               <a:ext uri="{FF2B5EF4-FFF2-40B4-BE49-F238E27FC236}">
-                <a16:creationId xmlns="" xmlns:a16="http://schemas.microsoft.com/office/drawing/2014/main" id="{46605E52-CD93-FE48-BC96-DE9219BA47F9}"/>
+                <a16:creationId xmlns:a16="http://schemas.microsoft.com/office/drawing/2014/main" xmlns="" id="{46605E52-CD93-FE48-BC96-DE9219BA47F9}"/>
               </a:ext>
             </a:extLst>
           </p:cNvPr>
@@ -3423,7 +3423,7 @@
           <p:cNvPr id="3" name="Content Placeholder 2">
             <a:extLst>
               <a:ext uri="{FF2B5EF4-FFF2-40B4-BE49-F238E27FC236}">
-                <a16:creationId xmlns="" xmlns:a16="http://schemas.microsoft.com/office/drawing/2014/main" id="{4EAFB191-CD58-9145-9135-2CCD9780D3D5}"/>
+                <a16:creationId xmlns:a16="http://schemas.microsoft.com/office/drawing/2014/main" xmlns="" id="{4EAFB191-CD58-9145-9135-2CCD9780D3D5}"/>
               </a:ext>
             </a:extLst>
           </p:cNvPr>
@@ -3480,7 +3480,7 @@
           <p:cNvPr id="4" name="Date Placeholder 3">
             <a:extLst>
               <a:ext uri="{FF2B5EF4-FFF2-40B4-BE49-F238E27FC236}">
-                <a16:creationId xmlns="" xmlns:a16="http://schemas.microsoft.com/office/drawing/2014/main" id="{4087EA37-F36A-F34C-9E20-CDFD51DDE846}"/>
+                <a16:creationId xmlns:a16="http://schemas.microsoft.com/office/drawing/2014/main" xmlns="" id="{4087EA37-F36A-F34C-9E20-CDFD51DDE846}"/>
               </a:ext>
             </a:extLst>
           </p:cNvPr>
@@ -3498,7 +3498,7 @@
           <a:p>
             <a:fld id="{2AD54A35-3D00-9346-A90C-D5D0667B371F}" type="datetimeFigureOut">
               <a:rPr lang="en-US" smtClean="0"/>
-              <a:t>10/11/20</a:t>
+              <a:t>11/16/20</a:t>
             </a:fld>
             <a:endParaRPr lang="en-US"/>
           </a:p>
@@ -3509,7 +3509,7 @@
           <p:cNvPr id="5" name="Footer Placeholder 4">
             <a:extLst>
               <a:ext uri="{FF2B5EF4-FFF2-40B4-BE49-F238E27FC236}">
-                <a16:creationId xmlns="" xmlns:a16="http://schemas.microsoft.com/office/drawing/2014/main" id="{44E6EB55-D662-C841-8DA3-8D08408CE513}"/>
+                <a16:creationId xmlns:a16="http://schemas.microsoft.com/office/drawing/2014/main" xmlns="" id="{44E6EB55-D662-C841-8DA3-8D08408CE513}"/>
               </a:ext>
             </a:extLst>
           </p:cNvPr>
@@ -3534,7 +3534,7 @@
           <p:cNvPr id="6" name="Slide Number Placeholder 5">
             <a:extLst>
               <a:ext uri="{FF2B5EF4-FFF2-40B4-BE49-F238E27FC236}">
-                <a16:creationId xmlns="" xmlns:a16="http://schemas.microsoft.com/office/drawing/2014/main" id="{50B5AB6A-7FE4-434E-BF87-C44BFDEE6EB6}"/>
+                <a16:creationId xmlns:a16="http://schemas.microsoft.com/office/drawing/2014/main" xmlns="" id="{50B5AB6A-7FE4-434E-BF87-C44BFDEE6EB6}"/>
               </a:ext>
             </a:extLst>
           </p:cNvPr>
@@ -3770,7 +3770,7 @@
                 </a:solidFill>
               </a:rPr>
               <a:pPr/>
-              <a:t>10/11/20</a:t>
+              <a:t>11/16/20</a:t>
             </a:fld>
             <a:endParaRPr lang="en-US">
               <a:solidFill>
@@ -3968,7 +3968,7 @@
                 </a:solidFill>
               </a:rPr>
               <a:pPr/>
-              <a:t>10/11/20</a:t>
+              <a:t>11/16/20</a:t>
             </a:fld>
             <a:endParaRPr lang="en-US">
               <a:solidFill>
@@ -4176,7 +4176,7 @@
                 </a:solidFill>
               </a:rPr>
               <a:pPr/>
-              <a:t>10/11/20</a:t>
+              <a:t>11/16/20</a:t>
             </a:fld>
             <a:endParaRPr lang="en-US">
               <a:solidFill>
@@ -4280,7 +4280,7 @@
           <p:cNvPr id="2" name="Title 1">
             <a:extLst>
               <a:ext uri="{FF2B5EF4-FFF2-40B4-BE49-F238E27FC236}">
-                <a16:creationId xmlns="" xmlns:a16="http://schemas.microsoft.com/office/drawing/2014/main" id="{53F65BC1-0DC0-2C41-93FD-F8C8C50FAA84}"/>
+                <a16:creationId xmlns:a16="http://schemas.microsoft.com/office/drawing/2014/main" xmlns="" id="{53F65BC1-0DC0-2C41-93FD-F8C8C50FAA84}"/>
               </a:ext>
             </a:extLst>
           </p:cNvPr>
@@ -4317,7 +4317,7 @@
           <p:cNvPr id="3" name="Text Placeholder 2">
             <a:extLst>
               <a:ext uri="{FF2B5EF4-FFF2-40B4-BE49-F238E27FC236}">
-                <a16:creationId xmlns="" xmlns:a16="http://schemas.microsoft.com/office/drawing/2014/main" id="{6BD1B562-39D0-3744-891B-19235BBFA456}"/>
+                <a16:creationId xmlns:a16="http://schemas.microsoft.com/office/drawing/2014/main" xmlns="" id="{6BD1B562-39D0-3744-891B-19235BBFA456}"/>
               </a:ext>
             </a:extLst>
           </p:cNvPr>
@@ -4442,7 +4442,7 @@
           <p:cNvPr id="4" name="Date Placeholder 3">
             <a:extLst>
               <a:ext uri="{FF2B5EF4-FFF2-40B4-BE49-F238E27FC236}">
-                <a16:creationId xmlns="" xmlns:a16="http://schemas.microsoft.com/office/drawing/2014/main" id="{FA49440E-DCDC-3149-842E-0F66C821ADBB}"/>
+                <a16:creationId xmlns:a16="http://schemas.microsoft.com/office/drawing/2014/main" xmlns="" id="{FA49440E-DCDC-3149-842E-0F66C821ADBB}"/>
               </a:ext>
             </a:extLst>
           </p:cNvPr>
@@ -4460,7 +4460,7 @@
           <a:p>
             <a:fld id="{2AD54A35-3D00-9346-A90C-D5D0667B371F}" type="datetimeFigureOut">
               <a:rPr lang="en-US" smtClean="0"/>
-              <a:t>10/11/20</a:t>
+              <a:t>11/16/20</a:t>
             </a:fld>
             <a:endParaRPr lang="en-US"/>
           </a:p>
@@ -4471,7 +4471,7 @@
           <p:cNvPr id="5" name="Footer Placeholder 4">
             <a:extLst>
               <a:ext uri="{FF2B5EF4-FFF2-40B4-BE49-F238E27FC236}">
-                <a16:creationId xmlns="" xmlns:a16="http://schemas.microsoft.com/office/drawing/2014/main" id="{74B09CA7-E319-6D4D-BF5E-7B20922B5731}"/>
+                <a16:creationId xmlns:a16="http://schemas.microsoft.com/office/drawing/2014/main" xmlns="" id="{74B09CA7-E319-6D4D-BF5E-7B20922B5731}"/>
               </a:ext>
             </a:extLst>
           </p:cNvPr>
@@ -4496,7 +4496,7 @@
           <p:cNvPr id="6" name="Slide Number Placeholder 5">
             <a:extLst>
               <a:ext uri="{FF2B5EF4-FFF2-40B4-BE49-F238E27FC236}">
-                <a16:creationId xmlns="" xmlns:a16="http://schemas.microsoft.com/office/drawing/2014/main" id="{D0AF356E-592D-8340-B7DC-6D5B999574BC}"/>
+                <a16:creationId xmlns:a16="http://schemas.microsoft.com/office/drawing/2014/main" xmlns="" id="{D0AF356E-592D-8340-B7DC-6D5B999574BC}"/>
               </a:ext>
             </a:extLst>
           </p:cNvPr>
@@ -4555,7 +4555,7 @@
           <p:cNvPr id="2" name="Title 1">
             <a:extLst>
               <a:ext uri="{FF2B5EF4-FFF2-40B4-BE49-F238E27FC236}">
-                <a16:creationId xmlns="" xmlns:a16="http://schemas.microsoft.com/office/drawing/2014/main" id="{24A32E39-81CF-DC43-A360-EA61859400EF}"/>
+                <a16:creationId xmlns:a16="http://schemas.microsoft.com/office/drawing/2014/main" xmlns="" id="{24A32E39-81CF-DC43-A360-EA61859400EF}"/>
               </a:ext>
             </a:extLst>
           </p:cNvPr>
@@ -4583,7 +4583,7 @@
           <p:cNvPr id="3" name="Content Placeholder 2">
             <a:extLst>
               <a:ext uri="{FF2B5EF4-FFF2-40B4-BE49-F238E27FC236}">
-                <a16:creationId xmlns="" xmlns:a16="http://schemas.microsoft.com/office/drawing/2014/main" id="{AF5D43BF-31F9-3B4E-ACF9-14EABCB33ADE}"/>
+                <a16:creationId xmlns:a16="http://schemas.microsoft.com/office/drawing/2014/main" xmlns="" id="{AF5D43BF-31F9-3B4E-ACF9-14EABCB33ADE}"/>
               </a:ext>
             </a:extLst>
           </p:cNvPr>
@@ -4645,7 +4645,7 @@
           <p:cNvPr id="4" name="Content Placeholder 3">
             <a:extLst>
               <a:ext uri="{FF2B5EF4-FFF2-40B4-BE49-F238E27FC236}">
-                <a16:creationId xmlns="" xmlns:a16="http://schemas.microsoft.com/office/drawing/2014/main" id="{3A0F3FF4-521C-414F-A4F2-5476B138151F}"/>
+                <a16:creationId xmlns:a16="http://schemas.microsoft.com/office/drawing/2014/main" xmlns="" id="{3A0F3FF4-521C-414F-A4F2-5476B138151F}"/>
               </a:ext>
             </a:extLst>
           </p:cNvPr>
@@ -4707,7 +4707,7 @@
           <p:cNvPr id="5" name="Date Placeholder 4">
             <a:extLst>
               <a:ext uri="{FF2B5EF4-FFF2-40B4-BE49-F238E27FC236}">
-                <a16:creationId xmlns="" xmlns:a16="http://schemas.microsoft.com/office/drawing/2014/main" id="{6F6E7D1A-C5B3-5248-8EAF-E6E874E493AB}"/>
+                <a16:creationId xmlns:a16="http://schemas.microsoft.com/office/drawing/2014/main" xmlns="" id="{6F6E7D1A-C5B3-5248-8EAF-E6E874E493AB}"/>
               </a:ext>
             </a:extLst>
           </p:cNvPr>
@@ -4725,7 +4725,7 @@
           <a:p>
             <a:fld id="{2AD54A35-3D00-9346-A90C-D5D0667B371F}" type="datetimeFigureOut">
               <a:rPr lang="en-US" smtClean="0"/>
-              <a:t>10/11/20</a:t>
+              <a:t>11/16/20</a:t>
             </a:fld>
             <a:endParaRPr lang="en-US"/>
           </a:p>
@@ -4736,7 +4736,7 @@
           <p:cNvPr id="6" name="Footer Placeholder 5">
             <a:extLst>
               <a:ext uri="{FF2B5EF4-FFF2-40B4-BE49-F238E27FC236}">
-                <a16:creationId xmlns="" xmlns:a16="http://schemas.microsoft.com/office/drawing/2014/main" id="{98174B26-7F75-E243-818F-9A4C66B47117}"/>
+                <a16:creationId xmlns:a16="http://schemas.microsoft.com/office/drawing/2014/main" xmlns="" id="{98174B26-7F75-E243-818F-9A4C66B47117}"/>
               </a:ext>
             </a:extLst>
           </p:cNvPr>
@@ -4761,7 +4761,7 @@
           <p:cNvPr id="7" name="Slide Number Placeholder 6">
             <a:extLst>
               <a:ext uri="{FF2B5EF4-FFF2-40B4-BE49-F238E27FC236}">
-                <a16:creationId xmlns="" xmlns:a16="http://schemas.microsoft.com/office/drawing/2014/main" id="{7174E3BB-F00C-5246-A089-7AFCDFB3A46A}"/>
+                <a16:creationId xmlns:a16="http://schemas.microsoft.com/office/drawing/2014/main" xmlns="" id="{7174E3BB-F00C-5246-A089-7AFCDFB3A46A}"/>
               </a:ext>
             </a:extLst>
           </p:cNvPr>
@@ -4820,7 +4820,7 @@
           <p:cNvPr id="2" name="Title 1">
             <a:extLst>
               <a:ext uri="{FF2B5EF4-FFF2-40B4-BE49-F238E27FC236}">
-                <a16:creationId xmlns="" xmlns:a16="http://schemas.microsoft.com/office/drawing/2014/main" id="{EEF55CDB-8557-6B41-8E08-363EE40B9F4F}"/>
+                <a16:creationId xmlns:a16="http://schemas.microsoft.com/office/drawing/2014/main" xmlns="" id="{EEF55CDB-8557-6B41-8E08-363EE40B9F4F}"/>
               </a:ext>
             </a:extLst>
           </p:cNvPr>
@@ -4853,7 +4853,7 @@
           <p:cNvPr id="3" name="Text Placeholder 2">
             <a:extLst>
               <a:ext uri="{FF2B5EF4-FFF2-40B4-BE49-F238E27FC236}">
-                <a16:creationId xmlns="" xmlns:a16="http://schemas.microsoft.com/office/drawing/2014/main" id="{17AB7CA3-FDA4-1A43-8B38-05609B27E88C}"/>
+                <a16:creationId xmlns:a16="http://schemas.microsoft.com/office/drawing/2014/main" xmlns="" id="{17AB7CA3-FDA4-1A43-8B38-05609B27E88C}"/>
               </a:ext>
             </a:extLst>
           </p:cNvPr>
@@ -4924,7 +4924,7 @@
           <p:cNvPr id="4" name="Content Placeholder 3">
             <a:extLst>
               <a:ext uri="{FF2B5EF4-FFF2-40B4-BE49-F238E27FC236}">
-                <a16:creationId xmlns="" xmlns:a16="http://schemas.microsoft.com/office/drawing/2014/main" id="{B4607FF7-3258-6A4A-B616-C6C55B9D8408}"/>
+                <a16:creationId xmlns:a16="http://schemas.microsoft.com/office/drawing/2014/main" xmlns="" id="{B4607FF7-3258-6A4A-B616-C6C55B9D8408}"/>
               </a:ext>
             </a:extLst>
           </p:cNvPr>
@@ -4986,7 +4986,7 @@
           <p:cNvPr id="5" name="Text Placeholder 4">
             <a:extLst>
               <a:ext uri="{FF2B5EF4-FFF2-40B4-BE49-F238E27FC236}">
-                <a16:creationId xmlns="" xmlns:a16="http://schemas.microsoft.com/office/drawing/2014/main" id="{665FFB2E-2236-A645-96BE-56DCD9FF4BA2}"/>
+                <a16:creationId xmlns:a16="http://schemas.microsoft.com/office/drawing/2014/main" xmlns="" id="{665FFB2E-2236-A645-96BE-56DCD9FF4BA2}"/>
               </a:ext>
             </a:extLst>
           </p:cNvPr>
@@ -5057,7 +5057,7 @@
           <p:cNvPr id="6" name="Content Placeholder 5">
             <a:extLst>
               <a:ext uri="{FF2B5EF4-FFF2-40B4-BE49-F238E27FC236}">
-                <a16:creationId xmlns="" xmlns:a16="http://schemas.microsoft.com/office/drawing/2014/main" id="{C17216D8-36CA-DF47-8FC6-6745A0E729FA}"/>
+                <a16:creationId xmlns:a16="http://schemas.microsoft.com/office/drawing/2014/main" xmlns="" id="{C17216D8-36CA-DF47-8FC6-6745A0E729FA}"/>
               </a:ext>
             </a:extLst>
           </p:cNvPr>
@@ -5119,7 +5119,7 @@
           <p:cNvPr id="7" name="Date Placeholder 6">
             <a:extLst>
               <a:ext uri="{FF2B5EF4-FFF2-40B4-BE49-F238E27FC236}">
-                <a16:creationId xmlns="" xmlns:a16="http://schemas.microsoft.com/office/drawing/2014/main" id="{4A8B6918-46FB-6B43-AA86-E1E5E33935FA}"/>
+                <a16:creationId xmlns:a16="http://schemas.microsoft.com/office/drawing/2014/main" xmlns="" id="{4A8B6918-46FB-6B43-AA86-E1E5E33935FA}"/>
               </a:ext>
             </a:extLst>
           </p:cNvPr>
@@ -5137,7 +5137,7 @@
           <a:p>
             <a:fld id="{2AD54A35-3D00-9346-A90C-D5D0667B371F}" type="datetimeFigureOut">
               <a:rPr lang="en-US" smtClean="0"/>
-              <a:t>10/11/20</a:t>
+              <a:t>11/16/20</a:t>
             </a:fld>
             <a:endParaRPr lang="en-US"/>
           </a:p>
@@ -5148,7 +5148,7 @@
           <p:cNvPr id="8" name="Footer Placeholder 7">
             <a:extLst>
               <a:ext uri="{FF2B5EF4-FFF2-40B4-BE49-F238E27FC236}">
-                <a16:creationId xmlns="" xmlns:a16="http://schemas.microsoft.com/office/drawing/2014/main" id="{4BF5E58B-CA7A-9F4F-ACEC-E6358EEF62E7}"/>
+                <a16:creationId xmlns:a16="http://schemas.microsoft.com/office/drawing/2014/main" xmlns="" id="{4BF5E58B-CA7A-9F4F-ACEC-E6358EEF62E7}"/>
               </a:ext>
             </a:extLst>
           </p:cNvPr>
@@ -5173,7 +5173,7 @@
           <p:cNvPr id="9" name="Slide Number Placeholder 8">
             <a:extLst>
               <a:ext uri="{FF2B5EF4-FFF2-40B4-BE49-F238E27FC236}">
-                <a16:creationId xmlns="" xmlns:a16="http://schemas.microsoft.com/office/drawing/2014/main" id="{BE6B23CD-A1EF-5A42-B208-868C8885248C}"/>
+                <a16:creationId xmlns:a16="http://schemas.microsoft.com/office/drawing/2014/main" xmlns="" id="{BE6B23CD-A1EF-5A42-B208-868C8885248C}"/>
               </a:ext>
             </a:extLst>
           </p:cNvPr>
@@ -5232,7 +5232,7 @@
           <p:cNvPr id="2" name="Title 1">
             <a:extLst>
               <a:ext uri="{FF2B5EF4-FFF2-40B4-BE49-F238E27FC236}">
-                <a16:creationId xmlns="" xmlns:a16="http://schemas.microsoft.com/office/drawing/2014/main" id="{703F6DB2-C8F8-2B4C-A828-A4BD27053A89}"/>
+                <a16:creationId xmlns:a16="http://schemas.microsoft.com/office/drawing/2014/main" xmlns="" id="{703F6DB2-C8F8-2B4C-A828-A4BD27053A89}"/>
               </a:ext>
             </a:extLst>
           </p:cNvPr>
@@ -5260,7 +5260,7 @@
           <p:cNvPr id="3" name="Date Placeholder 2">
             <a:extLst>
               <a:ext uri="{FF2B5EF4-FFF2-40B4-BE49-F238E27FC236}">
-                <a16:creationId xmlns="" xmlns:a16="http://schemas.microsoft.com/office/drawing/2014/main" id="{F0FFA1AA-94FA-4347-A797-03D12F38E0F2}"/>
+                <a16:creationId xmlns:a16="http://schemas.microsoft.com/office/drawing/2014/main" xmlns="" id="{F0FFA1AA-94FA-4347-A797-03D12F38E0F2}"/>
               </a:ext>
             </a:extLst>
           </p:cNvPr>
@@ -5278,7 +5278,7 @@
           <a:p>
             <a:fld id="{2AD54A35-3D00-9346-A90C-D5D0667B371F}" type="datetimeFigureOut">
               <a:rPr lang="en-US" smtClean="0"/>
-              <a:t>10/11/20</a:t>
+              <a:t>11/16/20</a:t>
             </a:fld>
             <a:endParaRPr lang="en-US"/>
           </a:p>
@@ -5289,7 +5289,7 @@
           <p:cNvPr id="4" name="Footer Placeholder 3">
             <a:extLst>
               <a:ext uri="{FF2B5EF4-FFF2-40B4-BE49-F238E27FC236}">
-                <a16:creationId xmlns="" xmlns:a16="http://schemas.microsoft.com/office/drawing/2014/main" id="{CAF3498B-C124-3E48-98F2-B51D5ED7DCC5}"/>
+                <a16:creationId xmlns:a16="http://schemas.microsoft.com/office/drawing/2014/main" xmlns="" id="{CAF3498B-C124-3E48-98F2-B51D5ED7DCC5}"/>
               </a:ext>
             </a:extLst>
           </p:cNvPr>
@@ -5314,7 +5314,7 @@
           <p:cNvPr id="5" name="Slide Number Placeholder 4">
             <a:extLst>
               <a:ext uri="{FF2B5EF4-FFF2-40B4-BE49-F238E27FC236}">
-                <a16:creationId xmlns="" xmlns:a16="http://schemas.microsoft.com/office/drawing/2014/main" id="{8E35682A-FA69-6841-8535-6C9A8B33EAF4}"/>
+                <a16:creationId xmlns:a16="http://schemas.microsoft.com/office/drawing/2014/main" xmlns="" id="{8E35682A-FA69-6841-8535-6C9A8B33EAF4}"/>
               </a:ext>
             </a:extLst>
           </p:cNvPr>
@@ -5373,7 +5373,7 @@
           <p:cNvPr id="2" name="Date Placeholder 1">
             <a:extLst>
               <a:ext uri="{FF2B5EF4-FFF2-40B4-BE49-F238E27FC236}">
-                <a16:creationId xmlns="" xmlns:a16="http://schemas.microsoft.com/office/drawing/2014/main" id="{931B743E-6ED9-E148-A50A-4027C437B6B2}"/>
+                <a16:creationId xmlns:a16="http://schemas.microsoft.com/office/drawing/2014/main" xmlns="" id="{931B743E-6ED9-E148-A50A-4027C437B6B2}"/>
               </a:ext>
             </a:extLst>
           </p:cNvPr>
@@ -5391,7 +5391,7 @@
           <a:p>
             <a:fld id="{2AD54A35-3D00-9346-A90C-D5D0667B371F}" type="datetimeFigureOut">
               <a:rPr lang="en-US" smtClean="0"/>
-              <a:t>10/11/20</a:t>
+              <a:t>11/16/20</a:t>
             </a:fld>
             <a:endParaRPr lang="en-US"/>
           </a:p>
@@ -5402,7 +5402,7 @@
           <p:cNvPr id="3" name="Footer Placeholder 2">
             <a:extLst>
               <a:ext uri="{FF2B5EF4-FFF2-40B4-BE49-F238E27FC236}">
-                <a16:creationId xmlns="" xmlns:a16="http://schemas.microsoft.com/office/drawing/2014/main" id="{2EA84763-B782-994F-A6AE-AB888231FDB1}"/>
+                <a16:creationId xmlns:a16="http://schemas.microsoft.com/office/drawing/2014/main" xmlns="" id="{2EA84763-B782-994F-A6AE-AB888231FDB1}"/>
               </a:ext>
             </a:extLst>
           </p:cNvPr>
@@ -5427,7 +5427,7 @@
           <p:cNvPr id="4" name="Slide Number Placeholder 3">
             <a:extLst>
               <a:ext uri="{FF2B5EF4-FFF2-40B4-BE49-F238E27FC236}">
-                <a16:creationId xmlns="" xmlns:a16="http://schemas.microsoft.com/office/drawing/2014/main" id="{BEBBE305-122C-FB4F-9867-3C060640909F}"/>
+                <a16:creationId xmlns:a16="http://schemas.microsoft.com/office/drawing/2014/main" xmlns="" id="{BEBBE305-122C-FB4F-9867-3C060640909F}"/>
               </a:ext>
             </a:extLst>
           </p:cNvPr>
@@ -5486,7 +5486,7 @@
           <p:cNvPr id="2" name="Title 1">
             <a:extLst>
               <a:ext uri="{FF2B5EF4-FFF2-40B4-BE49-F238E27FC236}">
-                <a16:creationId xmlns="" xmlns:a16="http://schemas.microsoft.com/office/drawing/2014/main" id="{B6EF527D-308B-6B43-A7F4-41D7724527E8}"/>
+                <a16:creationId xmlns:a16="http://schemas.microsoft.com/office/drawing/2014/main" xmlns="" id="{B6EF527D-308B-6B43-A7F4-41D7724527E8}"/>
               </a:ext>
             </a:extLst>
           </p:cNvPr>
@@ -5523,7 +5523,7 @@
           <p:cNvPr id="3" name="Content Placeholder 2">
             <a:extLst>
               <a:ext uri="{FF2B5EF4-FFF2-40B4-BE49-F238E27FC236}">
-                <a16:creationId xmlns="" xmlns:a16="http://schemas.microsoft.com/office/drawing/2014/main" id="{2AB6D04B-009F-5F45-8F98-2B285CC51C3C}"/>
+                <a16:creationId xmlns:a16="http://schemas.microsoft.com/office/drawing/2014/main" xmlns="" id="{2AB6D04B-009F-5F45-8F98-2B285CC51C3C}"/>
               </a:ext>
             </a:extLst>
           </p:cNvPr>
@@ -5613,7 +5613,7 @@
           <p:cNvPr id="4" name="Text Placeholder 3">
             <a:extLst>
               <a:ext uri="{FF2B5EF4-FFF2-40B4-BE49-F238E27FC236}">
-                <a16:creationId xmlns="" xmlns:a16="http://schemas.microsoft.com/office/drawing/2014/main" id="{501FC7AE-E107-5843-BD44-CA2602BF00E7}"/>
+                <a16:creationId xmlns:a16="http://schemas.microsoft.com/office/drawing/2014/main" xmlns="" id="{501FC7AE-E107-5843-BD44-CA2602BF00E7}"/>
               </a:ext>
             </a:extLst>
           </p:cNvPr>
@@ -5684,7 +5684,7 @@
           <p:cNvPr id="5" name="Date Placeholder 4">
             <a:extLst>
               <a:ext uri="{FF2B5EF4-FFF2-40B4-BE49-F238E27FC236}">
-                <a16:creationId xmlns="" xmlns:a16="http://schemas.microsoft.com/office/drawing/2014/main" id="{1DC3D721-7195-024D-9BB4-2ECA2A488268}"/>
+                <a16:creationId xmlns:a16="http://schemas.microsoft.com/office/drawing/2014/main" xmlns="" id="{1DC3D721-7195-024D-9BB4-2ECA2A488268}"/>
               </a:ext>
             </a:extLst>
           </p:cNvPr>
@@ -5702,7 +5702,7 @@
           <a:p>
             <a:fld id="{2AD54A35-3D00-9346-A90C-D5D0667B371F}" type="datetimeFigureOut">
               <a:rPr lang="en-US" smtClean="0"/>
-              <a:t>10/11/20</a:t>
+              <a:t>11/16/20</a:t>
             </a:fld>
             <a:endParaRPr lang="en-US"/>
           </a:p>
@@ -5713,7 +5713,7 @@
           <p:cNvPr id="6" name="Footer Placeholder 5">
             <a:extLst>
               <a:ext uri="{FF2B5EF4-FFF2-40B4-BE49-F238E27FC236}">
-                <a16:creationId xmlns="" xmlns:a16="http://schemas.microsoft.com/office/drawing/2014/main" id="{03A3E2D8-698C-AB43-9C55-7C9293F9F978}"/>
+                <a16:creationId xmlns:a16="http://schemas.microsoft.com/office/drawing/2014/main" xmlns="" id="{03A3E2D8-698C-AB43-9C55-7C9293F9F978}"/>
               </a:ext>
             </a:extLst>
           </p:cNvPr>
@@ -5738,7 +5738,7 @@
           <p:cNvPr id="7" name="Slide Number Placeholder 6">
             <a:extLst>
               <a:ext uri="{FF2B5EF4-FFF2-40B4-BE49-F238E27FC236}">
-                <a16:creationId xmlns="" xmlns:a16="http://schemas.microsoft.com/office/drawing/2014/main" id="{AC334DCD-F82A-5640-A628-737954C6E93F}"/>
+                <a16:creationId xmlns:a16="http://schemas.microsoft.com/office/drawing/2014/main" xmlns="" id="{AC334DCD-F82A-5640-A628-737954C6E93F}"/>
               </a:ext>
             </a:extLst>
           </p:cNvPr>
@@ -5797,7 +5797,7 @@
           <p:cNvPr id="2" name="Title 1">
             <a:extLst>
               <a:ext uri="{FF2B5EF4-FFF2-40B4-BE49-F238E27FC236}">
-                <a16:creationId xmlns="" xmlns:a16="http://schemas.microsoft.com/office/drawing/2014/main" id="{A8930BAB-3FA9-0D45-8D32-F13C96BE17D1}"/>
+                <a16:creationId xmlns:a16="http://schemas.microsoft.com/office/drawing/2014/main" xmlns="" id="{A8930BAB-3FA9-0D45-8D32-F13C96BE17D1}"/>
               </a:ext>
             </a:extLst>
           </p:cNvPr>
@@ -5834,7 +5834,7 @@
           <p:cNvPr id="3" name="Picture Placeholder 2">
             <a:extLst>
               <a:ext uri="{FF2B5EF4-FFF2-40B4-BE49-F238E27FC236}">
-                <a16:creationId xmlns="" xmlns:a16="http://schemas.microsoft.com/office/drawing/2014/main" id="{7B2582F8-2B8F-6348-822D-D3E251316097}"/>
+                <a16:creationId xmlns:a16="http://schemas.microsoft.com/office/drawing/2014/main" xmlns="" id="{7B2582F8-2B8F-6348-822D-D3E251316097}"/>
               </a:ext>
             </a:extLst>
           </p:cNvPr>
@@ -5901,7 +5901,7 @@
           <p:cNvPr id="4" name="Text Placeholder 3">
             <a:extLst>
               <a:ext uri="{FF2B5EF4-FFF2-40B4-BE49-F238E27FC236}">
-                <a16:creationId xmlns="" xmlns:a16="http://schemas.microsoft.com/office/drawing/2014/main" id="{0EF7D9B5-55BD-904F-AC49-F3885E0BE60A}"/>
+                <a16:creationId xmlns:a16="http://schemas.microsoft.com/office/drawing/2014/main" xmlns="" id="{0EF7D9B5-55BD-904F-AC49-F3885E0BE60A}"/>
               </a:ext>
             </a:extLst>
           </p:cNvPr>
@@ -5972,7 +5972,7 @@
           <p:cNvPr id="5" name="Date Placeholder 4">
             <a:extLst>
               <a:ext uri="{FF2B5EF4-FFF2-40B4-BE49-F238E27FC236}">
-                <a16:creationId xmlns="" xmlns:a16="http://schemas.microsoft.com/office/drawing/2014/main" id="{DE65F069-D268-F045-835A-634C9A4493B6}"/>
+                <a16:creationId xmlns:a16="http://schemas.microsoft.com/office/drawing/2014/main" xmlns="" id="{DE65F069-D268-F045-835A-634C9A4493B6}"/>
               </a:ext>
             </a:extLst>
           </p:cNvPr>
@@ -5990,7 +5990,7 @@
           <a:p>
             <a:fld id="{2AD54A35-3D00-9346-A90C-D5D0667B371F}" type="datetimeFigureOut">
               <a:rPr lang="en-US" smtClean="0"/>
-              <a:t>10/11/20</a:t>
+              <a:t>11/16/20</a:t>
             </a:fld>
             <a:endParaRPr lang="en-US"/>
           </a:p>
@@ -6001,7 +6001,7 @@
           <p:cNvPr id="6" name="Footer Placeholder 5">
             <a:extLst>
               <a:ext uri="{FF2B5EF4-FFF2-40B4-BE49-F238E27FC236}">
-                <a16:creationId xmlns="" xmlns:a16="http://schemas.microsoft.com/office/drawing/2014/main" id="{E52DE5EE-4E26-394A-9C40-BDB87F678B74}"/>
+                <a16:creationId xmlns:a16="http://schemas.microsoft.com/office/drawing/2014/main" xmlns="" id="{E52DE5EE-4E26-394A-9C40-BDB87F678B74}"/>
               </a:ext>
             </a:extLst>
           </p:cNvPr>
@@ -6026,7 +6026,7 @@
           <p:cNvPr id="7" name="Slide Number Placeholder 6">
             <a:extLst>
               <a:ext uri="{FF2B5EF4-FFF2-40B4-BE49-F238E27FC236}">
-                <a16:creationId xmlns="" xmlns:a16="http://schemas.microsoft.com/office/drawing/2014/main" id="{5B801774-5FD1-A54F-ABD3-160F69F1E530}"/>
+                <a16:creationId xmlns:a16="http://schemas.microsoft.com/office/drawing/2014/main" xmlns="" id="{5B801774-5FD1-A54F-ABD3-160F69F1E530}"/>
               </a:ext>
             </a:extLst>
           </p:cNvPr>
@@ -6090,7 +6090,7 @@
           <p:cNvPr id="2" name="Title Placeholder 1">
             <a:extLst>
               <a:ext uri="{FF2B5EF4-FFF2-40B4-BE49-F238E27FC236}">
-                <a16:creationId xmlns="" xmlns:a16="http://schemas.microsoft.com/office/drawing/2014/main" id="{143A8776-B071-7F4C-80CB-8A4F87A49404}"/>
+                <a16:creationId xmlns:a16="http://schemas.microsoft.com/office/drawing/2014/main" xmlns="" id="{143A8776-B071-7F4C-80CB-8A4F87A49404}"/>
               </a:ext>
             </a:extLst>
           </p:cNvPr>
@@ -6128,7 +6128,7 @@
           <p:cNvPr id="3" name="Text Placeholder 2">
             <a:extLst>
               <a:ext uri="{FF2B5EF4-FFF2-40B4-BE49-F238E27FC236}">
-                <a16:creationId xmlns="" xmlns:a16="http://schemas.microsoft.com/office/drawing/2014/main" id="{576995E7-0CA4-244E-813F-ADBFA2B982BC}"/>
+                <a16:creationId xmlns:a16="http://schemas.microsoft.com/office/drawing/2014/main" xmlns="" id="{576995E7-0CA4-244E-813F-ADBFA2B982BC}"/>
               </a:ext>
             </a:extLst>
           </p:cNvPr>
@@ -6195,7 +6195,7 @@
           <p:cNvPr id="4" name="Date Placeholder 3">
             <a:extLst>
               <a:ext uri="{FF2B5EF4-FFF2-40B4-BE49-F238E27FC236}">
-                <a16:creationId xmlns="" xmlns:a16="http://schemas.microsoft.com/office/drawing/2014/main" id="{2FA1158F-6BA5-1843-89D0-B1D7E4B651D8}"/>
+                <a16:creationId xmlns:a16="http://schemas.microsoft.com/office/drawing/2014/main" xmlns="" id="{2FA1158F-6BA5-1843-89D0-B1D7E4B651D8}"/>
               </a:ext>
             </a:extLst>
           </p:cNvPr>
@@ -6231,7 +6231,7 @@
           <a:p>
             <a:fld id="{2AD54A35-3D00-9346-A90C-D5D0667B371F}" type="datetimeFigureOut">
               <a:rPr lang="en-US" smtClean="0"/>
-              <a:t>10/11/20</a:t>
+              <a:t>11/16/20</a:t>
             </a:fld>
             <a:endParaRPr lang="en-US"/>
           </a:p>
@@ -6242,7 +6242,7 @@
           <p:cNvPr id="5" name="Footer Placeholder 4">
             <a:extLst>
               <a:ext uri="{FF2B5EF4-FFF2-40B4-BE49-F238E27FC236}">
-                <a16:creationId xmlns="" xmlns:a16="http://schemas.microsoft.com/office/drawing/2014/main" id="{2635DD9C-A3B9-F749-977D-B98ED384D58A}"/>
+                <a16:creationId xmlns:a16="http://schemas.microsoft.com/office/drawing/2014/main" xmlns="" id="{2635DD9C-A3B9-F749-977D-B98ED384D58A}"/>
               </a:ext>
             </a:extLst>
           </p:cNvPr>
@@ -6285,7 +6285,7 @@
           <p:cNvPr id="6" name="Slide Number Placeholder 5">
             <a:extLst>
               <a:ext uri="{FF2B5EF4-FFF2-40B4-BE49-F238E27FC236}">
-                <a16:creationId xmlns="" xmlns:a16="http://schemas.microsoft.com/office/drawing/2014/main" id="{296A0EB5-132D-F04D-8265-B55F7C455D20}"/>
+                <a16:creationId xmlns:a16="http://schemas.microsoft.com/office/drawing/2014/main" xmlns="" id="{296A0EB5-132D-F04D-8265-B55F7C455D20}"/>
               </a:ext>
             </a:extLst>
           </p:cNvPr>
@@ -6791,7 +6791,7 @@
                 <a:sym typeface="Arial"/>
               </a:rPr>
               <a:pPr/>
-              <a:t>10/11/20</a:t>
+              <a:t>11/16/20</a:t>
             </a:fld>
             <a:endParaRPr lang="en-US">
               <a:solidFill>
@@ -7421,7 +7421,7 @@
           <p:cNvPr id="2" name="Title 1">
             <a:extLst>
               <a:ext uri="{FF2B5EF4-FFF2-40B4-BE49-F238E27FC236}">
-                <a16:creationId xmlns="" xmlns:a16="http://schemas.microsoft.com/office/drawing/2014/main" id="{358DD9C9-8F33-7E4A-BB20-4A3F6AD77B5D}"/>
+                <a16:creationId xmlns:a16="http://schemas.microsoft.com/office/drawing/2014/main" xmlns="" id="{358DD9C9-8F33-7E4A-BB20-4A3F6AD77B5D}"/>
               </a:ext>
             </a:extLst>
           </p:cNvPr>
@@ -7449,7 +7449,7 @@
           <p:cNvPr id="9" name="Content Placeholder 8">
             <a:extLst>
               <a:ext uri="{FF2B5EF4-FFF2-40B4-BE49-F238E27FC236}">
-                <a16:creationId xmlns="" xmlns:a16="http://schemas.microsoft.com/office/drawing/2014/main" id="{F810C112-AE3F-A641-BC01-FA48DBAF9144}"/>
+                <a16:creationId xmlns:a16="http://schemas.microsoft.com/office/drawing/2014/main" xmlns="" id="{F810C112-AE3F-A641-BC01-FA48DBAF9144}"/>
               </a:ext>
             </a:extLst>
           </p:cNvPr>
@@ -7609,7 +7609,7 @@
           <p:cNvPr id="2" name="Title 1">
             <a:extLst>
               <a:ext uri="{FF2B5EF4-FFF2-40B4-BE49-F238E27FC236}">
-                <a16:creationId xmlns="" xmlns:a16="http://schemas.microsoft.com/office/drawing/2014/main" id="{9FB9BB7C-52A8-154E-8E15-F777238E86FE}"/>
+                <a16:creationId xmlns:a16="http://schemas.microsoft.com/office/drawing/2014/main" xmlns="" id="{9FB9BB7C-52A8-154E-8E15-F777238E86FE}"/>
               </a:ext>
             </a:extLst>
           </p:cNvPr>
@@ -7637,7 +7637,7 @@
           <p:cNvPr id="3" name="Content Placeholder 2">
             <a:extLst>
               <a:ext uri="{FF2B5EF4-FFF2-40B4-BE49-F238E27FC236}">
-                <a16:creationId xmlns="" xmlns:a16="http://schemas.microsoft.com/office/drawing/2014/main" id="{BDC8DC68-BF5E-6A4F-A33F-EFD052CFD7DA}"/>
+                <a16:creationId xmlns:a16="http://schemas.microsoft.com/office/drawing/2014/main" xmlns="" id="{BDC8DC68-BF5E-6A4F-A33F-EFD052CFD7DA}"/>
               </a:ext>
             </a:extLst>
           </p:cNvPr>
@@ -7743,7 +7743,7 @@
           <p:cNvPr id="2" name="Title 1">
             <a:extLst>
               <a:ext uri="{FF2B5EF4-FFF2-40B4-BE49-F238E27FC236}">
-                <a16:creationId xmlns="" xmlns:a16="http://schemas.microsoft.com/office/drawing/2014/main" id="{70498598-EC03-7B4A-93A2-F271F535EB18}"/>
+                <a16:creationId xmlns:a16="http://schemas.microsoft.com/office/drawing/2014/main" xmlns="" id="{70498598-EC03-7B4A-93A2-F271F535EB18}"/>
               </a:ext>
             </a:extLst>
           </p:cNvPr>
@@ -7771,7 +7771,7 @@
           <p:cNvPr id="3" name="Content Placeholder 2">
             <a:extLst>
               <a:ext uri="{FF2B5EF4-FFF2-40B4-BE49-F238E27FC236}">
-                <a16:creationId xmlns="" xmlns:a16="http://schemas.microsoft.com/office/drawing/2014/main" id="{8B9C86E3-CE2D-0345-BE91-0265ECE10E7D}"/>
+                <a16:creationId xmlns:a16="http://schemas.microsoft.com/office/drawing/2014/main" xmlns="" id="{8B9C86E3-CE2D-0345-BE91-0265ECE10E7D}"/>
               </a:ext>
             </a:extLst>
           </p:cNvPr>
@@ -7883,7 +7883,7 @@
           <p:cNvPr id="2" name="Title 1">
             <a:extLst>
               <a:ext uri="{FF2B5EF4-FFF2-40B4-BE49-F238E27FC236}">
-                <a16:creationId xmlns="" xmlns:a16="http://schemas.microsoft.com/office/drawing/2014/main" id="{358DD9C9-8F33-7E4A-BB20-4A3F6AD77B5D}"/>
+                <a16:creationId xmlns:a16="http://schemas.microsoft.com/office/drawing/2014/main" xmlns="" id="{358DD9C9-8F33-7E4A-BB20-4A3F6AD77B5D}"/>
               </a:ext>
             </a:extLst>
           </p:cNvPr>
@@ -7911,7 +7911,7 @@
           <p:cNvPr id="6" name="Text Placeholder 5">
             <a:extLst>
               <a:ext uri="{FF2B5EF4-FFF2-40B4-BE49-F238E27FC236}">
-                <a16:creationId xmlns="" xmlns:a16="http://schemas.microsoft.com/office/drawing/2014/main" id="{33DE313B-952F-1E4C-AE6C-DE987F56F535}"/>
+                <a16:creationId xmlns:a16="http://schemas.microsoft.com/office/drawing/2014/main" xmlns="" id="{33DE313B-952F-1E4C-AE6C-DE987F56F535}"/>
               </a:ext>
             </a:extLst>
           </p:cNvPr>
@@ -7941,7 +7941,7 @@
           <p:cNvPr id="8" name="Text Placeholder 7">
             <a:extLst>
               <a:ext uri="{FF2B5EF4-FFF2-40B4-BE49-F238E27FC236}">
-                <a16:creationId xmlns="" xmlns:a16="http://schemas.microsoft.com/office/drawing/2014/main" id="{C537B1CD-2687-A74D-9CB8-34E12374C3FC}"/>
+                <a16:creationId xmlns:a16="http://schemas.microsoft.com/office/drawing/2014/main" xmlns="" id="{C537B1CD-2687-A74D-9CB8-34E12374C3FC}"/>
               </a:ext>
             </a:extLst>
           </p:cNvPr>
@@ -7971,7 +7971,7 @@
           <p:cNvPr id="10" name="Rectangle 9">
             <a:extLst>
               <a:ext uri="{FF2B5EF4-FFF2-40B4-BE49-F238E27FC236}">
-                <a16:creationId xmlns="" xmlns:a16="http://schemas.microsoft.com/office/drawing/2014/main" id="{D3256648-E5B4-7A4E-80CC-2D668B6CD5D2}"/>
+                <a16:creationId xmlns:a16="http://schemas.microsoft.com/office/drawing/2014/main" xmlns="" id="{D3256648-E5B4-7A4E-80CC-2D668B6CD5D2}"/>
               </a:ext>
             </a:extLst>
           </p:cNvPr>
@@ -8020,7 +8020,7 @@
           <p:cNvPr id="11" name="Rectangle 10">
             <a:extLst>
               <a:ext uri="{FF2B5EF4-FFF2-40B4-BE49-F238E27FC236}">
-                <a16:creationId xmlns="" xmlns:a16="http://schemas.microsoft.com/office/drawing/2014/main" id="{3815DE27-3230-0745-A0A7-FD0479EE2681}"/>
+                <a16:creationId xmlns:a16="http://schemas.microsoft.com/office/drawing/2014/main" xmlns="" id="{3815DE27-3230-0745-A0A7-FD0479EE2681}"/>
               </a:ext>
             </a:extLst>
           </p:cNvPr>
@@ -8069,7 +8069,7 @@
           <p:cNvPr id="13" name="TextBox 12">
             <a:extLst>
               <a:ext uri="{FF2B5EF4-FFF2-40B4-BE49-F238E27FC236}">
-                <a16:creationId xmlns="" xmlns:a16="http://schemas.microsoft.com/office/drawing/2014/main" id="{42FD6980-3EDE-2847-8349-F1AA40313C00}"/>
+                <a16:creationId xmlns:a16="http://schemas.microsoft.com/office/drawing/2014/main" xmlns="" id="{42FD6980-3EDE-2847-8349-F1AA40313C00}"/>
               </a:ext>
             </a:extLst>
           </p:cNvPr>
@@ -8105,7 +8105,7 @@
           <p:cNvPr id="15" name="Straight Connector 14">
             <a:extLst>
               <a:ext uri="{FF2B5EF4-FFF2-40B4-BE49-F238E27FC236}">
-                <a16:creationId xmlns="" xmlns:a16="http://schemas.microsoft.com/office/drawing/2014/main" id="{F1D691CA-1D10-634D-BF35-A6485C7982FF}"/>
+                <a16:creationId xmlns:a16="http://schemas.microsoft.com/office/drawing/2014/main" xmlns="" id="{F1D691CA-1D10-634D-BF35-A6485C7982FF}"/>
               </a:ext>
             </a:extLst>
           </p:cNvPr>
@@ -8149,7 +8149,7 @@
           <p:cNvPr id="16" name="Rectangle 15">
             <a:extLst>
               <a:ext uri="{FF2B5EF4-FFF2-40B4-BE49-F238E27FC236}">
-                <a16:creationId xmlns="" xmlns:a16="http://schemas.microsoft.com/office/drawing/2014/main" id="{77CD1CDC-491B-0D4C-AAFB-2E8EA3282914}"/>
+                <a16:creationId xmlns:a16="http://schemas.microsoft.com/office/drawing/2014/main" xmlns="" id="{77CD1CDC-491B-0D4C-AAFB-2E8EA3282914}"/>
               </a:ext>
             </a:extLst>
           </p:cNvPr>
@@ -8198,7 +8198,7 @@
           <p:cNvPr id="17" name="Rectangle 16">
             <a:extLst>
               <a:ext uri="{FF2B5EF4-FFF2-40B4-BE49-F238E27FC236}">
-                <a16:creationId xmlns="" xmlns:a16="http://schemas.microsoft.com/office/drawing/2014/main" id="{234663B7-ACA3-DD4B-8C70-90B4123D86D5}"/>
+                <a16:creationId xmlns:a16="http://schemas.microsoft.com/office/drawing/2014/main" xmlns="" id="{234663B7-ACA3-DD4B-8C70-90B4123D86D5}"/>
               </a:ext>
             </a:extLst>
           </p:cNvPr>
@@ -8247,7 +8247,7 @@
           <p:cNvPr id="23" name="Curved Connector 22">
             <a:extLst>
               <a:ext uri="{FF2B5EF4-FFF2-40B4-BE49-F238E27FC236}">
-                <a16:creationId xmlns="" xmlns:a16="http://schemas.microsoft.com/office/drawing/2014/main" id="{B12187BD-7BCE-E54A-AE76-8C910DB1A41D}"/>
+                <a16:creationId xmlns:a16="http://schemas.microsoft.com/office/drawing/2014/main" xmlns="" id="{B12187BD-7BCE-E54A-AE76-8C910DB1A41D}"/>
               </a:ext>
             </a:extLst>
           </p:cNvPr>
@@ -8292,7 +8292,7 @@
           <p:cNvPr id="25" name="Rectangle 24">
             <a:extLst>
               <a:ext uri="{FF2B5EF4-FFF2-40B4-BE49-F238E27FC236}">
-                <a16:creationId xmlns="" xmlns:a16="http://schemas.microsoft.com/office/drawing/2014/main" id="{04A1F68B-8FD7-2A40-9A6F-5EC96778ABA3}"/>
+                <a16:creationId xmlns:a16="http://schemas.microsoft.com/office/drawing/2014/main" xmlns="" id="{04A1F68B-8FD7-2A40-9A6F-5EC96778ABA3}"/>
               </a:ext>
             </a:extLst>
           </p:cNvPr>
@@ -8341,7 +8341,7 @@
           <p:cNvPr id="27" name="Rectangle 26">
             <a:extLst>
               <a:ext uri="{FF2B5EF4-FFF2-40B4-BE49-F238E27FC236}">
-                <a16:creationId xmlns="" xmlns:a16="http://schemas.microsoft.com/office/drawing/2014/main" id="{1320079D-53A3-B14C-A832-AD503BF156C5}"/>
+                <a16:creationId xmlns:a16="http://schemas.microsoft.com/office/drawing/2014/main" xmlns="" id="{1320079D-53A3-B14C-A832-AD503BF156C5}"/>
               </a:ext>
             </a:extLst>
           </p:cNvPr>
@@ -8390,7 +8390,7 @@
           <p:cNvPr id="28" name="Curved Connector 27">
             <a:extLst>
               <a:ext uri="{FF2B5EF4-FFF2-40B4-BE49-F238E27FC236}">
-                <a16:creationId xmlns="" xmlns:a16="http://schemas.microsoft.com/office/drawing/2014/main" id="{5B628F0E-A965-964F-B388-0AA841F54F35}"/>
+                <a16:creationId xmlns:a16="http://schemas.microsoft.com/office/drawing/2014/main" xmlns="" id="{5B628F0E-A965-964F-B388-0AA841F54F35}"/>
               </a:ext>
             </a:extLst>
           </p:cNvPr>
@@ -8436,7 +8436,7 @@
           <p:cNvPr id="31" name="Curved Connector 30">
             <a:extLst>
               <a:ext uri="{FF2B5EF4-FFF2-40B4-BE49-F238E27FC236}">
-                <a16:creationId xmlns="" xmlns:a16="http://schemas.microsoft.com/office/drawing/2014/main" id="{D6223184-A810-8C4E-8DD6-BDE3F8857DAF}"/>
+                <a16:creationId xmlns:a16="http://schemas.microsoft.com/office/drawing/2014/main" xmlns="" id="{D6223184-A810-8C4E-8DD6-BDE3F8857DAF}"/>
               </a:ext>
             </a:extLst>
           </p:cNvPr>
@@ -8482,7 +8482,7 @@
           <p:cNvPr id="34" name="Curved Connector 33">
             <a:extLst>
               <a:ext uri="{FF2B5EF4-FFF2-40B4-BE49-F238E27FC236}">
-                <a16:creationId xmlns="" xmlns:a16="http://schemas.microsoft.com/office/drawing/2014/main" id="{5FAAE7BA-4D42-A645-BEF3-2E796B982B4F}"/>
+                <a16:creationId xmlns:a16="http://schemas.microsoft.com/office/drawing/2014/main" xmlns="" id="{5FAAE7BA-4D42-A645-BEF3-2E796B982B4F}"/>
               </a:ext>
             </a:extLst>
           </p:cNvPr>
@@ -8528,7 +8528,7 @@
           <p:cNvPr id="3" name="TextBox 2">
             <a:extLst>
               <a:ext uri="{FF2B5EF4-FFF2-40B4-BE49-F238E27FC236}">
-                <a16:creationId xmlns="" xmlns:a16="http://schemas.microsoft.com/office/drawing/2014/main" id="{50CDAB78-B049-7743-B9D3-9C36809A8836}"/>
+                <a16:creationId xmlns:a16="http://schemas.microsoft.com/office/drawing/2014/main" xmlns="" id="{50CDAB78-B049-7743-B9D3-9C36809A8836}"/>
               </a:ext>
             </a:extLst>
           </p:cNvPr>
@@ -8563,7 +8563,7 @@
           <p:cNvPr id="4" name="TextBox 3">
             <a:extLst>
               <a:ext uri="{FF2B5EF4-FFF2-40B4-BE49-F238E27FC236}">
-                <a16:creationId xmlns="" xmlns:a16="http://schemas.microsoft.com/office/drawing/2014/main" id="{F78FF2AD-57E1-E248-A20B-3BE3D5EC5860}"/>
+                <a16:creationId xmlns:a16="http://schemas.microsoft.com/office/drawing/2014/main" xmlns="" id="{F78FF2AD-57E1-E248-A20B-3BE3D5EC5860}"/>
               </a:ext>
             </a:extLst>
           </p:cNvPr>
@@ -8602,7 +8602,7 @@
           <p:cNvPr id="19" name="TextBox 18">
             <a:extLst>
               <a:ext uri="{FF2B5EF4-FFF2-40B4-BE49-F238E27FC236}">
-                <a16:creationId xmlns="" xmlns:a16="http://schemas.microsoft.com/office/drawing/2014/main" id="{4209A6ED-466C-9647-B3A0-E8BD8D217464}"/>
+                <a16:creationId xmlns:a16="http://schemas.microsoft.com/office/drawing/2014/main" xmlns="" id="{4209A6ED-466C-9647-B3A0-E8BD8D217464}"/>
               </a:ext>
             </a:extLst>
           </p:cNvPr>
@@ -8641,7 +8641,7 @@
           <p:cNvPr id="20" name="TextBox 19">
             <a:extLst>
               <a:ext uri="{FF2B5EF4-FFF2-40B4-BE49-F238E27FC236}">
-                <a16:creationId xmlns="" xmlns:a16="http://schemas.microsoft.com/office/drawing/2014/main" id="{EC1CD3D3-FF03-CA40-9B5A-80F34E8C2740}"/>
+                <a16:creationId xmlns:a16="http://schemas.microsoft.com/office/drawing/2014/main" xmlns="" id="{EC1CD3D3-FF03-CA40-9B5A-80F34E8C2740}"/>
               </a:ext>
             </a:extLst>
           </p:cNvPr>
@@ -8680,7 +8680,7 @@
           <p:cNvPr id="21" name="TextBox 20">
             <a:extLst>
               <a:ext uri="{FF2B5EF4-FFF2-40B4-BE49-F238E27FC236}">
-                <a16:creationId xmlns="" xmlns:a16="http://schemas.microsoft.com/office/drawing/2014/main" id="{B4875DD3-C45D-DD40-AB89-C85DB852A973}"/>
+                <a16:creationId xmlns:a16="http://schemas.microsoft.com/office/drawing/2014/main" xmlns="" id="{B4875DD3-C45D-DD40-AB89-C85DB852A973}"/>
               </a:ext>
             </a:extLst>
           </p:cNvPr>
@@ -8745,7 +8745,7 @@
           <p:cNvPr id="7" name="Title 6">
             <a:extLst>
               <a:ext uri="{FF2B5EF4-FFF2-40B4-BE49-F238E27FC236}">
-                <a16:creationId xmlns="" xmlns:a16="http://schemas.microsoft.com/office/drawing/2014/main" id="{95650F7F-5448-8A4F-8104-405858E21911}"/>
+                <a16:creationId xmlns:a16="http://schemas.microsoft.com/office/drawing/2014/main" xmlns="" id="{95650F7F-5448-8A4F-8104-405858E21911}"/>
               </a:ext>
             </a:extLst>
           </p:cNvPr>
@@ -8773,7 +8773,7 @@
           <p:cNvPr id="8" name="Content Placeholder 7">
             <a:extLst>
               <a:ext uri="{FF2B5EF4-FFF2-40B4-BE49-F238E27FC236}">
-                <a16:creationId xmlns="" xmlns:a16="http://schemas.microsoft.com/office/drawing/2014/main" id="{569A5E1A-575E-2548-9721-209A3CC3DF8F}"/>
+                <a16:creationId xmlns:a16="http://schemas.microsoft.com/office/drawing/2014/main" xmlns="" id="{569A5E1A-575E-2548-9721-209A3CC3DF8F}"/>
               </a:ext>
             </a:extLst>
           </p:cNvPr>
@@ -8893,7 +8893,7 @@
           <p:cNvPr id="7" name="Title 6">
             <a:extLst>
               <a:ext uri="{FF2B5EF4-FFF2-40B4-BE49-F238E27FC236}">
-                <a16:creationId xmlns="" xmlns:a16="http://schemas.microsoft.com/office/drawing/2014/main" id="{068D89FB-C1E1-8346-AFE8-EE02F30080B9}"/>
+                <a16:creationId xmlns:a16="http://schemas.microsoft.com/office/drawing/2014/main" xmlns="" id="{068D89FB-C1E1-8346-AFE8-EE02F30080B9}"/>
               </a:ext>
             </a:extLst>
           </p:cNvPr>
@@ -9012,23 +9012,7 @@
                 <a:ea typeface="Times New Roman" charset="0"/>
                 <a:cs typeface="Times New Roman" charset="0"/>
               </a:rPr>
-              <a:t>CC </a:t>
-            </a:r>
-            <a:r>
-              <a:rPr lang="en-US" sz="2800" dirty="0">
-                <a:latin typeface="Times New Roman" charset="0"/>
-                <a:ea typeface="Times New Roman" charset="0"/>
-                <a:cs typeface="Times New Roman" charset="0"/>
-              </a:rPr>
-              <a:t>BY-SA </a:t>
-            </a:r>
-            <a:r>
-              <a:rPr lang="en-US" sz="2800" dirty="0">
-                <a:latin typeface="Times New Roman" charset="0"/>
-                <a:ea typeface="Times New Roman" charset="0"/>
-                <a:cs typeface="Times New Roman" charset="0"/>
-              </a:rPr>
-              <a:t>4.0. To view a copy of this license, visit </a:t>
+              <a:t>CC BY-SA 4.0. To view a copy of this license, visit </a:t>
             </a:r>
             <a:r>
               <a:rPr lang="en-US" sz="2800" dirty="0">
@@ -9037,16 +9021,7 @@
                 <a:cs typeface="Times New Roman" charset="0"/>
                 <a:hlinkClick r:id="rId2"/>
               </a:rPr>
-              <a:t>https://</a:t>
-            </a:r>
-            <a:r>
-              <a:rPr lang="en-US" sz="2800" dirty="0">
-                <a:latin typeface="Times New Roman" charset="0"/>
-                <a:ea typeface="Times New Roman" charset="0"/>
-                <a:cs typeface="Times New Roman" charset="0"/>
-                <a:hlinkClick r:id="rId2"/>
-              </a:rPr>
-              <a:t>creativecommons.org/licenses/by-sa/4.0</a:t>
+              <a:t>https://creativecommons.org/licenses/by-sa/4.0</a:t>
             </a:r>
             <a:r>
               <a:rPr lang="en-US" sz="2800" dirty="0">
@@ -9232,7 +9207,7 @@
           <p:cNvPr id="2" name="Title 1">
             <a:extLst>
               <a:ext uri="{FF2B5EF4-FFF2-40B4-BE49-F238E27FC236}">
-                <a16:creationId xmlns="" xmlns:a16="http://schemas.microsoft.com/office/drawing/2014/main" id="{44E12AD7-056C-AA4A-984B-DB6C718F0965}"/>
+                <a16:creationId xmlns:a16="http://schemas.microsoft.com/office/drawing/2014/main" xmlns="" id="{44E12AD7-056C-AA4A-984B-DB6C718F0965}"/>
               </a:ext>
             </a:extLst>
           </p:cNvPr>
@@ -9264,7 +9239,7 @@
           <p:cNvPr id="3" name="Content Placeholder 2">
             <a:extLst>
               <a:ext uri="{FF2B5EF4-FFF2-40B4-BE49-F238E27FC236}">
-                <a16:creationId xmlns="" xmlns:a16="http://schemas.microsoft.com/office/drawing/2014/main" id="{BF88A09D-158E-AF45-B6BE-3880F37DE481}"/>
+                <a16:creationId xmlns:a16="http://schemas.microsoft.com/office/drawing/2014/main" xmlns="" id="{BF88A09D-158E-AF45-B6BE-3880F37DE481}"/>
               </a:ext>
             </a:extLst>
           </p:cNvPr>
@@ -9356,7 +9331,7 @@
           <p:cNvPr id="2" name="Title 1">
             <a:extLst>
               <a:ext uri="{FF2B5EF4-FFF2-40B4-BE49-F238E27FC236}">
-                <a16:creationId xmlns="" xmlns:a16="http://schemas.microsoft.com/office/drawing/2014/main" id="{962C75CC-0538-584A-B9B6-FC2C94299AB8}"/>
+                <a16:creationId xmlns:a16="http://schemas.microsoft.com/office/drawing/2014/main" xmlns="" id="{962C75CC-0538-584A-B9B6-FC2C94299AB8}"/>
               </a:ext>
             </a:extLst>
           </p:cNvPr>
@@ -9384,7 +9359,7 @@
           <p:cNvPr id="3" name="Content Placeholder 2">
             <a:extLst>
               <a:ext uri="{FF2B5EF4-FFF2-40B4-BE49-F238E27FC236}">
-                <a16:creationId xmlns="" xmlns:a16="http://schemas.microsoft.com/office/drawing/2014/main" id="{8E1A4BFD-002B-D74B-810A-BA162D1BDB4B}"/>
+                <a16:creationId xmlns:a16="http://schemas.microsoft.com/office/drawing/2014/main" xmlns="" id="{8E1A4BFD-002B-D74B-810A-BA162D1BDB4B}"/>
               </a:ext>
             </a:extLst>
           </p:cNvPr>
@@ -9524,7 +9499,7 @@
           <p:cNvPr id="2" name="Title 1">
             <a:extLst>
               <a:ext uri="{FF2B5EF4-FFF2-40B4-BE49-F238E27FC236}">
-                <a16:creationId xmlns="" xmlns:a16="http://schemas.microsoft.com/office/drawing/2014/main" id="{F8213802-4696-B44F-8498-3FE0946D3E54}"/>
+                <a16:creationId xmlns:a16="http://schemas.microsoft.com/office/drawing/2014/main" xmlns="" id="{F8213802-4696-B44F-8498-3FE0946D3E54}"/>
               </a:ext>
             </a:extLst>
           </p:cNvPr>
@@ -9552,7 +9527,7 @@
           <p:cNvPr id="3" name="Content Placeholder 2">
             <a:extLst>
               <a:ext uri="{FF2B5EF4-FFF2-40B4-BE49-F238E27FC236}">
-                <a16:creationId xmlns="" xmlns:a16="http://schemas.microsoft.com/office/drawing/2014/main" id="{7BD563F5-507C-D040-A6CF-FF3AA33D662F}"/>
+                <a16:creationId xmlns:a16="http://schemas.microsoft.com/office/drawing/2014/main" xmlns="" id="{7BD563F5-507C-D040-A6CF-FF3AA33D662F}"/>
               </a:ext>
             </a:extLst>
           </p:cNvPr>
@@ -9640,13 +9615,7 @@
       </p:sp>
       <p:pic>
         <p:nvPicPr>
-          <p:cNvPr id="4" name="image6.png">
-            <a:extLst>
-              <a:ext uri="{FF2B5EF4-FFF2-40B4-BE49-F238E27FC236}">
-                <a16:creationId xmlns="" xmlns:a16="http://schemas.microsoft.com/office/drawing/2014/main" id="{C9528DF7-603E-2043-8523-58D36F94D23C}"/>
-              </a:ext>
-            </a:extLst>
-          </p:cNvPr>
+          <p:cNvPr id="6" name="Picture 5"/>
           <p:cNvPicPr>
             <a:picLocks noChangeAspect="1"/>
           </p:cNvPicPr>
@@ -9654,20 +9623,18 @@
         </p:nvPicPr>
         <p:blipFill>
           <a:blip r:embed="rId2"/>
-          <a:srcRect/>
           <a:stretch>
             <a:fillRect/>
           </a:stretch>
         </p:blipFill>
         <p:spPr>
           <a:xfrm>
-            <a:off x="7049239" y="2805907"/>
-            <a:ext cx="4876061" cy="3080544"/>
+            <a:off x="7954342" y="3163094"/>
+            <a:ext cx="2882900" cy="1676400"/>
           </a:xfrm>
           <a:prstGeom prst="rect">
             <a:avLst/>
           </a:prstGeom>
-          <a:ln/>
         </p:spPr>
       </p:pic>
     </p:spTree>
@@ -9705,7 +9672,7 @@
           <p:cNvPr id="2" name="Title 1">
             <a:extLst>
               <a:ext uri="{FF2B5EF4-FFF2-40B4-BE49-F238E27FC236}">
-                <a16:creationId xmlns="" xmlns:a16="http://schemas.microsoft.com/office/drawing/2014/main" id="{6DC34002-C3AE-7547-8DB2-2F5A47A64000}"/>
+                <a16:creationId xmlns:a16="http://schemas.microsoft.com/office/drawing/2014/main" xmlns="" id="{6DC34002-C3AE-7547-8DB2-2F5A47A64000}"/>
               </a:ext>
             </a:extLst>
           </p:cNvPr>
@@ -9733,7 +9700,7 @@
           <p:cNvPr id="3" name="Content Placeholder 2">
             <a:extLst>
               <a:ext uri="{FF2B5EF4-FFF2-40B4-BE49-F238E27FC236}">
-                <a16:creationId xmlns="" xmlns:a16="http://schemas.microsoft.com/office/drawing/2014/main" id="{59286B71-E1CD-A44C-A792-969F64D06641}"/>
+                <a16:creationId xmlns:a16="http://schemas.microsoft.com/office/drawing/2014/main" xmlns="" id="{59286B71-E1CD-A44C-A792-969F64D06641}"/>
               </a:ext>
             </a:extLst>
           </p:cNvPr>
@@ -9828,13 +9795,7 @@
       </p:sp>
       <p:pic>
         <p:nvPicPr>
-          <p:cNvPr id="4" name="image3.png">
-            <a:extLst>
-              <a:ext uri="{FF2B5EF4-FFF2-40B4-BE49-F238E27FC236}">
-                <a16:creationId xmlns="" xmlns:a16="http://schemas.microsoft.com/office/drawing/2014/main" id="{93D80FF5-04F7-D648-9D6A-453E9D84461C}"/>
-              </a:ext>
-            </a:extLst>
-          </p:cNvPr>
+          <p:cNvPr id="5" name="Picture 4"/>
           <p:cNvPicPr>
             <a:picLocks noChangeAspect="1"/>
           </p:cNvPicPr>
@@ -9842,20 +9803,18 @@
         </p:nvPicPr>
         <p:blipFill>
           <a:blip r:embed="rId2"/>
-          <a:srcRect/>
           <a:stretch>
             <a:fillRect/>
           </a:stretch>
         </p:blipFill>
         <p:spPr>
           <a:xfrm>
-            <a:off x="7058025" y="4287836"/>
-            <a:ext cx="4996466" cy="2024064"/>
+            <a:off x="7881244" y="3597964"/>
+            <a:ext cx="3472555" cy="2713935"/>
           </a:xfrm>
           <a:prstGeom prst="rect">
             <a:avLst/>
           </a:prstGeom>
-          <a:ln/>
         </p:spPr>
       </p:pic>
     </p:spTree>
@@ -9893,7 +9852,7 @@
           <p:cNvPr id="2" name="Title 1">
             <a:extLst>
               <a:ext uri="{FF2B5EF4-FFF2-40B4-BE49-F238E27FC236}">
-                <a16:creationId xmlns="" xmlns:a16="http://schemas.microsoft.com/office/drawing/2014/main" id="{EBEA536E-6151-4048-99B2-0552801BF57F}"/>
+                <a16:creationId xmlns:a16="http://schemas.microsoft.com/office/drawing/2014/main" xmlns="" id="{EBEA536E-6151-4048-99B2-0552801BF57F}"/>
               </a:ext>
             </a:extLst>
           </p:cNvPr>
@@ -9921,7 +9880,7 @@
           <p:cNvPr id="3" name="Content Placeholder 2">
             <a:extLst>
               <a:ext uri="{FF2B5EF4-FFF2-40B4-BE49-F238E27FC236}">
-                <a16:creationId xmlns="" xmlns:a16="http://schemas.microsoft.com/office/drawing/2014/main" id="{32C3B7DD-8B5F-2243-B63C-7C49BBA6BCE0}"/>
+                <a16:creationId xmlns:a16="http://schemas.microsoft.com/office/drawing/2014/main" xmlns="" id="{32C3B7DD-8B5F-2243-B63C-7C49BBA6BCE0}"/>
               </a:ext>
             </a:extLst>
           </p:cNvPr>
@@ -9986,13 +9945,7 @@
       </p:sp>
       <p:pic>
         <p:nvPicPr>
-          <p:cNvPr id="4" name="image8.png">
-            <a:extLst>
-              <a:ext uri="{FF2B5EF4-FFF2-40B4-BE49-F238E27FC236}">
-                <a16:creationId xmlns="" xmlns:a16="http://schemas.microsoft.com/office/drawing/2014/main" id="{EE6D69AB-4CA2-C74C-937E-2102718BA204}"/>
-              </a:ext>
-            </a:extLst>
-          </p:cNvPr>
+          <p:cNvPr id="5" name="Picture 4"/>
           <p:cNvPicPr>
             <a:picLocks noChangeAspect="1"/>
           </p:cNvPicPr>
@@ -10000,20 +9953,18 @@
         </p:nvPicPr>
         <p:blipFill>
           <a:blip r:embed="rId2"/>
-          <a:srcRect/>
           <a:stretch>
             <a:fillRect/>
           </a:stretch>
         </p:blipFill>
         <p:spPr>
           <a:xfrm>
-            <a:off x="6196016" y="4001294"/>
-            <a:ext cx="5865729" cy="2376202"/>
+            <a:off x="7474226" y="4140674"/>
+            <a:ext cx="3486702" cy="2412250"/>
           </a:xfrm>
           <a:prstGeom prst="rect">
             <a:avLst/>
           </a:prstGeom>
-          <a:ln/>
         </p:spPr>
       </p:pic>
     </p:spTree>
@@ -10051,7 +10002,7 @@
           <p:cNvPr id="2" name="Title 1">
             <a:extLst>
               <a:ext uri="{FF2B5EF4-FFF2-40B4-BE49-F238E27FC236}">
-                <a16:creationId xmlns="" xmlns:a16="http://schemas.microsoft.com/office/drawing/2014/main" id="{688C7C28-906C-F749-855B-A63BBF524998}"/>
+                <a16:creationId xmlns:a16="http://schemas.microsoft.com/office/drawing/2014/main" xmlns="" id="{688C7C28-906C-F749-855B-A63BBF524998}"/>
               </a:ext>
             </a:extLst>
           </p:cNvPr>
@@ -10079,7 +10030,7 @@
           <p:cNvPr id="3" name="Content Placeholder 2">
             <a:extLst>
               <a:ext uri="{FF2B5EF4-FFF2-40B4-BE49-F238E27FC236}">
-                <a16:creationId xmlns="" xmlns:a16="http://schemas.microsoft.com/office/drawing/2014/main" id="{99CB3F95-E860-BF4C-86E7-3D4461EAC52F}"/>
+                <a16:creationId xmlns:a16="http://schemas.microsoft.com/office/drawing/2014/main" xmlns="" id="{99CB3F95-E860-BF4C-86E7-3D4461EAC52F}"/>
               </a:ext>
             </a:extLst>
           </p:cNvPr>
@@ -10185,7 +10136,7 @@
           <p:cNvPr id="2" name="Title 1">
             <a:extLst>
               <a:ext uri="{FF2B5EF4-FFF2-40B4-BE49-F238E27FC236}">
-                <a16:creationId xmlns="" xmlns:a16="http://schemas.microsoft.com/office/drawing/2014/main" id="{358DD9C9-8F33-7E4A-BB20-4A3F6AD77B5D}"/>
+                <a16:creationId xmlns:a16="http://schemas.microsoft.com/office/drawing/2014/main" xmlns="" id="{358DD9C9-8F33-7E4A-BB20-4A3F6AD77B5D}"/>
               </a:ext>
             </a:extLst>
           </p:cNvPr>
@@ -10213,7 +10164,7 @@
           <p:cNvPr id="6" name="Text Placeholder 5">
             <a:extLst>
               <a:ext uri="{FF2B5EF4-FFF2-40B4-BE49-F238E27FC236}">
-                <a16:creationId xmlns="" xmlns:a16="http://schemas.microsoft.com/office/drawing/2014/main" id="{33DE313B-952F-1E4C-AE6C-DE987F56F535}"/>
+                <a16:creationId xmlns:a16="http://schemas.microsoft.com/office/drawing/2014/main" xmlns="" id="{33DE313B-952F-1E4C-AE6C-DE987F56F535}"/>
               </a:ext>
             </a:extLst>
           </p:cNvPr>
@@ -10243,7 +10194,7 @@
           <p:cNvPr id="8" name="Text Placeholder 7">
             <a:extLst>
               <a:ext uri="{FF2B5EF4-FFF2-40B4-BE49-F238E27FC236}">
-                <a16:creationId xmlns="" xmlns:a16="http://schemas.microsoft.com/office/drawing/2014/main" id="{C537B1CD-2687-A74D-9CB8-34E12374C3FC}"/>
+                <a16:creationId xmlns:a16="http://schemas.microsoft.com/office/drawing/2014/main" xmlns="" id="{C537B1CD-2687-A74D-9CB8-34E12374C3FC}"/>
               </a:ext>
             </a:extLst>
           </p:cNvPr>
@@ -10273,7 +10224,7 @@
           <p:cNvPr id="10" name="Rectangle 9">
             <a:extLst>
               <a:ext uri="{FF2B5EF4-FFF2-40B4-BE49-F238E27FC236}">
-                <a16:creationId xmlns="" xmlns:a16="http://schemas.microsoft.com/office/drawing/2014/main" id="{D3256648-E5B4-7A4E-80CC-2D668B6CD5D2}"/>
+                <a16:creationId xmlns:a16="http://schemas.microsoft.com/office/drawing/2014/main" xmlns="" id="{D3256648-E5B4-7A4E-80CC-2D668B6CD5D2}"/>
               </a:ext>
             </a:extLst>
           </p:cNvPr>
@@ -10322,7 +10273,7 @@
           <p:cNvPr id="11" name="Rectangle 10">
             <a:extLst>
               <a:ext uri="{FF2B5EF4-FFF2-40B4-BE49-F238E27FC236}">
-                <a16:creationId xmlns="" xmlns:a16="http://schemas.microsoft.com/office/drawing/2014/main" id="{3815DE27-3230-0745-A0A7-FD0479EE2681}"/>
+                <a16:creationId xmlns:a16="http://schemas.microsoft.com/office/drawing/2014/main" xmlns="" id="{3815DE27-3230-0745-A0A7-FD0479EE2681}"/>
               </a:ext>
             </a:extLst>
           </p:cNvPr>
@@ -10371,7 +10322,7 @@
           <p:cNvPr id="13" name="TextBox 12">
             <a:extLst>
               <a:ext uri="{FF2B5EF4-FFF2-40B4-BE49-F238E27FC236}">
-                <a16:creationId xmlns="" xmlns:a16="http://schemas.microsoft.com/office/drawing/2014/main" id="{42FD6980-3EDE-2847-8349-F1AA40313C00}"/>
+                <a16:creationId xmlns:a16="http://schemas.microsoft.com/office/drawing/2014/main" xmlns="" id="{42FD6980-3EDE-2847-8349-F1AA40313C00}"/>
               </a:ext>
             </a:extLst>
           </p:cNvPr>
@@ -10407,7 +10358,7 @@
           <p:cNvPr id="15" name="Straight Connector 14">
             <a:extLst>
               <a:ext uri="{FF2B5EF4-FFF2-40B4-BE49-F238E27FC236}">
-                <a16:creationId xmlns="" xmlns:a16="http://schemas.microsoft.com/office/drawing/2014/main" id="{F1D691CA-1D10-634D-BF35-A6485C7982FF}"/>
+                <a16:creationId xmlns:a16="http://schemas.microsoft.com/office/drawing/2014/main" xmlns="" id="{F1D691CA-1D10-634D-BF35-A6485C7982FF}"/>
               </a:ext>
             </a:extLst>
           </p:cNvPr>
@@ -10451,7 +10402,7 @@
           <p:cNvPr id="16" name="Rectangle 15">
             <a:extLst>
               <a:ext uri="{FF2B5EF4-FFF2-40B4-BE49-F238E27FC236}">
-                <a16:creationId xmlns="" xmlns:a16="http://schemas.microsoft.com/office/drawing/2014/main" id="{77CD1CDC-491B-0D4C-AAFB-2E8EA3282914}"/>
+                <a16:creationId xmlns:a16="http://schemas.microsoft.com/office/drawing/2014/main" xmlns="" id="{77CD1CDC-491B-0D4C-AAFB-2E8EA3282914}"/>
               </a:ext>
             </a:extLst>
           </p:cNvPr>
@@ -10500,7 +10451,7 @@
           <p:cNvPr id="17" name="Rectangle 16">
             <a:extLst>
               <a:ext uri="{FF2B5EF4-FFF2-40B4-BE49-F238E27FC236}">
-                <a16:creationId xmlns="" xmlns:a16="http://schemas.microsoft.com/office/drawing/2014/main" id="{234663B7-ACA3-DD4B-8C70-90B4123D86D5}"/>
+                <a16:creationId xmlns:a16="http://schemas.microsoft.com/office/drawing/2014/main" xmlns="" id="{234663B7-ACA3-DD4B-8C70-90B4123D86D5}"/>
               </a:ext>
             </a:extLst>
           </p:cNvPr>
@@ -10549,7 +10500,7 @@
           <p:cNvPr id="23" name="Curved Connector 22">
             <a:extLst>
               <a:ext uri="{FF2B5EF4-FFF2-40B4-BE49-F238E27FC236}">
-                <a16:creationId xmlns="" xmlns:a16="http://schemas.microsoft.com/office/drawing/2014/main" id="{B12187BD-7BCE-E54A-AE76-8C910DB1A41D}"/>
+                <a16:creationId xmlns:a16="http://schemas.microsoft.com/office/drawing/2014/main" xmlns="" id="{B12187BD-7BCE-E54A-AE76-8C910DB1A41D}"/>
               </a:ext>
             </a:extLst>
           </p:cNvPr>
@@ -10594,7 +10545,7 @@
           <p:cNvPr id="25" name="Rectangle 24">
             <a:extLst>
               <a:ext uri="{FF2B5EF4-FFF2-40B4-BE49-F238E27FC236}">
-                <a16:creationId xmlns="" xmlns:a16="http://schemas.microsoft.com/office/drawing/2014/main" id="{04A1F68B-8FD7-2A40-9A6F-5EC96778ABA3}"/>
+                <a16:creationId xmlns:a16="http://schemas.microsoft.com/office/drawing/2014/main" xmlns="" id="{04A1F68B-8FD7-2A40-9A6F-5EC96778ABA3}"/>
               </a:ext>
             </a:extLst>
           </p:cNvPr>
@@ -10643,7 +10594,7 @@
           <p:cNvPr id="27" name="Rectangle 26">
             <a:extLst>
               <a:ext uri="{FF2B5EF4-FFF2-40B4-BE49-F238E27FC236}">
-                <a16:creationId xmlns="" xmlns:a16="http://schemas.microsoft.com/office/drawing/2014/main" id="{1320079D-53A3-B14C-A832-AD503BF156C5}"/>
+                <a16:creationId xmlns:a16="http://schemas.microsoft.com/office/drawing/2014/main" xmlns="" id="{1320079D-53A3-B14C-A832-AD503BF156C5}"/>
               </a:ext>
             </a:extLst>
           </p:cNvPr>
@@ -10692,7 +10643,7 @@
           <p:cNvPr id="28" name="Curved Connector 27">
             <a:extLst>
               <a:ext uri="{FF2B5EF4-FFF2-40B4-BE49-F238E27FC236}">
-                <a16:creationId xmlns="" xmlns:a16="http://schemas.microsoft.com/office/drawing/2014/main" id="{5B628F0E-A965-964F-B388-0AA841F54F35}"/>
+                <a16:creationId xmlns:a16="http://schemas.microsoft.com/office/drawing/2014/main" xmlns="" id="{5B628F0E-A965-964F-B388-0AA841F54F35}"/>
               </a:ext>
             </a:extLst>
           </p:cNvPr>
@@ -10738,7 +10689,7 @@
           <p:cNvPr id="31" name="Curved Connector 30">
             <a:extLst>
               <a:ext uri="{FF2B5EF4-FFF2-40B4-BE49-F238E27FC236}">
-                <a16:creationId xmlns="" xmlns:a16="http://schemas.microsoft.com/office/drawing/2014/main" id="{D6223184-A810-8C4E-8DD6-BDE3F8857DAF}"/>
+                <a16:creationId xmlns:a16="http://schemas.microsoft.com/office/drawing/2014/main" xmlns="" id="{D6223184-A810-8C4E-8DD6-BDE3F8857DAF}"/>
               </a:ext>
             </a:extLst>
           </p:cNvPr>
@@ -10784,7 +10735,7 @@
           <p:cNvPr id="34" name="Curved Connector 33">
             <a:extLst>
               <a:ext uri="{FF2B5EF4-FFF2-40B4-BE49-F238E27FC236}">
-                <a16:creationId xmlns="" xmlns:a16="http://schemas.microsoft.com/office/drawing/2014/main" id="{5FAAE7BA-4D42-A645-BEF3-2E796B982B4F}"/>
+                <a16:creationId xmlns:a16="http://schemas.microsoft.com/office/drawing/2014/main" xmlns="" id="{5FAAE7BA-4D42-A645-BEF3-2E796B982B4F}"/>
               </a:ext>
             </a:extLst>
           </p:cNvPr>
